--- a/Web-Technologie.pptx
+++ b/Web-Technologie.pptx
@@ -109,7 +109,41 @@
       </a:defRPr>
     </a:lvl9pPr>
   </p:defaultTextStyle>
+  <p:extLst>
+    <p:ext uri="{EFAFB233-063F-42B5-8137-9DF3F51BA10A}">
+      <p15:sldGuideLst xmlns:p15="http://schemas.microsoft.com/office/powerpoint/2012/main"/>
+    </p:ext>
+  </p:extLst>
 </p:presentation>
+</file>
+
+<file path=ppt/changesInfos/changesInfo1.xml><?xml version="1.0" encoding="utf-8"?>
+<pc:chgInfo xmlns:a="http://schemas.openxmlformats.org/drawingml/2006/main" xmlns:r="http://schemas.openxmlformats.org/officeDocument/2006/relationships" xmlns:ac="http://schemas.microsoft.com/office/drawing/2013/main/command" xmlns:pc="http://schemas.microsoft.com/office/powerpoint/2013/main/command">
+  <pc:docChgLst>
+    <pc:chgData name="Simon Driescher" userId="fcef99ce1c40fef3" providerId="LiveId" clId="{27196A8C-3FC4-41DA-BFF7-A7CB116E1B03}"/>
+    <pc:docChg chg="modSld">
+      <pc:chgData name="Simon Driescher" userId="fcef99ce1c40fef3" providerId="LiveId" clId="{27196A8C-3FC4-41DA-BFF7-A7CB116E1B03}" dt="2023-03-23T11:30:09.559" v="223" actId="6549"/>
+      <pc:docMkLst>
+        <pc:docMk/>
+      </pc:docMkLst>
+      <pc:sldChg chg="modSp mod">
+        <pc:chgData name="Simon Driescher" userId="fcef99ce1c40fef3" providerId="LiveId" clId="{27196A8C-3FC4-41DA-BFF7-A7CB116E1B03}" dt="2023-03-23T11:30:09.559" v="223" actId="6549"/>
+        <pc:sldMkLst>
+          <pc:docMk/>
+          <pc:sldMk cId="222070223" sldId="261"/>
+        </pc:sldMkLst>
+        <pc:spChg chg="mod">
+          <ac:chgData name="Simon Driescher" userId="fcef99ce1c40fef3" providerId="LiveId" clId="{27196A8C-3FC4-41DA-BFF7-A7CB116E1B03}" dt="2023-03-23T11:30:09.559" v="223" actId="6549"/>
+          <ac:spMkLst>
+            <pc:docMk/>
+            <pc:sldMk cId="222070223" sldId="261"/>
+            <ac:spMk id="3" creationId="{E9FE390B-3044-185C-5715-5D3C53579DEE}"/>
+          </ac:spMkLst>
+        </pc:spChg>
+      </pc:sldChg>
+    </pc:docChg>
+  </pc:docChgLst>
+</pc:chgInfo>
 </file>
 
 <file path=ppt/slideLayouts/slideLayout1.xml><?xml version="1.0" encoding="utf-8"?>
@@ -259,7 +293,7 @@
           <a:p>
             <a:fld id="{1C760FE3-A85F-42BC-8F15-773C19544183}" type="datetimeFigureOut">
               <a:rPr lang="de-DE" smtClean="0"/>
-              <a:t>17.03.2023</a:t>
+              <a:t>23.03.2023</a:t>
             </a:fld>
             <a:endParaRPr lang="de-DE"/>
           </a:p>
@@ -457,7 +491,7 @@
           <a:p>
             <a:fld id="{1C760FE3-A85F-42BC-8F15-773C19544183}" type="datetimeFigureOut">
               <a:rPr lang="de-DE" smtClean="0"/>
-              <a:t>17.03.2023</a:t>
+              <a:t>23.03.2023</a:t>
             </a:fld>
             <a:endParaRPr lang="de-DE"/>
           </a:p>
@@ -665,7 +699,7 @@
           <a:p>
             <a:fld id="{1C760FE3-A85F-42BC-8F15-773C19544183}" type="datetimeFigureOut">
               <a:rPr lang="de-DE" smtClean="0"/>
-              <a:t>17.03.2023</a:t>
+              <a:t>23.03.2023</a:t>
             </a:fld>
             <a:endParaRPr lang="de-DE"/>
           </a:p>
@@ -863,7 +897,7 @@
           <a:p>
             <a:fld id="{1C760FE3-A85F-42BC-8F15-773C19544183}" type="datetimeFigureOut">
               <a:rPr lang="de-DE" smtClean="0"/>
-              <a:t>17.03.2023</a:t>
+              <a:t>23.03.2023</a:t>
             </a:fld>
             <a:endParaRPr lang="de-DE"/>
           </a:p>
@@ -1138,7 +1172,7 @@
           <a:p>
             <a:fld id="{1C760FE3-A85F-42BC-8F15-773C19544183}" type="datetimeFigureOut">
               <a:rPr lang="de-DE" smtClean="0"/>
-              <a:t>17.03.2023</a:t>
+              <a:t>23.03.2023</a:t>
             </a:fld>
             <a:endParaRPr lang="de-DE"/>
           </a:p>
@@ -1403,7 +1437,7 @@
           <a:p>
             <a:fld id="{1C760FE3-A85F-42BC-8F15-773C19544183}" type="datetimeFigureOut">
               <a:rPr lang="de-DE" smtClean="0"/>
-              <a:t>17.03.2023</a:t>
+              <a:t>23.03.2023</a:t>
             </a:fld>
             <a:endParaRPr lang="de-DE"/>
           </a:p>
@@ -1815,7 +1849,7 @@
           <a:p>
             <a:fld id="{1C760FE3-A85F-42BC-8F15-773C19544183}" type="datetimeFigureOut">
               <a:rPr lang="de-DE" smtClean="0"/>
-              <a:t>17.03.2023</a:t>
+              <a:t>23.03.2023</a:t>
             </a:fld>
             <a:endParaRPr lang="de-DE"/>
           </a:p>
@@ -1956,7 +1990,7 @@
           <a:p>
             <a:fld id="{1C760FE3-A85F-42BC-8F15-773C19544183}" type="datetimeFigureOut">
               <a:rPr lang="de-DE" smtClean="0"/>
-              <a:t>17.03.2023</a:t>
+              <a:t>23.03.2023</a:t>
             </a:fld>
             <a:endParaRPr lang="de-DE"/>
           </a:p>
@@ -2069,7 +2103,7 @@
           <a:p>
             <a:fld id="{1C760FE3-A85F-42BC-8F15-773C19544183}" type="datetimeFigureOut">
               <a:rPr lang="de-DE" smtClean="0"/>
-              <a:t>17.03.2023</a:t>
+              <a:t>23.03.2023</a:t>
             </a:fld>
             <a:endParaRPr lang="de-DE"/>
           </a:p>
@@ -2380,7 +2414,7 @@
           <a:p>
             <a:fld id="{1C760FE3-A85F-42BC-8F15-773C19544183}" type="datetimeFigureOut">
               <a:rPr lang="de-DE" smtClean="0"/>
-              <a:t>17.03.2023</a:t>
+              <a:t>23.03.2023</a:t>
             </a:fld>
             <a:endParaRPr lang="de-DE"/>
           </a:p>
@@ -2668,7 +2702,7 @@
           <a:p>
             <a:fld id="{1C760FE3-A85F-42BC-8F15-773C19544183}" type="datetimeFigureOut">
               <a:rPr lang="de-DE" smtClean="0"/>
-              <a:t>17.03.2023</a:t>
+              <a:t>23.03.2023</a:t>
             </a:fld>
             <a:endParaRPr lang="de-DE"/>
           </a:p>
@@ -2909,7 +2943,7 @@
           <a:p>
             <a:fld id="{1C760FE3-A85F-42BC-8F15-773C19544183}" type="datetimeFigureOut">
               <a:rPr lang="de-DE" smtClean="0"/>
-              <a:t>17.03.2023</a:t>
+              <a:t>23.03.2023</a:t>
             </a:fld>
             <a:endParaRPr lang="de-DE"/>
           </a:p>
@@ -4395,7 +4429,56 @@
           <a:bodyPr/>
           <a:lstStyle/>
           <a:p>
-            <a:endParaRPr lang="de-DE"/>
+            <a:r>
+              <a:rPr lang="de-DE" dirty="0"/>
+              <a:t>Use </a:t>
+            </a:r>
+            <a:r>
+              <a:rPr lang="de-DE" dirty="0" err="1"/>
+              <a:t>case</a:t>
+            </a:r>
+            <a:r>
+              <a:rPr lang="de-DE" dirty="0"/>
+              <a:t> Info: Info über Shop</a:t>
+            </a:r>
+          </a:p>
+          <a:p>
+            <a:r>
+              <a:rPr lang="de-DE" dirty="0"/>
+              <a:t>UC </a:t>
+            </a:r>
+            <a:r>
+              <a:rPr lang="de-DE" dirty="0" err="1"/>
+              <a:t>Crud</a:t>
+            </a:r>
+            <a:r>
+              <a:rPr lang="de-DE" dirty="0"/>
+              <a:t>: Warenwirtschafts Verwaltung für intern</a:t>
+            </a:r>
+          </a:p>
+          <a:p>
+            <a:r>
+              <a:rPr lang="de-DE" dirty="0"/>
+              <a:t>UC  Search: Suchanfrage an DB für Shirts</a:t>
+            </a:r>
+          </a:p>
+          <a:p>
+            <a:r>
+              <a:rPr lang="de-DE" dirty="0"/>
+              <a:t>UC Transaction: </a:t>
+            </a:r>
+            <a:r>
+              <a:rPr lang="de-DE" dirty="0" err="1"/>
+              <a:t>Checkout</a:t>
+            </a:r>
+            <a:r>
+              <a:rPr lang="de-DE"/>
+              <a:t>/Storno, </a:t>
+            </a:r>
+            <a:r>
+              <a:rPr lang="de-DE" dirty="0"/>
+              <a:t>Statistik </a:t>
+            </a:r>
           </a:p>
         </p:txBody>
       </p:sp>

--- a/Web-Technologie.pptx
+++ b/Web-Technologie.pptx
@@ -10,7 +10,9 @@
     <p:sldId id="258" r:id="rId4"/>
     <p:sldId id="259" r:id="rId5"/>
     <p:sldId id="260" r:id="rId6"/>
-    <p:sldId id="261" r:id="rId7"/>
+    <p:sldId id="262" r:id="rId7"/>
+    <p:sldId id="263" r:id="rId8"/>
+    <p:sldId id="261" r:id="rId9"/>
   </p:sldIdLst>
   <p:sldSz cx="12192000" cy="6858000"/>
   <p:notesSz cx="6858000" cy="9144000"/>
@@ -117,8 +119,95 @@
 </p:presentation>
 </file>
 
+<file path=ppt/revisionInfo.xml><?xml version="1.0" encoding="utf-8"?>
+<p1510:revInfo xmlns:a="http://schemas.openxmlformats.org/drawingml/2006/main" xmlns:r="http://schemas.openxmlformats.org/officeDocument/2006/relationships" xmlns:p1510="http://schemas.microsoft.com/office/powerpoint/2015/10/main">
+  <p1510:revLst>
+    <p1510:client id="{DABA1AB9-17DE-4C33-A58B-03DDC054E1C9}" v="3" dt="2023-03-26T10:39:06.664"/>
+  </p1510:revLst>
+</p1510:revInfo>
+</file>
+
 <file path=ppt/changesInfos/changesInfo1.xml><?xml version="1.0" encoding="utf-8"?>
 <pc:chgInfo xmlns:a="http://schemas.openxmlformats.org/drawingml/2006/main" xmlns:r="http://schemas.openxmlformats.org/officeDocument/2006/relationships" xmlns:ac="http://schemas.microsoft.com/office/drawing/2013/main/command" xmlns:pc="http://schemas.microsoft.com/office/powerpoint/2013/main/command">
+  <pc:docChgLst>
+    <pc:chgData name="Simon Driescher" userId="fcef99ce1c40fef3" providerId="LiveId" clId="{DABA1AB9-17DE-4C33-A58B-03DDC054E1C9}"/>
+    <pc:docChg chg="undo custSel addSld modSld">
+      <pc:chgData name="Simon Driescher" userId="fcef99ce1c40fef3" providerId="LiveId" clId="{DABA1AB9-17DE-4C33-A58B-03DDC054E1C9}" dt="2023-03-26T10:43:51.030" v="350" actId="20577"/>
+      <pc:docMkLst>
+        <pc:docMk/>
+      </pc:docMkLst>
+      <pc:sldChg chg="addSp delSp modSp new mod">
+        <pc:chgData name="Simon Driescher" userId="fcef99ce1c40fef3" providerId="LiveId" clId="{DABA1AB9-17DE-4C33-A58B-03DDC054E1C9}" dt="2023-03-26T10:39:26.444" v="34" actId="1076"/>
+        <pc:sldMkLst>
+          <pc:docMk/>
+          <pc:sldMk cId="2772934370" sldId="262"/>
+        </pc:sldMkLst>
+        <pc:spChg chg="add mod">
+          <ac:chgData name="Simon Driescher" userId="fcef99ce1c40fef3" providerId="LiveId" clId="{DABA1AB9-17DE-4C33-A58B-03DDC054E1C9}" dt="2023-03-26T10:39:26.444" v="34" actId="1076"/>
+          <ac:spMkLst>
+            <pc:docMk/>
+            <pc:sldMk cId="2772934370" sldId="262"/>
+            <ac:spMk id="6" creationId="{CEBCB7BC-A344-6A90-A8DF-9B9A01B9490C}"/>
+          </ac:spMkLst>
+        </pc:spChg>
+        <pc:picChg chg="add del mod">
+          <ac:chgData name="Simon Driescher" userId="fcef99ce1c40fef3" providerId="LiveId" clId="{DABA1AB9-17DE-4C33-A58B-03DDC054E1C9}" dt="2023-03-26T10:38:36.780" v="4" actId="478"/>
+          <ac:picMkLst>
+            <pc:docMk/>
+            <pc:sldMk cId="2772934370" sldId="262"/>
+            <ac:picMk id="3" creationId="{2662B267-C801-E443-6EAA-B99C60DF446C}"/>
+          </ac:picMkLst>
+        </pc:picChg>
+        <pc:picChg chg="add mod">
+          <ac:chgData name="Simon Driescher" userId="fcef99ce1c40fef3" providerId="LiveId" clId="{DABA1AB9-17DE-4C33-A58B-03DDC054E1C9}" dt="2023-03-26T10:39:00.940" v="11" actId="1076"/>
+          <ac:picMkLst>
+            <pc:docMk/>
+            <pc:sldMk cId="2772934370" sldId="262"/>
+            <ac:picMk id="5" creationId="{A9220EC9-DBE8-9656-8849-ECD5EE61D81E}"/>
+          </ac:picMkLst>
+        </pc:picChg>
+      </pc:sldChg>
+      <pc:sldChg chg="addSp delSp modSp new mod modClrScheme chgLayout">
+        <pc:chgData name="Simon Driescher" userId="fcef99ce1c40fef3" providerId="LiveId" clId="{DABA1AB9-17DE-4C33-A58B-03DDC054E1C9}" dt="2023-03-26T10:43:51.030" v="350" actId="20577"/>
+        <pc:sldMkLst>
+          <pc:docMk/>
+          <pc:sldMk cId="846009496" sldId="263"/>
+        </pc:sldMkLst>
+        <pc:spChg chg="add mod">
+          <ac:chgData name="Simon Driescher" userId="fcef99ce1c40fef3" providerId="LiveId" clId="{DABA1AB9-17DE-4C33-A58B-03DDC054E1C9}" dt="2023-03-26T10:39:55.587" v="44" actId="122"/>
+          <ac:spMkLst>
+            <pc:docMk/>
+            <pc:sldMk cId="846009496" sldId="263"/>
+            <ac:spMk id="2" creationId="{31CEAB8A-335F-DFC3-3A51-4EA22BE4B171}"/>
+          </ac:spMkLst>
+        </pc:spChg>
+        <pc:spChg chg="add del mod">
+          <ac:chgData name="Simon Driescher" userId="fcef99ce1c40fef3" providerId="LiveId" clId="{DABA1AB9-17DE-4C33-A58B-03DDC054E1C9}" dt="2023-03-26T10:40:12.003" v="47" actId="3680"/>
+          <ac:spMkLst>
+            <pc:docMk/>
+            <pc:sldMk cId="846009496" sldId="263"/>
+            <ac:spMk id="3" creationId="{FF72ABC6-45C4-BBA1-BBEF-336067C2BB3F}"/>
+          </ac:spMkLst>
+        </pc:spChg>
+        <pc:graphicFrameChg chg="add del mod ord modGraphic">
+          <ac:chgData name="Simon Driescher" userId="fcef99ce1c40fef3" providerId="LiveId" clId="{DABA1AB9-17DE-4C33-A58B-03DDC054E1C9}" dt="2023-03-26T10:40:05.143" v="46" actId="3680"/>
+          <ac:graphicFrameMkLst>
+            <pc:docMk/>
+            <pc:sldMk cId="846009496" sldId="263"/>
+            <ac:graphicFrameMk id="4" creationId="{3A988B9C-FB54-6979-CA78-8E5297F03A01}"/>
+          </ac:graphicFrameMkLst>
+        </pc:graphicFrameChg>
+        <pc:graphicFrameChg chg="add mod ord modGraphic">
+          <ac:chgData name="Simon Driescher" userId="fcef99ce1c40fef3" providerId="LiveId" clId="{DABA1AB9-17DE-4C33-A58B-03DDC054E1C9}" dt="2023-03-26T10:43:51.030" v="350" actId="20577"/>
+          <ac:graphicFrameMkLst>
+            <pc:docMk/>
+            <pc:sldMk cId="846009496" sldId="263"/>
+            <ac:graphicFrameMk id="5" creationId="{611B2C5B-4869-F4D0-229D-AF7AB04ACFAD}"/>
+          </ac:graphicFrameMkLst>
+        </pc:graphicFrameChg>
+      </pc:sldChg>
+    </pc:docChg>
+  </pc:docChgLst>
   <pc:docChgLst>
     <pc:chgData name="Simon Driescher" userId="fcef99ce1c40fef3" providerId="LiveId" clId="{27196A8C-3FC4-41DA-BFF7-A7CB116E1B03}"/>
     <pc:docChg chg="modSld">
@@ -293,7 +382,7 @@
           <a:p>
             <a:fld id="{1C760FE3-A85F-42BC-8F15-773C19544183}" type="datetimeFigureOut">
               <a:rPr lang="de-DE" smtClean="0"/>
-              <a:t>23.03.2023</a:t>
+              <a:t>26.03.2023</a:t>
             </a:fld>
             <a:endParaRPr lang="de-DE"/>
           </a:p>
@@ -491,7 +580,7 @@
           <a:p>
             <a:fld id="{1C760FE3-A85F-42BC-8F15-773C19544183}" type="datetimeFigureOut">
               <a:rPr lang="de-DE" smtClean="0"/>
-              <a:t>23.03.2023</a:t>
+              <a:t>26.03.2023</a:t>
             </a:fld>
             <a:endParaRPr lang="de-DE"/>
           </a:p>
@@ -699,7 +788,7 @@
           <a:p>
             <a:fld id="{1C760FE3-A85F-42BC-8F15-773C19544183}" type="datetimeFigureOut">
               <a:rPr lang="de-DE" smtClean="0"/>
-              <a:t>23.03.2023</a:t>
+              <a:t>26.03.2023</a:t>
             </a:fld>
             <a:endParaRPr lang="de-DE"/>
           </a:p>
@@ -897,7 +986,7 @@
           <a:p>
             <a:fld id="{1C760FE3-A85F-42BC-8F15-773C19544183}" type="datetimeFigureOut">
               <a:rPr lang="de-DE" smtClean="0"/>
-              <a:t>23.03.2023</a:t>
+              <a:t>26.03.2023</a:t>
             </a:fld>
             <a:endParaRPr lang="de-DE"/>
           </a:p>
@@ -1172,7 +1261,7 @@
           <a:p>
             <a:fld id="{1C760FE3-A85F-42BC-8F15-773C19544183}" type="datetimeFigureOut">
               <a:rPr lang="de-DE" smtClean="0"/>
-              <a:t>23.03.2023</a:t>
+              <a:t>26.03.2023</a:t>
             </a:fld>
             <a:endParaRPr lang="de-DE"/>
           </a:p>
@@ -1437,7 +1526,7 @@
           <a:p>
             <a:fld id="{1C760FE3-A85F-42BC-8F15-773C19544183}" type="datetimeFigureOut">
               <a:rPr lang="de-DE" smtClean="0"/>
-              <a:t>23.03.2023</a:t>
+              <a:t>26.03.2023</a:t>
             </a:fld>
             <a:endParaRPr lang="de-DE"/>
           </a:p>
@@ -1849,7 +1938,7 @@
           <a:p>
             <a:fld id="{1C760FE3-A85F-42BC-8F15-773C19544183}" type="datetimeFigureOut">
               <a:rPr lang="de-DE" smtClean="0"/>
-              <a:t>23.03.2023</a:t>
+              <a:t>26.03.2023</a:t>
             </a:fld>
             <a:endParaRPr lang="de-DE"/>
           </a:p>
@@ -1990,7 +2079,7 @@
           <a:p>
             <a:fld id="{1C760FE3-A85F-42BC-8F15-773C19544183}" type="datetimeFigureOut">
               <a:rPr lang="de-DE" smtClean="0"/>
-              <a:t>23.03.2023</a:t>
+              <a:t>26.03.2023</a:t>
             </a:fld>
             <a:endParaRPr lang="de-DE"/>
           </a:p>
@@ -2103,7 +2192,7 @@
           <a:p>
             <a:fld id="{1C760FE3-A85F-42BC-8F15-773C19544183}" type="datetimeFigureOut">
               <a:rPr lang="de-DE" smtClean="0"/>
-              <a:t>23.03.2023</a:t>
+              <a:t>26.03.2023</a:t>
             </a:fld>
             <a:endParaRPr lang="de-DE"/>
           </a:p>
@@ -2414,7 +2503,7 @@
           <a:p>
             <a:fld id="{1C760FE3-A85F-42BC-8F15-773C19544183}" type="datetimeFigureOut">
               <a:rPr lang="de-DE" smtClean="0"/>
-              <a:t>23.03.2023</a:t>
+              <a:t>26.03.2023</a:t>
             </a:fld>
             <a:endParaRPr lang="de-DE"/>
           </a:p>
@@ -2702,7 +2791,7 @@
           <a:p>
             <a:fld id="{1C760FE3-A85F-42BC-8F15-773C19544183}" type="datetimeFigureOut">
               <a:rPr lang="de-DE" smtClean="0"/>
-              <a:t>23.03.2023</a:t>
+              <a:t>26.03.2023</a:t>
             </a:fld>
             <a:endParaRPr lang="de-DE"/>
           </a:p>
@@ -2943,7 +3032,7 @@
           <a:p>
             <a:fld id="{1C760FE3-A85F-42BC-8F15-773C19544183}" type="datetimeFigureOut">
               <a:rPr lang="de-DE" smtClean="0"/>
-              <a:t>23.03.2023</a:t>
+              <a:t>26.03.2023</a:t>
             </a:fld>
             <a:endParaRPr lang="de-DE"/>
           </a:p>
@@ -4380,6 +4469,353 @@
           <a:chExt cx="0" cy="0"/>
         </a:xfrm>
       </p:grpSpPr>
+      <p:pic>
+        <p:nvPicPr>
+          <p:cNvPr id="5" name="Grafik 4" descr="Ein Bild, das Diagramm enthält.">
+            <a:extLst>
+              <a:ext uri="{FF2B5EF4-FFF2-40B4-BE49-F238E27FC236}">
+                <a16:creationId xmlns:a16="http://schemas.microsoft.com/office/drawing/2014/main" id="{A9220EC9-DBE8-9656-8849-ECD5EE61D81E}"/>
+              </a:ext>
+            </a:extLst>
+          </p:cNvPr>
+          <p:cNvPicPr>
+            <a:picLocks noChangeAspect="1"/>
+          </p:cNvPicPr>
+          <p:nvPr/>
+        </p:nvPicPr>
+        <p:blipFill>
+          <a:blip r:embed="rId2">
+            <a:extLst>
+              <a:ext uri="{28A0092B-C50C-407E-A947-70E740481C1C}">
+                <a14:useLocalDpi xmlns:a14="http://schemas.microsoft.com/office/drawing/2010/main" val="0"/>
+              </a:ext>
+            </a:extLst>
+          </a:blip>
+          <a:stretch>
+            <a:fillRect/>
+          </a:stretch>
+        </p:blipFill>
+        <p:spPr>
+          <a:xfrm>
+            <a:off x="1820550" y="1069675"/>
+            <a:ext cx="7902362" cy="5477774"/>
+          </a:xfrm>
+          <a:prstGeom prst="rect">
+            <a:avLst/>
+          </a:prstGeom>
+        </p:spPr>
+      </p:pic>
+      <p:sp>
+        <p:nvSpPr>
+          <p:cNvPr id="6" name="Textfeld 5">
+            <a:extLst>
+              <a:ext uri="{FF2B5EF4-FFF2-40B4-BE49-F238E27FC236}">
+                <a16:creationId xmlns:a16="http://schemas.microsoft.com/office/drawing/2014/main" id="{CEBCB7BC-A344-6A90-A8DF-9B9A01B9490C}"/>
+              </a:ext>
+            </a:extLst>
+          </p:cNvPr>
+          <p:cNvSpPr txBox="1"/>
+          <p:nvPr/>
+        </p:nvSpPr>
+        <p:spPr>
+          <a:xfrm>
+            <a:off x="4356340" y="405442"/>
+            <a:ext cx="2405146" cy="461665"/>
+          </a:xfrm>
+          <a:prstGeom prst="rect">
+            <a:avLst/>
+          </a:prstGeom>
+          <a:noFill/>
+        </p:spPr>
+        <p:txBody>
+          <a:bodyPr wrap="none" rtlCol="0">
+            <a:spAutoFit/>
+          </a:bodyPr>
+          <a:lstStyle/>
+          <a:p>
+            <a:r>
+              <a:rPr lang="de-DE" sz="2400" dirty="0"/>
+              <a:t>Kontextdiagramm</a:t>
+            </a:r>
+          </a:p>
+        </p:txBody>
+      </p:sp>
+    </p:spTree>
+    <p:extLst>
+      <p:ext uri="{BB962C8B-B14F-4D97-AF65-F5344CB8AC3E}">
+        <p14:creationId xmlns:p14="http://schemas.microsoft.com/office/powerpoint/2010/main" val="2772934370"/>
+      </p:ext>
+    </p:extLst>
+  </p:cSld>
+  <p:clrMapOvr>
+    <a:masterClrMapping/>
+  </p:clrMapOvr>
+</p:sld>
+</file>
+
+<file path=ppt/slides/slide7.xml><?xml version="1.0" encoding="utf-8"?>
+<p:sld xmlns:a="http://schemas.openxmlformats.org/drawingml/2006/main" xmlns:r="http://schemas.openxmlformats.org/officeDocument/2006/relationships" xmlns:p="http://schemas.openxmlformats.org/presentationml/2006/main">
+  <p:cSld>
+    <p:spTree>
+      <p:nvGrpSpPr>
+        <p:cNvPr id="1" name=""/>
+        <p:cNvGrpSpPr/>
+        <p:nvPr/>
+      </p:nvGrpSpPr>
+      <p:grpSpPr>
+        <a:xfrm>
+          <a:off x="0" y="0"/>
+          <a:ext cx="0" cy="0"/>
+          <a:chOff x="0" y="0"/>
+          <a:chExt cx="0" cy="0"/>
+        </a:xfrm>
+      </p:grpSpPr>
+      <p:sp>
+        <p:nvSpPr>
+          <p:cNvPr id="2" name="Titel 1">
+            <a:extLst>
+              <a:ext uri="{FF2B5EF4-FFF2-40B4-BE49-F238E27FC236}">
+                <a16:creationId xmlns:a16="http://schemas.microsoft.com/office/drawing/2014/main" id="{31CEAB8A-335F-DFC3-3A51-4EA22BE4B171}"/>
+              </a:ext>
+            </a:extLst>
+          </p:cNvPr>
+          <p:cNvSpPr>
+            <a:spLocks noGrp="1"/>
+          </p:cNvSpPr>
+          <p:nvPr>
+            <p:ph type="title"/>
+          </p:nvPr>
+        </p:nvSpPr>
+        <p:spPr/>
+        <p:txBody>
+          <a:bodyPr/>
+          <a:lstStyle/>
+          <a:p>
+            <a:pPr algn="ctr"/>
+            <a:r>
+              <a:rPr lang="de-DE" dirty="0"/>
+              <a:t>Aktoren</a:t>
+            </a:r>
+          </a:p>
+        </p:txBody>
+      </p:sp>
+      <p:graphicFrame>
+        <p:nvGraphicFramePr>
+          <p:cNvPr id="5" name="Tabelle 5">
+            <a:extLst>
+              <a:ext uri="{FF2B5EF4-FFF2-40B4-BE49-F238E27FC236}">
+                <a16:creationId xmlns:a16="http://schemas.microsoft.com/office/drawing/2014/main" id="{611B2C5B-4869-F4D0-229D-AF7AB04ACFAD}"/>
+              </a:ext>
+            </a:extLst>
+          </p:cNvPr>
+          <p:cNvGraphicFramePr>
+            <a:graphicFrameLocks noGrp="1"/>
+          </p:cNvGraphicFramePr>
+          <p:nvPr>
+            <p:ph idx="1"/>
+            <p:extLst>
+              <p:ext uri="{D42A27DB-BD31-4B8C-83A1-F6EECF244321}">
+                <p14:modId xmlns:p14="http://schemas.microsoft.com/office/powerpoint/2010/main" val="2877269013"/>
+              </p:ext>
+            </p:extLst>
+          </p:nvPr>
+        </p:nvGraphicFramePr>
+        <p:xfrm>
+          <a:off x="838200" y="1825625"/>
+          <a:ext cx="10515600" cy="2021840"/>
+        </p:xfrm>
+        <a:graphic>
+          <a:graphicData uri="http://schemas.openxmlformats.org/drawingml/2006/table">
+            <a:tbl>
+              <a:tblPr firstRow="1" bandRow="1">
+                <a:tableStyleId>{5C22544A-7EE6-4342-B048-85BDC9FD1C3A}</a:tableStyleId>
+              </a:tblPr>
+              <a:tblGrid>
+                <a:gridCol w="5257800">
+                  <a:extLst>
+                    <a:ext uri="{9D8B030D-6E8A-4147-A177-3AD203B41FA5}">
+                      <a16:colId xmlns:a16="http://schemas.microsoft.com/office/drawing/2014/main" val="3499955521"/>
+                    </a:ext>
+                  </a:extLst>
+                </a:gridCol>
+                <a:gridCol w="5257800">
+                  <a:extLst>
+                    <a:ext uri="{9D8B030D-6E8A-4147-A177-3AD203B41FA5}">
+                      <a16:colId xmlns:a16="http://schemas.microsoft.com/office/drawing/2014/main" val="3712522796"/>
+                    </a:ext>
+                  </a:extLst>
+                </a:gridCol>
+              </a:tblGrid>
+              <a:tr h="370840">
+                <a:tc>
+                  <a:txBody>
+                    <a:bodyPr/>
+                    <a:lstStyle/>
+                    <a:p>
+                      <a:r>
+                        <a:rPr lang="de-DE" dirty="0"/>
+                        <a:t>Aktor</a:t>
+                      </a:r>
+                    </a:p>
+                  </a:txBody>
+                  <a:tcPr/>
+                </a:tc>
+                <a:tc>
+                  <a:txBody>
+                    <a:bodyPr/>
+                    <a:lstStyle/>
+                    <a:p>
+                      <a:r>
+                        <a:rPr lang="de-DE" dirty="0"/>
+                        <a:t>Beschreibung</a:t>
+                      </a:r>
+                    </a:p>
+                  </a:txBody>
+                  <a:tcPr/>
+                </a:tc>
+                <a:extLst>
+                  <a:ext uri="{0D108BD9-81ED-4DB2-BD59-A6C34878D82A}">
+                    <a16:rowId xmlns:a16="http://schemas.microsoft.com/office/drawing/2014/main" val="1401410329"/>
+                  </a:ext>
+                </a:extLst>
+              </a:tr>
+              <a:tr h="370840">
+                <a:tc>
+                  <a:txBody>
+                    <a:bodyPr/>
+                    <a:lstStyle/>
+                    <a:p>
+                      <a:r>
+                        <a:rPr lang="de-DE" dirty="0"/>
+                        <a:t>Gast</a:t>
+                      </a:r>
+                    </a:p>
+                  </a:txBody>
+                  <a:tcPr/>
+                </a:tc>
+                <a:tc>
+                  <a:txBody>
+                    <a:bodyPr/>
+                    <a:lstStyle/>
+                    <a:p>
+                      <a:r>
+                        <a:rPr lang="de-DE"/>
+                        <a:t>Nicht Authentifizierter </a:t>
+                      </a:r>
+                      <a:r>
+                        <a:rPr lang="de-DE" dirty="0"/>
+                        <a:t>Benutzer, welcher Inhalt lesen kann, aber keine Bestellung abschicken kann.</a:t>
+                      </a:r>
+                    </a:p>
+                  </a:txBody>
+                  <a:tcPr/>
+                </a:tc>
+                <a:extLst>
+                  <a:ext uri="{0D108BD9-81ED-4DB2-BD59-A6C34878D82A}">
+                    <a16:rowId xmlns:a16="http://schemas.microsoft.com/office/drawing/2014/main" val="2988782988"/>
+                  </a:ext>
+                </a:extLst>
+              </a:tr>
+              <a:tr h="370840">
+                <a:tc>
+                  <a:txBody>
+                    <a:bodyPr/>
+                    <a:lstStyle/>
+                    <a:p>
+                      <a:r>
+                        <a:rPr lang="de-DE" dirty="0"/>
+                        <a:t>Kunde</a:t>
+                      </a:r>
+                    </a:p>
+                  </a:txBody>
+                  <a:tcPr/>
+                </a:tc>
+                <a:tc>
+                  <a:txBody>
+                    <a:bodyPr/>
+                    <a:lstStyle/>
+                    <a:p>
+                      <a:r>
+                        <a:rPr lang="de-DE" dirty="0"/>
+                        <a:t>Registrierter Benutzer, welcher Bestellung tätigt.</a:t>
+                      </a:r>
+                    </a:p>
+                  </a:txBody>
+                  <a:tcPr/>
+                </a:tc>
+                <a:extLst>
+                  <a:ext uri="{0D108BD9-81ED-4DB2-BD59-A6C34878D82A}">
+                    <a16:rowId xmlns:a16="http://schemas.microsoft.com/office/drawing/2014/main" val="1149782852"/>
+                  </a:ext>
+                </a:extLst>
+              </a:tr>
+              <a:tr h="370840">
+                <a:tc>
+                  <a:txBody>
+                    <a:bodyPr/>
+                    <a:lstStyle/>
+                    <a:p>
+                      <a:r>
+                        <a:rPr lang="de-DE" dirty="0"/>
+                        <a:t>Mitarbeiter</a:t>
+                      </a:r>
+                    </a:p>
+                  </a:txBody>
+                  <a:tcPr/>
+                </a:tc>
+                <a:tc>
+                  <a:txBody>
+                    <a:bodyPr/>
+                    <a:lstStyle/>
+                    <a:p>
+                      <a:r>
+                        <a:rPr lang="de-DE" dirty="0"/>
+                        <a:t>Mitarbeiter, mit Rechten für administratives UI zur Content Verwaltung.</a:t>
+                      </a:r>
+                    </a:p>
+                  </a:txBody>
+                  <a:tcPr/>
+                </a:tc>
+                <a:extLst>
+                  <a:ext uri="{0D108BD9-81ED-4DB2-BD59-A6C34878D82A}">
+                    <a16:rowId xmlns:a16="http://schemas.microsoft.com/office/drawing/2014/main" val="800630000"/>
+                  </a:ext>
+                </a:extLst>
+              </a:tr>
+            </a:tbl>
+          </a:graphicData>
+        </a:graphic>
+      </p:graphicFrame>
+    </p:spTree>
+    <p:extLst>
+      <p:ext uri="{BB962C8B-B14F-4D97-AF65-F5344CB8AC3E}">
+        <p14:creationId xmlns:p14="http://schemas.microsoft.com/office/powerpoint/2010/main" val="846009496"/>
+      </p:ext>
+    </p:extLst>
+  </p:cSld>
+  <p:clrMapOvr>
+    <a:masterClrMapping/>
+  </p:clrMapOvr>
+</p:sld>
+</file>
+
+<file path=ppt/slides/slide8.xml><?xml version="1.0" encoding="utf-8"?>
+<p:sld xmlns:a="http://schemas.openxmlformats.org/drawingml/2006/main" xmlns:r="http://schemas.openxmlformats.org/officeDocument/2006/relationships" xmlns:p="http://schemas.openxmlformats.org/presentationml/2006/main">
+  <p:cSld>
+    <p:spTree>
+      <p:nvGrpSpPr>
+        <p:cNvPr id="1" name=""/>
+        <p:cNvGrpSpPr/>
+        <p:nvPr/>
+      </p:nvGrpSpPr>
+      <p:grpSpPr>
+        <a:xfrm>
+          <a:off x="0" y="0"/>
+          <a:ext cx="0" cy="0"/>
+          <a:chOff x="0" y="0"/>
+          <a:chExt cx="0" cy="0"/>
+        </a:xfrm>
+      </p:grpSpPr>
       <p:sp>
         <p:nvSpPr>
           <p:cNvPr id="2" name="Titel 1">

--- a/Web-Technologie.pptx
+++ b/Web-Technologie.pptx
@@ -13,6 +13,12 @@
     <p:sldId id="262" r:id="rId7"/>
     <p:sldId id="263" r:id="rId8"/>
     <p:sldId id="261" r:id="rId9"/>
+    <p:sldId id="264" r:id="rId10"/>
+    <p:sldId id="265" r:id="rId11"/>
+    <p:sldId id="266" r:id="rId12"/>
+    <p:sldId id="267" r:id="rId13"/>
+    <p:sldId id="268" r:id="rId14"/>
+    <p:sldId id="269" r:id="rId15"/>
   </p:sldIdLst>
   <p:sldSz cx="12192000" cy="6858000"/>
   <p:notesSz cx="6858000" cy="9144000"/>
@@ -122,7 +128,7 @@
 <file path=ppt/revisionInfo.xml><?xml version="1.0" encoding="utf-8"?>
 <p1510:revInfo xmlns:a="http://schemas.openxmlformats.org/drawingml/2006/main" xmlns:r="http://schemas.openxmlformats.org/officeDocument/2006/relationships" xmlns:p1510="http://schemas.microsoft.com/office/powerpoint/2015/10/main">
   <p1510:revLst>
-    <p1510:client id="{DABA1AB9-17DE-4C33-A58B-03DDC054E1C9}" v="3" dt="2023-03-26T10:39:06.664"/>
+    <p1510:client id="{27196A8C-3FC4-41DA-BFF7-A7CB116E1B03}" v="1" dt="2023-03-30T07:44:27.088"/>
   </p1510:revLst>
 </p1510:revInfo>
 </file>
@@ -211,18 +217,18 @@
   <pc:docChgLst>
     <pc:chgData name="Simon Driescher" userId="fcef99ce1c40fef3" providerId="LiveId" clId="{27196A8C-3FC4-41DA-BFF7-A7CB116E1B03}"/>
     <pc:docChg chg="modSld">
-      <pc:chgData name="Simon Driescher" userId="fcef99ce1c40fef3" providerId="LiveId" clId="{27196A8C-3FC4-41DA-BFF7-A7CB116E1B03}" dt="2023-03-23T11:30:09.559" v="223" actId="6549"/>
+      <pc:chgData name="Simon Driescher" userId="fcef99ce1c40fef3" providerId="LiveId" clId="{27196A8C-3FC4-41DA-BFF7-A7CB116E1B03}" dt="2023-03-30T07:44:37.565" v="229" actId="20577"/>
       <pc:docMkLst>
         <pc:docMk/>
       </pc:docMkLst>
       <pc:sldChg chg="modSp mod">
-        <pc:chgData name="Simon Driescher" userId="fcef99ce1c40fef3" providerId="LiveId" clId="{27196A8C-3FC4-41DA-BFF7-A7CB116E1B03}" dt="2023-03-23T11:30:09.559" v="223" actId="6549"/>
+        <pc:chgData name="Simon Driescher" userId="fcef99ce1c40fef3" providerId="LiveId" clId="{27196A8C-3FC4-41DA-BFF7-A7CB116E1B03}" dt="2023-03-30T07:44:37.565" v="229" actId="20577"/>
         <pc:sldMkLst>
           <pc:docMk/>
           <pc:sldMk cId="222070223" sldId="261"/>
         </pc:sldMkLst>
         <pc:spChg chg="mod">
-          <ac:chgData name="Simon Driescher" userId="fcef99ce1c40fef3" providerId="LiveId" clId="{27196A8C-3FC4-41DA-BFF7-A7CB116E1B03}" dt="2023-03-23T11:30:09.559" v="223" actId="6549"/>
+          <ac:chgData name="Simon Driescher" userId="fcef99ce1c40fef3" providerId="LiveId" clId="{27196A8C-3FC4-41DA-BFF7-A7CB116E1B03}" dt="2023-03-30T07:44:37.565" v="229" actId="20577"/>
           <ac:spMkLst>
             <pc:docMk/>
             <pc:sldMk cId="222070223" sldId="261"/>
@@ -382,7 +388,7 @@
           <a:p>
             <a:fld id="{1C760FE3-A85F-42BC-8F15-773C19544183}" type="datetimeFigureOut">
               <a:rPr lang="de-DE" smtClean="0"/>
-              <a:t>26.03.2023</a:t>
+              <a:t>30.03.2023</a:t>
             </a:fld>
             <a:endParaRPr lang="de-DE"/>
           </a:p>
@@ -580,7 +586,7 @@
           <a:p>
             <a:fld id="{1C760FE3-A85F-42BC-8F15-773C19544183}" type="datetimeFigureOut">
               <a:rPr lang="de-DE" smtClean="0"/>
-              <a:t>26.03.2023</a:t>
+              <a:t>30.03.2023</a:t>
             </a:fld>
             <a:endParaRPr lang="de-DE"/>
           </a:p>
@@ -788,7 +794,7 @@
           <a:p>
             <a:fld id="{1C760FE3-A85F-42BC-8F15-773C19544183}" type="datetimeFigureOut">
               <a:rPr lang="de-DE" smtClean="0"/>
-              <a:t>26.03.2023</a:t>
+              <a:t>30.03.2023</a:t>
             </a:fld>
             <a:endParaRPr lang="de-DE"/>
           </a:p>
@@ -986,7 +992,7 @@
           <a:p>
             <a:fld id="{1C760FE3-A85F-42BC-8F15-773C19544183}" type="datetimeFigureOut">
               <a:rPr lang="de-DE" smtClean="0"/>
-              <a:t>26.03.2023</a:t>
+              <a:t>30.03.2023</a:t>
             </a:fld>
             <a:endParaRPr lang="de-DE"/>
           </a:p>
@@ -1261,7 +1267,7 @@
           <a:p>
             <a:fld id="{1C760FE3-A85F-42BC-8F15-773C19544183}" type="datetimeFigureOut">
               <a:rPr lang="de-DE" smtClean="0"/>
-              <a:t>26.03.2023</a:t>
+              <a:t>30.03.2023</a:t>
             </a:fld>
             <a:endParaRPr lang="de-DE"/>
           </a:p>
@@ -1526,7 +1532,7 @@
           <a:p>
             <a:fld id="{1C760FE3-A85F-42BC-8F15-773C19544183}" type="datetimeFigureOut">
               <a:rPr lang="de-DE" smtClean="0"/>
-              <a:t>26.03.2023</a:t>
+              <a:t>30.03.2023</a:t>
             </a:fld>
             <a:endParaRPr lang="de-DE"/>
           </a:p>
@@ -1938,7 +1944,7 @@
           <a:p>
             <a:fld id="{1C760FE3-A85F-42BC-8F15-773C19544183}" type="datetimeFigureOut">
               <a:rPr lang="de-DE" smtClean="0"/>
-              <a:t>26.03.2023</a:t>
+              <a:t>30.03.2023</a:t>
             </a:fld>
             <a:endParaRPr lang="de-DE"/>
           </a:p>
@@ -2079,7 +2085,7 @@
           <a:p>
             <a:fld id="{1C760FE3-A85F-42BC-8F15-773C19544183}" type="datetimeFigureOut">
               <a:rPr lang="de-DE" smtClean="0"/>
-              <a:t>26.03.2023</a:t>
+              <a:t>30.03.2023</a:t>
             </a:fld>
             <a:endParaRPr lang="de-DE"/>
           </a:p>
@@ -2192,7 +2198,7 @@
           <a:p>
             <a:fld id="{1C760FE3-A85F-42BC-8F15-773C19544183}" type="datetimeFigureOut">
               <a:rPr lang="de-DE" smtClean="0"/>
-              <a:t>26.03.2023</a:t>
+              <a:t>30.03.2023</a:t>
             </a:fld>
             <a:endParaRPr lang="de-DE"/>
           </a:p>
@@ -2503,7 +2509,7 @@
           <a:p>
             <a:fld id="{1C760FE3-A85F-42BC-8F15-773C19544183}" type="datetimeFigureOut">
               <a:rPr lang="de-DE" smtClean="0"/>
-              <a:t>26.03.2023</a:t>
+              <a:t>30.03.2023</a:t>
             </a:fld>
             <a:endParaRPr lang="de-DE"/>
           </a:p>
@@ -2791,7 +2797,7 @@
           <a:p>
             <a:fld id="{1C760FE3-A85F-42BC-8F15-773C19544183}" type="datetimeFigureOut">
               <a:rPr lang="de-DE" smtClean="0"/>
-              <a:t>26.03.2023</a:t>
+              <a:t>30.03.2023</a:t>
             </a:fld>
             <a:endParaRPr lang="de-DE"/>
           </a:p>
@@ -3032,7 +3038,7 @@
           <a:p>
             <a:fld id="{1C760FE3-A85F-42BC-8F15-773C19544183}" type="datetimeFigureOut">
               <a:rPr lang="de-DE" smtClean="0"/>
-              <a:t>26.03.2023</a:t>
+              <a:t>30.03.2023</a:t>
             </a:fld>
             <a:endParaRPr lang="de-DE"/>
           </a:p>
@@ -3518,6 +3524,5182 @@
 </p:sld>
 </file>
 
+<file path=ppt/slides/slide10.xml><?xml version="1.0" encoding="utf-8"?>
+<p:sld xmlns:a="http://schemas.openxmlformats.org/drawingml/2006/main" xmlns:r="http://schemas.openxmlformats.org/officeDocument/2006/relationships" xmlns:p="http://schemas.openxmlformats.org/presentationml/2006/main">
+  <p:cSld>
+    <p:spTree>
+      <p:nvGrpSpPr>
+        <p:cNvPr id="1" name=""/>
+        <p:cNvGrpSpPr/>
+        <p:nvPr/>
+      </p:nvGrpSpPr>
+      <p:grpSpPr>
+        <a:xfrm>
+          <a:off x="0" y="0"/>
+          <a:ext cx="0" cy="0"/>
+          <a:chOff x="0" y="0"/>
+          <a:chExt cx="0" cy="0"/>
+        </a:xfrm>
+      </p:grpSpPr>
+      <p:pic>
+        <p:nvPicPr>
+          <p:cNvPr id="5" name="Grafik 4" descr="Datenbank mit einfarbiger Füllung">
+            <a:extLst>
+              <a:ext uri="{FF2B5EF4-FFF2-40B4-BE49-F238E27FC236}">
+                <a16:creationId xmlns:a16="http://schemas.microsoft.com/office/drawing/2014/main" id="{5C7DEEC2-A5EB-0897-2F52-9659B37AA883}"/>
+              </a:ext>
+            </a:extLst>
+          </p:cNvPr>
+          <p:cNvPicPr>
+            <a:picLocks noChangeAspect="1"/>
+          </p:cNvPicPr>
+          <p:nvPr/>
+        </p:nvPicPr>
+        <p:blipFill>
+          <a:blip r:embed="rId2">
+            <a:extLst>
+              <a:ext uri="{28A0092B-C50C-407E-A947-70E740481C1C}">
+                <a14:useLocalDpi xmlns:a14="http://schemas.microsoft.com/office/drawing/2010/main" val="0"/>
+              </a:ext>
+              <a:ext uri="{96DAC541-7B7A-43D3-8B79-37D633B846F1}">
+                <asvg:svgBlip xmlns:asvg="http://schemas.microsoft.com/office/drawing/2016/SVG/main" r:embed="rId3"/>
+              </a:ext>
+            </a:extLst>
+          </a:blip>
+          <a:stretch>
+            <a:fillRect/>
+          </a:stretch>
+        </p:blipFill>
+        <p:spPr>
+          <a:xfrm>
+            <a:off x="10664984" y="2613547"/>
+            <a:ext cx="914400" cy="914400"/>
+          </a:xfrm>
+          <a:prstGeom prst="rect">
+            <a:avLst/>
+          </a:prstGeom>
+        </p:spPr>
+      </p:pic>
+      <p:pic>
+        <p:nvPicPr>
+          <p:cNvPr id="7" name="Grafik 6" descr="Mann mit einfarbiger Füllung">
+            <a:extLst>
+              <a:ext uri="{FF2B5EF4-FFF2-40B4-BE49-F238E27FC236}">
+                <a16:creationId xmlns:a16="http://schemas.microsoft.com/office/drawing/2014/main" id="{82EFA9ED-08A5-B254-DF60-1634EC9AC2B0}"/>
+              </a:ext>
+            </a:extLst>
+          </p:cNvPr>
+          <p:cNvPicPr>
+            <a:picLocks noChangeAspect="1"/>
+          </p:cNvPicPr>
+          <p:nvPr/>
+        </p:nvPicPr>
+        <p:blipFill>
+          <a:blip r:embed="rId4">
+            <a:extLst>
+              <a:ext uri="{28A0092B-C50C-407E-A947-70E740481C1C}">
+                <a14:useLocalDpi xmlns:a14="http://schemas.microsoft.com/office/drawing/2010/main" val="0"/>
+              </a:ext>
+              <a:ext uri="{96DAC541-7B7A-43D3-8B79-37D633B846F1}">
+                <asvg:svgBlip xmlns:asvg="http://schemas.microsoft.com/office/drawing/2016/SVG/main" r:embed="rId5"/>
+              </a:ext>
+            </a:extLst>
+          </a:blip>
+          <a:stretch>
+            <a:fillRect/>
+          </a:stretch>
+        </p:blipFill>
+        <p:spPr>
+          <a:xfrm>
+            <a:off x="704021" y="2585281"/>
+            <a:ext cx="914400" cy="914400"/>
+          </a:xfrm>
+          <a:prstGeom prst="rect">
+            <a:avLst/>
+          </a:prstGeom>
+        </p:spPr>
+      </p:pic>
+      <p:sp>
+        <p:nvSpPr>
+          <p:cNvPr id="8" name="Rechteck 7">
+            <a:extLst>
+              <a:ext uri="{FF2B5EF4-FFF2-40B4-BE49-F238E27FC236}">
+                <a16:creationId xmlns:a16="http://schemas.microsoft.com/office/drawing/2014/main" id="{9697B41B-1160-E1C0-1858-588DA51ABE63}"/>
+              </a:ext>
+            </a:extLst>
+          </p:cNvPr>
+          <p:cNvSpPr/>
+          <p:nvPr/>
+        </p:nvSpPr>
+        <p:spPr>
+          <a:xfrm>
+            <a:off x="2042184" y="595975"/>
+            <a:ext cx="8558432" cy="4893013"/>
+          </a:xfrm>
+          <a:prstGeom prst="rect">
+            <a:avLst/>
+          </a:prstGeom>
+          <a:noFill/>
+          <a:ln>
+            <a:solidFill>
+              <a:schemeClr val="tx1"/>
+            </a:solidFill>
+          </a:ln>
+        </p:spPr>
+        <p:style>
+          <a:lnRef idx="2">
+            <a:schemeClr val="accent1">
+              <a:shade val="50000"/>
+            </a:schemeClr>
+          </a:lnRef>
+          <a:fillRef idx="1">
+            <a:schemeClr val="accent1"/>
+          </a:fillRef>
+          <a:effectRef idx="0">
+            <a:schemeClr val="accent1"/>
+          </a:effectRef>
+          <a:fontRef idx="minor">
+            <a:schemeClr val="lt1"/>
+          </a:fontRef>
+        </p:style>
+        <p:txBody>
+          <a:bodyPr rtlCol="0" anchor="ctr"/>
+          <a:lstStyle/>
+          <a:p>
+            <a:pPr marL="0" marR="0" lvl="0" indent="0" algn="ctr" defTabSz="914400" rtl="0" eaLnBrk="1" fontAlgn="auto" latinLnBrk="0" hangingPunct="1">
+              <a:lnSpc>
+                <a:spcPct val="100000"/>
+              </a:lnSpc>
+              <a:spcBef>
+                <a:spcPts val="0"/>
+              </a:spcBef>
+              <a:spcAft>
+                <a:spcPts val="0"/>
+              </a:spcAft>
+              <a:buClrTx/>
+              <a:buSzTx/>
+              <a:buFontTx/>
+              <a:buNone/>
+              <a:tabLst/>
+              <a:defRPr/>
+            </a:pPr>
+            <a:endParaRPr kumimoji="0" lang="de-DE" sz="1800" b="0" i="0" u="none" strike="noStrike" kern="1200" cap="none" spc="0" normalizeH="0" baseline="0" noProof="0">
+              <a:ln>
+                <a:noFill/>
+              </a:ln>
+              <a:solidFill>
+                <a:prstClr val="white"/>
+              </a:solidFill>
+              <a:effectLst/>
+              <a:uLnTx/>
+              <a:uFillTx/>
+              <a:latin typeface="Calibri" panose="020F0502020204030204"/>
+              <a:ea typeface="+mn-ea"/>
+              <a:cs typeface="+mn-cs"/>
+            </a:endParaRPr>
+          </a:p>
+        </p:txBody>
+      </p:sp>
+      <p:sp>
+        <p:nvSpPr>
+          <p:cNvPr id="9" name="Textfeld 8">
+            <a:extLst>
+              <a:ext uri="{FF2B5EF4-FFF2-40B4-BE49-F238E27FC236}">
+                <a16:creationId xmlns:a16="http://schemas.microsoft.com/office/drawing/2014/main" id="{9C7CDC1F-A857-23E5-C8EE-4476E563F945}"/>
+              </a:ext>
+            </a:extLst>
+          </p:cNvPr>
+          <p:cNvSpPr txBox="1"/>
+          <p:nvPr/>
+        </p:nvSpPr>
+        <p:spPr>
+          <a:xfrm>
+            <a:off x="5520361" y="669460"/>
+            <a:ext cx="1151277" cy="369332"/>
+          </a:xfrm>
+          <a:prstGeom prst="rect">
+            <a:avLst/>
+          </a:prstGeom>
+          <a:noFill/>
+        </p:spPr>
+        <p:txBody>
+          <a:bodyPr wrap="none" rtlCol="0">
+            <a:spAutoFit/>
+          </a:bodyPr>
+          <a:lstStyle/>
+          <a:p>
+            <a:pPr marL="0" marR="0" lvl="0" indent="0" algn="ctr" defTabSz="914400" rtl="0" eaLnBrk="1" fontAlgn="auto" latinLnBrk="0" hangingPunct="1">
+              <a:lnSpc>
+                <a:spcPct val="100000"/>
+              </a:lnSpc>
+              <a:spcBef>
+                <a:spcPts val="0"/>
+              </a:spcBef>
+              <a:spcAft>
+                <a:spcPts val="0"/>
+              </a:spcAft>
+              <a:buClrTx/>
+              <a:buSzTx/>
+              <a:buFontTx/>
+              <a:buNone/>
+              <a:tabLst/>
+              <a:defRPr/>
+            </a:pPr>
+            <a:r>
+              <a:rPr kumimoji="0" lang="de-DE" sz="1800" b="0" i="0" u="none" strike="noStrike" kern="1200" cap="none" spc="0" normalizeH="0" baseline="0" noProof="0" dirty="0">
+                <a:ln>
+                  <a:noFill/>
+                </a:ln>
+                <a:solidFill>
+                  <a:prstClr val="black"/>
+                </a:solidFill>
+                <a:effectLst/>
+                <a:uLnTx/>
+                <a:uFillTx/>
+                <a:latin typeface="Calibri" panose="020F0502020204030204"/>
+                <a:ea typeface="+mn-ea"/>
+                <a:cs typeface="+mn-cs"/>
+              </a:rPr>
+              <a:t>Check Out</a:t>
+            </a:r>
+          </a:p>
+        </p:txBody>
+      </p:sp>
+      <p:sp>
+        <p:nvSpPr>
+          <p:cNvPr id="10" name="Ellipse 9">
+            <a:extLst>
+              <a:ext uri="{FF2B5EF4-FFF2-40B4-BE49-F238E27FC236}">
+                <a16:creationId xmlns:a16="http://schemas.microsoft.com/office/drawing/2014/main" id="{642628AC-BD8A-49BE-5337-9AF09689E778}"/>
+              </a:ext>
+            </a:extLst>
+          </p:cNvPr>
+          <p:cNvSpPr/>
+          <p:nvPr/>
+        </p:nvSpPr>
+        <p:spPr>
+          <a:xfrm>
+            <a:off x="2206144" y="1173749"/>
+            <a:ext cx="2171303" cy="763398"/>
+          </a:xfrm>
+          <a:prstGeom prst="ellipse">
+            <a:avLst/>
+          </a:prstGeom>
+          <a:noFill/>
+          <a:ln>
+            <a:solidFill>
+              <a:schemeClr val="tx1"/>
+            </a:solidFill>
+          </a:ln>
+        </p:spPr>
+        <p:style>
+          <a:lnRef idx="2">
+            <a:schemeClr val="accent1">
+              <a:shade val="50000"/>
+            </a:schemeClr>
+          </a:lnRef>
+          <a:fillRef idx="1">
+            <a:schemeClr val="accent1"/>
+          </a:fillRef>
+          <a:effectRef idx="0">
+            <a:schemeClr val="accent1"/>
+          </a:effectRef>
+          <a:fontRef idx="minor">
+            <a:schemeClr val="lt1"/>
+          </a:fontRef>
+        </p:style>
+        <p:txBody>
+          <a:bodyPr rtlCol="0" anchor="ctr"/>
+          <a:lstStyle/>
+          <a:p>
+            <a:pPr marL="0" marR="0" lvl="0" indent="0" algn="ctr" defTabSz="914400" rtl="0" eaLnBrk="1" fontAlgn="auto" latinLnBrk="0" hangingPunct="1">
+              <a:lnSpc>
+                <a:spcPct val="100000"/>
+              </a:lnSpc>
+              <a:spcBef>
+                <a:spcPts val="0"/>
+              </a:spcBef>
+              <a:spcAft>
+                <a:spcPts val="0"/>
+              </a:spcAft>
+              <a:buClrTx/>
+              <a:buSzTx/>
+              <a:buFontTx/>
+              <a:buNone/>
+              <a:tabLst/>
+              <a:defRPr/>
+            </a:pPr>
+            <a:r>
+              <a:rPr kumimoji="0" lang="de-DE" sz="1800" b="0" i="0" u="none" strike="noStrike" kern="1200" cap="none" spc="0" normalizeH="0" baseline="0" noProof="0" dirty="0">
+                <a:ln>
+                  <a:noFill/>
+                </a:ln>
+                <a:solidFill>
+                  <a:prstClr val="black"/>
+                </a:solidFill>
+                <a:effectLst/>
+                <a:uLnTx/>
+                <a:uFillTx/>
+                <a:latin typeface="Calibri" panose="020F0502020204030204"/>
+                <a:ea typeface="+mn-ea"/>
+                <a:cs typeface="+mn-cs"/>
+              </a:rPr>
+              <a:t>Sachen in den Einkaufskorb</a:t>
+            </a:r>
+          </a:p>
+        </p:txBody>
+      </p:sp>
+      <p:sp>
+        <p:nvSpPr>
+          <p:cNvPr id="12" name="Ellipse 11">
+            <a:extLst>
+              <a:ext uri="{FF2B5EF4-FFF2-40B4-BE49-F238E27FC236}">
+                <a16:creationId xmlns:a16="http://schemas.microsoft.com/office/drawing/2014/main" id="{8A727FC0-DF81-DE0B-2DAF-CCE868CDEDF5}"/>
+              </a:ext>
+            </a:extLst>
+          </p:cNvPr>
+          <p:cNvSpPr/>
+          <p:nvPr/>
+        </p:nvSpPr>
+        <p:spPr>
+          <a:xfrm>
+            <a:off x="7774799" y="2030879"/>
+            <a:ext cx="2078952" cy="763398"/>
+          </a:xfrm>
+          <a:prstGeom prst="ellipse">
+            <a:avLst/>
+          </a:prstGeom>
+          <a:noFill/>
+          <a:ln>
+            <a:solidFill>
+              <a:schemeClr val="tx1"/>
+            </a:solidFill>
+          </a:ln>
+        </p:spPr>
+        <p:style>
+          <a:lnRef idx="2">
+            <a:schemeClr val="accent1">
+              <a:shade val="50000"/>
+            </a:schemeClr>
+          </a:lnRef>
+          <a:fillRef idx="1">
+            <a:schemeClr val="accent1"/>
+          </a:fillRef>
+          <a:effectRef idx="0">
+            <a:schemeClr val="accent1"/>
+          </a:effectRef>
+          <a:fontRef idx="minor">
+            <a:schemeClr val="lt1"/>
+          </a:fontRef>
+        </p:style>
+        <p:txBody>
+          <a:bodyPr rtlCol="0" anchor="ctr"/>
+          <a:lstStyle/>
+          <a:p>
+            <a:pPr marL="0" marR="0" lvl="0" indent="0" algn="ctr" defTabSz="914400" rtl="0" eaLnBrk="1" fontAlgn="auto" latinLnBrk="0" hangingPunct="1">
+              <a:lnSpc>
+                <a:spcPct val="100000"/>
+              </a:lnSpc>
+              <a:spcBef>
+                <a:spcPts val="0"/>
+              </a:spcBef>
+              <a:spcAft>
+                <a:spcPts val="0"/>
+              </a:spcAft>
+              <a:buClrTx/>
+              <a:buSzTx/>
+              <a:buFontTx/>
+              <a:buNone/>
+              <a:tabLst/>
+              <a:defRPr/>
+            </a:pPr>
+            <a:r>
+              <a:rPr kumimoji="0" lang="de-DE" sz="1800" b="0" i="0" u="none" strike="noStrike" kern="1200" cap="none" spc="0" normalizeH="0" baseline="0" noProof="0" dirty="0">
+                <a:ln>
+                  <a:noFill/>
+                </a:ln>
+                <a:solidFill>
+                  <a:prstClr val="black"/>
+                </a:solidFill>
+                <a:effectLst/>
+                <a:uLnTx/>
+                <a:uFillTx/>
+                <a:latin typeface="Calibri" panose="020F0502020204030204"/>
+                <a:ea typeface="+mn-ea"/>
+                <a:cs typeface="+mn-cs"/>
+              </a:rPr>
+              <a:t>Bezahlen</a:t>
+            </a:r>
+          </a:p>
+        </p:txBody>
+      </p:sp>
+      <p:cxnSp>
+        <p:nvCxnSpPr>
+          <p:cNvPr id="14" name="Gerade Verbindung mit Pfeil 13">
+            <a:extLst>
+              <a:ext uri="{FF2B5EF4-FFF2-40B4-BE49-F238E27FC236}">
+                <a16:creationId xmlns:a16="http://schemas.microsoft.com/office/drawing/2014/main" id="{B6D4557C-7700-CE66-3A56-998F41C61E7D}"/>
+              </a:ext>
+            </a:extLst>
+          </p:cNvPr>
+          <p:cNvCxnSpPr>
+            <a:cxnSpLocks/>
+            <a:stCxn id="7" idx="3"/>
+            <a:endCxn id="10" idx="2"/>
+          </p:cNvCxnSpPr>
+          <p:nvPr/>
+        </p:nvCxnSpPr>
+        <p:spPr>
+          <a:xfrm flipV="1">
+            <a:off x="1618421" y="1555448"/>
+            <a:ext cx="587723" cy="1487033"/>
+          </a:xfrm>
+          <a:prstGeom prst="straightConnector1">
+            <a:avLst/>
+          </a:prstGeom>
+          <a:ln w="19050">
+            <a:solidFill>
+              <a:schemeClr val="tx1"/>
+            </a:solidFill>
+            <a:headEnd type="arrow"/>
+            <a:tailEnd type="arrow"/>
+          </a:ln>
+        </p:spPr>
+        <p:style>
+          <a:lnRef idx="1">
+            <a:schemeClr val="accent1"/>
+          </a:lnRef>
+          <a:fillRef idx="0">
+            <a:schemeClr val="accent1"/>
+          </a:fillRef>
+          <a:effectRef idx="0">
+            <a:schemeClr val="accent1"/>
+          </a:effectRef>
+          <a:fontRef idx="minor">
+            <a:schemeClr val="tx1"/>
+          </a:fontRef>
+        </p:style>
+      </p:cxnSp>
+      <p:sp>
+        <p:nvSpPr>
+          <p:cNvPr id="18" name="Textfeld 17">
+            <a:extLst>
+              <a:ext uri="{FF2B5EF4-FFF2-40B4-BE49-F238E27FC236}">
+                <a16:creationId xmlns:a16="http://schemas.microsoft.com/office/drawing/2014/main" id="{3B14DF6D-418C-7109-C5E2-CA6210566E71}"/>
+              </a:ext>
+            </a:extLst>
+          </p:cNvPr>
+          <p:cNvSpPr txBox="1"/>
+          <p:nvPr/>
+        </p:nvSpPr>
+        <p:spPr>
+          <a:xfrm>
+            <a:off x="770165" y="3499348"/>
+            <a:ext cx="782202" cy="369332"/>
+          </a:xfrm>
+          <a:prstGeom prst="rect">
+            <a:avLst/>
+          </a:prstGeom>
+          <a:noFill/>
+        </p:spPr>
+        <p:txBody>
+          <a:bodyPr wrap="none" rtlCol="0">
+            <a:spAutoFit/>
+          </a:bodyPr>
+          <a:lstStyle/>
+          <a:p>
+            <a:pPr marL="0" marR="0" lvl="0" indent="0" algn="l" defTabSz="914400" rtl="0" eaLnBrk="1" fontAlgn="auto" latinLnBrk="0" hangingPunct="1">
+              <a:lnSpc>
+                <a:spcPct val="100000"/>
+              </a:lnSpc>
+              <a:spcBef>
+                <a:spcPts val="0"/>
+              </a:spcBef>
+              <a:spcAft>
+                <a:spcPts val="0"/>
+              </a:spcAft>
+              <a:buClrTx/>
+              <a:buSzTx/>
+              <a:buFontTx/>
+              <a:buNone/>
+              <a:tabLst/>
+              <a:defRPr/>
+            </a:pPr>
+            <a:r>
+              <a:rPr kumimoji="0" lang="de-DE" sz="1800" b="0" i="0" u="none" strike="noStrike" kern="1200" cap="none" spc="0" normalizeH="0" baseline="0" noProof="0" dirty="0">
+                <a:ln>
+                  <a:noFill/>
+                </a:ln>
+                <a:solidFill>
+                  <a:prstClr val="black"/>
+                </a:solidFill>
+                <a:effectLst/>
+                <a:uLnTx/>
+                <a:uFillTx/>
+                <a:latin typeface="Calibri" panose="020F0502020204030204"/>
+                <a:ea typeface="+mn-ea"/>
+                <a:cs typeface="+mn-cs"/>
+              </a:rPr>
+              <a:t>Kunde</a:t>
+            </a:r>
+          </a:p>
+        </p:txBody>
+      </p:sp>
+      <p:sp>
+        <p:nvSpPr>
+          <p:cNvPr id="19" name="Textfeld 18">
+            <a:extLst>
+              <a:ext uri="{FF2B5EF4-FFF2-40B4-BE49-F238E27FC236}">
+                <a16:creationId xmlns:a16="http://schemas.microsoft.com/office/drawing/2014/main" id="{53DB57F7-2C7E-D4B4-05FB-9E53B3022142}"/>
+              </a:ext>
+            </a:extLst>
+          </p:cNvPr>
+          <p:cNvSpPr txBox="1"/>
+          <p:nvPr/>
+        </p:nvSpPr>
+        <p:spPr>
+          <a:xfrm>
+            <a:off x="10729352" y="3527614"/>
+            <a:ext cx="785664" cy="369332"/>
+          </a:xfrm>
+          <a:prstGeom prst="rect">
+            <a:avLst/>
+          </a:prstGeom>
+          <a:noFill/>
+        </p:spPr>
+        <p:txBody>
+          <a:bodyPr wrap="none" rtlCol="0">
+            <a:spAutoFit/>
+          </a:bodyPr>
+          <a:lstStyle/>
+          <a:p>
+            <a:pPr marL="0" marR="0" lvl="0" indent="0" algn="l" defTabSz="914400" rtl="0" eaLnBrk="1" fontAlgn="auto" latinLnBrk="0" hangingPunct="1">
+              <a:lnSpc>
+                <a:spcPct val="100000"/>
+              </a:lnSpc>
+              <a:spcBef>
+                <a:spcPts val="0"/>
+              </a:spcBef>
+              <a:spcAft>
+                <a:spcPts val="0"/>
+              </a:spcAft>
+              <a:buClrTx/>
+              <a:buSzTx/>
+              <a:buFontTx/>
+              <a:buNone/>
+              <a:tabLst/>
+              <a:defRPr/>
+            </a:pPr>
+            <a:r>
+              <a:rPr kumimoji="0" lang="de-DE" sz="1800" b="0" i="0" u="none" strike="noStrike" kern="1200" cap="none" spc="0" normalizeH="0" baseline="0" noProof="0" dirty="0">
+                <a:ln>
+                  <a:noFill/>
+                </a:ln>
+                <a:solidFill>
+                  <a:prstClr val="black"/>
+                </a:solidFill>
+                <a:effectLst/>
+                <a:uLnTx/>
+                <a:uFillTx/>
+                <a:latin typeface="Calibri" panose="020F0502020204030204"/>
+                <a:ea typeface="+mn-ea"/>
+                <a:cs typeface="+mn-cs"/>
+              </a:rPr>
+              <a:t>Server</a:t>
+            </a:r>
+          </a:p>
+        </p:txBody>
+      </p:sp>
+      <p:sp>
+        <p:nvSpPr>
+          <p:cNvPr id="4" name="Ellipse 3">
+            <a:extLst>
+              <a:ext uri="{FF2B5EF4-FFF2-40B4-BE49-F238E27FC236}">
+                <a16:creationId xmlns:a16="http://schemas.microsoft.com/office/drawing/2014/main" id="{6F466D6E-1B23-D87B-97DF-ECF8898ECC40}"/>
+              </a:ext>
+            </a:extLst>
+          </p:cNvPr>
+          <p:cNvSpPr/>
+          <p:nvPr/>
+        </p:nvSpPr>
+        <p:spPr>
+          <a:xfrm>
+            <a:off x="4522477" y="1587796"/>
+            <a:ext cx="3014941" cy="763398"/>
+          </a:xfrm>
+          <a:prstGeom prst="ellipse">
+            <a:avLst/>
+          </a:prstGeom>
+          <a:noFill/>
+          <a:ln>
+            <a:solidFill>
+              <a:schemeClr val="tx1"/>
+            </a:solidFill>
+          </a:ln>
+        </p:spPr>
+        <p:style>
+          <a:lnRef idx="2">
+            <a:schemeClr val="accent1">
+              <a:shade val="50000"/>
+            </a:schemeClr>
+          </a:lnRef>
+          <a:fillRef idx="1">
+            <a:schemeClr val="accent1"/>
+          </a:fillRef>
+          <a:effectRef idx="0">
+            <a:schemeClr val="accent1"/>
+          </a:effectRef>
+          <a:fontRef idx="minor">
+            <a:schemeClr val="lt1"/>
+          </a:fontRef>
+        </p:style>
+        <p:txBody>
+          <a:bodyPr rtlCol="0" anchor="ctr"/>
+          <a:lstStyle/>
+          <a:p>
+            <a:pPr marL="0" marR="0" lvl="0" indent="0" algn="ctr" defTabSz="914400" rtl="0" eaLnBrk="1" fontAlgn="auto" latinLnBrk="0" hangingPunct="1">
+              <a:lnSpc>
+                <a:spcPct val="100000"/>
+              </a:lnSpc>
+              <a:spcBef>
+                <a:spcPts val="0"/>
+              </a:spcBef>
+              <a:spcAft>
+                <a:spcPts val="0"/>
+              </a:spcAft>
+              <a:buClrTx/>
+              <a:buSzTx/>
+              <a:buFontTx/>
+              <a:buNone/>
+              <a:tabLst/>
+              <a:defRPr/>
+            </a:pPr>
+            <a:r>
+              <a:rPr kumimoji="0" lang="de-DE" sz="1800" b="0" i="0" u="none" strike="noStrike" kern="1200" cap="none" spc="0" normalizeH="0" baseline="0" noProof="0" dirty="0">
+                <a:ln>
+                  <a:noFill/>
+                </a:ln>
+                <a:solidFill>
+                  <a:prstClr val="black"/>
+                </a:solidFill>
+                <a:effectLst/>
+                <a:uLnTx/>
+                <a:uFillTx/>
+                <a:latin typeface="Calibri" panose="020F0502020204030204"/>
+                <a:ea typeface="+mn-ea"/>
+                <a:cs typeface="+mn-cs"/>
+              </a:rPr>
+              <a:t>Sendeinformationen angeben</a:t>
+            </a:r>
+          </a:p>
+        </p:txBody>
+      </p:sp>
+      <p:sp>
+        <p:nvSpPr>
+          <p:cNvPr id="6" name="Ellipse 5">
+            <a:extLst>
+              <a:ext uri="{FF2B5EF4-FFF2-40B4-BE49-F238E27FC236}">
+                <a16:creationId xmlns:a16="http://schemas.microsoft.com/office/drawing/2014/main" id="{072BA419-AB1F-D85A-0028-CDFBBE65F8F9}"/>
+              </a:ext>
+            </a:extLst>
+          </p:cNvPr>
+          <p:cNvSpPr/>
+          <p:nvPr/>
+        </p:nvSpPr>
+        <p:spPr>
+          <a:xfrm>
+            <a:off x="6373670" y="4261618"/>
+            <a:ext cx="2499831" cy="763398"/>
+          </a:xfrm>
+          <a:prstGeom prst="ellipse">
+            <a:avLst/>
+          </a:prstGeom>
+          <a:noFill/>
+          <a:ln>
+            <a:solidFill>
+              <a:schemeClr val="tx1"/>
+            </a:solidFill>
+          </a:ln>
+        </p:spPr>
+        <p:style>
+          <a:lnRef idx="2">
+            <a:schemeClr val="accent1">
+              <a:shade val="50000"/>
+            </a:schemeClr>
+          </a:lnRef>
+          <a:fillRef idx="1">
+            <a:schemeClr val="accent1"/>
+          </a:fillRef>
+          <a:effectRef idx="0">
+            <a:schemeClr val="accent1"/>
+          </a:effectRef>
+          <a:fontRef idx="minor">
+            <a:schemeClr val="lt1"/>
+          </a:fontRef>
+        </p:style>
+        <p:txBody>
+          <a:bodyPr rtlCol="0" anchor="ctr"/>
+          <a:lstStyle/>
+          <a:p>
+            <a:pPr marL="0" marR="0" lvl="0" indent="0" algn="ctr" defTabSz="914400" rtl="0" eaLnBrk="1" fontAlgn="auto" latinLnBrk="0" hangingPunct="1">
+              <a:lnSpc>
+                <a:spcPct val="100000"/>
+              </a:lnSpc>
+              <a:spcBef>
+                <a:spcPts val="0"/>
+              </a:spcBef>
+              <a:spcAft>
+                <a:spcPts val="0"/>
+              </a:spcAft>
+              <a:buClrTx/>
+              <a:buSzTx/>
+              <a:buFontTx/>
+              <a:buNone/>
+              <a:tabLst/>
+              <a:defRPr/>
+            </a:pPr>
+            <a:r>
+              <a:rPr kumimoji="0" lang="de-DE" sz="1800" b="0" i="0" u="none" strike="noStrike" kern="1200" cap="none" spc="0" normalizeH="0" baseline="0" noProof="0" dirty="0">
+                <a:ln>
+                  <a:noFill/>
+                </a:ln>
+                <a:solidFill>
+                  <a:prstClr val="black"/>
+                </a:solidFill>
+                <a:effectLst/>
+                <a:uLnTx/>
+                <a:uFillTx/>
+                <a:latin typeface="Calibri" panose="020F0502020204030204"/>
+                <a:ea typeface="+mn-ea"/>
+                <a:cs typeface="+mn-cs"/>
+              </a:rPr>
+              <a:t>Zahlbestätigung</a:t>
+            </a:r>
+          </a:p>
+        </p:txBody>
+      </p:sp>
+      <p:cxnSp>
+        <p:nvCxnSpPr>
+          <p:cNvPr id="13" name="Gerade Verbindung mit Pfeil 12">
+            <a:extLst>
+              <a:ext uri="{FF2B5EF4-FFF2-40B4-BE49-F238E27FC236}">
+                <a16:creationId xmlns:a16="http://schemas.microsoft.com/office/drawing/2014/main" id="{400199D9-1360-E2FE-5D52-741183CE6A11}"/>
+              </a:ext>
+            </a:extLst>
+          </p:cNvPr>
+          <p:cNvCxnSpPr>
+            <a:cxnSpLocks/>
+            <a:stCxn id="4" idx="2"/>
+            <a:endCxn id="10" idx="6"/>
+          </p:cNvCxnSpPr>
+          <p:nvPr/>
+        </p:nvCxnSpPr>
+        <p:spPr>
+          <a:xfrm flipH="1" flipV="1">
+            <a:off x="4377447" y="1555448"/>
+            <a:ext cx="145030" cy="414047"/>
+          </a:xfrm>
+          <a:prstGeom prst="straightConnector1">
+            <a:avLst/>
+          </a:prstGeom>
+          <a:ln w="19050">
+            <a:solidFill>
+              <a:schemeClr val="tx1"/>
+            </a:solidFill>
+            <a:headEnd type="arrow"/>
+            <a:tailEnd type="none"/>
+          </a:ln>
+        </p:spPr>
+        <p:style>
+          <a:lnRef idx="1">
+            <a:schemeClr val="accent1"/>
+          </a:lnRef>
+          <a:fillRef idx="0">
+            <a:schemeClr val="accent1"/>
+          </a:fillRef>
+          <a:effectRef idx="0">
+            <a:schemeClr val="accent1"/>
+          </a:effectRef>
+          <a:fontRef idx="minor">
+            <a:schemeClr val="tx1"/>
+          </a:fontRef>
+        </p:style>
+      </p:cxnSp>
+      <p:cxnSp>
+        <p:nvCxnSpPr>
+          <p:cNvPr id="25" name="Gerade Verbindung mit Pfeil 24">
+            <a:extLst>
+              <a:ext uri="{FF2B5EF4-FFF2-40B4-BE49-F238E27FC236}">
+                <a16:creationId xmlns:a16="http://schemas.microsoft.com/office/drawing/2014/main" id="{73533BB9-D8EF-F288-BF9D-E43958D36178}"/>
+              </a:ext>
+            </a:extLst>
+          </p:cNvPr>
+          <p:cNvCxnSpPr>
+            <a:cxnSpLocks/>
+            <a:stCxn id="12" idx="2"/>
+            <a:endCxn id="4" idx="6"/>
+          </p:cNvCxnSpPr>
+          <p:nvPr/>
+        </p:nvCxnSpPr>
+        <p:spPr>
+          <a:xfrm flipH="1" flipV="1">
+            <a:off x="7537418" y="1969495"/>
+            <a:ext cx="237381" cy="443083"/>
+          </a:xfrm>
+          <a:prstGeom prst="straightConnector1">
+            <a:avLst/>
+          </a:prstGeom>
+          <a:ln w="19050">
+            <a:solidFill>
+              <a:schemeClr val="tx1"/>
+            </a:solidFill>
+            <a:headEnd type="arrow"/>
+            <a:tailEnd type="none"/>
+          </a:ln>
+        </p:spPr>
+        <p:style>
+          <a:lnRef idx="1">
+            <a:schemeClr val="accent1"/>
+          </a:lnRef>
+          <a:fillRef idx="0">
+            <a:schemeClr val="accent1"/>
+          </a:fillRef>
+          <a:effectRef idx="0">
+            <a:schemeClr val="accent1"/>
+          </a:effectRef>
+          <a:fontRef idx="minor">
+            <a:schemeClr val="tx1"/>
+          </a:fontRef>
+        </p:style>
+      </p:cxnSp>
+      <p:cxnSp>
+        <p:nvCxnSpPr>
+          <p:cNvPr id="33" name="Gerade Verbindung mit Pfeil 32">
+            <a:extLst>
+              <a:ext uri="{FF2B5EF4-FFF2-40B4-BE49-F238E27FC236}">
+                <a16:creationId xmlns:a16="http://schemas.microsoft.com/office/drawing/2014/main" id="{E727C826-9C2E-7A0D-FD74-D96D23AA56DC}"/>
+              </a:ext>
+            </a:extLst>
+          </p:cNvPr>
+          <p:cNvCxnSpPr>
+            <a:stCxn id="12" idx="4"/>
+            <a:endCxn id="6" idx="0"/>
+          </p:cNvCxnSpPr>
+          <p:nvPr/>
+        </p:nvCxnSpPr>
+        <p:spPr>
+          <a:xfrm flipH="1">
+            <a:off x="7623586" y="2794277"/>
+            <a:ext cx="1190689" cy="1467341"/>
+          </a:xfrm>
+          <a:prstGeom prst="straightConnector1">
+            <a:avLst/>
+          </a:prstGeom>
+          <a:ln w="15875">
+            <a:solidFill>
+              <a:schemeClr val="tx1"/>
+            </a:solidFill>
+            <a:prstDash val="dash"/>
+            <a:headEnd type="none"/>
+            <a:tailEnd type="arrow"/>
+          </a:ln>
+        </p:spPr>
+        <p:style>
+          <a:lnRef idx="1">
+            <a:schemeClr val="accent1"/>
+          </a:lnRef>
+          <a:fillRef idx="0">
+            <a:schemeClr val="accent1"/>
+          </a:fillRef>
+          <a:effectRef idx="0">
+            <a:schemeClr val="accent1"/>
+          </a:effectRef>
+          <a:fontRef idx="minor">
+            <a:schemeClr val="tx1"/>
+          </a:fontRef>
+        </p:style>
+      </p:cxnSp>
+      <p:cxnSp>
+        <p:nvCxnSpPr>
+          <p:cNvPr id="34" name="Gerade Verbindung mit Pfeil 33">
+            <a:extLst>
+              <a:ext uri="{FF2B5EF4-FFF2-40B4-BE49-F238E27FC236}">
+                <a16:creationId xmlns:a16="http://schemas.microsoft.com/office/drawing/2014/main" id="{092E43C9-65BE-6A65-D3FA-32AE280942B1}"/>
+              </a:ext>
+            </a:extLst>
+          </p:cNvPr>
+          <p:cNvCxnSpPr>
+            <a:cxnSpLocks/>
+            <a:stCxn id="6" idx="6"/>
+            <a:endCxn id="5" idx="1"/>
+          </p:cNvCxnSpPr>
+          <p:nvPr/>
+        </p:nvCxnSpPr>
+        <p:spPr>
+          <a:xfrm flipV="1">
+            <a:off x="8873501" y="3070747"/>
+            <a:ext cx="1791483" cy="1572570"/>
+          </a:xfrm>
+          <a:prstGeom prst="straightConnector1">
+            <a:avLst/>
+          </a:prstGeom>
+          <a:ln w="19050">
+            <a:solidFill>
+              <a:schemeClr val="tx1"/>
+            </a:solidFill>
+            <a:headEnd type="none"/>
+            <a:tailEnd type="arrow"/>
+          </a:ln>
+        </p:spPr>
+        <p:style>
+          <a:lnRef idx="1">
+            <a:schemeClr val="accent1"/>
+          </a:lnRef>
+          <a:fillRef idx="0">
+            <a:schemeClr val="accent1"/>
+          </a:fillRef>
+          <a:effectRef idx="0">
+            <a:schemeClr val="accent1"/>
+          </a:effectRef>
+          <a:fontRef idx="minor">
+            <a:schemeClr val="tx1"/>
+          </a:fontRef>
+        </p:style>
+      </p:cxnSp>
+      <p:sp>
+        <p:nvSpPr>
+          <p:cNvPr id="38" name="Textfeld 37">
+            <a:extLst>
+              <a:ext uri="{FF2B5EF4-FFF2-40B4-BE49-F238E27FC236}">
+                <a16:creationId xmlns:a16="http://schemas.microsoft.com/office/drawing/2014/main" id="{F1F87110-69CA-96D5-99E9-05FE57CCA757}"/>
+              </a:ext>
+            </a:extLst>
+          </p:cNvPr>
+          <p:cNvSpPr txBox="1"/>
+          <p:nvPr/>
+        </p:nvSpPr>
+        <p:spPr>
+          <a:xfrm>
+            <a:off x="7227413" y="3234112"/>
+            <a:ext cx="1075936" cy="307777"/>
+          </a:xfrm>
+          <a:prstGeom prst="rect">
+            <a:avLst/>
+          </a:prstGeom>
+          <a:noFill/>
+        </p:spPr>
+        <p:txBody>
+          <a:bodyPr wrap="none" rtlCol="0">
+            <a:spAutoFit/>
+          </a:bodyPr>
+          <a:lstStyle/>
+          <a:p>
+            <a:pPr marL="0" marR="0" lvl="0" indent="0" algn="l" defTabSz="914400" rtl="0" eaLnBrk="1" fontAlgn="auto" latinLnBrk="0" hangingPunct="1">
+              <a:lnSpc>
+                <a:spcPct val="100000"/>
+              </a:lnSpc>
+              <a:spcBef>
+                <a:spcPts val="0"/>
+              </a:spcBef>
+              <a:spcAft>
+                <a:spcPts val="0"/>
+              </a:spcAft>
+              <a:buClrTx/>
+              <a:buSzTx/>
+              <a:buFontTx/>
+              <a:buNone/>
+              <a:tabLst/>
+              <a:defRPr/>
+            </a:pPr>
+            <a:r>
+              <a:rPr kumimoji="0" lang="de-DE" sz="1400" b="0" i="0" u="none" strike="noStrike" kern="1200" cap="none" spc="0" normalizeH="0" baseline="0" noProof="0" dirty="0">
+                <a:ln>
+                  <a:noFill/>
+                </a:ln>
+                <a:solidFill>
+                  <a:prstClr val="black"/>
+                </a:solidFill>
+                <a:effectLst/>
+                <a:uLnTx/>
+                <a:uFillTx/>
+                <a:latin typeface="Google Sans"/>
+                <a:ea typeface="+mn-ea"/>
+                <a:cs typeface="+mn-cs"/>
+              </a:rPr>
+              <a:t>&lt;&lt;include&gt;&gt;</a:t>
+            </a:r>
+            <a:endParaRPr kumimoji="0" lang="de-DE" sz="1400" b="0" i="0" u="none" strike="noStrike" kern="1200" cap="none" spc="0" normalizeH="0" baseline="0" noProof="0" dirty="0">
+              <a:ln>
+                <a:noFill/>
+              </a:ln>
+              <a:solidFill>
+                <a:prstClr val="black"/>
+              </a:solidFill>
+              <a:effectLst/>
+              <a:uLnTx/>
+              <a:uFillTx/>
+              <a:latin typeface="Calibri" panose="020F0502020204030204"/>
+              <a:ea typeface="+mn-ea"/>
+              <a:cs typeface="+mn-cs"/>
+            </a:endParaRPr>
+          </a:p>
+        </p:txBody>
+      </p:sp>
+      <p:sp>
+        <p:nvSpPr>
+          <p:cNvPr id="40" name="Textfeld 39">
+            <a:extLst>
+              <a:ext uri="{FF2B5EF4-FFF2-40B4-BE49-F238E27FC236}">
+                <a16:creationId xmlns:a16="http://schemas.microsoft.com/office/drawing/2014/main" id="{0EF0D3A6-E9FB-D06B-1FA0-D2841B136D48}"/>
+              </a:ext>
+            </a:extLst>
+          </p:cNvPr>
+          <p:cNvSpPr txBox="1"/>
+          <p:nvPr/>
+        </p:nvSpPr>
+        <p:spPr>
+          <a:xfrm>
+            <a:off x="2042184" y="6031149"/>
+            <a:ext cx="4817922" cy="369332"/>
+          </a:xfrm>
+          <a:prstGeom prst="rect">
+            <a:avLst/>
+          </a:prstGeom>
+          <a:noFill/>
+        </p:spPr>
+        <p:txBody>
+          <a:bodyPr wrap="none" rtlCol="0">
+            <a:spAutoFit/>
+          </a:bodyPr>
+          <a:lstStyle/>
+          <a:p>
+            <a:pPr marL="0" marR="0" lvl="0" indent="0" algn="l" defTabSz="914400" rtl="0" eaLnBrk="1" fontAlgn="auto" latinLnBrk="0" hangingPunct="1">
+              <a:lnSpc>
+                <a:spcPct val="100000"/>
+              </a:lnSpc>
+              <a:spcBef>
+                <a:spcPts val="0"/>
+              </a:spcBef>
+              <a:spcAft>
+                <a:spcPts val="0"/>
+              </a:spcAft>
+              <a:buClrTx/>
+              <a:buSzTx/>
+              <a:buFontTx/>
+              <a:buNone/>
+              <a:tabLst/>
+              <a:defRPr/>
+            </a:pPr>
+            <a:r>
+              <a:rPr kumimoji="0" lang="de-DE" sz="1800" b="0" i="0" u="none" strike="noStrike" kern="1200" cap="none" spc="0" normalizeH="0" baseline="0" noProof="0" dirty="0">
+                <a:ln>
+                  <a:noFill/>
+                </a:ln>
+                <a:solidFill>
+                  <a:prstClr val="black"/>
+                </a:solidFill>
+                <a:effectLst/>
+                <a:uLnTx/>
+                <a:uFillTx/>
+                <a:latin typeface="Calibri" panose="020F0502020204030204"/>
+                <a:ea typeface="+mn-ea"/>
+                <a:cs typeface="+mn-cs"/>
+              </a:rPr>
+              <a:t>*Jede Kundenaktion erfordert eine „Bestätigung“</a:t>
+            </a:r>
+          </a:p>
+        </p:txBody>
+      </p:sp>
+      <p:sp>
+        <p:nvSpPr>
+          <p:cNvPr id="42" name="Textfeld 41">
+            <a:extLst>
+              <a:ext uri="{FF2B5EF4-FFF2-40B4-BE49-F238E27FC236}">
+                <a16:creationId xmlns:a16="http://schemas.microsoft.com/office/drawing/2014/main" id="{C8AC960B-6810-E066-1034-42C1F104A8A2}"/>
+              </a:ext>
+            </a:extLst>
+          </p:cNvPr>
+          <p:cNvSpPr txBox="1"/>
+          <p:nvPr/>
+        </p:nvSpPr>
+        <p:spPr>
+          <a:xfrm>
+            <a:off x="5166389" y="99288"/>
+            <a:ext cx="1859228" cy="369332"/>
+          </a:xfrm>
+          <a:prstGeom prst="rect">
+            <a:avLst/>
+          </a:prstGeom>
+          <a:noFill/>
+        </p:spPr>
+        <p:txBody>
+          <a:bodyPr wrap="none" rtlCol="0">
+            <a:spAutoFit/>
+          </a:bodyPr>
+          <a:lstStyle/>
+          <a:p>
+            <a:pPr marL="0" marR="0" lvl="0" indent="0" algn="ctr" defTabSz="914400" rtl="0" eaLnBrk="1" fontAlgn="auto" latinLnBrk="0" hangingPunct="1">
+              <a:lnSpc>
+                <a:spcPct val="100000"/>
+              </a:lnSpc>
+              <a:spcBef>
+                <a:spcPts val="0"/>
+              </a:spcBef>
+              <a:spcAft>
+                <a:spcPts val="0"/>
+              </a:spcAft>
+              <a:buClrTx/>
+              <a:buSzTx/>
+              <a:buFontTx/>
+              <a:buNone/>
+              <a:tabLst/>
+              <a:defRPr/>
+            </a:pPr>
+            <a:r>
+              <a:rPr kumimoji="0" lang="de-DE" sz="1800" b="0" i="0" u="none" strike="noStrike" kern="1200" cap="none" spc="0" normalizeH="0" baseline="0" noProof="0" dirty="0">
+                <a:ln>
+                  <a:noFill/>
+                </a:ln>
+                <a:solidFill>
+                  <a:prstClr val="black"/>
+                </a:solidFill>
+                <a:effectLst/>
+                <a:uLnTx/>
+                <a:uFillTx/>
+                <a:latin typeface="Calibri" panose="020F0502020204030204"/>
+                <a:ea typeface="+mn-ea"/>
+                <a:cs typeface="+mn-cs"/>
+              </a:rPr>
+              <a:t>UC TRANSACTION</a:t>
+            </a:r>
+          </a:p>
+        </p:txBody>
+      </p:sp>
+    </p:spTree>
+    <p:extLst>
+      <p:ext uri="{BB962C8B-B14F-4D97-AF65-F5344CB8AC3E}">
+        <p14:creationId xmlns:p14="http://schemas.microsoft.com/office/powerpoint/2010/main" val="1085543189"/>
+      </p:ext>
+    </p:extLst>
+  </p:cSld>
+  <p:clrMapOvr>
+    <a:masterClrMapping/>
+  </p:clrMapOvr>
+</p:sld>
+</file>
+
+<file path=ppt/slides/slide11.xml><?xml version="1.0" encoding="utf-8"?>
+<p:sld xmlns:a="http://schemas.openxmlformats.org/drawingml/2006/main" xmlns:r="http://schemas.openxmlformats.org/officeDocument/2006/relationships" xmlns:p="http://schemas.openxmlformats.org/presentationml/2006/main">
+  <p:cSld>
+    <p:spTree>
+      <p:nvGrpSpPr>
+        <p:cNvPr id="1" name=""/>
+        <p:cNvGrpSpPr/>
+        <p:nvPr/>
+      </p:nvGrpSpPr>
+      <p:grpSpPr>
+        <a:xfrm>
+          <a:off x="0" y="0"/>
+          <a:ext cx="0" cy="0"/>
+          <a:chOff x="0" y="0"/>
+          <a:chExt cx="0" cy="0"/>
+        </a:xfrm>
+      </p:grpSpPr>
+      <p:pic>
+        <p:nvPicPr>
+          <p:cNvPr id="5" name="Grafik 4" descr="Datenbank mit einfarbiger Füllung">
+            <a:extLst>
+              <a:ext uri="{FF2B5EF4-FFF2-40B4-BE49-F238E27FC236}">
+                <a16:creationId xmlns:a16="http://schemas.microsoft.com/office/drawing/2014/main" id="{5C7DEEC2-A5EB-0897-2F52-9659B37AA883}"/>
+              </a:ext>
+            </a:extLst>
+          </p:cNvPr>
+          <p:cNvPicPr>
+            <a:picLocks noChangeAspect="1"/>
+          </p:cNvPicPr>
+          <p:nvPr/>
+        </p:nvPicPr>
+        <p:blipFill>
+          <a:blip r:embed="rId2">
+            <a:extLst>
+              <a:ext uri="{28A0092B-C50C-407E-A947-70E740481C1C}">
+                <a14:useLocalDpi xmlns:a14="http://schemas.microsoft.com/office/drawing/2010/main" val="0"/>
+              </a:ext>
+              <a:ext uri="{96DAC541-7B7A-43D3-8B79-37D633B846F1}">
+                <asvg:svgBlip xmlns:asvg="http://schemas.microsoft.com/office/drawing/2016/SVG/main" r:embed="rId3"/>
+              </a:ext>
+            </a:extLst>
+          </a:blip>
+          <a:stretch>
+            <a:fillRect/>
+          </a:stretch>
+        </p:blipFill>
+        <p:spPr>
+          <a:xfrm>
+            <a:off x="10664984" y="2613547"/>
+            <a:ext cx="914400" cy="914400"/>
+          </a:xfrm>
+          <a:prstGeom prst="rect">
+            <a:avLst/>
+          </a:prstGeom>
+        </p:spPr>
+      </p:pic>
+      <p:pic>
+        <p:nvPicPr>
+          <p:cNvPr id="7" name="Grafik 6" descr="Mann mit einfarbiger Füllung">
+            <a:extLst>
+              <a:ext uri="{FF2B5EF4-FFF2-40B4-BE49-F238E27FC236}">
+                <a16:creationId xmlns:a16="http://schemas.microsoft.com/office/drawing/2014/main" id="{82EFA9ED-08A5-B254-DF60-1634EC9AC2B0}"/>
+              </a:ext>
+            </a:extLst>
+          </p:cNvPr>
+          <p:cNvPicPr>
+            <a:picLocks noChangeAspect="1"/>
+          </p:cNvPicPr>
+          <p:nvPr/>
+        </p:nvPicPr>
+        <p:blipFill>
+          <a:blip r:embed="rId4">
+            <a:extLst>
+              <a:ext uri="{28A0092B-C50C-407E-A947-70E740481C1C}">
+                <a14:useLocalDpi xmlns:a14="http://schemas.microsoft.com/office/drawing/2010/main" val="0"/>
+              </a:ext>
+              <a:ext uri="{96DAC541-7B7A-43D3-8B79-37D633B846F1}">
+                <asvg:svgBlip xmlns:asvg="http://schemas.microsoft.com/office/drawing/2016/SVG/main" r:embed="rId5"/>
+              </a:ext>
+            </a:extLst>
+          </a:blip>
+          <a:stretch>
+            <a:fillRect/>
+          </a:stretch>
+        </p:blipFill>
+        <p:spPr>
+          <a:xfrm>
+            <a:off x="704021" y="2585281"/>
+            <a:ext cx="914400" cy="914400"/>
+          </a:xfrm>
+          <a:prstGeom prst="rect">
+            <a:avLst/>
+          </a:prstGeom>
+        </p:spPr>
+      </p:pic>
+      <p:sp>
+        <p:nvSpPr>
+          <p:cNvPr id="8" name="Rechteck 7">
+            <a:extLst>
+              <a:ext uri="{FF2B5EF4-FFF2-40B4-BE49-F238E27FC236}">
+                <a16:creationId xmlns:a16="http://schemas.microsoft.com/office/drawing/2014/main" id="{9697B41B-1160-E1C0-1858-588DA51ABE63}"/>
+              </a:ext>
+            </a:extLst>
+          </p:cNvPr>
+          <p:cNvSpPr/>
+          <p:nvPr/>
+        </p:nvSpPr>
+        <p:spPr>
+          <a:xfrm>
+            <a:off x="2042184" y="595975"/>
+            <a:ext cx="8558432" cy="4893013"/>
+          </a:xfrm>
+          <a:prstGeom prst="rect">
+            <a:avLst/>
+          </a:prstGeom>
+          <a:noFill/>
+          <a:ln>
+            <a:solidFill>
+              <a:schemeClr val="tx1"/>
+            </a:solidFill>
+          </a:ln>
+        </p:spPr>
+        <p:style>
+          <a:lnRef idx="2">
+            <a:schemeClr val="accent1">
+              <a:shade val="50000"/>
+            </a:schemeClr>
+          </a:lnRef>
+          <a:fillRef idx="1">
+            <a:schemeClr val="accent1"/>
+          </a:fillRef>
+          <a:effectRef idx="0">
+            <a:schemeClr val="accent1"/>
+          </a:effectRef>
+          <a:fontRef idx="minor">
+            <a:schemeClr val="lt1"/>
+          </a:fontRef>
+        </p:style>
+        <p:txBody>
+          <a:bodyPr rtlCol="0" anchor="ctr"/>
+          <a:lstStyle/>
+          <a:p>
+            <a:pPr marL="0" marR="0" lvl="0" indent="0" algn="ctr" defTabSz="914400" rtl="0" eaLnBrk="1" fontAlgn="auto" latinLnBrk="0" hangingPunct="1">
+              <a:lnSpc>
+                <a:spcPct val="100000"/>
+              </a:lnSpc>
+              <a:spcBef>
+                <a:spcPts val="0"/>
+              </a:spcBef>
+              <a:spcAft>
+                <a:spcPts val="0"/>
+              </a:spcAft>
+              <a:buClrTx/>
+              <a:buSzTx/>
+              <a:buFontTx/>
+              <a:buNone/>
+              <a:tabLst/>
+              <a:defRPr/>
+            </a:pPr>
+            <a:endParaRPr kumimoji="0" lang="de-DE" sz="1800" b="0" i="0" u="none" strike="noStrike" kern="1200" cap="none" spc="0" normalizeH="0" baseline="0" noProof="0">
+              <a:ln>
+                <a:noFill/>
+              </a:ln>
+              <a:solidFill>
+                <a:prstClr val="white"/>
+              </a:solidFill>
+              <a:effectLst/>
+              <a:uLnTx/>
+              <a:uFillTx/>
+              <a:latin typeface="Calibri" panose="020F0502020204030204"/>
+              <a:ea typeface="+mn-ea"/>
+              <a:cs typeface="+mn-cs"/>
+            </a:endParaRPr>
+          </a:p>
+        </p:txBody>
+      </p:sp>
+      <p:sp>
+        <p:nvSpPr>
+          <p:cNvPr id="9" name="Textfeld 8">
+            <a:extLst>
+              <a:ext uri="{FF2B5EF4-FFF2-40B4-BE49-F238E27FC236}">
+                <a16:creationId xmlns:a16="http://schemas.microsoft.com/office/drawing/2014/main" id="{9C7CDC1F-A857-23E5-C8EE-4476E563F945}"/>
+              </a:ext>
+            </a:extLst>
+          </p:cNvPr>
+          <p:cNvSpPr txBox="1"/>
+          <p:nvPr/>
+        </p:nvSpPr>
+        <p:spPr>
+          <a:xfrm>
+            <a:off x="5690600" y="673934"/>
+            <a:ext cx="810799" cy="369332"/>
+          </a:xfrm>
+          <a:prstGeom prst="rect">
+            <a:avLst/>
+          </a:prstGeom>
+          <a:noFill/>
+        </p:spPr>
+        <p:txBody>
+          <a:bodyPr wrap="none" rtlCol="0">
+            <a:spAutoFit/>
+          </a:bodyPr>
+          <a:lstStyle/>
+          <a:p>
+            <a:pPr marL="0" marR="0" lvl="0" indent="0" algn="ctr" defTabSz="914400" rtl="0" eaLnBrk="1" fontAlgn="auto" latinLnBrk="0" hangingPunct="1">
+              <a:lnSpc>
+                <a:spcPct val="100000"/>
+              </a:lnSpc>
+              <a:spcBef>
+                <a:spcPts val="0"/>
+              </a:spcBef>
+              <a:spcAft>
+                <a:spcPts val="0"/>
+              </a:spcAft>
+              <a:buClrTx/>
+              <a:buSzTx/>
+              <a:buFontTx/>
+              <a:buNone/>
+              <a:tabLst/>
+              <a:defRPr/>
+            </a:pPr>
+            <a:r>
+              <a:rPr kumimoji="0" lang="de-DE" sz="1800" b="0" i="0" u="none" strike="noStrike" kern="1200" cap="none" spc="0" normalizeH="0" baseline="0" noProof="0" dirty="0">
+                <a:ln>
+                  <a:noFill/>
+                </a:ln>
+                <a:solidFill>
+                  <a:prstClr val="black"/>
+                </a:solidFill>
+                <a:effectLst/>
+                <a:uLnTx/>
+                <a:uFillTx/>
+                <a:latin typeface="Calibri" panose="020F0502020204030204"/>
+                <a:ea typeface="+mn-ea"/>
+                <a:cs typeface="+mn-cs"/>
+              </a:rPr>
+              <a:t>Storno</a:t>
+            </a:r>
+          </a:p>
+        </p:txBody>
+      </p:sp>
+      <p:sp>
+        <p:nvSpPr>
+          <p:cNvPr id="10" name="Ellipse 9">
+            <a:extLst>
+              <a:ext uri="{FF2B5EF4-FFF2-40B4-BE49-F238E27FC236}">
+                <a16:creationId xmlns:a16="http://schemas.microsoft.com/office/drawing/2014/main" id="{642628AC-BD8A-49BE-5337-9AF09689E778}"/>
+              </a:ext>
+            </a:extLst>
+          </p:cNvPr>
+          <p:cNvSpPr/>
+          <p:nvPr/>
+        </p:nvSpPr>
+        <p:spPr>
+          <a:xfrm>
+            <a:off x="2206144" y="1173749"/>
+            <a:ext cx="2171303" cy="763398"/>
+          </a:xfrm>
+          <a:prstGeom prst="ellipse">
+            <a:avLst/>
+          </a:prstGeom>
+          <a:noFill/>
+          <a:ln>
+            <a:solidFill>
+              <a:schemeClr val="tx1"/>
+            </a:solidFill>
+          </a:ln>
+        </p:spPr>
+        <p:style>
+          <a:lnRef idx="2">
+            <a:schemeClr val="accent1">
+              <a:shade val="50000"/>
+            </a:schemeClr>
+          </a:lnRef>
+          <a:fillRef idx="1">
+            <a:schemeClr val="accent1"/>
+          </a:fillRef>
+          <a:effectRef idx="0">
+            <a:schemeClr val="accent1"/>
+          </a:effectRef>
+          <a:fontRef idx="minor">
+            <a:schemeClr val="lt1"/>
+          </a:fontRef>
+        </p:style>
+        <p:txBody>
+          <a:bodyPr rtlCol="0" anchor="ctr"/>
+          <a:lstStyle/>
+          <a:p>
+            <a:pPr marL="0" marR="0" lvl="0" indent="0" algn="ctr" defTabSz="914400" rtl="0" eaLnBrk="1" fontAlgn="auto" latinLnBrk="0" hangingPunct="1">
+              <a:lnSpc>
+                <a:spcPct val="100000"/>
+              </a:lnSpc>
+              <a:spcBef>
+                <a:spcPts val="0"/>
+              </a:spcBef>
+              <a:spcAft>
+                <a:spcPts val="0"/>
+              </a:spcAft>
+              <a:buClrTx/>
+              <a:buSzTx/>
+              <a:buFontTx/>
+              <a:buNone/>
+              <a:tabLst/>
+              <a:defRPr/>
+            </a:pPr>
+            <a:r>
+              <a:rPr kumimoji="0" lang="de-DE" sz="1800" b="0" i="0" u="none" strike="noStrike" kern="1200" cap="none" spc="0" normalizeH="0" baseline="0" noProof="0" dirty="0">
+                <a:ln>
+                  <a:noFill/>
+                </a:ln>
+                <a:solidFill>
+                  <a:prstClr val="black"/>
+                </a:solidFill>
+                <a:effectLst/>
+                <a:uLnTx/>
+                <a:uFillTx/>
+                <a:latin typeface="Calibri" panose="020F0502020204030204"/>
+                <a:ea typeface="+mn-ea"/>
+                <a:cs typeface="+mn-cs"/>
+              </a:rPr>
+              <a:t>Bestellung auswählen</a:t>
+            </a:r>
+          </a:p>
+        </p:txBody>
+      </p:sp>
+      <p:sp>
+        <p:nvSpPr>
+          <p:cNvPr id="12" name="Ellipse 11">
+            <a:extLst>
+              <a:ext uri="{FF2B5EF4-FFF2-40B4-BE49-F238E27FC236}">
+                <a16:creationId xmlns:a16="http://schemas.microsoft.com/office/drawing/2014/main" id="{8A727FC0-DF81-DE0B-2DAF-CCE868CDEDF5}"/>
+              </a:ext>
+            </a:extLst>
+          </p:cNvPr>
+          <p:cNvSpPr/>
+          <p:nvPr/>
+        </p:nvSpPr>
+        <p:spPr>
+          <a:xfrm>
+            <a:off x="7774799" y="2030879"/>
+            <a:ext cx="2078952" cy="763398"/>
+          </a:xfrm>
+          <a:prstGeom prst="ellipse">
+            <a:avLst/>
+          </a:prstGeom>
+          <a:noFill/>
+          <a:ln>
+            <a:solidFill>
+              <a:schemeClr val="tx1"/>
+            </a:solidFill>
+          </a:ln>
+        </p:spPr>
+        <p:style>
+          <a:lnRef idx="2">
+            <a:schemeClr val="accent1">
+              <a:shade val="50000"/>
+            </a:schemeClr>
+          </a:lnRef>
+          <a:fillRef idx="1">
+            <a:schemeClr val="accent1"/>
+          </a:fillRef>
+          <a:effectRef idx="0">
+            <a:schemeClr val="accent1"/>
+          </a:effectRef>
+          <a:fontRef idx="minor">
+            <a:schemeClr val="lt1"/>
+          </a:fontRef>
+        </p:style>
+        <p:txBody>
+          <a:bodyPr rtlCol="0" anchor="ctr"/>
+          <a:lstStyle/>
+          <a:p>
+            <a:pPr marL="0" marR="0" lvl="0" indent="0" algn="ctr" defTabSz="914400" rtl="0" eaLnBrk="1" fontAlgn="auto" latinLnBrk="0" hangingPunct="1">
+              <a:lnSpc>
+                <a:spcPct val="100000"/>
+              </a:lnSpc>
+              <a:spcBef>
+                <a:spcPts val="0"/>
+              </a:spcBef>
+              <a:spcAft>
+                <a:spcPts val="0"/>
+              </a:spcAft>
+              <a:buClrTx/>
+              <a:buSzTx/>
+              <a:buFontTx/>
+              <a:buNone/>
+              <a:tabLst/>
+              <a:defRPr/>
+            </a:pPr>
+            <a:r>
+              <a:rPr kumimoji="0" lang="de-DE" sz="1800" b="0" i="0" u="none" strike="noStrike" kern="1200" cap="none" spc="0" normalizeH="0" baseline="0" noProof="0" dirty="0">
+                <a:ln>
+                  <a:noFill/>
+                </a:ln>
+                <a:solidFill>
+                  <a:prstClr val="black"/>
+                </a:solidFill>
+                <a:effectLst/>
+                <a:uLnTx/>
+                <a:uFillTx/>
+                <a:latin typeface="Calibri" panose="020F0502020204030204"/>
+                <a:ea typeface="+mn-ea"/>
+                <a:cs typeface="+mn-cs"/>
+              </a:rPr>
+              <a:t>Zahladresse angeben</a:t>
+            </a:r>
+          </a:p>
+        </p:txBody>
+      </p:sp>
+      <p:cxnSp>
+        <p:nvCxnSpPr>
+          <p:cNvPr id="14" name="Gerade Verbindung mit Pfeil 13">
+            <a:extLst>
+              <a:ext uri="{FF2B5EF4-FFF2-40B4-BE49-F238E27FC236}">
+                <a16:creationId xmlns:a16="http://schemas.microsoft.com/office/drawing/2014/main" id="{B6D4557C-7700-CE66-3A56-998F41C61E7D}"/>
+              </a:ext>
+            </a:extLst>
+          </p:cNvPr>
+          <p:cNvCxnSpPr>
+            <a:cxnSpLocks/>
+            <a:stCxn id="7" idx="3"/>
+            <a:endCxn id="10" idx="2"/>
+          </p:cNvCxnSpPr>
+          <p:nvPr/>
+        </p:nvCxnSpPr>
+        <p:spPr>
+          <a:xfrm flipV="1">
+            <a:off x="1618421" y="1555448"/>
+            <a:ext cx="587723" cy="1487033"/>
+          </a:xfrm>
+          <a:prstGeom prst="straightConnector1">
+            <a:avLst/>
+          </a:prstGeom>
+          <a:ln w="19050">
+            <a:solidFill>
+              <a:schemeClr val="tx1"/>
+            </a:solidFill>
+            <a:headEnd type="none"/>
+            <a:tailEnd type="arrow"/>
+          </a:ln>
+        </p:spPr>
+        <p:style>
+          <a:lnRef idx="1">
+            <a:schemeClr val="accent1"/>
+          </a:lnRef>
+          <a:fillRef idx="0">
+            <a:schemeClr val="accent1"/>
+          </a:fillRef>
+          <a:effectRef idx="0">
+            <a:schemeClr val="accent1"/>
+          </a:effectRef>
+          <a:fontRef idx="minor">
+            <a:schemeClr val="tx1"/>
+          </a:fontRef>
+        </p:style>
+      </p:cxnSp>
+      <p:sp>
+        <p:nvSpPr>
+          <p:cNvPr id="18" name="Textfeld 17">
+            <a:extLst>
+              <a:ext uri="{FF2B5EF4-FFF2-40B4-BE49-F238E27FC236}">
+                <a16:creationId xmlns:a16="http://schemas.microsoft.com/office/drawing/2014/main" id="{3B14DF6D-418C-7109-C5E2-CA6210566E71}"/>
+              </a:ext>
+            </a:extLst>
+          </p:cNvPr>
+          <p:cNvSpPr txBox="1"/>
+          <p:nvPr/>
+        </p:nvSpPr>
+        <p:spPr>
+          <a:xfrm>
+            <a:off x="770165" y="3499348"/>
+            <a:ext cx="782202" cy="369332"/>
+          </a:xfrm>
+          <a:prstGeom prst="rect">
+            <a:avLst/>
+          </a:prstGeom>
+          <a:noFill/>
+        </p:spPr>
+        <p:txBody>
+          <a:bodyPr wrap="none" rtlCol="0">
+            <a:spAutoFit/>
+          </a:bodyPr>
+          <a:lstStyle/>
+          <a:p>
+            <a:pPr marL="0" marR="0" lvl="0" indent="0" algn="l" defTabSz="914400" rtl="0" eaLnBrk="1" fontAlgn="auto" latinLnBrk="0" hangingPunct="1">
+              <a:lnSpc>
+                <a:spcPct val="100000"/>
+              </a:lnSpc>
+              <a:spcBef>
+                <a:spcPts val="0"/>
+              </a:spcBef>
+              <a:spcAft>
+                <a:spcPts val="0"/>
+              </a:spcAft>
+              <a:buClrTx/>
+              <a:buSzTx/>
+              <a:buFontTx/>
+              <a:buNone/>
+              <a:tabLst/>
+              <a:defRPr/>
+            </a:pPr>
+            <a:r>
+              <a:rPr kumimoji="0" lang="de-DE" sz="1800" b="0" i="0" u="none" strike="noStrike" kern="1200" cap="none" spc="0" normalizeH="0" baseline="0" noProof="0" dirty="0">
+                <a:ln>
+                  <a:noFill/>
+                </a:ln>
+                <a:solidFill>
+                  <a:prstClr val="black"/>
+                </a:solidFill>
+                <a:effectLst/>
+                <a:uLnTx/>
+                <a:uFillTx/>
+                <a:latin typeface="Calibri" panose="020F0502020204030204"/>
+                <a:ea typeface="+mn-ea"/>
+                <a:cs typeface="+mn-cs"/>
+              </a:rPr>
+              <a:t>Kunde</a:t>
+            </a:r>
+          </a:p>
+        </p:txBody>
+      </p:sp>
+      <p:sp>
+        <p:nvSpPr>
+          <p:cNvPr id="19" name="Textfeld 18">
+            <a:extLst>
+              <a:ext uri="{FF2B5EF4-FFF2-40B4-BE49-F238E27FC236}">
+                <a16:creationId xmlns:a16="http://schemas.microsoft.com/office/drawing/2014/main" id="{53DB57F7-2C7E-D4B4-05FB-9E53B3022142}"/>
+              </a:ext>
+            </a:extLst>
+          </p:cNvPr>
+          <p:cNvSpPr txBox="1"/>
+          <p:nvPr/>
+        </p:nvSpPr>
+        <p:spPr>
+          <a:xfrm>
+            <a:off x="10729352" y="3527614"/>
+            <a:ext cx="785664" cy="369332"/>
+          </a:xfrm>
+          <a:prstGeom prst="rect">
+            <a:avLst/>
+          </a:prstGeom>
+          <a:noFill/>
+        </p:spPr>
+        <p:txBody>
+          <a:bodyPr wrap="none" rtlCol="0">
+            <a:spAutoFit/>
+          </a:bodyPr>
+          <a:lstStyle/>
+          <a:p>
+            <a:pPr marL="0" marR="0" lvl="0" indent="0" algn="l" defTabSz="914400" rtl="0" eaLnBrk="1" fontAlgn="auto" latinLnBrk="0" hangingPunct="1">
+              <a:lnSpc>
+                <a:spcPct val="100000"/>
+              </a:lnSpc>
+              <a:spcBef>
+                <a:spcPts val="0"/>
+              </a:spcBef>
+              <a:spcAft>
+                <a:spcPts val="0"/>
+              </a:spcAft>
+              <a:buClrTx/>
+              <a:buSzTx/>
+              <a:buFontTx/>
+              <a:buNone/>
+              <a:tabLst/>
+              <a:defRPr/>
+            </a:pPr>
+            <a:r>
+              <a:rPr kumimoji="0" lang="de-DE" sz="1800" b="0" i="0" u="none" strike="noStrike" kern="1200" cap="none" spc="0" normalizeH="0" baseline="0" noProof="0" dirty="0">
+                <a:ln>
+                  <a:noFill/>
+                </a:ln>
+                <a:solidFill>
+                  <a:prstClr val="black"/>
+                </a:solidFill>
+                <a:effectLst/>
+                <a:uLnTx/>
+                <a:uFillTx/>
+                <a:latin typeface="Calibri" panose="020F0502020204030204"/>
+                <a:ea typeface="+mn-ea"/>
+                <a:cs typeface="+mn-cs"/>
+              </a:rPr>
+              <a:t>Server</a:t>
+            </a:r>
+          </a:p>
+        </p:txBody>
+      </p:sp>
+      <p:sp>
+        <p:nvSpPr>
+          <p:cNvPr id="4" name="Ellipse 3">
+            <a:extLst>
+              <a:ext uri="{FF2B5EF4-FFF2-40B4-BE49-F238E27FC236}">
+                <a16:creationId xmlns:a16="http://schemas.microsoft.com/office/drawing/2014/main" id="{6F466D6E-1B23-D87B-97DF-ECF8898ECC40}"/>
+              </a:ext>
+            </a:extLst>
+          </p:cNvPr>
+          <p:cNvSpPr/>
+          <p:nvPr/>
+        </p:nvSpPr>
+        <p:spPr>
+          <a:xfrm>
+            <a:off x="4522477" y="1587796"/>
+            <a:ext cx="3014941" cy="763398"/>
+          </a:xfrm>
+          <a:prstGeom prst="ellipse">
+            <a:avLst/>
+          </a:prstGeom>
+          <a:noFill/>
+          <a:ln>
+            <a:solidFill>
+              <a:schemeClr val="tx1"/>
+            </a:solidFill>
+          </a:ln>
+        </p:spPr>
+        <p:style>
+          <a:lnRef idx="2">
+            <a:schemeClr val="accent1">
+              <a:shade val="50000"/>
+            </a:schemeClr>
+          </a:lnRef>
+          <a:fillRef idx="1">
+            <a:schemeClr val="accent1"/>
+          </a:fillRef>
+          <a:effectRef idx="0">
+            <a:schemeClr val="accent1"/>
+          </a:effectRef>
+          <a:fontRef idx="minor">
+            <a:schemeClr val="lt1"/>
+          </a:fontRef>
+        </p:style>
+        <p:txBody>
+          <a:bodyPr rtlCol="0" anchor="ctr"/>
+          <a:lstStyle/>
+          <a:p>
+            <a:pPr marL="0" marR="0" lvl="0" indent="0" algn="ctr" defTabSz="914400" rtl="0" eaLnBrk="1" fontAlgn="auto" latinLnBrk="0" hangingPunct="1">
+              <a:lnSpc>
+                <a:spcPct val="100000"/>
+              </a:lnSpc>
+              <a:spcBef>
+                <a:spcPts val="0"/>
+              </a:spcBef>
+              <a:spcAft>
+                <a:spcPts val="0"/>
+              </a:spcAft>
+              <a:buClrTx/>
+              <a:buSzTx/>
+              <a:buFontTx/>
+              <a:buNone/>
+              <a:tabLst/>
+              <a:defRPr/>
+            </a:pPr>
+            <a:r>
+              <a:rPr kumimoji="0" lang="de-DE" sz="1800" b="0" i="0" u="none" strike="noStrike" kern="1200" cap="none" spc="0" normalizeH="0" baseline="0" noProof="0" dirty="0">
+                <a:ln>
+                  <a:noFill/>
+                </a:ln>
+                <a:solidFill>
+                  <a:prstClr val="black"/>
+                </a:solidFill>
+                <a:effectLst/>
+                <a:uLnTx/>
+                <a:uFillTx/>
+                <a:latin typeface="Calibri" panose="020F0502020204030204"/>
+                <a:ea typeface="+mn-ea"/>
+                <a:cs typeface="+mn-cs"/>
+              </a:rPr>
+              <a:t>Grund angeben</a:t>
+            </a:r>
+          </a:p>
+        </p:txBody>
+      </p:sp>
+      <p:sp>
+        <p:nvSpPr>
+          <p:cNvPr id="6" name="Ellipse 5">
+            <a:extLst>
+              <a:ext uri="{FF2B5EF4-FFF2-40B4-BE49-F238E27FC236}">
+                <a16:creationId xmlns:a16="http://schemas.microsoft.com/office/drawing/2014/main" id="{072BA419-AB1F-D85A-0028-CDFBBE65F8F9}"/>
+              </a:ext>
+            </a:extLst>
+          </p:cNvPr>
+          <p:cNvSpPr/>
+          <p:nvPr/>
+        </p:nvSpPr>
+        <p:spPr>
+          <a:xfrm>
+            <a:off x="6373670" y="4261618"/>
+            <a:ext cx="2499831" cy="763398"/>
+          </a:xfrm>
+          <a:prstGeom prst="ellipse">
+            <a:avLst/>
+          </a:prstGeom>
+          <a:noFill/>
+          <a:ln>
+            <a:solidFill>
+              <a:schemeClr val="tx1"/>
+            </a:solidFill>
+          </a:ln>
+        </p:spPr>
+        <p:style>
+          <a:lnRef idx="2">
+            <a:schemeClr val="accent1">
+              <a:shade val="50000"/>
+            </a:schemeClr>
+          </a:lnRef>
+          <a:fillRef idx="1">
+            <a:schemeClr val="accent1"/>
+          </a:fillRef>
+          <a:effectRef idx="0">
+            <a:schemeClr val="accent1"/>
+          </a:effectRef>
+          <a:fontRef idx="minor">
+            <a:schemeClr val="lt1"/>
+          </a:fontRef>
+        </p:style>
+        <p:txBody>
+          <a:bodyPr rtlCol="0" anchor="ctr"/>
+          <a:lstStyle/>
+          <a:p>
+            <a:pPr marL="0" marR="0" lvl="0" indent="0" algn="ctr" defTabSz="914400" rtl="0" eaLnBrk="1" fontAlgn="auto" latinLnBrk="0" hangingPunct="1">
+              <a:lnSpc>
+                <a:spcPct val="100000"/>
+              </a:lnSpc>
+              <a:spcBef>
+                <a:spcPts val="0"/>
+              </a:spcBef>
+              <a:spcAft>
+                <a:spcPts val="0"/>
+              </a:spcAft>
+              <a:buClrTx/>
+              <a:buSzTx/>
+              <a:buFontTx/>
+              <a:buNone/>
+              <a:tabLst/>
+              <a:defRPr/>
+            </a:pPr>
+            <a:r>
+              <a:rPr kumimoji="0" lang="de-DE" sz="1800" b="0" i="0" u="none" strike="noStrike" kern="1200" cap="none" spc="0" normalizeH="0" baseline="0" noProof="0" dirty="0">
+                <a:ln>
+                  <a:noFill/>
+                </a:ln>
+                <a:solidFill>
+                  <a:prstClr val="black"/>
+                </a:solidFill>
+                <a:effectLst/>
+                <a:uLnTx/>
+                <a:uFillTx/>
+                <a:latin typeface="Calibri" panose="020F0502020204030204"/>
+                <a:ea typeface="+mn-ea"/>
+                <a:cs typeface="+mn-cs"/>
+              </a:rPr>
+              <a:t>Geld zurück</a:t>
+            </a:r>
+          </a:p>
+        </p:txBody>
+      </p:sp>
+      <p:cxnSp>
+        <p:nvCxnSpPr>
+          <p:cNvPr id="13" name="Gerade Verbindung mit Pfeil 12">
+            <a:extLst>
+              <a:ext uri="{FF2B5EF4-FFF2-40B4-BE49-F238E27FC236}">
+                <a16:creationId xmlns:a16="http://schemas.microsoft.com/office/drawing/2014/main" id="{400199D9-1360-E2FE-5D52-741183CE6A11}"/>
+              </a:ext>
+            </a:extLst>
+          </p:cNvPr>
+          <p:cNvCxnSpPr>
+            <a:cxnSpLocks/>
+            <a:stCxn id="4" idx="2"/>
+            <a:endCxn id="10" idx="6"/>
+          </p:cNvCxnSpPr>
+          <p:nvPr/>
+        </p:nvCxnSpPr>
+        <p:spPr>
+          <a:xfrm flipH="1" flipV="1">
+            <a:off x="4377447" y="1555448"/>
+            <a:ext cx="145030" cy="414047"/>
+          </a:xfrm>
+          <a:prstGeom prst="straightConnector1">
+            <a:avLst/>
+          </a:prstGeom>
+          <a:ln w="19050">
+            <a:solidFill>
+              <a:schemeClr val="tx1"/>
+            </a:solidFill>
+            <a:headEnd type="arrow"/>
+            <a:tailEnd type="none"/>
+          </a:ln>
+        </p:spPr>
+        <p:style>
+          <a:lnRef idx="1">
+            <a:schemeClr val="accent1"/>
+          </a:lnRef>
+          <a:fillRef idx="0">
+            <a:schemeClr val="accent1"/>
+          </a:fillRef>
+          <a:effectRef idx="0">
+            <a:schemeClr val="accent1"/>
+          </a:effectRef>
+          <a:fontRef idx="minor">
+            <a:schemeClr val="tx1"/>
+          </a:fontRef>
+        </p:style>
+      </p:cxnSp>
+      <p:cxnSp>
+        <p:nvCxnSpPr>
+          <p:cNvPr id="25" name="Gerade Verbindung mit Pfeil 24">
+            <a:extLst>
+              <a:ext uri="{FF2B5EF4-FFF2-40B4-BE49-F238E27FC236}">
+                <a16:creationId xmlns:a16="http://schemas.microsoft.com/office/drawing/2014/main" id="{73533BB9-D8EF-F288-BF9D-E43958D36178}"/>
+              </a:ext>
+            </a:extLst>
+          </p:cNvPr>
+          <p:cNvCxnSpPr>
+            <a:cxnSpLocks/>
+            <a:stCxn id="12" idx="2"/>
+            <a:endCxn id="4" idx="6"/>
+          </p:cNvCxnSpPr>
+          <p:nvPr/>
+        </p:nvCxnSpPr>
+        <p:spPr>
+          <a:xfrm flipH="1" flipV="1">
+            <a:off x="7537418" y="1969495"/>
+            <a:ext cx="237381" cy="443083"/>
+          </a:xfrm>
+          <a:prstGeom prst="straightConnector1">
+            <a:avLst/>
+          </a:prstGeom>
+          <a:ln w="19050">
+            <a:solidFill>
+              <a:schemeClr val="tx1"/>
+            </a:solidFill>
+            <a:headEnd type="arrow"/>
+            <a:tailEnd type="none"/>
+          </a:ln>
+        </p:spPr>
+        <p:style>
+          <a:lnRef idx="1">
+            <a:schemeClr val="accent1"/>
+          </a:lnRef>
+          <a:fillRef idx="0">
+            <a:schemeClr val="accent1"/>
+          </a:fillRef>
+          <a:effectRef idx="0">
+            <a:schemeClr val="accent1"/>
+          </a:effectRef>
+          <a:fontRef idx="minor">
+            <a:schemeClr val="tx1"/>
+          </a:fontRef>
+        </p:style>
+      </p:cxnSp>
+      <p:cxnSp>
+        <p:nvCxnSpPr>
+          <p:cNvPr id="33" name="Gerade Verbindung mit Pfeil 32">
+            <a:extLst>
+              <a:ext uri="{FF2B5EF4-FFF2-40B4-BE49-F238E27FC236}">
+                <a16:creationId xmlns:a16="http://schemas.microsoft.com/office/drawing/2014/main" id="{E727C826-9C2E-7A0D-FD74-D96D23AA56DC}"/>
+              </a:ext>
+            </a:extLst>
+          </p:cNvPr>
+          <p:cNvCxnSpPr>
+            <a:stCxn id="12" idx="4"/>
+            <a:endCxn id="6" idx="0"/>
+          </p:cNvCxnSpPr>
+          <p:nvPr/>
+        </p:nvCxnSpPr>
+        <p:spPr>
+          <a:xfrm flipH="1">
+            <a:off x="7623586" y="2794277"/>
+            <a:ext cx="1190689" cy="1467341"/>
+          </a:xfrm>
+          <a:prstGeom prst="straightConnector1">
+            <a:avLst/>
+          </a:prstGeom>
+          <a:ln w="15875">
+            <a:solidFill>
+              <a:schemeClr val="tx1"/>
+            </a:solidFill>
+            <a:prstDash val="dash"/>
+            <a:headEnd type="none"/>
+            <a:tailEnd type="arrow"/>
+          </a:ln>
+        </p:spPr>
+        <p:style>
+          <a:lnRef idx="1">
+            <a:schemeClr val="accent1"/>
+          </a:lnRef>
+          <a:fillRef idx="0">
+            <a:schemeClr val="accent1"/>
+          </a:fillRef>
+          <a:effectRef idx="0">
+            <a:schemeClr val="accent1"/>
+          </a:effectRef>
+          <a:fontRef idx="minor">
+            <a:schemeClr val="tx1"/>
+          </a:fontRef>
+        </p:style>
+      </p:cxnSp>
+      <p:cxnSp>
+        <p:nvCxnSpPr>
+          <p:cNvPr id="34" name="Gerade Verbindung mit Pfeil 33">
+            <a:extLst>
+              <a:ext uri="{FF2B5EF4-FFF2-40B4-BE49-F238E27FC236}">
+                <a16:creationId xmlns:a16="http://schemas.microsoft.com/office/drawing/2014/main" id="{092E43C9-65BE-6A65-D3FA-32AE280942B1}"/>
+              </a:ext>
+            </a:extLst>
+          </p:cNvPr>
+          <p:cNvCxnSpPr>
+            <a:cxnSpLocks/>
+            <a:stCxn id="12" idx="6"/>
+            <a:endCxn id="5" idx="1"/>
+          </p:cNvCxnSpPr>
+          <p:nvPr/>
+        </p:nvCxnSpPr>
+        <p:spPr>
+          <a:xfrm>
+            <a:off x="9853751" y="2412578"/>
+            <a:ext cx="811233" cy="658169"/>
+          </a:xfrm>
+          <a:prstGeom prst="straightConnector1">
+            <a:avLst/>
+          </a:prstGeom>
+          <a:ln w="19050">
+            <a:solidFill>
+              <a:schemeClr val="tx1"/>
+            </a:solidFill>
+            <a:headEnd type="none"/>
+            <a:tailEnd type="arrow"/>
+          </a:ln>
+        </p:spPr>
+        <p:style>
+          <a:lnRef idx="1">
+            <a:schemeClr val="accent1"/>
+          </a:lnRef>
+          <a:fillRef idx="0">
+            <a:schemeClr val="accent1"/>
+          </a:fillRef>
+          <a:effectRef idx="0">
+            <a:schemeClr val="accent1"/>
+          </a:effectRef>
+          <a:fontRef idx="minor">
+            <a:schemeClr val="tx1"/>
+          </a:fontRef>
+        </p:style>
+      </p:cxnSp>
+      <p:sp>
+        <p:nvSpPr>
+          <p:cNvPr id="38" name="Textfeld 37">
+            <a:extLst>
+              <a:ext uri="{FF2B5EF4-FFF2-40B4-BE49-F238E27FC236}">
+                <a16:creationId xmlns:a16="http://schemas.microsoft.com/office/drawing/2014/main" id="{F1F87110-69CA-96D5-99E9-05FE57CCA757}"/>
+              </a:ext>
+            </a:extLst>
+          </p:cNvPr>
+          <p:cNvSpPr txBox="1"/>
+          <p:nvPr/>
+        </p:nvSpPr>
+        <p:spPr>
+          <a:xfrm>
+            <a:off x="7227413" y="3234112"/>
+            <a:ext cx="1075936" cy="307777"/>
+          </a:xfrm>
+          <a:prstGeom prst="rect">
+            <a:avLst/>
+          </a:prstGeom>
+          <a:noFill/>
+        </p:spPr>
+        <p:txBody>
+          <a:bodyPr wrap="none" rtlCol="0">
+            <a:spAutoFit/>
+          </a:bodyPr>
+          <a:lstStyle/>
+          <a:p>
+            <a:pPr marL="0" marR="0" lvl="0" indent="0" algn="l" defTabSz="914400" rtl="0" eaLnBrk="1" fontAlgn="auto" latinLnBrk="0" hangingPunct="1">
+              <a:lnSpc>
+                <a:spcPct val="100000"/>
+              </a:lnSpc>
+              <a:spcBef>
+                <a:spcPts val="0"/>
+              </a:spcBef>
+              <a:spcAft>
+                <a:spcPts val="0"/>
+              </a:spcAft>
+              <a:buClrTx/>
+              <a:buSzTx/>
+              <a:buFontTx/>
+              <a:buNone/>
+              <a:tabLst/>
+              <a:defRPr/>
+            </a:pPr>
+            <a:r>
+              <a:rPr kumimoji="0" lang="de-DE" sz="1400" b="0" i="0" u="none" strike="noStrike" kern="1200" cap="none" spc="0" normalizeH="0" baseline="0" noProof="0" dirty="0">
+                <a:ln>
+                  <a:noFill/>
+                </a:ln>
+                <a:solidFill>
+                  <a:prstClr val="black"/>
+                </a:solidFill>
+                <a:effectLst/>
+                <a:uLnTx/>
+                <a:uFillTx/>
+                <a:latin typeface="Google Sans"/>
+                <a:ea typeface="+mn-ea"/>
+                <a:cs typeface="+mn-cs"/>
+              </a:rPr>
+              <a:t>&lt;&lt;include&gt;&gt;</a:t>
+            </a:r>
+            <a:endParaRPr kumimoji="0" lang="de-DE" sz="1400" b="0" i="0" u="none" strike="noStrike" kern="1200" cap="none" spc="0" normalizeH="0" baseline="0" noProof="0" dirty="0">
+              <a:ln>
+                <a:noFill/>
+              </a:ln>
+              <a:solidFill>
+                <a:prstClr val="black"/>
+              </a:solidFill>
+              <a:effectLst/>
+              <a:uLnTx/>
+              <a:uFillTx/>
+              <a:latin typeface="Calibri" panose="020F0502020204030204"/>
+              <a:ea typeface="+mn-ea"/>
+              <a:cs typeface="+mn-cs"/>
+            </a:endParaRPr>
+          </a:p>
+        </p:txBody>
+      </p:sp>
+      <p:sp>
+        <p:nvSpPr>
+          <p:cNvPr id="3" name="Textfeld 2">
+            <a:extLst>
+              <a:ext uri="{FF2B5EF4-FFF2-40B4-BE49-F238E27FC236}">
+                <a16:creationId xmlns:a16="http://schemas.microsoft.com/office/drawing/2014/main" id="{5240E090-AB61-9220-7C3E-4D2D540BDAF0}"/>
+              </a:ext>
+            </a:extLst>
+          </p:cNvPr>
+          <p:cNvSpPr txBox="1"/>
+          <p:nvPr/>
+        </p:nvSpPr>
+        <p:spPr>
+          <a:xfrm>
+            <a:off x="2042184" y="6031149"/>
+            <a:ext cx="4817922" cy="369332"/>
+          </a:xfrm>
+          <a:prstGeom prst="rect">
+            <a:avLst/>
+          </a:prstGeom>
+          <a:noFill/>
+        </p:spPr>
+        <p:txBody>
+          <a:bodyPr wrap="none" rtlCol="0">
+            <a:spAutoFit/>
+          </a:bodyPr>
+          <a:lstStyle/>
+          <a:p>
+            <a:pPr marL="0" marR="0" lvl="0" indent="0" algn="l" defTabSz="914400" rtl="0" eaLnBrk="1" fontAlgn="auto" latinLnBrk="0" hangingPunct="1">
+              <a:lnSpc>
+                <a:spcPct val="100000"/>
+              </a:lnSpc>
+              <a:spcBef>
+                <a:spcPts val="0"/>
+              </a:spcBef>
+              <a:spcAft>
+                <a:spcPts val="0"/>
+              </a:spcAft>
+              <a:buClrTx/>
+              <a:buSzTx/>
+              <a:buFontTx/>
+              <a:buNone/>
+              <a:tabLst/>
+              <a:defRPr/>
+            </a:pPr>
+            <a:r>
+              <a:rPr kumimoji="0" lang="de-DE" sz="1800" b="0" i="0" u="none" strike="noStrike" kern="1200" cap="none" spc="0" normalizeH="0" baseline="0" noProof="0" dirty="0">
+                <a:ln>
+                  <a:noFill/>
+                </a:ln>
+                <a:solidFill>
+                  <a:prstClr val="black"/>
+                </a:solidFill>
+                <a:effectLst/>
+                <a:uLnTx/>
+                <a:uFillTx/>
+                <a:latin typeface="Calibri" panose="020F0502020204030204"/>
+                <a:ea typeface="+mn-ea"/>
+                <a:cs typeface="+mn-cs"/>
+              </a:rPr>
+              <a:t>*Jede Kundenaktion erfordert eine „Bestätigung“</a:t>
+            </a:r>
+          </a:p>
+        </p:txBody>
+      </p:sp>
+      <p:sp>
+        <p:nvSpPr>
+          <p:cNvPr id="11" name="Textfeld 10">
+            <a:extLst>
+              <a:ext uri="{FF2B5EF4-FFF2-40B4-BE49-F238E27FC236}">
+                <a16:creationId xmlns:a16="http://schemas.microsoft.com/office/drawing/2014/main" id="{799B0AC8-D3B6-939C-B259-9C6BD69F8D82}"/>
+              </a:ext>
+            </a:extLst>
+          </p:cNvPr>
+          <p:cNvSpPr txBox="1"/>
+          <p:nvPr/>
+        </p:nvSpPr>
+        <p:spPr>
+          <a:xfrm>
+            <a:off x="5166389" y="99288"/>
+            <a:ext cx="1859228" cy="369332"/>
+          </a:xfrm>
+          <a:prstGeom prst="rect">
+            <a:avLst/>
+          </a:prstGeom>
+          <a:noFill/>
+        </p:spPr>
+        <p:txBody>
+          <a:bodyPr wrap="none" rtlCol="0">
+            <a:spAutoFit/>
+          </a:bodyPr>
+          <a:lstStyle/>
+          <a:p>
+            <a:pPr marL="0" marR="0" lvl="0" indent="0" algn="ctr" defTabSz="914400" rtl="0" eaLnBrk="1" fontAlgn="auto" latinLnBrk="0" hangingPunct="1">
+              <a:lnSpc>
+                <a:spcPct val="100000"/>
+              </a:lnSpc>
+              <a:spcBef>
+                <a:spcPts val="0"/>
+              </a:spcBef>
+              <a:spcAft>
+                <a:spcPts val="0"/>
+              </a:spcAft>
+              <a:buClrTx/>
+              <a:buSzTx/>
+              <a:buFontTx/>
+              <a:buNone/>
+              <a:tabLst/>
+              <a:defRPr/>
+            </a:pPr>
+            <a:r>
+              <a:rPr kumimoji="0" lang="de-DE" sz="1800" b="0" i="0" u="none" strike="noStrike" kern="1200" cap="none" spc="0" normalizeH="0" baseline="0" noProof="0" dirty="0">
+                <a:ln>
+                  <a:noFill/>
+                </a:ln>
+                <a:solidFill>
+                  <a:prstClr val="black"/>
+                </a:solidFill>
+                <a:effectLst/>
+                <a:uLnTx/>
+                <a:uFillTx/>
+                <a:latin typeface="Calibri" panose="020F0502020204030204"/>
+                <a:ea typeface="+mn-ea"/>
+                <a:cs typeface="+mn-cs"/>
+              </a:rPr>
+              <a:t>UC TRANSACTION</a:t>
+            </a:r>
+          </a:p>
+        </p:txBody>
+      </p:sp>
+    </p:spTree>
+    <p:extLst>
+      <p:ext uri="{BB962C8B-B14F-4D97-AF65-F5344CB8AC3E}">
+        <p14:creationId xmlns:p14="http://schemas.microsoft.com/office/powerpoint/2010/main" val="3664583945"/>
+      </p:ext>
+    </p:extLst>
+  </p:cSld>
+  <p:clrMapOvr>
+    <a:masterClrMapping/>
+  </p:clrMapOvr>
+</p:sld>
+</file>
+
+<file path=ppt/slides/slide12.xml><?xml version="1.0" encoding="utf-8"?>
+<p:sld xmlns:a="http://schemas.openxmlformats.org/drawingml/2006/main" xmlns:r="http://schemas.openxmlformats.org/officeDocument/2006/relationships" xmlns:p="http://schemas.openxmlformats.org/presentationml/2006/main">
+  <p:cSld>
+    <p:spTree>
+      <p:nvGrpSpPr>
+        <p:cNvPr id="1" name=""/>
+        <p:cNvGrpSpPr/>
+        <p:nvPr/>
+      </p:nvGrpSpPr>
+      <p:grpSpPr>
+        <a:xfrm>
+          <a:off x="0" y="0"/>
+          <a:ext cx="0" cy="0"/>
+          <a:chOff x="0" y="0"/>
+          <a:chExt cx="0" cy="0"/>
+        </a:xfrm>
+      </p:grpSpPr>
+      <p:pic>
+        <p:nvPicPr>
+          <p:cNvPr id="5" name="Grafik 4" descr="Datenbank mit einfarbiger Füllung">
+            <a:extLst>
+              <a:ext uri="{FF2B5EF4-FFF2-40B4-BE49-F238E27FC236}">
+                <a16:creationId xmlns:a16="http://schemas.microsoft.com/office/drawing/2014/main" id="{5C7DEEC2-A5EB-0897-2F52-9659B37AA883}"/>
+              </a:ext>
+            </a:extLst>
+          </p:cNvPr>
+          <p:cNvPicPr>
+            <a:picLocks noChangeAspect="1"/>
+          </p:cNvPicPr>
+          <p:nvPr/>
+        </p:nvPicPr>
+        <p:blipFill>
+          <a:blip r:embed="rId2">
+            <a:extLst>
+              <a:ext uri="{28A0092B-C50C-407E-A947-70E740481C1C}">
+                <a14:useLocalDpi xmlns:a14="http://schemas.microsoft.com/office/drawing/2010/main" val="0"/>
+              </a:ext>
+              <a:ext uri="{96DAC541-7B7A-43D3-8B79-37D633B846F1}">
+                <asvg:svgBlip xmlns:asvg="http://schemas.microsoft.com/office/drawing/2016/SVG/main" r:embed="rId3"/>
+              </a:ext>
+            </a:extLst>
+          </a:blip>
+          <a:stretch>
+            <a:fillRect/>
+          </a:stretch>
+        </p:blipFill>
+        <p:spPr>
+          <a:xfrm>
+            <a:off x="10664984" y="2613547"/>
+            <a:ext cx="914400" cy="914400"/>
+          </a:xfrm>
+          <a:prstGeom prst="rect">
+            <a:avLst/>
+          </a:prstGeom>
+        </p:spPr>
+      </p:pic>
+      <p:pic>
+        <p:nvPicPr>
+          <p:cNvPr id="7" name="Grafik 6" descr="Mann mit einfarbiger Füllung">
+            <a:extLst>
+              <a:ext uri="{FF2B5EF4-FFF2-40B4-BE49-F238E27FC236}">
+                <a16:creationId xmlns:a16="http://schemas.microsoft.com/office/drawing/2014/main" id="{82EFA9ED-08A5-B254-DF60-1634EC9AC2B0}"/>
+              </a:ext>
+            </a:extLst>
+          </p:cNvPr>
+          <p:cNvPicPr>
+            <a:picLocks noChangeAspect="1"/>
+          </p:cNvPicPr>
+          <p:nvPr/>
+        </p:nvPicPr>
+        <p:blipFill>
+          <a:blip r:embed="rId4">
+            <a:extLst>
+              <a:ext uri="{28A0092B-C50C-407E-A947-70E740481C1C}">
+                <a14:useLocalDpi xmlns:a14="http://schemas.microsoft.com/office/drawing/2010/main" val="0"/>
+              </a:ext>
+              <a:ext uri="{96DAC541-7B7A-43D3-8B79-37D633B846F1}">
+                <asvg:svgBlip xmlns:asvg="http://schemas.microsoft.com/office/drawing/2016/SVG/main" r:embed="rId5"/>
+              </a:ext>
+            </a:extLst>
+          </a:blip>
+          <a:stretch>
+            <a:fillRect/>
+          </a:stretch>
+        </p:blipFill>
+        <p:spPr>
+          <a:xfrm>
+            <a:off x="704021" y="2585281"/>
+            <a:ext cx="914400" cy="914400"/>
+          </a:xfrm>
+          <a:prstGeom prst="rect">
+            <a:avLst/>
+          </a:prstGeom>
+        </p:spPr>
+      </p:pic>
+      <p:sp>
+        <p:nvSpPr>
+          <p:cNvPr id="8" name="Rechteck 7">
+            <a:extLst>
+              <a:ext uri="{FF2B5EF4-FFF2-40B4-BE49-F238E27FC236}">
+                <a16:creationId xmlns:a16="http://schemas.microsoft.com/office/drawing/2014/main" id="{9697B41B-1160-E1C0-1858-588DA51ABE63}"/>
+              </a:ext>
+            </a:extLst>
+          </p:cNvPr>
+          <p:cNvSpPr/>
+          <p:nvPr/>
+        </p:nvSpPr>
+        <p:spPr>
+          <a:xfrm>
+            <a:off x="2042184" y="595975"/>
+            <a:ext cx="8558432" cy="4893013"/>
+          </a:xfrm>
+          <a:prstGeom prst="rect">
+            <a:avLst/>
+          </a:prstGeom>
+          <a:noFill/>
+          <a:ln>
+            <a:solidFill>
+              <a:schemeClr val="tx1"/>
+            </a:solidFill>
+          </a:ln>
+        </p:spPr>
+        <p:style>
+          <a:lnRef idx="2">
+            <a:schemeClr val="accent1">
+              <a:shade val="50000"/>
+            </a:schemeClr>
+          </a:lnRef>
+          <a:fillRef idx="1">
+            <a:schemeClr val="accent1"/>
+          </a:fillRef>
+          <a:effectRef idx="0">
+            <a:schemeClr val="accent1"/>
+          </a:effectRef>
+          <a:fontRef idx="minor">
+            <a:schemeClr val="lt1"/>
+          </a:fontRef>
+        </p:style>
+        <p:txBody>
+          <a:bodyPr rtlCol="0" anchor="ctr"/>
+          <a:lstStyle/>
+          <a:p>
+            <a:pPr marL="0" marR="0" lvl="0" indent="0" algn="ctr" defTabSz="914400" rtl="0" eaLnBrk="1" fontAlgn="auto" latinLnBrk="0" hangingPunct="1">
+              <a:lnSpc>
+                <a:spcPct val="100000"/>
+              </a:lnSpc>
+              <a:spcBef>
+                <a:spcPts val="0"/>
+              </a:spcBef>
+              <a:spcAft>
+                <a:spcPts val="0"/>
+              </a:spcAft>
+              <a:buClrTx/>
+              <a:buSzTx/>
+              <a:buFontTx/>
+              <a:buNone/>
+              <a:tabLst/>
+              <a:defRPr/>
+            </a:pPr>
+            <a:endParaRPr kumimoji="0" lang="de-DE" sz="1800" b="0" i="0" u="none" strike="noStrike" kern="1200" cap="none" spc="0" normalizeH="0" baseline="0" noProof="0">
+              <a:ln>
+                <a:noFill/>
+              </a:ln>
+              <a:solidFill>
+                <a:prstClr val="white"/>
+              </a:solidFill>
+              <a:effectLst/>
+              <a:uLnTx/>
+              <a:uFillTx/>
+              <a:latin typeface="Calibri" panose="020F0502020204030204"/>
+              <a:ea typeface="+mn-ea"/>
+              <a:cs typeface="+mn-cs"/>
+            </a:endParaRPr>
+          </a:p>
+        </p:txBody>
+      </p:sp>
+      <p:sp>
+        <p:nvSpPr>
+          <p:cNvPr id="9" name="Textfeld 8">
+            <a:extLst>
+              <a:ext uri="{FF2B5EF4-FFF2-40B4-BE49-F238E27FC236}">
+                <a16:creationId xmlns:a16="http://schemas.microsoft.com/office/drawing/2014/main" id="{9C7CDC1F-A857-23E5-C8EE-4476E563F945}"/>
+              </a:ext>
+            </a:extLst>
+          </p:cNvPr>
+          <p:cNvSpPr txBox="1"/>
+          <p:nvPr/>
+        </p:nvSpPr>
+        <p:spPr>
+          <a:xfrm>
+            <a:off x="5017018" y="673934"/>
+            <a:ext cx="2157963" cy="369332"/>
+          </a:xfrm>
+          <a:prstGeom prst="rect">
+            <a:avLst/>
+          </a:prstGeom>
+          <a:noFill/>
+        </p:spPr>
+        <p:txBody>
+          <a:bodyPr wrap="none" rtlCol="0">
+            <a:spAutoFit/>
+          </a:bodyPr>
+          <a:lstStyle/>
+          <a:p>
+            <a:pPr marL="0" marR="0" lvl="0" indent="0" algn="ctr" defTabSz="914400" rtl="0" eaLnBrk="1" fontAlgn="auto" latinLnBrk="0" hangingPunct="1">
+              <a:lnSpc>
+                <a:spcPct val="100000"/>
+              </a:lnSpc>
+              <a:spcBef>
+                <a:spcPts val="0"/>
+              </a:spcBef>
+              <a:spcAft>
+                <a:spcPts val="0"/>
+              </a:spcAft>
+              <a:buClrTx/>
+              <a:buSzTx/>
+              <a:buFontTx/>
+              <a:buNone/>
+              <a:tabLst/>
+              <a:defRPr/>
+            </a:pPr>
+            <a:r>
+              <a:rPr kumimoji="0" lang="de-DE" sz="1800" b="0" i="0" u="none" strike="noStrike" kern="1200" cap="none" spc="0" normalizeH="0" baseline="0" noProof="0" dirty="0">
+                <a:ln>
+                  <a:noFill/>
+                </a:ln>
+                <a:solidFill>
+                  <a:prstClr val="black"/>
+                </a:solidFill>
+                <a:effectLst/>
+                <a:uLnTx/>
+                <a:uFillTx/>
+                <a:latin typeface="Calibri" panose="020F0502020204030204"/>
+                <a:ea typeface="+mn-ea"/>
+                <a:cs typeface="+mn-cs"/>
+              </a:rPr>
+              <a:t>Suchanfrage für Shirt</a:t>
+            </a:r>
+          </a:p>
+        </p:txBody>
+      </p:sp>
+      <p:sp>
+        <p:nvSpPr>
+          <p:cNvPr id="10" name="Ellipse 9">
+            <a:extLst>
+              <a:ext uri="{FF2B5EF4-FFF2-40B4-BE49-F238E27FC236}">
+                <a16:creationId xmlns:a16="http://schemas.microsoft.com/office/drawing/2014/main" id="{642628AC-BD8A-49BE-5337-9AF09689E778}"/>
+              </a:ext>
+            </a:extLst>
+          </p:cNvPr>
+          <p:cNvSpPr/>
+          <p:nvPr/>
+        </p:nvSpPr>
+        <p:spPr>
+          <a:xfrm>
+            <a:off x="2206144" y="1173749"/>
+            <a:ext cx="2171303" cy="763398"/>
+          </a:xfrm>
+          <a:prstGeom prst="ellipse">
+            <a:avLst/>
+          </a:prstGeom>
+          <a:noFill/>
+          <a:ln>
+            <a:solidFill>
+              <a:schemeClr val="tx1"/>
+            </a:solidFill>
+          </a:ln>
+        </p:spPr>
+        <p:style>
+          <a:lnRef idx="2">
+            <a:schemeClr val="accent1">
+              <a:shade val="50000"/>
+            </a:schemeClr>
+          </a:lnRef>
+          <a:fillRef idx="1">
+            <a:schemeClr val="accent1"/>
+          </a:fillRef>
+          <a:effectRef idx="0">
+            <a:schemeClr val="accent1"/>
+          </a:effectRef>
+          <a:fontRef idx="minor">
+            <a:schemeClr val="lt1"/>
+          </a:fontRef>
+        </p:style>
+        <p:txBody>
+          <a:bodyPr rtlCol="0" anchor="ctr"/>
+          <a:lstStyle/>
+          <a:p>
+            <a:pPr marL="0" marR="0" lvl="0" indent="0" algn="ctr" defTabSz="914400" rtl="0" eaLnBrk="1" fontAlgn="auto" latinLnBrk="0" hangingPunct="1">
+              <a:lnSpc>
+                <a:spcPct val="100000"/>
+              </a:lnSpc>
+              <a:spcBef>
+                <a:spcPts val="0"/>
+              </a:spcBef>
+              <a:spcAft>
+                <a:spcPts val="0"/>
+              </a:spcAft>
+              <a:buClrTx/>
+              <a:buSzTx/>
+              <a:buFontTx/>
+              <a:buNone/>
+              <a:tabLst/>
+              <a:defRPr/>
+            </a:pPr>
+            <a:r>
+              <a:rPr kumimoji="0" lang="de-DE" sz="1800" b="0" i="0" u="none" strike="noStrike" kern="1200" cap="none" spc="0" normalizeH="0" baseline="0" noProof="0" dirty="0" err="1">
+                <a:ln>
+                  <a:noFill/>
+                </a:ln>
+                <a:solidFill>
+                  <a:prstClr val="black"/>
+                </a:solidFill>
+                <a:effectLst/>
+                <a:uLnTx/>
+                <a:uFillTx/>
+                <a:latin typeface="Calibri" panose="020F0502020204030204"/>
+                <a:ea typeface="+mn-ea"/>
+                <a:cs typeface="+mn-cs"/>
+              </a:rPr>
+              <a:t>Suchbox</a:t>
+            </a:r>
+            <a:r>
+              <a:rPr kumimoji="0" lang="de-DE" sz="1800" b="0" i="0" u="none" strike="noStrike" kern="1200" cap="none" spc="0" normalizeH="0" baseline="0" noProof="0" dirty="0">
+                <a:ln>
+                  <a:noFill/>
+                </a:ln>
+                <a:solidFill>
+                  <a:prstClr val="black"/>
+                </a:solidFill>
+                <a:effectLst/>
+                <a:uLnTx/>
+                <a:uFillTx/>
+                <a:latin typeface="Calibri" panose="020F0502020204030204"/>
+                <a:ea typeface="+mn-ea"/>
+                <a:cs typeface="+mn-cs"/>
+              </a:rPr>
+              <a:t> auswählen</a:t>
+            </a:r>
+          </a:p>
+        </p:txBody>
+      </p:sp>
+      <p:cxnSp>
+        <p:nvCxnSpPr>
+          <p:cNvPr id="14" name="Gerade Verbindung mit Pfeil 13">
+            <a:extLst>
+              <a:ext uri="{FF2B5EF4-FFF2-40B4-BE49-F238E27FC236}">
+                <a16:creationId xmlns:a16="http://schemas.microsoft.com/office/drawing/2014/main" id="{B6D4557C-7700-CE66-3A56-998F41C61E7D}"/>
+              </a:ext>
+            </a:extLst>
+          </p:cNvPr>
+          <p:cNvCxnSpPr>
+            <a:cxnSpLocks/>
+            <a:stCxn id="7" idx="3"/>
+            <a:endCxn id="10" idx="2"/>
+          </p:cNvCxnSpPr>
+          <p:nvPr/>
+        </p:nvCxnSpPr>
+        <p:spPr>
+          <a:xfrm flipV="1">
+            <a:off x="1618421" y="1555448"/>
+            <a:ext cx="587723" cy="1487033"/>
+          </a:xfrm>
+          <a:prstGeom prst="straightConnector1">
+            <a:avLst/>
+          </a:prstGeom>
+          <a:ln w="19050">
+            <a:solidFill>
+              <a:schemeClr val="tx1"/>
+            </a:solidFill>
+            <a:headEnd type="none"/>
+            <a:tailEnd type="arrow"/>
+          </a:ln>
+        </p:spPr>
+        <p:style>
+          <a:lnRef idx="1">
+            <a:schemeClr val="accent1"/>
+          </a:lnRef>
+          <a:fillRef idx="0">
+            <a:schemeClr val="accent1"/>
+          </a:fillRef>
+          <a:effectRef idx="0">
+            <a:schemeClr val="accent1"/>
+          </a:effectRef>
+          <a:fontRef idx="minor">
+            <a:schemeClr val="tx1"/>
+          </a:fontRef>
+        </p:style>
+      </p:cxnSp>
+      <p:sp>
+        <p:nvSpPr>
+          <p:cNvPr id="18" name="Textfeld 17">
+            <a:extLst>
+              <a:ext uri="{FF2B5EF4-FFF2-40B4-BE49-F238E27FC236}">
+                <a16:creationId xmlns:a16="http://schemas.microsoft.com/office/drawing/2014/main" id="{3B14DF6D-418C-7109-C5E2-CA6210566E71}"/>
+              </a:ext>
+            </a:extLst>
+          </p:cNvPr>
+          <p:cNvSpPr txBox="1"/>
+          <p:nvPr/>
+        </p:nvSpPr>
+        <p:spPr>
+          <a:xfrm>
+            <a:off x="770165" y="3499348"/>
+            <a:ext cx="782202" cy="369332"/>
+          </a:xfrm>
+          <a:prstGeom prst="rect">
+            <a:avLst/>
+          </a:prstGeom>
+          <a:noFill/>
+        </p:spPr>
+        <p:txBody>
+          <a:bodyPr wrap="none" rtlCol="0">
+            <a:spAutoFit/>
+          </a:bodyPr>
+          <a:lstStyle/>
+          <a:p>
+            <a:pPr marL="0" marR="0" lvl="0" indent="0" algn="l" defTabSz="914400" rtl="0" eaLnBrk="1" fontAlgn="auto" latinLnBrk="0" hangingPunct="1">
+              <a:lnSpc>
+                <a:spcPct val="100000"/>
+              </a:lnSpc>
+              <a:spcBef>
+                <a:spcPts val="0"/>
+              </a:spcBef>
+              <a:spcAft>
+                <a:spcPts val="0"/>
+              </a:spcAft>
+              <a:buClrTx/>
+              <a:buSzTx/>
+              <a:buFontTx/>
+              <a:buNone/>
+              <a:tabLst/>
+              <a:defRPr/>
+            </a:pPr>
+            <a:r>
+              <a:rPr kumimoji="0" lang="de-DE" sz="1800" b="0" i="0" u="none" strike="noStrike" kern="1200" cap="none" spc="0" normalizeH="0" baseline="0" noProof="0" dirty="0">
+                <a:ln>
+                  <a:noFill/>
+                </a:ln>
+                <a:solidFill>
+                  <a:prstClr val="black"/>
+                </a:solidFill>
+                <a:effectLst/>
+                <a:uLnTx/>
+                <a:uFillTx/>
+                <a:latin typeface="Calibri" panose="020F0502020204030204"/>
+                <a:ea typeface="+mn-ea"/>
+                <a:cs typeface="+mn-cs"/>
+              </a:rPr>
+              <a:t>Kunde</a:t>
+            </a:r>
+          </a:p>
+        </p:txBody>
+      </p:sp>
+      <p:sp>
+        <p:nvSpPr>
+          <p:cNvPr id="19" name="Textfeld 18">
+            <a:extLst>
+              <a:ext uri="{FF2B5EF4-FFF2-40B4-BE49-F238E27FC236}">
+                <a16:creationId xmlns:a16="http://schemas.microsoft.com/office/drawing/2014/main" id="{53DB57F7-2C7E-D4B4-05FB-9E53B3022142}"/>
+              </a:ext>
+            </a:extLst>
+          </p:cNvPr>
+          <p:cNvSpPr txBox="1"/>
+          <p:nvPr/>
+        </p:nvSpPr>
+        <p:spPr>
+          <a:xfrm>
+            <a:off x="10729352" y="3527614"/>
+            <a:ext cx="785664" cy="369332"/>
+          </a:xfrm>
+          <a:prstGeom prst="rect">
+            <a:avLst/>
+          </a:prstGeom>
+          <a:noFill/>
+        </p:spPr>
+        <p:txBody>
+          <a:bodyPr wrap="none" rtlCol="0">
+            <a:spAutoFit/>
+          </a:bodyPr>
+          <a:lstStyle/>
+          <a:p>
+            <a:pPr marL="0" marR="0" lvl="0" indent="0" algn="l" defTabSz="914400" rtl="0" eaLnBrk="1" fontAlgn="auto" latinLnBrk="0" hangingPunct="1">
+              <a:lnSpc>
+                <a:spcPct val="100000"/>
+              </a:lnSpc>
+              <a:spcBef>
+                <a:spcPts val="0"/>
+              </a:spcBef>
+              <a:spcAft>
+                <a:spcPts val="0"/>
+              </a:spcAft>
+              <a:buClrTx/>
+              <a:buSzTx/>
+              <a:buFontTx/>
+              <a:buNone/>
+              <a:tabLst/>
+              <a:defRPr/>
+            </a:pPr>
+            <a:r>
+              <a:rPr kumimoji="0" lang="de-DE" sz="1800" b="0" i="0" u="none" strike="noStrike" kern="1200" cap="none" spc="0" normalizeH="0" baseline="0" noProof="0" dirty="0">
+                <a:ln>
+                  <a:noFill/>
+                </a:ln>
+                <a:solidFill>
+                  <a:prstClr val="black"/>
+                </a:solidFill>
+                <a:effectLst/>
+                <a:uLnTx/>
+                <a:uFillTx/>
+                <a:latin typeface="Calibri" panose="020F0502020204030204"/>
+                <a:ea typeface="+mn-ea"/>
+                <a:cs typeface="+mn-cs"/>
+              </a:rPr>
+              <a:t>Server</a:t>
+            </a:r>
+          </a:p>
+        </p:txBody>
+      </p:sp>
+      <p:sp>
+        <p:nvSpPr>
+          <p:cNvPr id="4" name="Ellipse 3">
+            <a:extLst>
+              <a:ext uri="{FF2B5EF4-FFF2-40B4-BE49-F238E27FC236}">
+                <a16:creationId xmlns:a16="http://schemas.microsoft.com/office/drawing/2014/main" id="{6F466D6E-1B23-D87B-97DF-ECF8898ECC40}"/>
+              </a:ext>
+            </a:extLst>
+          </p:cNvPr>
+          <p:cNvSpPr/>
+          <p:nvPr/>
+        </p:nvSpPr>
+        <p:spPr>
+          <a:xfrm>
+            <a:off x="4522477" y="1587796"/>
+            <a:ext cx="3101109" cy="763398"/>
+          </a:xfrm>
+          <a:prstGeom prst="ellipse">
+            <a:avLst/>
+          </a:prstGeom>
+          <a:noFill/>
+          <a:ln>
+            <a:solidFill>
+              <a:schemeClr val="tx1"/>
+            </a:solidFill>
+          </a:ln>
+        </p:spPr>
+        <p:style>
+          <a:lnRef idx="2">
+            <a:schemeClr val="accent1">
+              <a:shade val="50000"/>
+            </a:schemeClr>
+          </a:lnRef>
+          <a:fillRef idx="1">
+            <a:schemeClr val="accent1"/>
+          </a:fillRef>
+          <a:effectRef idx="0">
+            <a:schemeClr val="accent1"/>
+          </a:effectRef>
+          <a:fontRef idx="minor">
+            <a:schemeClr val="lt1"/>
+          </a:fontRef>
+        </p:style>
+        <p:txBody>
+          <a:bodyPr rtlCol="0" anchor="ctr"/>
+          <a:lstStyle/>
+          <a:p>
+            <a:pPr marL="0" marR="0" lvl="0" indent="0" algn="ctr" defTabSz="914400" rtl="0" eaLnBrk="1" fontAlgn="auto" latinLnBrk="0" hangingPunct="1">
+              <a:lnSpc>
+                <a:spcPct val="100000"/>
+              </a:lnSpc>
+              <a:spcBef>
+                <a:spcPts val="0"/>
+              </a:spcBef>
+              <a:spcAft>
+                <a:spcPts val="0"/>
+              </a:spcAft>
+              <a:buClrTx/>
+              <a:buSzTx/>
+              <a:buFontTx/>
+              <a:buNone/>
+              <a:tabLst/>
+              <a:defRPr/>
+            </a:pPr>
+            <a:r>
+              <a:rPr kumimoji="0" lang="de-DE" sz="1800" b="0" i="0" u="none" strike="noStrike" kern="1200" cap="none" spc="0" normalizeH="0" baseline="0" noProof="0" dirty="0">
+                <a:ln>
+                  <a:noFill/>
+                </a:ln>
+                <a:solidFill>
+                  <a:prstClr val="black"/>
+                </a:solidFill>
+                <a:effectLst/>
+                <a:uLnTx/>
+                <a:uFillTx/>
+                <a:latin typeface="Calibri" panose="020F0502020204030204"/>
+                <a:ea typeface="+mn-ea"/>
+                <a:cs typeface="+mn-cs"/>
+              </a:rPr>
+              <a:t>Suchbegriff eingeben und bestätigen</a:t>
+            </a:r>
+          </a:p>
+        </p:txBody>
+      </p:sp>
+      <p:sp>
+        <p:nvSpPr>
+          <p:cNvPr id="6" name="Ellipse 5">
+            <a:extLst>
+              <a:ext uri="{FF2B5EF4-FFF2-40B4-BE49-F238E27FC236}">
+                <a16:creationId xmlns:a16="http://schemas.microsoft.com/office/drawing/2014/main" id="{072BA419-AB1F-D85A-0028-CDFBBE65F8F9}"/>
+              </a:ext>
+            </a:extLst>
+          </p:cNvPr>
+          <p:cNvSpPr/>
+          <p:nvPr/>
+        </p:nvSpPr>
+        <p:spPr>
+          <a:xfrm>
+            <a:off x="6815911" y="3611676"/>
+            <a:ext cx="2566049" cy="895131"/>
+          </a:xfrm>
+          <a:prstGeom prst="ellipse">
+            <a:avLst/>
+          </a:prstGeom>
+          <a:noFill/>
+          <a:ln>
+            <a:solidFill>
+              <a:schemeClr val="tx1"/>
+            </a:solidFill>
+          </a:ln>
+        </p:spPr>
+        <p:style>
+          <a:lnRef idx="2">
+            <a:schemeClr val="accent1">
+              <a:shade val="50000"/>
+            </a:schemeClr>
+          </a:lnRef>
+          <a:fillRef idx="1">
+            <a:schemeClr val="accent1"/>
+          </a:fillRef>
+          <a:effectRef idx="0">
+            <a:schemeClr val="accent1"/>
+          </a:effectRef>
+          <a:fontRef idx="minor">
+            <a:schemeClr val="lt1"/>
+          </a:fontRef>
+        </p:style>
+        <p:txBody>
+          <a:bodyPr rtlCol="0" anchor="ctr"/>
+          <a:lstStyle/>
+          <a:p>
+            <a:pPr marL="0" marR="0" lvl="0" indent="0" algn="ctr" defTabSz="914400" rtl="0" eaLnBrk="1" fontAlgn="auto" latinLnBrk="0" hangingPunct="1">
+              <a:lnSpc>
+                <a:spcPct val="100000"/>
+              </a:lnSpc>
+              <a:spcBef>
+                <a:spcPts val="0"/>
+              </a:spcBef>
+              <a:spcAft>
+                <a:spcPts val="0"/>
+              </a:spcAft>
+              <a:buClrTx/>
+              <a:buSzTx/>
+              <a:buFontTx/>
+              <a:buNone/>
+              <a:tabLst/>
+              <a:defRPr/>
+            </a:pPr>
+            <a:r>
+              <a:rPr kumimoji="0" lang="de-DE" sz="1800" b="0" i="0" u="none" strike="noStrike" kern="1200" cap="none" spc="0" normalizeH="0" baseline="0" noProof="0" dirty="0">
+                <a:ln>
+                  <a:noFill/>
+                </a:ln>
+                <a:solidFill>
+                  <a:prstClr val="black"/>
+                </a:solidFill>
+                <a:effectLst/>
+                <a:uLnTx/>
+                <a:uFillTx/>
+                <a:latin typeface="Calibri" panose="020F0502020204030204"/>
+                <a:ea typeface="+mn-ea"/>
+                <a:cs typeface="+mn-cs"/>
+              </a:rPr>
+              <a:t>Suchbegriff mit Artikel vergleichen</a:t>
+            </a:r>
+          </a:p>
+        </p:txBody>
+      </p:sp>
+      <p:cxnSp>
+        <p:nvCxnSpPr>
+          <p:cNvPr id="13" name="Gerade Verbindung mit Pfeil 12">
+            <a:extLst>
+              <a:ext uri="{FF2B5EF4-FFF2-40B4-BE49-F238E27FC236}">
+                <a16:creationId xmlns:a16="http://schemas.microsoft.com/office/drawing/2014/main" id="{400199D9-1360-E2FE-5D52-741183CE6A11}"/>
+              </a:ext>
+            </a:extLst>
+          </p:cNvPr>
+          <p:cNvCxnSpPr>
+            <a:cxnSpLocks/>
+            <a:stCxn id="4" idx="2"/>
+            <a:endCxn id="10" idx="6"/>
+          </p:cNvCxnSpPr>
+          <p:nvPr/>
+        </p:nvCxnSpPr>
+        <p:spPr>
+          <a:xfrm flipH="1" flipV="1">
+            <a:off x="4377447" y="1555448"/>
+            <a:ext cx="145030" cy="414047"/>
+          </a:xfrm>
+          <a:prstGeom prst="straightConnector1">
+            <a:avLst/>
+          </a:prstGeom>
+          <a:ln w="19050">
+            <a:solidFill>
+              <a:schemeClr val="tx1"/>
+            </a:solidFill>
+            <a:headEnd type="arrow"/>
+            <a:tailEnd type="none"/>
+          </a:ln>
+        </p:spPr>
+        <p:style>
+          <a:lnRef idx="1">
+            <a:schemeClr val="accent1"/>
+          </a:lnRef>
+          <a:fillRef idx="0">
+            <a:schemeClr val="accent1"/>
+          </a:fillRef>
+          <a:effectRef idx="0">
+            <a:schemeClr val="accent1"/>
+          </a:effectRef>
+          <a:fontRef idx="minor">
+            <a:schemeClr val="tx1"/>
+          </a:fontRef>
+        </p:style>
+      </p:cxnSp>
+      <p:cxnSp>
+        <p:nvCxnSpPr>
+          <p:cNvPr id="34" name="Gerade Verbindung mit Pfeil 33">
+            <a:extLst>
+              <a:ext uri="{FF2B5EF4-FFF2-40B4-BE49-F238E27FC236}">
+                <a16:creationId xmlns:a16="http://schemas.microsoft.com/office/drawing/2014/main" id="{092E43C9-65BE-6A65-D3FA-32AE280942B1}"/>
+              </a:ext>
+            </a:extLst>
+          </p:cNvPr>
+          <p:cNvCxnSpPr>
+            <a:cxnSpLocks/>
+            <a:stCxn id="4" idx="6"/>
+            <a:endCxn id="5" idx="1"/>
+          </p:cNvCxnSpPr>
+          <p:nvPr/>
+        </p:nvCxnSpPr>
+        <p:spPr>
+          <a:xfrm>
+            <a:off x="7623586" y="1969495"/>
+            <a:ext cx="3041398" cy="1101252"/>
+          </a:xfrm>
+          <a:prstGeom prst="straightConnector1">
+            <a:avLst/>
+          </a:prstGeom>
+          <a:ln w="19050">
+            <a:solidFill>
+              <a:schemeClr val="tx1"/>
+            </a:solidFill>
+            <a:headEnd type="none"/>
+            <a:tailEnd type="arrow"/>
+          </a:ln>
+        </p:spPr>
+        <p:style>
+          <a:lnRef idx="1">
+            <a:schemeClr val="accent1"/>
+          </a:lnRef>
+          <a:fillRef idx="0">
+            <a:schemeClr val="accent1"/>
+          </a:fillRef>
+          <a:effectRef idx="0">
+            <a:schemeClr val="accent1"/>
+          </a:effectRef>
+          <a:fontRef idx="minor">
+            <a:schemeClr val="tx1"/>
+          </a:fontRef>
+        </p:style>
+      </p:cxnSp>
+      <p:sp>
+        <p:nvSpPr>
+          <p:cNvPr id="3" name="Textfeld 2">
+            <a:extLst>
+              <a:ext uri="{FF2B5EF4-FFF2-40B4-BE49-F238E27FC236}">
+                <a16:creationId xmlns:a16="http://schemas.microsoft.com/office/drawing/2014/main" id="{5240E090-AB61-9220-7C3E-4D2D540BDAF0}"/>
+              </a:ext>
+            </a:extLst>
+          </p:cNvPr>
+          <p:cNvSpPr txBox="1"/>
+          <p:nvPr/>
+        </p:nvSpPr>
+        <p:spPr>
+          <a:xfrm>
+            <a:off x="2042184" y="6031149"/>
+            <a:ext cx="4817922" cy="369332"/>
+          </a:xfrm>
+          <a:prstGeom prst="rect">
+            <a:avLst/>
+          </a:prstGeom>
+          <a:noFill/>
+        </p:spPr>
+        <p:txBody>
+          <a:bodyPr wrap="none" rtlCol="0">
+            <a:spAutoFit/>
+          </a:bodyPr>
+          <a:lstStyle/>
+          <a:p>
+            <a:pPr marL="0" marR="0" lvl="0" indent="0" algn="l" defTabSz="914400" rtl="0" eaLnBrk="1" fontAlgn="auto" latinLnBrk="0" hangingPunct="1">
+              <a:lnSpc>
+                <a:spcPct val="100000"/>
+              </a:lnSpc>
+              <a:spcBef>
+                <a:spcPts val="0"/>
+              </a:spcBef>
+              <a:spcAft>
+                <a:spcPts val="0"/>
+              </a:spcAft>
+              <a:buClrTx/>
+              <a:buSzTx/>
+              <a:buFontTx/>
+              <a:buNone/>
+              <a:tabLst/>
+              <a:defRPr/>
+            </a:pPr>
+            <a:r>
+              <a:rPr kumimoji="0" lang="de-DE" sz="1800" b="0" i="0" u="none" strike="noStrike" kern="1200" cap="none" spc="0" normalizeH="0" baseline="0" noProof="0" dirty="0">
+                <a:ln>
+                  <a:noFill/>
+                </a:ln>
+                <a:solidFill>
+                  <a:prstClr val="black"/>
+                </a:solidFill>
+                <a:effectLst/>
+                <a:uLnTx/>
+                <a:uFillTx/>
+                <a:latin typeface="Calibri" panose="020F0502020204030204"/>
+                <a:ea typeface="+mn-ea"/>
+                <a:cs typeface="+mn-cs"/>
+              </a:rPr>
+              <a:t>*Jede Kundenaktion erfordert eine „Bestätigung“</a:t>
+            </a:r>
+          </a:p>
+        </p:txBody>
+      </p:sp>
+      <p:cxnSp>
+        <p:nvCxnSpPr>
+          <p:cNvPr id="16" name="Gerade Verbindung mit Pfeil 15">
+            <a:extLst>
+              <a:ext uri="{FF2B5EF4-FFF2-40B4-BE49-F238E27FC236}">
+                <a16:creationId xmlns:a16="http://schemas.microsoft.com/office/drawing/2014/main" id="{28BACDFC-8428-DE87-584D-77E512A05449}"/>
+              </a:ext>
+            </a:extLst>
+          </p:cNvPr>
+          <p:cNvCxnSpPr>
+            <a:cxnSpLocks/>
+            <a:stCxn id="6" idx="6"/>
+            <a:endCxn id="5" idx="1"/>
+          </p:cNvCxnSpPr>
+          <p:nvPr/>
+        </p:nvCxnSpPr>
+        <p:spPr>
+          <a:xfrm flipV="1">
+            <a:off x="9381960" y="3070747"/>
+            <a:ext cx="1283024" cy="988495"/>
+          </a:xfrm>
+          <a:prstGeom prst="straightConnector1">
+            <a:avLst/>
+          </a:prstGeom>
+          <a:ln w="19050">
+            <a:solidFill>
+              <a:schemeClr val="tx1"/>
+            </a:solidFill>
+            <a:headEnd type="arrow"/>
+            <a:tailEnd type="none"/>
+          </a:ln>
+        </p:spPr>
+        <p:style>
+          <a:lnRef idx="1">
+            <a:schemeClr val="accent1"/>
+          </a:lnRef>
+          <a:fillRef idx="0">
+            <a:schemeClr val="accent1"/>
+          </a:fillRef>
+          <a:effectRef idx="0">
+            <a:schemeClr val="accent1"/>
+          </a:effectRef>
+          <a:fontRef idx="minor">
+            <a:schemeClr val="tx1"/>
+          </a:fontRef>
+        </p:style>
+      </p:cxnSp>
+      <p:sp>
+        <p:nvSpPr>
+          <p:cNvPr id="24" name="Ellipse 23">
+            <a:extLst>
+              <a:ext uri="{FF2B5EF4-FFF2-40B4-BE49-F238E27FC236}">
+                <a16:creationId xmlns:a16="http://schemas.microsoft.com/office/drawing/2014/main" id="{812708B2-AB35-D426-6CEF-EB842DAFE9FD}"/>
+              </a:ext>
+            </a:extLst>
+          </p:cNvPr>
+          <p:cNvSpPr/>
+          <p:nvPr/>
+        </p:nvSpPr>
+        <p:spPr>
+          <a:xfrm>
+            <a:off x="3315982" y="3611676"/>
+            <a:ext cx="2566049" cy="895131"/>
+          </a:xfrm>
+          <a:prstGeom prst="ellipse">
+            <a:avLst/>
+          </a:prstGeom>
+          <a:noFill/>
+          <a:ln>
+            <a:solidFill>
+              <a:schemeClr val="tx1"/>
+            </a:solidFill>
+          </a:ln>
+        </p:spPr>
+        <p:style>
+          <a:lnRef idx="2">
+            <a:schemeClr val="accent1">
+              <a:shade val="50000"/>
+            </a:schemeClr>
+          </a:lnRef>
+          <a:fillRef idx="1">
+            <a:schemeClr val="accent1"/>
+          </a:fillRef>
+          <a:effectRef idx="0">
+            <a:schemeClr val="accent1"/>
+          </a:effectRef>
+          <a:fontRef idx="minor">
+            <a:schemeClr val="lt1"/>
+          </a:fontRef>
+        </p:style>
+        <p:txBody>
+          <a:bodyPr rtlCol="0" anchor="ctr"/>
+          <a:lstStyle/>
+          <a:p>
+            <a:pPr marL="0" marR="0" lvl="0" indent="0" algn="ctr" defTabSz="914400" rtl="0" eaLnBrk="1" fontAlgn="auto" latinLnBrk="0" hangingPunct="1">
+              <a:lnSpc>
+                <a:spcPct val="100000"/>
+              </a:lnSpc>
+              <a:spcBef>
+                <a:spcPts val="0"/>
+              </a:spcBef>
+              <a:spcAft>
+                <a:spcPts val="0"/>
+              </a:spcAft>
+              <a:buClrTx/>
+              <a:buSzTx/>
+              <a:buFontTx/>
+              <a:buNone/>
+              <a:tabLst/>
+              <a:defRPr/>
+            </a:pPr>
+            <a:r>
+              <a:rPr kumimoji="0" lang="de-DE" sz="1800" b="0" i="0" u="none" strike="noStrike" kern="1200" cap="none" spc="0" normalizeH="0" baseline="0" noProof="0" dirty="0">
+                <a:ln>
+                  <a:noFill/>
+                </a:ln>
+                <a:solidFill>
+                  <a:prstClr val="black"/>
+                </a:solidFill>
+                <a:effectLst/>
+                <a:uLnTx/>
+                <a:uFillTx/>
+                <a:latin typeface="Calibri" panose="020F0502020204030204"/>
+                <a:ea typeface="+mn-ea"/>
+                <a:cs typeface="+mn-cs"/>
+              </a:rPr>
+              <a:t>Artikel gefiltert anzeigen</a:t>
+            </a:r>
+          </a:p>
+        </p:txBody>
+      </p:sp>
+      <p:cxnSp>
+        <p:nvCxnSpPr>
+          <p:cNvPr id="26" name="Gerade Verbindung mit Pfeil 25">
+            <a:extLst>
+              <a:ext uri="{FF2B5EF4-FFF2-40B4-BE49-F238E27FC236}">
+                <a16:creationId xmlns:a16="http://schemas.microsoft.com/office/drawing/2014/main" id="{7823F31E-24DF-EAE9-93DB-C6D02034551E}"/>
+              </a:ext>
+            </a:extLst>
+          </p:cNvPr>
+          <p:cNvCxnSpPr>
+            <a:cxnSpLocks/>
+            <a:stCxn id="24" idx="6"/>
+            <a:endCxn id="6" idx="2"/>
+          </p:cNvCxnSpPr>
+          <p:nvPr/>
+        </p:nvCxnSpPr>
+        <p:spPr>
+          <a:xfrm>
+            <a:off x="5882031" y="4059242"/>
+            <a:ext cx="933880" cy="0"/>
+          </a:xfrm>
+          <a:prstGeom prst="straightConnector1">
+            <a:avLst/>
+          </a:prstGeom>
+          <a:ln w="19050">
+            <a:solidFill>
+              <a:schemeClr val="tx1"/>
+            </a:solidFill>
+            <a:headEnd type="arrow"/>
+            <a:tailEnd type="none"/>
+          </a:ln>
+        </p:spPr>
+        <p:style>
+          <a:lnRef idx="1">
+            <a:schemeClr val="accent1"/>
+          </a:lnRef>
+          <a:fillRef idx="0">
+            <a:schemeClr val="accent1"/>
+          </a:fillRef>
+          <a:effectRef idx="0">
+            <a:schemeClr val="accent1"/>
+          </a:effectRef>
+          <a:fontRef idx="minor">
+            <a:schemeClr val="tx1"/>
+          </a:fontRef>
+        </p:style>
+      </p:cxnSp>
+      <p:sp>
+        <p:nvSpPr>
+          <p:cNvPr id="30" name="Textfeld 29">
+            <a:extLst>
+              <a:ext uri="{FF2B5EF4-FFF2-40B4-BE49-F238E27FC236}">
+                <a16:creationId xmlns:a16="http://schemas.microsoft.com/office/drawing/2014/main" id="{34AE6C79-B835-4339-1A5D-21EB19D706C4}"/>
+              </a:ext>
+            </a:extLst>
+          </p:cNvPr>
+          <p:cNvSpPr txBox="1"/>
+          <p:nvPr/>
+        </p:nvSpPr>
+        <p:spPr>
+          <a:xfrm>
+            <a:off x="5472144" y="88187"/>
+            <a:ext cx="1247714" cy="369332"/>
+          </a:xfrm>
+          <a:prstGeom prst="rect">
+            <a:avLst/>
+          </a:prstGeom>
+          <a:noFill/>
+        </p:spPr>
+        <p:txBody>
+          <a:bodyPr wrap="none" rtlCol="0">
+            <a:spAutoFit/>
+          </a:bodyPr>
+          <a:lstStyle/>
+          <a:p>
+            <a:pPr marL="0" marR="0" lvl="0" indent="0" algn="ctr" defTabSz="914400" rtl="0" eaLnBrk="1" fontAlgn="auto" latinLnBrk="0" hangingPunct="1">
+              <a:lnSpc>
+                <a:spcPct val="100000"/>
+              </a:lnSpc>
+              <a:spcBef>
+                <a:spcPts val="0"/>
+              </a:spcBef>
+              <a:spcAft>
+                <a:spcPts val="0"/>
+              </a:spcAft>
+              <a:buClrTx/>
+              <a:buSzTx/>
+              <a:buFontTx/>
+              <a:buNone/>
+              <a:tabLst/>
+              <a:defRPr/>
+            </a:pPr>
+            <a:r>
+              <a:rPr kumimoji="0" lang="de-DE" sz="1800" b="0" i="0" u="none" strike="noStrike" kern="1200" cap="none" spc="0" normalizeH="0" baseline="0" noProof="0" dirty="0">
+                <a:ln>
+                  <a:noFill/>
+                </a:ln>
+                <a:solidFill>
+                  <a:prstClr val="black"/>
+                </a:solidFill>
+                <a:effectLst/>
+                <a:uLnTx/>
+                <a:uFillTx/>
+                <a:latin typeface="Calibri" panose="020F0502020204030204"/>
+                <a:ea typeface="+mn-ea"/>
+                <a:cs typeface="+mn-cs"/>
+              </a:rPr>
+              <a:t>UC SEARCH</a:t>
+            </a:r>
+          </a:p>
+        </p:txBody>
+      </p:sp>
+    </p:spTree>
+    <p:extLst>
+      <p:ext uri="{BB962C8B-B14F-4D97-AF65-F5344CB8AC3E}">
+        <p14:creationId xmlns:p14="http://schemas.microsoft.com/office/powerpoint/2010/main" val="2889742295"/>
+      </p:ext>
+    </p:extLst>
+  </p:cSld>
+  <p:clrMapOvr>
+    <a:masterClrMapping/>
+  </p:clrMapOvr>
+</p:sld>
+</file>
+
+<file path=ppt/slides/slide13.xml><?xml version="1.0" encoding="utf-8"?>
+<p:sld xmlns:a="http://schemas.openxmlformats.org/drawingml/2006/main" xmlns:r="http://schemas.openxmlformats.org/officeDocument/2006/relationships" xmlns:p="http://schemas.openxmlformats.org/presentationml/2006/main">
+  <p:cSld>
+    <p:spTree>
+      <p:nvGrpSpPr>
+        <p:cNvPr id="1" name=""/>
+        <p:cNvGrpSpPr/>
+        <p:nvPr/>
+      </p:nvGrpSpPr>
+      <p:grpSpPr>
+        <a:xfrm>
+          <a:off x="0" y="0"/>
+          <a:ext cx="0" cy="0"/>
+          <a:chOff x="0" y="0"/>
+          <a:chExt cx="0" cy="0"/>
+        </a:xfrm>
+      </p:grpSpPr>
+      <p:pic>
+        <p:nvPicPr>
+          <p:cNvPr id="5" name="Grafik 4" descr="Datenbank mit einfarbiger Füllung">
+            <a:extLst>
+              <a:ext uri="{FF2B5EF4-FFF2-40B4-BE49-F238E27FC236}">
+                <a16:creationId xmlns:a16="http://schemas.microsoft.com/office/drawing/2014/main" id="{5C7DEEC2-A5EB-0897-2F52-9659B37AA883}"/>
+              </a:ext>
+            </a:extLst>
+          </p:cNvPr>
+          <p:cNvPicPr>
+            <a:picLocks noChangeAspect="1"/>
+          </p:cNvPicPr>
+          <p:nvPr/>
+        </p:nvPicPr>
+        <p:blipFill>
+          <a:blip r:embed="rId2">
+            <a:extLst>
+              <a:ext uri="{28A0092B-C50C-407E-A947-70E740481C1C}">
+                <a14:useLocalDpi xmlns:a14="http://schemas.microsoft.com/office/drawing/2010/main" val="0"/>
+              </a:ext>
+              <a:ext uri="{96DAC541-7B7A-43D3-8B79-37D633B846F1}">
+                <asvg:svgBlip xmlns:asvg="http://schemas.microsoft.com/office/drawing/2016/SVG/main" r:embed="rId3"/>
+              </a:ext>
+            </a:extLst>
+          </a:blip>
+          <a:stretch>
+            <a:fillRect/>
+          </a:stretch>
+        </p:blipFill>
+        <p:spPr>
+          <a:xfrm>
+            <a:off x="10664984" y="2613547"/>
+            <a:ext cx="914400" cy="914400"/>
+          </a:xfrm>
+          <a:prstGeom prst="rect">
+            <a:avLst/>
+          </a:prstGeom>
+        </p:spPr>
+      </p:pic>
+      <p:pic>
+        <p:nvPicPr>
+          <p:cNvPr id="7" name="Grafik 6" descr="Mann mit einfarbiger Füllung">
+            <a:extLst>
+              <a:ext uri="{FF2B5EF4-FFF2-40B4-BE49-F238E27FC236}">
+                <a16:creationId xmlns:a16="http://schemas.microsoft.com/office/drawing/2014/main" id="{82EFA9ED-08A5-B254-DF60-1634EC9AC2B0}"/>
+              </a:ext>
+            </a:extLst>
+          </p:cNvPr>
+          <p:cNvPicPr>
+            <a:picLocks noChangeAspect="1"/>
+          </p:cNvPicPr>
+          <p:nvPr/>
+        </p:nvPicPr>
+        <p:blipFill>
+          <a:blip r:embed="rId4">
+            <a:extLst>
+              <a:ext uri="{28A0092B-C50C-407E-A947-70E740481C1C}">
+                <a14:useLocalDpi xmlns:a14="http://schemas.microsoft.com/office/drawing/2010/main" val="0"/>
+              </a:ext>
+              <a:ext uri="{96DAC541-7B7A-43D3-8B79-37D633B846F1}">
+                <asvg:svgBlip xmlns:asvg="http://schemas.microsoft.com/office/drawing/2016/SVG/main" r:embed="rId5"/>
+              </a:ext>
+            </a:extLst>
+          </a:blip>
+          <a:stretch>
+            <a:fillRect/>
+          </a:stretch>
+        </p:blipFill>
+        <p:spPr>
+          <a:xfrm>
+            <a:off x="704021" y="2585281"/>
+            <a:ext cx="914400" cy="914400"/>
+          </a:xfrm>
+          <a:prstGeom prst="rect">
+            <a:avLst/>
+          </a:prstGeom>
+        </p:spPr>
+      </p:pic>
+      <p:sp>
+        <p:nvSpPr>
+          <p:cNvPr id="8" name="Rechteck 7">
+            <a:extLst>
+              <a:ext uri="{FF2B5EF4-FFF2-40B4-BE49-F238E27FC236}">
+                <a16:creationId xmlns:a16="http://schemas.microsoft.com/office/drawing/2014/main" id="{9697B41B-1160-E1C0-1858-588DA51ABE63}"/>
+              </a:ext>
+            </a:extLst>
+          </p:cNvPr>
+          <p:cNvSpPr/>
+          <p:nvPr/>
+        </p:nvSpPr>
+        <p:spPr>
+          <a:xfrm>
+            <a:off x="2042184" y="595975"/>
+            <a:ext cx="8558432" cy="4893013"/>
+          </a:xfrm>
+          <a:prstGeom prst="rect">
+            <a:avLst/>
+          </a:prstGeom>
+          <a:noFill/>
+          <a:ln>
+            <a:solidFill>
+              <a:schemeClr val="tx1"/>
+            </a:solidFill>
+          </a:ln>
+        </p:spPr>
+        <p:style>
+          <a:lnRef idx="2">
+            <a:schemeClr val="accent1">
+              <a:shade val="50000"/>
+            </a:schemeClr>
+          </a:lnRef>
+          <a:fillRef idx="1">
+            <a:schemeClr val="accent1"/>
+          </a:fillRef>
+          <a:effectRef idx="0">
+            <a:schemeClr val="accent1"/>
+          </a:effectRef>
+          <a:fontRef idx="minor">
+            <a:schemeClr val="lt1"/>
+          </a:fontRef>
+        </p:style>
+        <p:txBody>
+          <a:bodyPr rtlCol="0" anchor="ctr"/>
+          <a:lstStyle/>
+          <a:p>
+            <a:pPr marL="0" marR="0" lvl="0" indent="0" algn="ctr" defTabSz="914400" rtl="0" eaLnBrk="1" fontAlgn="auto" latinLnBrk="0" hangingPunct="1">
+              <a:lnSpc>
+                <a:spcPct val="100000"/>
+              </a:lnSpc>
+              <a:spcBef>
+                <a:spcPts val="0"/>
+              </a:spcBef>
+              <a:spcAft>
+                <a:spcPts val="0"/>
+              </a:spcAft>
+              <a:buClrTx/>
+              <a:buSzTx/>
+              <a:buFontTx/>
+              <a:buNone/>
+              <a:tabLst/>
+              <a:defRPr/>
+            </a:pPr>
+            <a:endParaRPr kumimoji="0" lang="de-DE" sz="1800" b="0" i="0" u="none" strike="noStrike" kern="1200" cap="none" spc="0" normalizeH="0" baseline="0" noProof="0">
+              <a:ln>
+                <a:noFill/>
+              </a:ln>
+              <a:solidFill>
+                <a:prstClr val="white"/>
+              </a:solidFill>
+              <a:effectLst/>
+              <a:uLnTx/>
+              <a:uFillTx/>
+              <a:latin typeface="Calibri" panose="020F0502020204030204"/>
+              <a:ea typeface="+mn-ea"/>
+              <a:cs typeface="+mn-cs"/>
+            </a:endParaRPr>
+          </a:p>
+        </p:txBody>
+      </p:sp>
+      <p:sp>
+        <p:nvSpPr>
+          <p:cNvPr id="9" name="Textfeld 8">
+            <a:extLst>
+              <a:ext uri="{FF2B5EF4-FFF2-40B4-BE49-F238E27FC236}">
+                <a16:creationId xmlns:a16="http://schemas.microsoft.com/office/drawing/2014/main" id="{9C7CDC1F-A857-23E5-C8EE-4476E563F945}"/>
+              </a:ext>
+            </a:extLst>
+          </p:cNvPr>
+          <p:cNvSpPr txBox="1"/>
+          <p:nvPr/>
+        </p:nvSpPr>
+        <p:spPr>
+          <a:xfrm>
+            <a:off x="5380806" y="673934"/>
+            <a:ext cx="1430393" cy="369332"/>
+          </a:xfrm>
+          <a:prstGeom prst="rect">
+            <a:avLst/>
+          </a:prstGeom>
+          <a:noFill/>
+        </p:spPr>
+        <p:txBody>
+          <a:bodyPr wrap="none" rtlCol="0">
+            <a:spAutoFit/>
+          </a:bodyPr>
+          <a:lstStyle/>
+          <a:p>
+            <a:pPr marL="0" marR="0" lvl="0" indent="0" algn="ctr" defTabSz="914400" rtl="0" eaLnBrk="1" fontAlgn="auto" latinLnBrk="0" hangingPunct="1">
+              <a:lnSpc>
+                <a:spcPct val="100000"/>
+              </a:lnSpc>
+              <a:spcBef>
+                <a:spcPts val="0"/>
+              </a:spcBef>
+              <a:spcAft>
+                <a:spcPts val="0"/>
+              </a:spcAft>
+              <a:buClrTx/>
+              <a:buSzTx/>
+              <a:buFontTx/>
+              <a:buNone/>
+              <a:tabLst/>
+              <a:defRPr/>
+            </a:pPr>
+            <a:r>
+              <a:rPr kumimoji="0" lang="de-DE" sz="1800" b="0" i="0" u="none" strike="noStrike" kern="1200" cap="none" spc="0" normalizeH="0" baseline="0" noProof="0" dirty="0">
+                <a:ln>
+                  <a:noFill/>
+                </a:ln>
+                <a:solidFill>
+                  <a:prstClr val="black"/>
+                </a:solidFill>
+                <a:effectLst/>
+                <a:uLnTx/>
+                <a:uFillTx/>
+                <a:latin typeface="Calibri" panose="020F0502020204030204"/>
+                <a:ea typeface="+mn-ea"/>
+                <a:cs typeface="+mn-cs"/>
+              </a:rPr>
+              <a:t>Info für Neue</a:t>
+            </a:r>
+          </a:p>
+        </p:txBody>
+      </p:sp>
+      <p:sp>
+        <p:nvSpPr>
+          <p:cNvPr id="10" name="Ellipse 9">
+            <a:extLst>
+              <a:ext uri="{FF2B5EF4-FFF2-40B4-BE49-F238E27FC236}">
+                <a16:creationId xmlns:a16="http://schemas.microsoft.com/office/drawing/2014/main" id="{642628AC-BD8A-49BE-5337-9AF09689E778}"/>
+              </a:ext>
+            </a:extLst>
+          </p:cNvPr>
+          <p:cNvSpPr/>
+          <p:nvPr/>
+        </p:nvSpPr>
+        <p:spPr>
+          <a:xfrm>
+            <a:off x="2197654" y="2620998"/>
+            <a:ext cx="2171303" cy="763398"/>
+          </a:xfrm>
+          <a:prstGeom prst="ellipse">
+            <a:avLst/>
+          </a:prstGeom>
+          <a:noFill/>
+          <a:ln>
+            <a:solidFill>
+              <a:schemeClr val="tx1"/>
+            </a:solidFill>
+          </a:ln>
+        </p:spPr>
+        <p:style>
+          <a:lnRef idx="2">
+            <a:schemeClr val="accent1">
+              <a:shade val="50000"/>
+            </a:schemeClr>
+          </a:lnRef>
+          <a:fillRef idx="1">
+            <a:schemeClr val="accent1"/>
+          </a:fillRef>
+          <a:effectRef idx="0">
+            <a:schemeClr val="accent1"/>
+          </a:effectRef>
+          <a:fontRef idx="minor">
+            <a:schemeClr val="lt1"/>
+          </a:fontRef>
+        </p:style>
+        <p:txBody>
+          <a:bodyPr rtlCol="0" anchor="ctr"/>
+          <a:lstStyle/>
+          <a:p>
+            <a:pPr marL="0" marR="0" lvl="0" indent="0" algn="ctr" defTabSz="914400" rtl="0" eaLnBrk="1" fontAlgn="auto" latinLnBrk="0" hangingPunct="1">
+              <a:lnSpc>
+                <a:spcPct val="100000"/>
+              </a:lnSpc>
+              <a:spcBef>
+                <a:spcPts val="0"/>
+              </a:spcBef>
+              <a:spcAft>
+                <a:spcPts val="0"/>
+              </a:spcAft>
+              <a:buClrTx/>
+              <a:buSzTx/>
+              <a:buFontTx/>
+              <a:buNone/>
+              <a:tabLst/>
+              <a:defRPr/>
+            </a:pPr>
+            <a:r>
+              <a:rPr kumimoji="0" lang="de-DE" sz="1800" b="0" i="0" u="none" strike="noStrike" kern="1200" cap="none" spc="0" normalizeH="0" baseline="0" noProof="0" dirty="0">
+                <a:ln>
+                  <a:noFill/>
+                </a:ln>
+                <a:solidFill>
+                  <a:prstClr val="black"/>
+                </a:solidFill>
+                <a:effectLst/>
+                <a:uLnTx/>
+                <a:uFillTx/>
+                <a:latin typeface="Calibri" panose="020F0502020204030204"/>
+                <a:ea typeface="+mn-ea"/>
+                <a:cs typeface="+mn-cs"/>
+              </a:rPr>
+              <a:t>Check cookies</a:t>
+            </a:r>
+          </a:p>
+        </p:txBody>
+      </p:sp>
+      <p:cxnSp>
+        <p:nvCxnSpPr>
+          <p:cNvPr id="14" name="Gerade Verbindung mit Pfeil 13">
+            <a:extLst>
+              <a:ext uri="{FF2B5EF4-FFF2-40B4-BE49-F238E27FC236}">
+                <a16:creationId xmlns:a16="http://schemas.microsoft.com/office/drawing/2014/main" id="{B6D4557C-7700-CE66-3A56-998F41C61E7D}"/>
+              </a:ext>
+            </a:extLst>
+          </p:cNvPr>
+          <p:cNvCxnSpPr>
+            <a:cxnSpLocks/>
+            <a:stCxn id="7" idx="3"/>
+            <a:endCxn id="10" idx="2"/>
+          </p:cNvCxnSpPr>
+          <p:nvPr/>
+        </p:nvCxnSpPr>
+        <p:spPr>
+          <a:xfrm flipV="1">
+            <a:off x="1618421" y="3002697"/>
+            <a:ext cx="579233" cy="39784"/>
+          </a:xfrm>
+          <a:prstGeom prst="straightConnector1">
+            <a:avLst/>
+          </a:prstGeom>
+          <a:ln w="19050">
+            <a:solidFill>
+              <a:schemeClr val="tx1"/>
+            </a:solidFill>
+            <a:headEnd type="none"/>
+            <a:tailEnd type="arrow"/>
+          </a:ln>
+        </p:spPr>
+        <p:style>
+          <a:lnRef idx="1">
+            <a:schemeClr val="accent1"/>
+          </a:lnRef>
+          <a:fillRef idx="0">
+            <a:schemeClr val="accent1"/>
+          </a:fillRef>
+          <a:effectRef idx="0">
+            <a:schemeClr val="accent1"/>
+          </a:effectRef>
+          <a:fontRef idx="minor">
+            <a:schemeClr val="tx1"/>
+          </a:fontRef>
+        </p:style>
+      </p:cxnSp>
+      <p:sp>
+        <p:nvSpPr>
+          <p:cNvPr id="18" name="Textfeld 17">
+            <a:extLst>
+              <a:ext uri="{FF2B5EF4-FFF2-40B4-BE49-F238E27FC236}">
+                <a16:creationId xmlns:a16="http://schemas.microsoft.com/office/drawing/2014/main" id="{3B14DF6D-418C-7109-C5E2-CA6210566E71}"/>
+              </a:ext>
+            </a:extLst>
+          </p:cNvPr>
+          <p:cNvSpPr txBox="1"/>
+          <p:nvPr/>
+        </p:nvSpPr>
+        <p:spPr>
+          <a:xfrm>
+            <a:off x="770165" y="3499348"/>
+            <a:ext cx="782202" cy="369332"/>
+          </a:xfrm>
+          <a:prstGeom prst="rect">
+            <a:avLst/>
+          </a:prstGeom>
+          <a:noFill/>
+        </p:spPr>
+        <p:txBody>
+          <a:bodyPr wrap="none" rtlCol="0">
+            <a:spAutoFit/>
+          </a:bodyPr>
+          <a:lstStyle/>
+          <a:p>
+            <a:pPr marL="0" marR="0" lvl="0" indent="0" algn="l" defTabSz="914400" rtl="0" eaLnBrk="1" fontAlgn="auto" latinLnBrk="0" hangingPunct="1">
+              <a:lnSpc>
+                <a:spcPct val="100000"/>
+              </a:lnSpc>
+              <a:spcBef>
+                <a:spcPts val="0"/>
+              </a:spcBef>
+              <a:spcAft>
+                <a:spcPts val="0"/>
+              </a:spcAft>
+              <a:buClrTx/>
+              <a:buSzTx/>
+              <a:buFontTx/>
+              <a:buNone/>
+              <a:tabLst/>
+              <a:defRPr/>
+            </a:pPr>
+            <a:r>
+              <a:rPr kumimoji="0" lang="de-DE" sz="1800" b="0" i="0" u="none" strike="noStrike" kern="1200" cap="none" spc="0" normalizeH="0" baseline="0" noProof="0" dirty="0">
+                <a:ln>
+                  <a:noFill/>
+                </a:ln>
+                <a:solidFill>
+                  <a:prstClr val="black"/>
+                </a:solidFill>
+                <a:effectLst/>
+                <a:uLnTx/>
+                <a:uFillTx/>
+                <a:latin typeface="Calibri" panose="020F0502020204030204"/>
+                <a:ea typeface="+mn-ea"/>
+                <a:cs typeface="+mn-cs"/>
+              </a:rPr>
+              <a:t>Kunde</a:t>
+            </a:r>
+          </a:p>
+        </p:txBody>
+      </p:sp>
+      <p:sp>
+        <p:nvSpPr>
+          <p:cNvPr id="19" name="Textfeld 18">
+            <a:extLst>
+              <a:ext uri="{FF2B5EF4-FFF2-40B4-BE49-F238E27FC236}">
+                <a16:creationId xmlns:a16="http://schemas.microsoft.com/office/drawing/2014/main" id="{53DB57F7-2C7E-D4B4-05FB-9E53B3022142}"/>
+              </a:ext>
+            </a:extLst>
+          </p:cNvPr>
+          <p:cNvSpPr txBox="1"/>
+          <p:nvPr/>
+        </p:nvSpPr>
+        <p:spPr>
+          <a:xfrm>
+            <a:off x="10729352" y="3527614"/>
+            <a:ext cx="785664" cy="369332"/>
+          </a:xfrm>
+          <a:prstGeom prst="rect">
+            <a:avLst/>
+          </a:prstGeom>
+          <a:noFill/>
+        </p:spPr>
+        <p:txBody>
+          <a:bodyPr wrap="none" rtlCol="0">
+            <a:spAutoFit/>
+          </a:bodyPr>
+          <a:lstStyle/>
+          <a:p>
+            <a:pPr marL="0" marR="0" lvl="0" indent="0" algn="l" defTabSz="914400" rtl="0" eaLnBrk="1" fontAlgn="auto" latinLnBrk="0" hangingPunct="1">
+              <a:lnSpc>
+                <a:spcPct val="100000"/>
+              </a:lnSpc>
+              <a:spcBef>
+                <a:spcPts val="0"/>
+              </a:spcBef>
+              <a:spcAft>
+                <a:spcPts val="0"/>
+              </a:spcAft>
+              <a:buClrTx/>
+              <a:buSzTx/>
+              <a:buFontTx/>
+              <a:buNone/>
+              <a:tabLst/>
+              <a:defRPr/>
+            </a:pPr>
+            <a:r>
+              <a:rPr kumimoji="0" lang="de-DE" sz="1800" b="0" i="0" u="none" strike="noStrike" kern="1200" cap="none" spc="0" normalizeH="0" baseline="0" noProof="0" dirty="0">
+                <a:ln>
+                  <a:noFill/>
+                </a:ln>
+                <a:solidFill>
+                  <a:prstClr val="black"/>
+                </a:solidFill>
+                <a:effectLst/>
+                <a:uLnTx/>
+                <a:uFillTx/>
+                <a:latin typeface="Calibri" panose="020F0502020204030204"/>
+                <a:ea typeface="+mn-ea"/>
+                <a:cs typeface="+mn-cs"/>
+              </a:rPr>
+              <a:t>Server</a:t>
+            </a:r>
+          </a:p>
+        </p:txBody>
+      </p:sp>
+      <p:sp>
+        <p:nvSpPr>
+          <p:cNvPr id="4" name="Ellipse 3">
+            <a:extLst>
+              <a:ext uri="{FF2B5EF4-FFF2-40B4-BE49-F238E27FC236}">
+                <a16:creationId xmlns:a16="http://schemas.microsoft.com/office/drawing/2014/main" id="{6F466D6E-1B23-D87B-97DF-ECF8898ECC40}"/>
+              </a:ext>
+            </a:extLst>
+          </p:cNvPr>
+          <p:cNvSpPr/>
+          <p:nvPr/>
+        </p:nvSpPr>
+        <p:spPr>
+          <a:xfrm>
+            <a:off x="4368957" y="4316901"/>
+            <a:ext cx="3101109" cy="763398"/>
+          </a:xfrm>
+          <a:prstGeom prst="ellipse">
+            <a:avLst/>
+          </a:prstGeom>
+          <a:noFill/>
+          <a:ln>
+            <a:solidFill>
+              <a:schemeClr val="tx1"/>
+            </a:solidFill>
+          </a:ln>
+        </p:spPr>
+        <p:style>
+          <a:lnRef idx="2">
+            <a:schemeClr val="accent1">
+              <a:shade val="50000"/>
+            </a:schemeClr>
+          </a:lnRef>
+          <a:fillRef idx="1">
+            <a:schemeClr val="accent1"/>
+          </a:fillRef>
+          <a:effectRef idx="0">
+            <a:schemeClr val="accent1"/>
+          </a:effectRef>
+          <a:fontRef idx="minor">
+            <a:schemeClr val="lt1"/>
+          </a:fontRef>
+        </p:style>
+        <p:txBody>
+          <a:bodyPr rtlCol="0" anchor="ctr"/>
+          <a:lstStyle/>
+          <a:p>
+            <a:pPr marL="0" marR="0" lvl="0" indent="0" algn="ctr" defTabSz="914400" rtl="0" eaLnBrk="1" fontAlgn="auto" latinLnBrk="0" hangingPunct="1">
+              <a:lnSpc>
+                <a:spcPct val="100000"/>
+              </a:lnSpc>
+              <a:spcBef>
+                <a:spcPts val="0"/>
+              </a:spcBef>
+              <a:spcAft>
+                <a:spcPts val="0"/>
+              </a:spcAft>
+              <a:buClrTx/>
+              <a:buSzTx/>
+              <a:buFontTx/>
+              <a:buNone/>
+              <a:tabLst/>
+              <a:defRPr/>
+            </a:pPr>
+            <a:r>
+              <a:rPr kumimoji="0" lang="de-DE" sz="1800" b="0" i="0" u="none" strike="noStrike" kern="1200" cap="none" spc="0" normalizeH="0" baseline="0" noProof="0" dirty="0">
+                <a:ln>
+                  <a:noFill/>
+                </a:ln>
+                <a:solidFill>
+                  <a:prstClr val="black"/>
+                </a:solidFill>
+                <a:effectLst/>
+                <a:uLnTx/>
+                <a:uFillTx/>
+                <a:latin typeface="Calibri" panose="020F0502020204030204"/>
+                <a:ea typeface="+mn-ea"/>
+                <a:cs typeface="+mn-cs"/>
+              </a:rPr>
+              <a:t>Fenster für Neulinge pop-up</a:t>
+            </a:r>
+          </a:p>
+        </p:txBody>
+      </p:sp>
+      <p:cxnSp>
+        <p:nvCxnSpPr>
+          <p:cNvPr id="13" name="Gerade Verbindung mit Pfeil 12">
+            <a:extLst>
+              <a:ext uri="{FF2B5EF4-FFF2-40B4-BE49-F238E27FC236}">
+                <a16:creationId xmlns:a16="http://schemas.microsoft.com/office/drawing/2014/main" id="{400199D9-1360-E2FE-5D52-741183CE6A11}"/>
+              </a:ext>
+            </a:extLst>
+          </p:cNvPr>
+          <p:cNvCxnSpPr>
+            <a:cxnSpLocks/>
+            <a:stCxn id="4" idx="2"/>
+            <a:endCxn id="10" idx="6"/>
+          </p:cNvCxnSpPr>
+          <p:nvPr/>
+        </p:nvCxnSpPr>
+        <p:spPr>
+          <a:xfrm flipV="1">
+            <a:off x="4368957" y="3002697"/>
+            <a:ext cx="0" cy="1695903"/>
+          </a:xfrm>
+          <a:prstGeom prst="straightConnector1">
+            <a:avLst/>
+          </a:prstGeom>
+          <a:ln w="19050">
+            <a:solidFill>
+              <a:schemeClr val="tx1"/>
+            </a:solidFill>
+            <a:headEnd type="arrow"/>
+            <a:tailEnd type="none"/>
+          </a:ln>
+        </p:spPr>
+        <p:style>
+          <a:lnRef idx="1">
+            <a:schemeClr val="accent1"/>
+          </a:lnRef>
+          <a:fillRef idx="0">
+            <a:schemeClr val="accent1"/>
+          </a:fillRef>
+          <a:effectRef idx="0">
+            <a:schemeClr val="accent1"/>
+          </a:effectRef>
+          <a:fontRef idx="minor">
+            <a:schemeClr val="tx1"/>
+          </a:fontRef>
+        </p:style>
+      </p:cxnSp>
+      <p:cxnSp>
+        <p:nvCxnSpPr>
+          <p:cNvPr id="34" name="Gerade Verbindung mit Pfeil 33">
+            <a:extLst>
+              <a:ext uri="{FF2B5EF4-FFF2-40B4-BE49-F238E27FC236}">
+                <a16:creationId xmlns:a16="http://schemas.microsoft.com/office/drawing/2014/main" id="{092E43C9-65BE-6A65-D3FA-32AE280942B1}"/>
+              </a:ext>
+            </a:extLst>
+          </p:cNvPr>
+          <p:cNvCxnSpPr>
+            <a:cxnSpLocks/>
+            <a:stCxn id="4" idx="6"/>
+            <a:endCxn id="17" idx="2"/>
+          </p:cNvCxnSpPr>
+          <p:nvPr/>
+        </p:nvCxnSpPr>
+        <p:spPr>
+          <a:xfrm flipV="1">
+            <a:off x="7470066" y="3047301"/>
+            <a:ext cx="0" cy="1651299"/>
+          </a:xfrm>
+          <a:prstGeom prst="straightConnector1">
+            <a:avLst/>
+          </a:prstGeom>
+          <a:ln w="19050">
+            <a:solidFill>
+              <a:schemeClr val="tx1"/>
+            </a:solidFill>
+            <a:headEnd type="none"/>
+            <a:tailEnd type="arrow"/>
+          </a:ln>
+        </p:spPr>
+        <p:style>
+          <a:lnRef idx="1">
+            <a:schemeClr val="accent1"/>
+          </a:lnRef>
+          <a:fillRef idx="0">
+            <a:schemeClr val="accent1"/>
+          </a:fillRef>
+          <a:effectRef idx="0">
+            <a:schemeClr val="accent1"/>
+          </a:effectRef>
+          <a:fontRef idx="minor">
+            <a:schemeClr val="tx1"/>
+          </a:fontRef>
+        </p:style>
+      </p:cxnSp>
+      <p:sp>
+        <p:nvSpPr>
+          <p:cNvPr id="3" name="Textfeld 2">
+            <a:extLst>
+              <a:ext uri="{FF2B5EF4-FFF2-40B4-BE49-F238E27FC236}">
+                <a16:creationId xmlns:a16="http://schemas.microsoft.com/office/drawing/2014/main" id="{5240E090-AB61-9220-7C3E-4D2D540BDAF0}"/>
+              </a:ext>
+            </a:extLst>
+          </p:cNvPr>
+          <p:cNvSpPr txBox="1"/>
+          <p:nvPr/>
+        </p:nvSpPr>
+        <p:spPr>
+          <a:xfrm>
+            <a:off x="2042184" y="6031149"/>
+            <a:ext cx="4817922" cy="369332"/>
+          </a:xfrm>
+          <a:prstGeom prst="rect">
+            <a:avLst/>
+          </a:prstGeom>
+          <a:noFill/>
+        </p:spPr>
+        <p:txBody>
+          <a:bodyPr wrap="none" rtlCol="0">
+            <a:spAutoFit/>
+          </a:bodyPr>
+          <a:lstStyle/>
+          <a:p>
+            <a:pPr marL="0" marR="0" lvl="0" indent="0" algn="l" defTabSz="914400" rtl="0" eaLnBrk="1" fontAlgn="auto" latinLnBrk="0" hangingPunct="1">
+              <a:lnSpc>
+                <a:spcPct val="100000"/>
+              </a:lnSpc>
+              <a:spcBef>
+                <a:spcPts val="0"/>
+              </a:spcBef>
+              <a:spcAft>
+                <a:spcPts val="0"/>
+              </a:spcAft>
+              <a:buClrTx/>
+              <a:buSzTx/>
+              <a:buFontTx/>
+              <a:buNone/>
+              <a:tabLst/>
+              <a:defRPr/>
+            </a:pPr>
+            <a:r>
+              <a:rPr kumimoji="0" lang="de-DE" sz="1800" b="0" i="0" u="none" strike="noStrike" kern="1200" cap="none" spc="0" normalizeH="0" baseline="0" noProof="0" dirty="0">
+                <a:ln>
+                  <a:noFill/>
+                </a:ln>
+                <a:solidFill>
+                  <a:prstClr val="black"/>
+                </a:solidFill>
+                <a:effectLst/>
+                <a:uLnTx/>
+                <a:uFillTx/>
+                <a:latin typeface="Calibri" panose="020F0502020204030204"/>
+                <a:ea typeface="+mn-ea"/>
+                <a:cs typeface="+mn-cs"/>
+              </a:rPr>
+              <a:t>*Jede Kundenaktion erfordert eine „Bestätigung“</a:t>
+            </a:r>
+          </a:p>
+        </p:txBody>
+      </p:sp>
+      <p:sp>
+        <p:nvSpPr>
+          <p:cNvPr id="30" name="Textfeld 29">
+            <a:extLst>
+              <a:ext uri="{FF2B5EF4-FFF2-40B4-BE49-F238E27FC236}">
+                <a16:creationId xmlns:a16="http://schemas.microsoft.com/office/drawing/2014/main" id="{34AE6C79-B835-4339-1A5D-21EB19D706C4}"/>
+              </a:ext>
+            </a:extLst>
+          </p:cNvPr>
+          <p:cNvSpPr txBox="1"/>
+          <p:nvPr/>
+        </p:nvSpPr>
+        <p:spPr>
+          <a:xfrm>
+            <a:off x="5610355" y="88187"/>
+            <a:ext cx="971293" cy="369332"/>
+          </a:xfrm>
+          <a:prstGeom prst="rect">
+            <a:avLst/>
+          </a:prstGeom>
+          <a:noFill/>
+        </p:spPr>
+        <p:txBody>
+          <a:bodyPr wrap="none" rtlCol="0">
+            <a:spAutoFit/>
+          </a:bodyPr>
+          <a:lstStyle/>
+          <a:p>
+            <a:pPr marL="0" marR="0" lvl="0" indent="0" algn="ctr" defTabSz="914400" rtl="0" eaLnBrk="1" fontAlgn="auto" latinLnBrk="0" hangingPunct="1">
+              <a:lnSpc>
+                <a:spcPct val="100000"/>
+              </a:lnSpc>
+              <a:spcBef>
+                <a:spcPts val="0"/>
+              </a:spcBef>
+              <a:spcAft>
+                <a:spcPts val="0"/>
+              </a:spcAft>
+              <a:buClrTx/>
+              <a:buSzTx/>
+              <a:buFontTx/>
+              <a:buNone/>
+              <a:tabLst/>
+              <a:defRPr/>
+            </a:pPr>
+            <a:r>
+              <a:rPr kumimoji="0" lang="de-DE" sz="1800" b="0" i="0" u="none" strike="noStrike" kern="1200" cap="none" spc="0" normalizeH="0" baseline="0" noProof="0" dirty="0">
+                <a:ln>
+                  <a:noFill/>
+                </a:ln>
+                <a:solidFill>
+                  <a:prstClr val="black"/>
+                </a:solidFill>
+                <a:effectLst/>
+                <a:uLnTx/>
+                <a:uFillTx/>
+                <a:latin typeface="Calibri" panose="020F0502020204030204"/>
+                <a:ea typeface="+mn-ea"/>
+                <a:cs typeface="+mn-cs"/>
+              </a:rPr>
+              <a:t>UC INFO</a:t>
+            </a:r>
+          </a:p>
+        </p:txBody>
+      </p:sp>
+      <p:sp>
+        <p:nvSpPr>
+          <p:cNvPr id="17" name="Ellipse 16">
+            <a:extLst>
+              <a:ext uri="{FF2B5EF4-FFF2-40B4-BE49-F238E27FC236}">
+                <a16:creationId xmlns:a16="http://schemas.microsoft.com/office/drawing/2014/main" id="{B98BA539-FA3D-0995-3AE5-7D2D60EF547F}"/>
+              </a:ext>
+            </a:extLst>
+          </p:cNvPr>
+          <p:cNvSpPr/>
+          <p:nvPr/>
+        </p:nvSpPr>
+        <p:spPr>
+          <a:xfrm>
+            <a:off x="7470066" y="2665602"/>
+            <a:ext cx="2839350" cy="763398"/>
+          </a:xfrm>
+          <a:prstGeom prst="ellipse">
+            <a:avLst/>
+          </a:prstGeom>
+          <a:noFill/>
+          <a:ln>
+            <a:solidFill>
+              <a:schemeClr val="tx1"/>
+            </a:solidFill>
+          </a:ln>
+        </p:spPr>
+        <p:style>
+          <a:lnRef idx="2">
+            <a:schemeClr val="accent1">
+              <a:shade val="50000"/>
+            </a:schemeClr>
+          </a:lnRef>
+          <a:fillRef idx="1">
+            <a:schemeClr val="accent1"/>
+          </a:fillRef>
+          <a:effectRef idx="0">
+            <a:schemeClr val="accent1"/>
+          </a:effectRef>
+          <a:fontRef idx="minor">
+            <a:schemeClr val="lt1"/>
+          </a:fontRef>
+        </p:style>
+        <p:txBody>
+          <a:bodyPr rtlCol="0" anchor="ctr"/>
+          <a:lstStyle/>
+          <a:p>
+            <a:pPr marL="0" marR="0" lvl="0" indent="0" algn="ctr" defTabSz="914400" rtl="0" eaLnBrk="1" fontAlgn="auto" latinLnBrk="0" hangingPunct="1">
+              <a:lnSpc>
+                <a:spcPct val="100000"/>
+              </a:lnSpc>
+              <a:spcBef>
+                <a:spcPts val="0"/>
+              </a:spcBef>
+              <a:spcAft>
+                <a:spcPts val="0"/>
+              </a:spcAft>
+              <a:buClrTx/>
+              <a:buSzTx/>
+              <a:buFontTx/>
+              <a:buNone/>
+              <a:tabLst/>
+              <a:defRPr/>
+            </a:pPr>
+            <a:r>
+              <a:rPr kumimoji="0" lang="de-DE" sz="1800" b="0" i="0" u="none" strike="noStrike" kern="1200" cap="none" spc="0" normalizeH="0" baseline="0" noProof="0" dirty="0">
+                <a:ln>
+                  <a:noFill/>
+                </a:ln>
+                <a:solidFill>
+                  <a:prstClr val="black"/>
+                </a:solidFill>
+                <a:effectLst/>
+                <a:uLnTx/>
+                <a:uFillTx/>
+                <a:latin typeface="Calibri" panose="020F0502020204030204"/>
+                <a:ea typeface="+mn-ea"/>
+                <a:cs typeface="+mn-cs"/>
+              </a:rPr>
+              <a:t>„Call </a:t>
+            </a:r>
+            <a:r>
+              <a:rPr kumimoji="0" lang="de-DE" sz="1800" b="0" i="0" u="none" strike="noStrike" kern="1200" cap="none" spc="0" normalizeH="0" baseline="0" noProof="0" dirty="0" err="1">
+                <a:ln>
+                  <a:noFill/>
+                </a:ln>
+                <a:solidFill>
+                  <a:prstClr val="black"/>
+                </a:solidFill>
+                <a:effectLst/>
+                <a:uLnTx/>
+                <a:uFillTx/>
+                <a:latin typeface="Calibri" panose="020F0502020204030204"/>
+                <a:ea typeface="+mn-ea"/>
+                <a:cs typeface="+mn-cs"/>
+              </a:rPr>
+              <a:t>to</a:t>
+            </a:r>
+            <a:r>
+              <a:rPr kumimoji="0" lang="de-DE" sz="1800" b="0" i="0" u="none" strike="noStrike" kern="1200" cap="none" spc="0" normalizeH="0" baseline="0" noProof="0" dirty="0">
+                <a:ln>
+                  <a:noFill/>
+                </a:ln>
+                <a:solidFill>
+                  <a:prstClr val="black"/>
+                </a:solidFill>
+                <a:effectLst/>
+                <a:uLnTx/>
+                <a:uFillTx/>
+                <a:latin typeface="Calibri" panose="020F0502020204030204"/>
+                <a:ea typeface="+mn-ea"/>
+                <a:cs typeface="+mn-cs"/>
+              </a:rPr>
+              <a:t> Action“</a:t>
+            </a:r>
+          </a:p>
+        </p:txBody>
+      </p:sp>
+      <p:cxnSp>
+        <p:nvCxnSpPr>
+          <p:cNvPr id="20" name="Gerade Verbindung mit Pfeil 19">
+            <a:extLst>
+              <a:ext uri="{FF2B5EF4-FFF2-40B4-BE49-F238E27FC236}">
+                <a16:creationId xmlns:a16="http://schemas.microsoft.com/office/drawing/2014/main" id="{795A4AA6-F6F0-0391-46E4-1C3A5BAB05B6}"/>
+              </a:ext>
+            </a:extLst>
+          </p:cNvPr>
+          <p:cNvCxnSpPr>
+            <a:cxnSpLocks/>
+            <a:stCxn id="17" idx="6"/>
+            <a:endCxn id="5" idx="1"/>
+          </p:cNvCxnSpPr>
+          <p:nvPr/>
+        </p:nvCxnSpPr>
+        <p:spPr>
+          <a:xfrm>
+            <a:off x="10309416" y="3047301"/>
+            <a:ext cx="355568" cy="23446"/>
+          </a:xfrm>
+          <a:prstGeom prst="straightConnector1">
+            <a:avLst/>
+          </a:prstGeom>
+          <a:ln w="19050">
+            <a:solidFill>
+              <a:schemeClr val="tx1"/>
+            </a:solidFill>
+            <a:headEnd type="none"/>
+            <a:tailEnd type="arrow"/>
+          </a:ln>
+        </p:spPr>
+        <p:style>
+          <a:lnRef idx="1">
+            <a:schemeClr val="accent1"/>
+          </a:lnRef>
+          <a:fillRef idx="0">
+            <a:schemeClr val="accent1"/>
+          </a:fillRef>
+          <a:effectRef idx="0">
+            <a:schemeClr val="accent1"/>
+          </a:effectRef>
+          <a:fontRef idx="minor">
+            <a:schemeClr val="tx1"/>
+          </a:fontRef>
+        </p:style>
+      </p:cxnSp>
+    </p:spTree>
+    <p:extLst>
+      <p:ext uri="{BB962C8B-B14F-4D97-AF65-F5344CB8AC3E}">
+        <p14:creationId xmlns:p14="http://schemas.microsoft.com/office/powerpoint/2010/main" val="228457103"/>
+      </p:ext>
+    </p:extLst>
+  </p:cSld>
+  <p:clrMapOvr>
+    <a:masterClrMapping/>
+  </p:clrMapOvr>
+</p:sld>
+</file>
+
+<file path=ppt/slides/slide14.xml><?xml version="1.0" encoding="utf-8"?>
+<p:sld xmlns:a="http://schemas.openxmlformats.org/drawingml/2006/main" xmlns:r="http://schemas.openxmlformats.org/officeDocument/2006/relationships" xmlns:p="http://schemas.openxmlformats.org/presentationml/2006/main">
+  <p:cSld>
+    <p:spTree>
+      <p:nvGrpSpPr>
+        <p:cNvPr id="1" name=""/>
+        <p:cNvGrpSpPr/>
+        <p:nvPr/>
+      </p:nvGrpSpPr>
+      <p:grpSpPr>
+        <a:xfrm>
+          <a:off x="0" y="0"/>
+          <a:ext cx="0" cy="0"/>
+          <a:chOff x="0" y="0"/>
+          <a:chExt cx="0" cy="0"/>
+        </a:xfrm>
+      </p:grpSpPr>
+      <p:pic>
+        <p:nvPicPr>
+          <p:cNvPr id="5" name="Grafik 4" descr="Datenbank mit einfarbiger Füllung">
+            <a:extLst>
+              <a:ext uri="{FF2B5EF4-FFF2-40B4-BE49-F238E27FC236}">
+                <a16:creationId xmlns:a16="http://schemas.microsoft.com/office/drawing/2014/main" id="{5C7DEEC2-A5EB-0897-2F52-9659B37AA883}"/>
+              </a:ext>
+            </a:extLst>
+          </p:cNvPr>
+          <p:cNvPicPr>
+            <a:picLocks noChangeAspect="1"/>
+          </p:cNvPicPr>
+          <p:nvPr/>
+        </p:nvPicPr>
+        <p:blipFill>
+          <a:blip r:embed="rId2">
+            <a:extLst>
+              <a:ext uri="{28A0092B-C50C-407E-A947-70E740481C1C}">
+                <a14:useLocalDpi xmlns:a14="http://schemas.microsoft.com/office/drawing/2010/main" val="0"/>
+              </a:ext>
+              <a:ext uri="{96DAC541-7B7A-43D3-8B79-37D633B846F1}">
+                <asvg:svgBlip xmlns:asvg="http://schemas.microsoft.com/office/drawing/2016/SVG/main" r:embed="rId3"/>
+              </a:ext>
+            </a:extLst>
+          </a:blip>
+          <a:stretch>
+            <a:fillRect/>
+          </a:stretch>
+        </p:blipFill>
+        <p:spPr>
+          <a:xfrm>
+            <a:off x="10664984" y="2613547"/>
+            <a:ext cx="914400" cy="914400"/>
+          </a:xfrm>
+          <a:prstGeom prst="rect">
+            <a:avLst/>
+          </a:prstGeom>
+        </p:spPr>
+      </p:pic>
+      <p:pic>
+        <p:nvPicPr>
+          <p:cNvPr id="7" name="Grafik 6" descr="Mann mit einfarbiger Füllung">
+            <a:extLst>
+              <a:ext uri="{FF2B5EF4-FFF2-40B4-BE49-F238E27FC236}">
+                <a16:creationId xmlns:a16="http://schemas.microsoft.com/office/drawing/2014/main" id="{82EFA9ED-08A5-B254-DF60-1634EC9AC2B0}"/>
+              </a:ext>
+            </a:extLst>
+          </p:cNvPr>
+          <p:cNvPicPr>
+            <a:picLocks noChangeAspect="1"/>
+          </p:cNvPicPr>
+          <p:nvPr/>
+        </p:nvPicPr>
+        <p:blipFill>
+          <a:blip r:embed="rId4">
+            <a:extLst>
+              <a:ext uri="{28A0092B-C50C-407E-A947-70E740481C1C}">
+                <a14:useLocalDpi xmlns:a14="http://schemas.microsoft.com/office/drawing/2010/main" val="0"/>
+              </a:ext>
+              <a:ext uri="{96DAC541-7B7A-43D3-8B79-37D633B846F1}">
+                <asvg:svgBlip xmlns:asvg="http://schemas.microsoft.com/office/drawing/2016/SVG/main" r:embed="rId5"/>
+              </a:ext>
+            </a:extLst>
+          </a:blip>
+          <a:stretch>
+            <a:fillRect/>
+          </a:stretch>
+        </p:blipFill>
+        <p:spPr>
+          <a:xfrm>
+            <a:off x="704021" y="2585281"/>
+            <a:ext cx="914400" cy="914400"/>
+          </a:xfrm>
+          <a:prstGeom prst="rect">
+            <a:avLst/>
+          </a:prstGeom>
+        </p:spPr>
+      </p:pic>
+      <p:sp>
+        <p:nvSpPr>
+          <p:cNvPr id="8" name="Rechteck 7">
+            <a:extLst>
+              <a:ext uri="{FF2B5EF4-FFF2-40B4-BE49-F238E27FC236}">
+                <a16:creationId xmlns:a16="http://schemas.microsoft.com/office/drawing/2014/main" id="{9697B41B-1160-E1C0-1858-588DA51ABE63}"/>
+              </a:ext>
+            </a:extLst>
+          </p:cNvPr>
+          <p:cNvSpPr/>
+          <p:nvPr/>
+        </p:nvSpPr>
+        <p:spPr>
+          <a:xfrm>
+            <a:off x="2042184" y="595975"/>
+            <a:ext cx="8558432" cy="4893013"/>
+          </a:xfrm>
+          <a:prstGeom prst="rect">
+            <a:avLst/>
+          </a:prstGeom>
+          <a:noFill/>
+          <a:ln>
+            <a:solidFill>
+              <a:schemeClr val="tx1"/>
+            </a:solidFill>
+          </a:ln>
+        </p:spPr>
+        <p:style>
+          <a:lnRef idx="2">
+            <a:schemeClr val="accent1">
+              <a:shade val="50000"/>
+            </a:schemeClr>
+          </a:lnRef>
+          <a:fillRef idx="1">
+            <a:schemeClr val="accent1"/>
+          </a:fillRef>
+          <a:effectRef idx="0">
+            <a:schemeClr val="accent1"/>
+          </a:effectRef>
+          <a:fontRef idx="minor">
+            <a:schemeClr val="lt1"/>
+          </a:fontRef>
+        </p:style>
+        <p:txBody>
+          <a:bodyPr rtlCol="0" anchor="ctr"/>
+          <a:lstStyle/>
+          <a:p>
+            <a:pPr marL="0" marR="0" lvl="0" indent="0" algn="ctr" defTabSz="914400" rtl="0" eaLnBrk="1" fontAlgn="auto" latinLnBrk="0" hangingPunct="1">
+              <a:lnSpc>
+                <a:spcPct val="100000"/>
+              </a:lnSpc>
+              <a:spcBef>
+                <a:spcPts val="0"/>
+              </a:spcBef>
+              <a:spcAft>
+                <a:spcPts val="0"/>
+              </a:spcAft>
+              <a:buClrTx/>
+              <a:buSzTx/>
+              <a:buFontTx/>
+              <a:buNone/>
+              <a:tabLst/>
+              <a:defRPr/>
+            </a:pPr>
+            <a:endParaRPr kumimoji="0" lang="de-DE" sz="1800" b="0" i="0" u="none" strike="noStrike" kern="1200" cap="none" spc="0" normalizeH="0" baseline="0" noProof="0">
+              <a:ln>
+                <a:noFill/>
+              </a:ln>
+              <a:solidFill>
+                <a:prstClr val="white"/>
+              </a:solidFill>
+              <a:effectLst/>
+              <a:uLnTx/>
+              <a:uFillTx/>
+              <a:latin typeface="Calibri" panose="020F0502020204030204"/>
+              <a:ea typeface="+mn-ea"/>
+              <a:cs typeface="+mn-cs"/>
+            </a:endParaRPr>
+          </a:p>
+        </p:txBody>
+      </p:sp>
+      <p:sp>
+        <p:nvSpPr>
+          <p:cNvPr id="9" name="Textfeld 8">
+            <a:extLst>
+              <a:ext uri="{FF2B5EF4-FFF2-40B4-BE49-F238E27FC236}">
+                <a16:creationId xmlns:a16="http://schemas.microsoft.com/office/drawing/2014/main" id="{9C7CDC1F-A857-23E5-C8EE-4476E563F945}"/>
+              </a:ext>
+            </a:extLst>
+          </p:cNvPr>
+          <p:cNvSpPr txBox="1"/>
+          <p:nvPr/>
+        </p:nvSpPr>
+        <p:spPr>
+          <a:xfrm>
+            <a:off x="5467464" y="663879"/>
+            <a:ext cx="1257075" cy="369332"/>
+          </a:xfrm>
+          <a:prstGeom prst="rect">
+            <a:avLst/>
+          </a:prstGeom>
+          <a:noFill/>
+        </p:spPr>
+        <p:txBody>
+          <a:bodyPr wrap="none" rtlCol="0">
+            <a:spAutoFit/>
+          </a:bodyPr>
+          <a:lstStyle/>
+          <a:p>
+            <a:pPr marL="0" marR="0" lvl="0" indent="0" algn="ctr" defTabSz="914400" rtl="0" eaLnBrk="1" fontAlgn="auto" latinLnBrk="0" hangingPunct="1">
+              <a:lnSpc>
+                <a:spcPct val="100000"/>
+              </a:lnSpc>
+              <a:spcBef>
+                <a:spcPts val="0"/>
+              </a:spcBef>
+              <a:spcAft>
+                <a:spcPts val="0"/>
+              </a:spcAft>
+              <a:buClrTx/>
+              <a:buSzTx/>
+              <a:buFontTx/>
+              <a:buNone/>
+              <a:tabLst/>
+              <a:defRPr/>
+            </a:pPr>
+            <a:r>
+              <a:rPr kumimoji="0" lang="de-DE" sz="1800" b="0" i="0" u="none" strike="noStrike" kern="1200" cap="none" spc="0" normalizeH="0" baseline="0" noProof="0" dirty="0">
+                <a:ln>
+                  <a:noFill/>
+                </a:ln>
+                <a:solidFill>
+                  <a:prstClr val="black"/>
+                </a:solidFill>
+                <a:effectLst/>
+                <a:uLnTx/>
+                <a:uFillTx/>
+                <a:latin typeface="Calibri" panose="020F0502020204030204"/>
+                <a:ea typeface="+mn-ea"/>
+                <a:cs typeface="+mn-cs"/>
+              </a:rPr>
+              <a:t>Verwaltung</a:t>
+            </a:r>
+          </a:p>
+        </p:txBody>
+      </p:sp>
+      <p:sp>
+        <p:nvSpPr>
+          <p:cNvPr id="10" name="Ellipse 9">
+            <a:extLst>
+              <a:ext uri="{FF2B5EF4-FFF2-40B4-BE49-F238E27FC236}">
+                <a16:creationId xmlns:a16="http://schemas.microsoft.com/office/drawing/2014/main" id="{642628AC-BD8A-49BE-5337-9AF09689E778}"/>
+              </a:ext>
+            </a:extLst>
+          </p:cNvPr>
+          <p:cNvSpPr/>
+          <p:nvPr/>
+        </p:nvSpPr>
+        <p:spPr>
+          <a:xfrm>
+            <a:off x="2682800" y="2665602"/>
+            <a:ext cx="2171303" cy="763398"/>
+          </a:xfrm>
+          <a:prstGeom prst="ellipse">
+            <a:avLst/>
+          </a:prstGeom>
+          <a:noFill/>
+          <a:ln>
+            <a:solidFill>
+              <a:schemeClr val="tx1"/>
+            </a:solidFill>
+          </a:ln>
+        </p:spPr>
+        <p:style>
+          <a:lnRef idx="2">
+            <a:schemeClr val="accent1">
+              <a:shade val="50000"/>
+            </a:schemeClr>
+          </a:lnRef>
+          <a:fillRef idx="1">
+            <a:schemeClr val="accent1"/>
+          </a:fillRef>
+          <a:effectRef idx="0">
+            <a:schemeClr val="accent1"/>
+          </a:effectRef>
+          <a:fontRef idx="minor">
+            <a:schemeClr val="lt1"/>
+          </a:fontRef>
+        </p:style>
+        <p:txBody>
+          <a:bodyPr rtlCol="0" anchor="ctr"/>
+          <a:lstStyle/>
+          <a:p>
+            <a:pPr marL="0" marR="0" lvl="0" indent="0" algn="ctr" defTabSz="914400" rtl="0" eaLnBrk="1" fontAlgn="auto" latinLnBrk="0" hangingPunct="1">
+              <a:lnSpc>
+                <a:spcPct val="100000"/>
+              </a:lnSpc>
+              <a:spcBef>
+                <a:spcPts val="0"/>
+              </a:spcBef>
+              <a:spcAft>
+                <a:spcPts val="0"/>
+              </a:spcAft>
+              <a:buClrTx/>
+              <a:buSzTx/>
+              <a:buFontTx/>
+              <a:buNone/>
+              <a:tabLst/>
+              <a:defRPr/>
+            </a:pPr>
+            <a:r>
+              <a:rPr kumimoji="0" lang="de-DE" sz="1800" b="0" i="0" u="none" strike="noStrike" kern="1200" cap="none" spc="0" normalizeH="0" baseline="0" noProof="0" dirty="0">
+                <a:ln>
+                  <a:noFill/>
+                </a:ln>
+                <a:solidFill>
+                  <a:prstClr val="black"/>
+                </a:solidFill>
+                <a:effectLst/>
+                <a:uLnTx/>
+                <a:uFillTx/>
+                <a:latin typeface="Calibri" panose="020F0502020204030204"/>
+                <a:ea typeface="+mn-ea"/>
+                <a:cs typeface="+mn-cs"/>
+              </a:rPr>
+              <a:t>Anmelden mit Name&amp;PSS</a:t>
+            </a:r>
+          </a:p>
+        </p:txBody>
+      </p:sp>
+      <p:cxnSp>
+        <p:nvCxnSpPr>
+          <p:cNvPr id="14" name="Gerade Verbindung mit Pfeil 13">
+            <a:extLst>
+              <a:ext uri="{FF2B5EF4-FFF2-40B4-BE49-F238E27FC236}">
+                <a16:creationId xmlns:a16="http://schemas.microsoft.com/office/drawing/2014/main" id="{B6D4557C-7700-CE66-3A56-998F41C61E7D}"/>
+              </a:ext>
+            </a:extLst>
+          </p:cNvPr>
+          <p:cNvCxnSpPr>
+            <a:cxnSpLocks/>
+            <a:stCxn id="7" idx="3"/>
+            <a:endCxn id="10" idx="2"/>
+          </p:cNvCxnSpPr>
+          <p:nvPr/>
+        </p:nvCxnSpPr>
+        <p:spPr>
+          <a:xfrm>
+            <a:off x="1618421" y="3042481"/>
+            <a:ext cx="1064379" cy="4820"/>
+          </a:xfrm>
+          <a:prstGeom prst="straightConnector1">
+            <a:avLst/>
+          </a:prstGeom>
+          <a:ln w="19050">
+            <a:solidFill>
+              <a:schemeClr val="tx1"/>
+            </a:solidFill>
+            <a:headEnd type="none"/>
+            <a:tailEnd type="arrow"/>
+          </a:ln>
+        </p:spPr>
+        <p:style>
+          <a:lnRef idx="1">
+            <a:schemeClr val="accent1"/>
+          </a:lnRef>
+          <a:fillRef idx="0">
+            <a:schemeClr val="accent1"/>
+          </a:fillRef>
+          <a:effectRef idx="0">
+            <a:schemeClr val="accent1"/>
+          </a:effectRef>
+          <a:fontRef idx="minor">
+            <a:schemeClr val="tx1"/>
+          </a:fontRef>
+        </p:style>
+      </p:cxnSp>
+      <p:sp>
+        <p:nvSpPr>
+          <p:cNvPr id="18" name="Textfeld 17">
+            <a:extLst>
+              <a:ext uri="{FF2B5EF4-FFF2-40B4-BE49-F238E27FC236}">
+                <a16:creationId xmlns:a16="http://schemas.microsoft.com/office/drawing/2014/main" id="{3B14DF6D-418C-7109-C5E2-CA6210566E71}"/>
+              </a:ext>
+            </a:extLst>
+          </p:cNvPr>
+          <p:cNvSpPr txBox="1"/>
+          <p:nvPr/>
+        </p:nvSpPr>
+        <p:spPr>
+          <a:xfrm>
+            <a:off x="570535" y="3499681"/>
+            <a:ext cx="1259768" cy="369332"/>
+          </a:xfrm>
+          <a:prstGeom prst="rect">
+            <a:avLst/>
+          </a:prstGeom>
+          <a:noFill/>
+        </p:spPr>
+        <p:txBody>
+          <a:bodyPr wrap="none" rtlCol="0">
+            <a:spAutoFit/>
+          </a:bodyPr>
+          <a:lstStyle/>
+          <a:p>
+            <a:pPr marL="0" marR="0" lvl="0" indent="0" algn="l" defTabSz="914400" rtl="0" eaLnBrk="1" fontAlgn="auto" latinLnBrk="0" hangingPunct="1">
+              <a:lnSpc>
+                <a:spcPct val="100000"/>
+              </a:lnSpc>
+              <a:spcBef>
+                <a:spcPts val="0"/>
+              </a:spcBef>
+              <a:spcAft>
+                <a:spcPts val="0"/>
+              </a:spcAft>
+              <a:buClrTx/>
+              <a:buSzTx/>
+              <a:buFontTx/>
+              <a:buNone/>
+              <a:tabLst/>
+              <a:defRPr/>
+            </a:pPr>
+            <a:r>
+              <a:rPr kumimoji="0" lang="de-DE" sz="1800" b="0" i="0" u="none" strike="noStrike" kern="1200" cap="none" spc="0" normalizeH="0" baseline="0" noProof="0" dirty="0">
+                <a:ln>
+                  <a:noFill/>
+                </a:ln>
+                <a:solidFill>
+                  <a:prstClr val="black"/>
+                </a:solidFill>
+                <a:effectLst/>
+                <a:uLnTx/>
+                <a:uFillTx/>
+                <a:latin typeface="Calibri" panose="020F0502020204030204"/>
+                <a:ea typeface="+mn-ea"/>
+                <a:cs typeface="+mn-cs"/>
+              </a:rPr>
+              <a:t>Mitarbeiter</a:t>
+            </a:r>
+          </a:p>
+        </p:txBody>
+      </p:sp>
+      <p:sp>
+        <p:nvSpPr>
+          <p:cNvPr id="19" name="Textfeld 18">
+            <a:extLst>
+              <a:ext uri="{FF2B5EF4-FFF2-40B4-BE49-F238E27FC236}">
+                <a16:creationId xmlns:a16="http://schemas.microsoft.com/office/drawing/2014/main" id="{53DB57F7-2C7E-D4B4-05FB-9E53B3022142}"/>
+              </a:ext>
+            </a:extLst>
+          </p:cNvPr>
+          <p:cNvSpPr txBox="1"/>
+          <p:nvPr/>
+        </p:nvSpPr>
+        <p:spPr>
+          <a:xfrm>
+            <a:off x="10729352" y="3527614"/>
+            <a:ext cx="785664" cy="369332"/>
+          </a:xfrm>
+          <a:prstGeom prst="rect">
+            <a:avLst/>
+          </a:prstGeom>
+          <a:noFill/>
+        </p:spPr>
+        <p:txBody>
+          <a:bodyPr wrap="none" rtlCol="0">
+            <a:spAutoFit/>
+          </a:bodyPr>
+          <a:lstStyle/>
+          <a:p>
+            <a:pPr marL="0" marR="0" lvl="0" indent="0" algn="l" defTabSz="914400" rtl="0" eaLnBrk="1" fontAlgn="auto" latinLnBrk="0" hangingPunct="1">
+              <a:lnSpc>
+                <a:spcPct val="100000"/>
+              </a:lnSpc>
+              <a:spcBef>
+                <a:spcPts val="0"/>
+              </a:spcBef>
+              <a:spcAft>
+                <a:spcPts val="0"/>
+              </a:spcAft>
+              <a:buClrTx/>
+              <a:buSzTx/>
+              <a:buFontTx/>
+              <a:buNone/>
+              <a:tabLst/>
+              <a:defRPr/>
+            </a:pPr>
+            <a:r>
+              <a:rPr kumimoji="0" lang="de-DE" sz="1800" b="0" i="0" u="none" strike="noStrike" kern="1200" cap="none" spc="0" normalizeH="0" baseline="0" noProof="0" dirty="0">
+                <a:ln>
+                  <a:noFill/>
+                </a:ln>
+                <a:solidFill>
+                  <a:prstClr val="black"/>
+                </a:solidFill>
+                <a:effectLst/>
+                <a:uLnTx/>
+                <a:uFillTx/>
+                <a:latin typeface="Calibri" panose="020F0502020204030204"/>
+                <a:ea typeface="+mn-ea"/>
+                <a:cs typeface="+mn-cs"/>
+              </a:rPr>
+              <a:t>Server</a:t>
+            </a:r>
+          </a:p>
+        </p:txBody>
+      </p:sp>
+      <p:sp>
+        <p:nvSpPr>
+          <p:cNvPr id="4" name="Ellipse 3">
+            <a:extLst>
+              <a:ext uri="{FF2B5EF4-FFF2-40B4-BE49-F238E27FC236}">
+                <a16:creationId xmlns:a16="http://schemas.microsoft.com/office/drawing/2014/main" id="{6F466D6E-1B23-D87B-97DF-ECF8898ECC40}"/>
+              </a:ext>
+            </a:extLst>
+          </p:cNvPr>
+          <p:cNvSpPr/>
+          <p:nvPr/>
+        </p:nvSpPr>
+        <p:spPr>
+          <a:xfrm>
+            <a:off x="5467464" y="2665602"/>
+            <a:ext cx="3014941" cy="763398"/>
+          </a:xfrm>
+          <a:prstGeom prst="ellipse">
+            <a:avLst/>
+          </a:prstGeom>
+          <a:noFill/>
+          <a:ln>
+            <a:solidFill>
+              <a:schemeClr val="tx1"/>
+            </a:solidFill>
+          </a:ln>
+        </p:spPr>
+        <p:style>
+          <a:lnRef idx="2">
+            <a:schemeClr val="accent1">
+              <a:shade val="50000"/>
+            </a:schemeClr>
+          </a:lnRef>
+          <a:fillRef idx="1">
+            <a:schemeClr val="accent1"/>
+          </a:fillRef>
+          <a:effectRef idx="0">
+            <a:schemeClr val="accent1"/>
+          </a:effectRef>
+          <a:fontRef idx="minor">
+            <a:schemeClr val="lt1"/>
+          </a:fontRef>
+        </p:style>
+        <p:txBody>
+          <a:bodyPr rtlCol="0" anchor="ctr"/>
+          <a:lstStyle/>
+          <a:p>
+            <a:pPr marL="0" marR="0" lvl="0" indent="0" algn="ctr" defTabSz="914400" rtl="0" eaLnBrk="1" fontAlgn="auto" latinLnBrk="0" hangingPunct="1">
+              <a:lnSpc>
+                <a:spcPct val="100000"/>
+              </a:lnSpc>
+              <a:spcBef>
+                <a:spcPts val="0"/>
+              </a:spcBef>
+              <a:spcAft>
+                <a:spcPts val="0"/>
+              </a:spcAft>
+              <a:buClrTx/>
+              <a:buSzTx/>
+              <a:buFontTx/>
+              <a:buNone/>
+              <a:tabLst/>
+              <a:defRPr/>
+            </a:pPr>
+            <a:r>
+              <a:rPr kumimoji="0" lang="de-DE" sz="1800" b="0" i="0" u="none" strike="noStrike" kern="1200" cap="none" spc="0" normalizeH="0" baseline="0" noProof="0" dirty="0">
+                <a:ln>
+                  <a:noFill/>
+                </a:ln>
+                <a:solidFill>
+                  <a:prstClr val="black"/>
+                </a:solidFill>
+                <a:effectLst/>
+                <a:uLnTx/>
+                <a:uFillTx/>
+                <a:latin typeface="Calibri" panose="020F0502020204030204"/>
+                <a:ea typeface="+mn-ea"/>
+                <a:cs typeface="+mn-cs"/>
+              </a:rPr>
+              <a:t>Daten lesen/ändern</a:t>
+            </a:r>
+          </a:p>
+        </p:txBody>
+      </p:sp>
+      <p:cxnSp>
+        <p:nvCxnSpPr>
+          <p:cNvPr id="13" name="Gerade Verbindung mit Pfeil 12">
+            <a:extLst>
+              <a:ext uri="{FF2B5EF4-FFF2-40B4-BE49-F238E27FC236}">
+                <a16:creationId xmlns:a16="http://schemas.microsoft.com/office/drawing/2014/main" id="{400199D9-1360-E2FE-5D52-741183CE6A11}"/>
+              </a:ext>
+            </a:extLst>
+          </p:cNvPr>
+          <p:cNvCxnSpPr>
+            <a:cxnSpLocks/>
+            <a:stCxn id="4" idx="2"/>
+            <a:endCxn id="10" idx="6"/>
+          </p:cNvCxnSpPr>
+          <p:nvPr/>
+        </p:nvCxnSpPr>
+        <p:spPr>
+          <a:xfrm flipH="1">
+            <a:off x="4854103" y="3047301"/>
+            <a:ext cx="613361" cy="0"/>
+          </a:xfrm>
+          <a:prstGeom prst="straightConnector1">
+            <a:avLst/>
+          </a:prstGeom>
+          <a:ln w="19050">
+            <a:solidFill>
+              <a:schemeClr val="tx1"/>
+            </a:solidFill>
+            <a:headEnd type="arrow"/>
+            <a:tailEnd type="none"/>
+          </a:ln>
+        </p:spPr>
+        <p:style>
+          <a:lnRef idx="1">
+            <a:schemeClr val="accent1"/>
+          </a:lnRef>
+          <a:fillRef idx="0">
+            <a:schemeClr val="accent1"/>
+          </a:fillRef>
+          <a:effectRef idx="0">
+            <a:schemeClr val="accent1"/>
+          </a:effectRef>
+          <a:fontRef idx="minor">
+            <a:schemeClr val="tx1"/>
+          </a:fontRef>
+        </p:style>
+      </p:cxnSp>
+      <p:cxnSp>
+        <p:nvCxnSpPr>
+          <p:cNvPr id="25" name="Gerade Verbindung mit Pfeil 24">
+            <a:extLst>
+              <a:ext uri="{FF2B5EF4-FFF2-40B4-BE49-F238E27FC236}">
+                <a16:creationId xmlns:a16="http://schemas.microsoft.com/office/drawing/2014/main" id="{73533BB9-D8EF-F288-BF9D-E43958D36178}"/>
+              </a:ext>
+            </a:extLst>
+          </p:cNvPr>
+          <p:cNvCxnSpPr>
+            <a:cxnSpLocks/>
+            <a:stCxn id="5" idx="1"/>
+            <a:endCxn id="4" idx="6"/>
+          </p:cNvCxnSpPr>
+          <p:nvPr/>
+        </p:nvCxnSpPr>
+        <p:spPr>
+          <a:xfrm flipH="1" flipV="1">
+            <a:off x="8482405" y="3047301"/>
+            <a:ext cx="2182579" cy="23446"/>
+          </a:xfrm>
+          <a:prstGeom prst="straightConnector1">
+            <a:avLst/>
+          </a:prstGeom>
+          <a:ln w="19050">
+            <a:solidFill>
+              <a:schemeClr val="tx1"/>
+            </a:solidFill>
+            <a:headEnd type="arrow"/>
+            <a:tailEnd type="none"/>
+          </a:ln>
+        </p:spPr>
+        <p:style>
+          <a:lnRef idx="1">
+            <a:schemeClr val="accent1"/>
+          </a:lnRef>
+          <a:fillRef idx="0">
+            <a:schemeClr val="accent1"/>
+          </a:fillRef>
+          <a:effectRef idx="0">
+            <a:schemeClr val="accent1"/>
+          </a:effectRef>
+          <a:fontRef idx="minor">
+            <a:schemeClr val="tx1"/>
+          </a:fontRef>
+        </p:style>
+      </p:cxnSp>
+      <p:sp>
+        <p:nvSpPr>
+          <p:cNvPr id="11" name="Textfeld 10">
+            <a:extLst>
+              <a:ext uri="{FF2B5EF4-FFF2-40B4-BE49-F238E27FC236}">
+                <a16:creationId xmlns:a16="http://schemas.microsoft.com/office/drawing/2014/main" id="{4A7343E3-ACDB-2510-739D-913C03958C28}"/>
+              </a:ext>
+            </a:extLst>
+          </p:cNvPr>
+          <p:cNvSpPr txBox="1"/>
+          <p:nvPr/>
+        </p:nvSpPr>
+        <p:spPr>
+          <a:xfrm>
+            <a:off x="5565157" y="143953"/>
+            <a:ext cx="1047082" cy="369332"/>
+          </a:xfrm>
+          <a:prstGeom prst="rect">
+            <a:avLst/>
+          </a:prstGeom>
+          <a:noFill/>
+        </p:spPr>
+        <p:txBody>
+          <a:bodyPr wrap="none" rtlCol="0">
+            <a:spAutoFit/>
+          </a:bodyPr>
+          <a:lstStyle/>
+          <a:p>
+            <a:pPr marL="0" marR="0" lvl="0" indent="0" algn="ctr" defTabSz="914400" rtl="0" eaLnBrk="1" fontAlgn="auto" latinLnBrk="0" hangingPunct="1">
+              <a:lnSpc>
+                <a:spcPct val="100000"/>
+              </a:lnSpc>
+              <a:spcBef>
+                <a:spcPts val="0"/>
+              </a:spcBef>
+              <a:spcAft>
+                <a:spcPts val="0"/>
+              </a:spcAft>
+              <a:buClrTx/>
+              <a:buSzTx/>
+              <a:buFontTx/>
+              <a:buNone/>
+              <a:tabLst/>
+              <a:defRPr/>
+            </a:pPr>
+            <a:r>
+              <a:rPr kumimoji="0" lang="de-DE" sz="1800" b="0" i="0" u="none" strike="noStrike" kern="1200" cap="none" spc="0" normalizeH="0" baseline="0" noProof="0" dirty="0">
+                <a:ln>
+                  <a:noFill/>
+                </a:ln>
+                <a:solidFill>
+                  <a:prstClr val="black"/>
+                </a:solidFill>
+                <a:effectLst/>
+                <a:uLnTx/>
+                <a:uFillTx/>
+                <a:latin typeface="Calibri" panose="020F0502020204030204"/>
+                <a:ea typeface="+mn-ea"/>
+                <a:cs typeface="+mn-cs"/>
+              </a:rPr>
+              <a:t>UC CRUD</a:t>
+            </a:r>
+          </a:p>
+        </p:txBody>
+      </p:sp>
+    </p:spTree>
+    <p:extLst>
+      <p:ext uri="{BB962C8B-B14F-4D97-AF65-F5344CB8AC3E}">
+        <p14:creationId xmlns:p14="http://schemas.microsoft.com/office/powerpoint/2010/main" val="2637759260"/>
+      </p:ext>
+    </p:extLst>
+  </p:cSld>
+  <p:clrMapOvr>
+    <a:masterClrMapping/>
+  </p:clrMapOvr>
+</p:sld>
+</file>
+
 <file path=ppt/slides/slide2.xml><?xml version="1.0" encoding="utf-8"?>
 <p:sld xmlns:a="http://schemas.openxmlformats.org/drawingml/2006/main" xmlns:r="http://schemas.openxmlformats.org/officeDocument/2006/relationships" xmlns:p="http://schemas.openxmlformats.org/presentationml/2006/main">
   <p:cSld>
@@ -4866,16 +10048,12 @@
           <a:lstStyle/>
           <a:p>
             <a:r>
+              <a:rPr lang="de-DE"/>
+              <a:t>UC Info</a:t>
+            </a:r>
+            <a:r>
               <a:rPr lang="de-DE" dirty="0"/>
-              <a:t>Use </a:t>
-            </a:r>
-            <a:r>
-              <a:rPr lang="de-DE" dirty="0" err="1"/>
-              <a:t>case</a:t>
-            </a:r>
-            <a:r>
-              <a:rPr lang="de-DE" dirty="0"/>
-              <a:t> Info: Info über Shop</a:t>
+              <a:t>: Info über Shop</a:t>
             </a:r>
           </a:p>
           <a:p>
@@ -4908,12 +10086,8 @@
               <a:t>Checkout</a:t>
             </a:r>
             <a:r>
-              <a:rPr lang="de-DE"/>
-              <a:t>/Storno, </a:t>
-            </a:r>
-            <a:r>
               <a:rPr lang="de-DE" dirty="0"/>
-              <a:t>Statistik </a:t>
+              <a:t>/Storno, Statistik </a:t>
             </a:r>
           </a:p>
         </p:txBody>
@@ -4922,6 +10096,1383 @@
     <p:extLst>
       <p:ext uri="{BB962C8B-B14F-4D97-AF65-F5344CB8AC3E}">
         <p14:creationId xmlns:p14="http://schemas.microsoft.com/office/powerpoint/2010/main" val="222070223"/>
+      </p:ext>
+    </p:extLst>
+  </p:cSld>
+  <p:clrMapOvr>
+    <a:masterClrMapping/>
+  </p:clrMapOvr>
+</p:sld>
+</file>
+
+<file path=ppt/slides/slide9.xml><?xml version="1.0" encoding="utf-8"?>
+<p:sld xmlns:a="http://schemas.openxmlformats.org/drawingml/2006/main" xmlns:r="http://schemas.openxmlformats.org/officeDocument/2006/relationships" xmlns:p="http://schemas.openxmlformats.org/presentationml/2006/main">
+  <p:cSld>
+    <p:spTree>
+      <p:nvGrpSpPr>
+        <p:cNvPr id="1" name=""/>
+        <p:cNvGrpSpPr/>
+        <p:nvPr/>
+      </p:nvGrpSpPr>
+      <p:grpSpPr>
+        <a:xfrm>
+          <a:off x="0" y="0"/>
+          <a:ext cx="0" cy="0"/>
+          <a:chOff x="0" y="0"/>
+          <a:chExt cx="0" cy="0"/>
+        </a:xfrm>
+      </p:grpSpPr>
+      <p:pic>
+        <p:nvPicPr>
+          <p:cNvPr id="5" name="Grafik 4" descr="Datenbank mit einfarbiger Füllung">
+            <a:extLst>
+              <a:ext uri="{FF2B5EF4-FFF2-40B4-BE49-F238E27FC236}">
+                <a16:creationId xmlns:a16="http://schemas.microsoft.com/office/drawing/2014/main" id="{5C7DEEC2-A5EB-0897-2F52-9659B37AA883}"/>
+              </a:ext>
+            </a:extLst>
+          </p:cNvPr>
+          <p:cNvPicPr>
+            <a:picLocks noChangeAspect="1"/>
+          </p:cNvPicPr>
+          <p:nvPr/>
+        </p:nvPicPr>
+        <p:blipFill>
+          <a:blip r:embed="rId2">
+            <a:extLst>
+              <a:ext uri="{28A0092B-C50C-407E-A947-70E740481C1C}">
+                <a14:useLocalDpi xmlns:a14="http://schemas.microsoft.com/office/drawing/2010/main" val="0"/>
+              </a:ext>
+              <a:ext uri="{96DAC541-7B7A-43D3-8B79-37D633B846F1}">
+                <asvg:svgBlip xmlns:asvg="http://schemas.microsoft.com/office/drawing/2016/SVG/main" r:embed="rId3"/>
+              </a:ext>
+            </a:extLst>
+          </a:blip>
+          <a:stretch>
+            <a:fillRect/>
+          </a:stretch>
+        </p:blipFill>
+        <p:spPr>
+          <a:xfrm>
+            <a:off x="9633774" y="2585281"/>
+            <a:ext cx="914400" cy="914400"/>
+          </a:xfrm>
+          <a:prstGeom prst="rect">
+            <a:avLst/>
+          </a:prstGeom>
+        </p:spPr>
+      </p:pic>
+      <p:pic>
+        <p:nvPicPr>
+          <p:cNvPr id="7" name="Grafik 6" descr="Mann mit einfarbiger Füllung">
+            <a:extLst>
+              <a:ext uri="{FF2B5EF4-FFF2-40B4-BE49-F238E27FC236}">
+                <a16:creationId xmlns:a16="http://schemas.microsoft.com/office/drawing/2014/main" id="{82EFA9ED-08A5-B254-DF60-1634EC9AC2B0}"/>
+              </a:ext>
+            </a:extLst>
+          </p:cNvPr>
+          <p:cNvPicPr>
+            <a:picLocks noChangeAspect="1"/>
+          </p:cNvPicPr>
+          <p:nvPr/>
+        </p:nvPicPr>
+        <p:blipFill>
+          <a:blip r:embed="rId4">
+            <a:extLst>
+              <a:ext uri="{28A0092B-C50C-407E-A947-70E740481C1C}">
+                <a14:useLocalDpi xmlns:a14="http://schemas.microsoft.com/office/drawing/2010/main" val="0"/>
+              </a:ext>
+              <a:ext uri="{96DAC541-7B7A-43D3-8B79-37D633B846F1}">
+                <asvg:svgBlip xmlns:asvg="http://schemas.microsoft.com/office/drawing/2016/SVG/main" r:embed="rId5"/>
+              </a:ext>
+            </a:extLst>
+          </a:blip>
+          <a:stretch>
+            <a:fillRect/>
+          </a:stretch>
+        </p:blipFill>
+        <p:spPr>
+          <a:xfrm>
+            <a:off x="704021" y="2585281"/>
+            <a:ext cx="914400" cy="914400"/>
+          </a:xfrm>
+          <a:prstGeom prst="rect">
+            <a:avLst/>
+          </a:prstGeom>
+        </p:spPr>
+      </p:pic>
+      <p:sp>
+        <p:nvSpPr>
+          <p:cNvPr id="8" name="Rechteck 7">
+            <a:extLst>
+              <a:ext uri="{FF2B5EF4-FFF2-40B4-BE49-F238E27FC236}">
+                <a16:creationId xmlns:a16="http://schemas.microsoft.com/office/drawing/2014/main" id="{9697B41B-1160-E1C0-1858-588DA51ABE63}"/>
+              </a:ext>
+            </a:extLst>
+          </p:cNvPr>
+          <p:cNvSpPr/>
+          <p:nvPr/>
+        </p:nvSpPr>
+        <p:spPr>
+          <a:xfrm>
+            <a:off x="2042184" y="595975"/>
+            <a:ext cx="7420598" cy="5678365"/>
+          </a:xfrm>
+          <a:prstGeom prst="rect">
+            <a:avLst/>
+          </a:prstGeom>
+          <a:noFill/>
+          <a:ln>
+            <a:solidFill>
+              <a:schemeClr val="tx1"/>
+            </a:solidFill>
+          </a:ln>
+        </p:spPr>
+        <p:style>
+          <a:lnRef idx="2">
+            <a:schemeClr val="accent1">
+              <a:shade val="50000"/>
+            </a:schemeClr>
+          </a:lnRef>
+          <a:fillRef idx="1">
+            <a:schemeClr val="accent1"/>
+          </a:fillRef>
+          <a:effectRef idx="0">
+            <a:schemeClr val="accent1"/>
+          </a:effectRef>
+          <a:fontRef idx="minor">
+            <a:schemeClr val="lt1"/>
+          </a:fontRef>
+        </p:style>
+        <p:txBody>
+          <a:bodyPr rtlCol="0" anchor="ctr"/>
+          <a:lstStyle/>
+          <a:p>
+            <a:pPr marL="0" marR="0" lvl="0" indent="0" algn="ctr" defTabSz="914400" rtl="0" eaLnBrk="1" fontAlgn="auto" latinLnBrk="0" hangingPunct="1">
+              <a:lnSpc>
+                <a:spcPct val="100000"/>
+              </a:lnSpc>
+              <a:spcBef>
+                <a:spcPts val="0"/>
+              </a:spcBef>
+              <a:spcAft>
+                <a:spcPts val="0"/>
+              </a:spcAft>
+              <a:buClrTx/>
+              <a:buSzTx/>
+              <a:buFontTx/>
+              <a:buNone/>
+              <a:tabLst/>
+              <a:defRPr/>
+            </a:pPr>
+            <a:endParaRPr kumimoji="0" lang="de-DE" sz="1800" b="0" i="0" u="none" strike="noStrike" kern="1200" cap="none" spc="0" normalizeH="0" baseline="0" noProof="0">
+              <a:ln>
+                <a:noFill/>
+              </a:ln>
+              <a:solidFill>
+                <a:prstClr val="white"/>
+              </a:solidFill>
+              <a:effectLst/>
+              <a:uLnTx/>
+              <a:uFillTx/>
+              <a:latin typeface="Calibri" panose="020F0502020204030204"/>
+              <a:ea typeface="+mn-ea"/>
+              <a:cs typeface="+mn-cs"/>
+            </a:endParaRPr>
+          </a:p>
+        </p:txBody>
+      </p:sp>
+      <p:sp>
+        <p:nvSpPr>
+          <p:cNvPr id="9" name="Textfeld 8">
+            <a:extLst>
+              <a:ext uri="{FF2B5EF4-FFF2-40B4-BE49-F238E27FC236}">
+                <a16:creationId xmlns:a16="http://schemas.microsoft.com/office/drawing/2014/main" id="{9C7CDC1F-A857-23E5-C8EE-4476E563F945}"/>
+              </a:ext>
+            </a:extLst>
+          </p:cNvPr>
+          <p:cNvSpPr txBox="1"/>
+          <p:nvPr/>
+        </p:nvSpPr>
+        <p:spPr>
+          <a:xfrm>
+            <a:off x="4848094" y="698044"/>
+            <a:ext cx="1247906" cy="369332"/>
+          </a:xfrm>
+          <a:prstGeom prst="rect">
+            <a:avLst/>
+          </a:prstGeom>
+          <a:noFill/>
+        </p:spPr>
+        <p:txBody>
+          <a:bodyPr wrap="none" rtlCol="0">
+            <a:spAutoFit/>
+          </a:bodyPr>
+          <a:lstStyle/>
+          <a:p>
+            <a:pPr marL="0" marR="0" lvl="0" indent="0" algn="l" defTabSz="914400" rtl="0" eaLnBrk="1" fontAlgn="auto" latinLnBrk="0" hangingPunct="1">
+              <a:lnSpc>
+                <a:spcPct val="100000"/>
+              </a:lnSpc>
+              <a:spcBef>
+                <a:spcPts val="0"/>
+              </a:spcBef>
+              <a:spcAft>
+                <a:spcPts val="0"/>
+              </a:spcAft>
+              <a:buClrTx/>
+              <a:buSzTx/>
+              <a:buFontTx/>
+              <a:buNone/>
+              <a:tabLst/>
+              <a:defRPr/>
+            </a:pPr>
+            <a:r>
+              <a:rPr kumimoji="0" lang="de-DE" sz="1800" b="0" i="0" u="none" strike="noStrike" kern="1200" cap="none" spc="0" normalizeH="0" baseline="0" noProof="0" dirty="0">
+                <a:ln>
+                  <a:noFill/>
+                </a:ln>
+                <a:solidFill>
+                  <a:prstClr val="black"/>
+                </a:solidFill>
+                <a:effectLst/>
+                <a:uLnTx/>
+                <a:uFillTx/>
+                <a:latin typeface="Calibri" panose="020F0502020204030204"/>
+                <a:ea typeface="+mn-ea"/>
+                <a:cs typeface="+mn-cs"/>
+              </a:rPr>
+              <a:t>Funktionen</a:t>
+            </a:r>
+          </a:p>
+        </p:txBody>
+      </p:sp>
+      <p:sp>
+        <p:nvSpPr>
+          <p:cNvPr id="10" name="Ellipse 9">
+            <a:extLst>
+              <a:ext uri="{FF2B5EF4-FFF2-40B4-BE49-F238E27FC236}">
+                <a16:creationId xmlns:a16="http://schemas.microsoft.com/office/drawing/2014/main" id="{642628AC-BD8A-49BE-5337-9AF09689E778}"/>
+              </a:ext>
+            </a:extLst>
+          </p:cNvPr>
+          <p:cNvSpPr/>
+          <p:nvPr/>
+        </p:nvSpPr>
+        <p:spPr>
+          <a:xfrm>
+            <a:off x="4579693" y="1413615"/>
+            <a:ext cx="2078952" cy="763398"/>
+          </a:xfrm>
+          <a:prstGeom prst="ellipse">
+            <a:avLst/>
+          </a:prstGeom>
+          <a:noFill/>
+          <a:ln>
+            <a:solidFill>
+              <a:schemeClr val="tx1"/>
+            </a:solidFill>
+          </a:ln>
+        </p:spPr>
+        <p:style>
+          <a:lnRef idx="2">
+            <a:schemeClr val="accent1">
+              <a:shade val="50000"/>
+            </a:schemeClr>
+          </a:lnRef>
+          <a:fillRef idx="1">
+            <a:schemeClr val="accent1"/>
+          </a:fillRef>
+          <a:effectRef idx="0">
+            <a:schemeClr val="accent1"/>
+          </a:effectRef>
+          <a:fontRef idx="minor">
+            <a:schemeClr val="lt1"/>
+          </a:fontRef>
+        </p:style>
+        <p:txBody>
+          <a:bodyPr rtlCol="0" anchor="ctr"/>
+          <a:lstStyle/>
+          <a:p>
+            <a:pPr marL="0" marR="0" lvl="0" indent="0" algn="ctr" defTabSz="914400" rtl="0" eaLnBrk="1" fontAlgn="auto" latinLnBrk="0" hangingPunct="1">
+              <a:lnSpc>
+                <a:spcPct val="100000"/>
+              </a:lnSpc>
+              <a:spcBef>
+                <a:spcPts val="0"/>
+              </a:spcBef>
+              <a:spcAft>
+                <a:spcPts val="0"/>
+              </a:spcAft>
+              <a:buClrTx/>
+              <a:buSzTx/>
+              <a:buFontTx/>
+              <a:buNone/>
+              <a:tabLst/>
+              <a:defRPr/>
+            </a:pPr>
+            <a:r>
+              <a:rPr kumimoji="0" lang="de-DE" sz="1800" b="0" i="0" u="none" strike="noStrike" kern="1200" cap="none" spc="0" normalizeH="0" baseline="0" noProof="0" dirty="0">
+                <a:ln>
+                  <a:noFill/>
+                </a:ln>
+                <a:solidFill>
+                  <a:prstClr val="black"/>
+                </a:solidFill>
+                <a:effectLst/>
+                <a:uLnTx/>
+                <a:uFillTx/>
+                <a:latin typeface="Calibri" panose="020F0502020204030204"/>
+                <a:ea typeface="+mn-ea"/>
+                <a:cs typeface="+mn-cs"/>
+              </a:rPr>
+              <a:t>Check Out</a:t>
+            </a:r>
+          </a:p>
+        </p:txBody>
+      </p:sp>
+      <p:sp>
+        <p:nvSpPr>
+          <p:cNvPr id="12" name="Ellipse 11">
+            <a:extLst>
+              <a:ext uri="{FF2B5EF4-FFF2-40B4-BE49-F238E27FC236}">
+                <a16:creationId xmlns:a16="http://schemas.microsoft.com/office/drawing/2014/main" id="{8A727FC0-DF81-DE0B-2DAF-CCE868CDEDF5}"/>
+              </a:ext>
+            </a:extLst>
+          </p:cNvPr>
+          <p:cNvSpPr/>
+          <p:nvPr/>
+        </p:nvSpPr>
+        <p:spPr>
+          <a:xfrm>
+            <a:off x="4579693" y="2279083"/>
+            <a:ext cx="2078952" cy="763398"/>
+          </a:xfrm>
+          <a:prstGeom prst="ellipse">
+            <a:avLst/>
+          </a:prstGeom>
+          <a:noFill/>
+          <a:ln>
+            <a:solidFill>
+              <a:schemeClr val="tx1"/>
+            </a:solidFill>
+          </a:ln>
+        </p:spPr>
+        <p:style>
+          <a:lnRef idx="2">
+            <a:schemeClr val="accent1">
+              <a:shade val="50000"/>
+            </a:schemeClr>
+          </a:lnRef>
+          <a:fillRef idx="1">
+            <a:schemeClr val="accent1"/>
+          </a:fillRef>
+          <a:effectRef idx="0">
+            <a:schemeClr val="accent1"/>
+          </a:effectRef>
+          <a:fontRef idx="minor">
+            <a:schemeClr val="lt1"/>
+          </a:fontRef>
+        </p:style>
+        <p:txBody>
+          <a:bodyPr rtlCol="0" anchor="ctr"/>
+          <a:lstStyle/>
+          <a:p>
+            <a:pPr marL="0" marR="0" lvl="0" indent="0" algn="ctr" defTabSz="914400" rtl="0" eaLnBrk="1" fontAlgn="auto" latinLnBrk="0" hangingPunct="1">
+              <a:lnSpc>
+                <a:spcPct val="100000"/>
+              </a:lnSpc>
+              <a:spcBef>
+                <a:spcPts val="0"/>
+              </a:spcBef>
+              <a:spcAft>
+                <a:spcPts val="0"/>
+              </a:spcAft>
+              <a:buClrTx/>
+              <a:buSzTx/>
+              <a:buFontTx/>
+              <a:buNone/>
+              <a:tabLst/>
+              <a:defRPr/>
+            </a:pPr>
+            <a:r>
+              <a:rPr kumimoji="0" lang="de-DE" sz="1800" b="0" i="0" u="none" strike="noStrike" kern="1200" cap="none" spc="0" normalizeH="0" baseline="0" noProof="0" dirty="0">
+                <a:ln>
+                  <a:noFill/>
+                </a:ln>
+                <a:solidFill>
+                  <a:prstClr val="black"/>
+                </a:solidFill>
+                <a:effectLst/>
+                <a:uLnTx/>
+                <a:uFillTx/>
+                <a:latin typeface="Calibri" panose="020F0502020204030204"/>
+                <a:ea typeface="+mn-ea"/>
+                <a:cs typeface="+mn-cs"/>
+              </a:rPr>
+              <a:t>Storno</a:t>
+            </a:r>
+          </a:p>
+        </p:txBody>
+      </p:sp>
+      <p:cxnSp>
+        <p:nvCxnSpPr>
+          <p:cNvPr id="14" name="Gerade Verbindung mit Pfeil 13">
+            <a:extLst>
+              <a:ext uri="{FF2B5EF4-FFF2-40B4-BE49-F238E27FC236}">
+                <a16:creationId xmlns:a16="http://schemas.microsoft.com/office/drawing/2014/main" id="{B6D4557C-7700-CE66-3A56-998F41C61E7D}"/>
+              </a:ext>
+            </a:extLst>
+          </p:cNvPr>
+          <p:cNvCxnSpPr>
+            <a:stCxn id="7" idx="3"/>
+            <a:endCxn id="10" idx="2"/>
+          </p:cNvCxnSpPr>
+          <p:nvPr/>
+        </p:nvCxnSpPr>
+        <p:spPr>
+          <a:xfrm flipV="1">
+            <a:off x="1618421" y="1795314"/>
+            <a:ext cx="2961272" cy="1247167"/>
+          </a:xfrm>
+          <a:prstGeom prst="straightConnector1">
+            <a:avLst/>
+          </a:prstGeom>
+          <a:ln w="19050">
+            <a:solidFill>
+              <a:schemeClr val="tx1"/>
+            </a:solidFill>
+            <a:headEnd type="arrow"/>
+            <a:tailEnd type="arrow"/>
+          </a:ln>
+        </p:spPr>
+        <p:style>
+          <a:lnRef idx="1">
+            <a:schemeClr val="accent1"/>
+          </a:lnRef>
+          <a:fillRef idx="0">
+            <a:schemeClr val="accent1"/>
+          </a:fillRef>
+          <a:effectRef idx="0">
+            <a:schemeClr val="accent1"/>
+          </a:effectRef>
+          <a:fontRef idx="minor">
+            <a:schemeClr val="tx1"/>
+          </a:fontRef>
+        </p:style>
+      </p:cxnSp>
+      <p:cxnSp>
+        <p:nvCxnSpPr>
+          <p:cNvPr id="15" name="Gerade Verbindung mit Pfeil 14">
+            <a:extLst>
+              <a:ext uri="{FF2B5EF4-FFF2-40B4-BE49-F238E27FC236}">
+                <a16:creationId xmlns:a16="http://schemas.microsoft.com/office/drawing/2014/main" id="{153DE89D-D358-80A9-3C8E-F034D1A69B47}"/>
+              </a:ext>
+            </a:extLst>
+          </p:cNvPr>
+          <p:cNvCxnSpPr>
+            <a:cxnSpLocks/>
+            <a:stCxn id="7" idx="3"/>
+            <a:endCxn id="12" idx="2"/>
+          </p:cNvCxnSpPr>
+          <p:nvPr/>
+        </p:nvCxnSpPr>
+        <p:spPr>
+          <a:xfrm flipV="1">
+            <a:off x="1618421" y="2660782"/>
+            <a:ext cx="2961272" cy="381699"/>
+          </a:xfrm>
+          <a:prstGeom prst="straightConnector1">
+            <a:avLst/>
+          </a:prstGeom>
+          <a:ln w="19050">
+            <a:solidFill>
+              <a:schemeClr val="tx1"/>
+            </a:solidFill>
+            <a:headEnd type="arrow"/>
+            <a:tailEnd type="arrow"/>
+          </a:ln>
+        </p:spPr>
+        <p:style>
+          <a:lnRef idx="1">
+            <a:schemeClr val="accent1"/>
+          </a:lnRef>
+          <a:fillRef idx="0">
+            <a:schemeClr val="accent1"/>
+          </a:fillRef>
+          <a:effectRef idx="0">
+            <a:schemeClr val="accent1"/>
+          </a:effectRef>
+          <a:fontRef idx="minor">
+            <a:schemeClr val="tx1"/>
+          </a:fontRef>
+        </p:style>
+      </p:cxnSp>
+      <p:sp>
+        <p:nvSpPr>
+          <p:cNvPr id="18" name="Textfeld 17">
+            <a:extLst>
+              <a:ext uri="{FF2B5EF4-FFF2-40B4-BE49-F238E27FC236}">
+                <a16:creationId xmlns:a16="http://schemas.microsoft.com/office/drawing/2014/main" id="{3B14DF6D-418C-7109-C5E2-CA6210566E71}"/>
+              </a:ext>
+            </a:extLst>
+          </p:cNvPr>
+          <p:cNvSpPr txBox="1"/>
+          <p:nvPr/>
+        </p:nvSpPr>
+        <p:spPr>
+          <a:xfrm>
+            <a:off x="770165" y="3499348"/>
+            <a:ext cx="782202" cy="369332"/>
+          </a:xfrm>
+          <a:prstGeom prst="rect">
+            <a:avLst/>
+          </a:prstGeom>
+          <a:noFill/>
+        </p:spPr>
+        <p:txBody>
+          <a:bodyPr wrap="none" rtlCol="0">
+            <a:spAutoFit/>
+          </a:bodyPr>
+          <a:lstStyle/>
+          <a:p>
+            <a:pPr marL="0" marR="0" lvl="0" indent="0" algn="l" defTabSz="914400" rtl="0" eaLnBrk="1" fontAlgn="auto" latinLnBrk="0" hangingPunct="1">
+              <a:lnSpc>
+                <a:spcPct val="100000"/>
+              </a:lnSpc>
+              <a:spcBef>
+                <a:spcPts val="0"/>
+              </a:spcBef>
+              <a:spcAft>
+                <a:spcPts val="0"/>
+              </a:spcAft>
+              <a:buClrTx/>
+              <a:buSzTx/>
+              <a:buFontTx/>
+              <a:buNone/>
+              <a:tabLst/>
+              <a:defRPr/>
+            </a:pPr>
+            <a:r>
+              <a:rPr kumimoji="0" lang="de-DE" sz="1800" b="0" i="0" u="none" strike="noStrike" kern="1200" cap="none" spc="0" normalizeH="0" baseline="0" noProof="0" dirty="0">
+                <a:ln>
+                  <a:noFill/>
+                </a:ln>
+                <a:solidFill>
+                  <a:prstClr val="black"/>
+                </a:solidFill>
+                <a:effectLst/>
+                <a:uLnTx/>
+                <a:uFillTx/>
+                <a:latin typeface="Calibri" panose="020F0502020204030204"/>
+                <a:ea typeface="+mn-ea"/>
+                <a:cs typeface="+mn-cs"/>
+              </a:rPr>
+              <a:t>Kunde</a:t>
+            </a:r>
+          </a:p>
+        </p:txBody>
+      </p:sp>
+      <p:sp>
+        <p:nvSpPr>
+          <p:cNvPr id="19" name="Textfeld 18">
+            <a:extLst>
+              <a:ext uri="{FF2B5EF4-FFF2-40B4-BE49-F238E27FC236}">
+                <a16:creationId xmlns:a16="http://schemas.microsoft.com/office/drawing/2014/main" id="{53DB57F7-2C7E-D4B4-05FB-9E53B3022142}"/>
+              </a:ext>
+            </a:extLst>
+          </p:cNvPr>
+          <p:cNvSpPr txBox="1"/>
+          <p:nvPr/>
+        </p:nvSpPr>
+        <p:spPr>
+          <a:xfrm>
+            <a:off x="9698142" y="3499348"/>
+            <a:ext cx="785664" cy="369332"/>
+          </a:xfrm>
+          <a:prstGeom prst="rect">
+            <a:avLst/>
+          </a:prstGeom>
+          <a:noFill/>
+        </p:spPr>
+        <p:txBody>
+          <a:bodyPr wrap="none" rtlCol="0">
+            <a:spAutoFit/>
+          </a:bodyPr>
+          <a:lstStyle/>
+          <a:p>
+            <a:pPr marL="0" marR="0" lvl="0" indent="0" algn="l" defTabSz="914400" rtl="0" eaLnBrk="1" fontAlgn="auto" latinLnBrk="0" hangingPunct="1">
+              <a:lnSpc>
+                <a:spcPct val="100000"/>
+              </a:lnSpc>
+              <a:spcBef>
+                <a:spcPts val="0"/>
+              </a:spcBef>
+              <a:spcAft>
+                <a:spcPts val="0"/>
+              </a:spcAft>
+              <a:buClrTx/>
+              <a:buSzTx/>
+              <a:buFontTx/>
+              <a:buNone/>
+              <a:tabLst/>
+              <a:defRPr/>
+            </a:pPr>
+            <a:r>
+              <a:rPr kumimoji="0" lang="de-DE" sz="1800" b="0" i="0" u="none" strike="noStrike" kern="1200" cap="none" spc="0" normalizeH="0" baseline="0" noProof="0" dirty="0">
+                <a:ln>
+                  <a:noFill/>
+                </a:ln>
+                <a:solidFill>
+                  <a:prstClr val="black"/>
+                </a:solidFill>
+                <a:effectLst/>
+                <a:uLnTx/>
+                <a:uFillTx/>
+                <a:latin typeface="Calibri" panose="020F0502020204030204"/>
+                <a:ea typeface="+mn-ea"/>
+                <a:cs typeface="+mn-cs"/>
+              </a:rPr>
+              <a:t>Server</a:t>
+            </a:r>
+          </a:p>
+        </p:txBody>
+      </p:sp>
+      <p:cxnSp>
+        <p:nvCxnSpPr>
+          <p:cNvPr id="20" name="Gerade Verbindung mit Pfeil 19">
+            <a:extLst>
+              <a:ext uri="{FF2B5EF4-FFF2-40B4-BE49-F238E27FC236}">
+                <a16:creationId xmlns:a16="http://schemas.microsoft.com/office/drawing/2014/main" id="{A5C32CBD-4894-72F3-3DFA-7539F7B85D30}"/>
+              </a:ext>
+            </a:extLst>
+          </p:cNvPr>
+          <p:cNvCxnSpPr>
+            <a:cxnSpLocks/>
+            <a:stCxn id="10" idx="6"/>
+            <a:endCxn id="5" idx="1"/>
+          </p:cNvCxnSpPr>
+          <p:nvPr/>
+        </p:nvCxnSpPr>
+        <p:spPr>
+          <a:xfrm>
+            <a:off x="6658645" y="1795314"/>
+            <a:ext cx="2975129" cy="1247167"/>
+          </a:xfrm>
+          <a:prstGeom prst="straightConnector1">
+            <a:avLst/>
+          </a:prstGeom>
+          <a:ln w="19050">
+            <a:solidFill>
+              <a:schemeClr val="tx1"/>
+            </a:solidFill>
+            <a:headEnd type="arrow"/>
+            <a:tailEnd type="arrow"/>
+          </a:ln>
+        </p:spPr>
+        <p:style>
+          <a:lnRef idx="1">
+            <a:schemeClr val="accent1"/>
+          </a:lnRef>
+          <a:fillRef idx="0">
+            <a:schemeClr val="accent1"/>
+          </a:fillRef>
+          <a:effectRef idx="0">
+            <a:schemeClr val="accent1"/>
+          </a:effectRef>
+          <a:fontRef idx="minor">
+            <a:schemeClr val="tx1"/>
+          </a:fontRef>
+        </p:style>
+      </p:cxnSp>
+      <p:cxnSp>
+        <p:nvCxnSpPr>
+          <p:cNvPr id="23" name="Gerade Verbindung mit Pfeil 22">
+            <a:extLst>
+              <a:ext uri="{FF2B5EF4-FFF2-40B4-BE49-F238E27FC236}">
+                <a16:creationId xmlns:a16="http://schemas.microsoft.com/office/drawing/2014/main" id="{35CC29AA-8A95-62CA-010B-FDC4921DC631}"/>
+              </a:ext>
+            </a:extLst>
+          </p:cNvPr>
+          <p:cNvCxnSpPr>
+            <a:cxnSpLocks/>
+            <a:stCxn id="12" idx="6"/>
+            <a:endCxn id="5" idx="1"/>
+          </p:cNvCxnSpPr>
+          <p:nvPr/>
+        </p:nvCxnSpPr>
+        <p:spPr>
+          <a:xfrm>
+            <a:off x="6658645" y="2660782"/>
+            <a:ext cx="2975129" cy="381699"/>
+          </a:xfrm>
+          <a:prstGeom prst="straightConnector1">
+            <a:avLst/>
+          </a:prstGeom>
+          <a:ln w="19050">
+            <a:solidFill>
+              <a:schemeClr val="tx1"/>
+            </a:solidFill>
+            <a:headEnd type="arrow"/>
+            <a:tailEnd type="arrow"/>
+          </a:ln>
+        </p:spPr>
+        <p:style>
+          <a:lnRef idx="1">
+            <a:schemeClr val="accent1"/>
+          </a:lnRef>
+          <a:fillRef idx="0">
+            <a:schemeClr val="accent1"/>
+          </a:fillRef>
+          <a:effectRef idx="0">
+            <a:schemeClr val="accent1"/>
+          </a:effectRef>
+          <a:fontRef idx="minor">
+            <a:schemeClr val="tx1"/>
+          </a:fontRef>
+        </p:style>
+      </p:cxnSp>
+      <p:sp>
+        <p:nvSpPr>
+          <p:cNvPr id="39" name="Ellipse 38">
+            <a:extLst>
+              <a:ext uri="{FF2B5EF4-FFF2-40B4-BE49-F238E27FC236}">
+                <a16:creationId xmlns:a16="http://schemas.microsoft.com/office/drawing/2014/main" id="{F2B3C63C-065C-C910-6C26-DBC21A0FF3AD}"/>
+              </a:ext>
+            </a:extLst>
+          </p:cNvPr>
+          <p:cNvSpPr/>
+          <p:nvPr/>
+        </p:nvSpPr>
+        <p:spPr>
+          <a:xfrm>
+            <a:off x="4579693" y="5188979"/>
+            <a:ext cx="2078952" cy="763398"/>
+          </a:xfrm>
+          <a:prstGeom prst="ellipse">
+            <a:avLst/>
+          </a:prstGeom>
+          <a:noFill/>
+          <a:ln>
+            <a:solidFill>
+              <a:schemeClr val="tx1"/>
+            </a:solidFill>
+          </a:ln>
+        </p:spPr>
+        <p:style>
+          <a:lnRef idx="2">
+            <a:schemeClr val="accent1">
+              <a:shade val="50000"/>
+            </a:schemeClr>
+          </a:lnRef>
+          <a:fillRef idx="1">
+            <a:schemeClr val="accent1"/>
+          </a:fillRef>
+          <a:effectRef idx="0">
+            <a:schemeClr val="accent1"/>
+          </a:effectRef>
+          <a:fontRef idx="minor">
+            <a:schemeClr val="lt1"/>
+          </a:fontRef>
+        </p:style>
+        <p:txBody>
+          <a:bodyPr rtlCol="0" anchor="ctr"/>
+          <a:lstStyle/>
+          <a:p>
+            <a:pPr marL="0" marR="0" lvl="0" indent="0" algn="ctr" defTabSz="914400" rtl="0" eaLnBrk="1" fontAlgn="auto" latinLnBrk="0" hangingPunct="1">
+              <a:lnSpc>
+                <a:spcPct val="100000"/>
+              </a:lnSpc>
+              <a:spcBef>
+                <a:spcPts val="0"/>
+              </a:spcBef>
+              <a:spcAft>
+                <a:spcPts val="0"/>
+              </a:spcAft>
+              <a:buClrTx/>
+              <a:buSzTx/>
+              <a:buFontTx/>
+              <a:buNone/>
+              <a:tabLst/>
+              <a:defRPr/>
+            </a:pPr>
+            <a:r>
+              <a:rPr kumimoji="0" lang="de-DE" sz="1800" b="0" i="0" u="none" strike="noStrike" kern="1200" cap="none" spc="0" normalizeH="0" baseline="0" noProof="0" dirty="0">
+                <a:ln>
+                  <a:noFill/>
+                </a:ln>
+                <a:solidFill>
+                  <a:prstClr val="black"/>
+                </a:solidFill>
+                <a:effectLst/>
+                <a:uLnTx/>
+                <a:uFillTx/>
+                <a:latin typeface="Calibri" panose="020F0502020204030204"/>
+                <a:ea typeface="+mn-ea"/>
+                <a:cs typeface="+mn-cs"/>
+              </a:rPr>
+              <a:t>Verwaltung</a:t>
+            </a:r>
+          </a:p>
+        </p:txBody>
+      </p:sp>
+      <p:sp>
+        <p:nvSpPr>
+          <p:cNvPr id="40" name="Ellipse 39">
+            <a:extLst>
+              <a:ext uri="{FF2B5EF4-FFF2-40B4-BE49-F238E27FC236}">
+                <a16:creationId xmlns:a16="http://schemas.microsoft.com/office/drawing/2014/main" id="{BF488C52-C7FA-6ECF-88F8-2BBDABC33CBF}"/>
+              </a:ext>
+            </a:extLst>
+          </p:cNvPr>
+          <p:cNvSpPr/>
+          <p:nvPr/>
+        </p:nvSpPr>
+        <p:spPr>
+          <a:xfrm>
+            <a:off x="4579693" y="3161482"/>
+            <a:ext cx="2078952" cy="763398"/>
+          </a:xfrm>
+          <a:prstGeom prst="ellipse">
+            <a:avLst/>
+          </a:prstGeom>
+          <a:noFill/>
+          <a:ln>
+            <a:solidFill>
+              <a:schemeClr val="tx1"/>
+            </a:solidFill>
+          </a:ln>
+        </p:spPr>
+        <p:style>
+          <a:lnRef idx="2">
+            <a:schemeClr val="accent1">
+              <a:shade val="50000"/>
+            </a:schemeClr>
+          </a:lnRef>
+          <a:fillRef idx="1">
+            <a:schemeClr val="accent1"/>
+          </a:fillRef>
+          <a:effectRef idx="0">
+            <a:schemeClr val="accent1"/>
+          </a:effectRef>
+          <a:fontRef idx="minor">
+            <a:schemeClr val="lt1"/>
+          </a:fontRef>
+        </p:style>
+        <p:txBody>
+          <a:bodyPr rtlCol="0" anchor="ctr"/>
+          <a:lstStyle/>
+          <a:p>
+            <a:pPr marL="0" marR="0" lvl="0" indent="0" algn="ctr" defTabSz="914400" rtl="0" eaLnBrk="1" fontAlgn="auto" latinLnBrk="0" hangingPunct="1">
+              <a:lnSpc>
+                <a:spcPct val="100000"/>
+              </a:lnSpc>
+              <a:spcBef>
+                <a:spcPts val="0"/>
+              </a:spcBef>
+              <a:spcAft>
+                <a:spcPts val="0"/>
+              </a:spcAft>
+              <a:buClrTx/>
+              <a:buSzTx/>
+              <a:buFontTx/>
+              <a:buNone/>
+              <a:tabLst/>
+              <a:defRPr/>
+            </a:pPr>
+            <a:r>
+              <a:rPr kumimoji="0" lang="de-DE" sz="1800" b="0" i="0" u="none" strike="noStrike" kern="1200" cap="none" spc="0" normalizeH="0" baseline="0" noProof="0" dirty="0">
+                <a:ln>
+                  <a:noFill/>
+                </a:ln>
+                <a:solidFill>
+                  <a:prstClr val="black"/>
+                </a:solidFill>
+                <a:effectLst/>
+                <a:uLnTx/>
+                <a:uFillTx/>
+                <a:latin typeface="Calibri" panose="020F0502020204030204"/>
+                <a:ea typeface="+mn-ea"/>
+                <a:cs typeface="+mn-cs"/>
+              </a:rPr>
+              <a:t>Suchanfrage für Shirt</a:t>
+            </a:r>
+          </a:p>
+        </p:txBody>
+      </p:sp>
+      <p:cxnSp>
+        <p:nvCxnSpPr>
+          <p:cNvPr id="41" name="Gerade Verbindung mit Pfeil 40">
+            <a:extLst>
+              <a:ext uri="{FF2B5EF4-FFF2-40B4-BE49-F238E27FC236}">
+                <a16:creationId xmlns:a16="http://schemas.microsoft.com/office/drawing/2014/main" id="{42D3E823-FFA1-6158-8E0C-B9719A4404D6}"/>
+              </a:ext>
+            </a:extLst>
+          </p:cNvPr>
+          <p:cNvCxnSpPr>
+            <a:cxnSpLocks/>
+            <a:stCxn id="7" idx="3"/>
+            <a:endCxn id="40" idx="2"/>
+          </p:cNvCxnSpPr>
+          <p:nvPr/>
+        </p:nvCxnSpPr>
+        <p:spPr>
+          <a:xfrm>
+            <a:off x="1618421" y="3042481"/>
+            <a:ext cx="2961272" cy="500700"/>
+          </a:xfrm>
+          <a:prstGeom prst="straightConnector1">
+            <a:avLst/>
+          </a:prstGeom>
+          <a:ln w="19050">
+            <a:solidFill>
+              <a:schemeClr val="tx1"/>
+            </a:solidFill>
+            <a:headEnd type="arrow"/>
+            <a:tailEnd type="arrow"/>
+          </a:ln>
+        </p:spPr>
+        <p:style>
+          <a:lnRef idx="1">
+            <a:schemeClr val="accent1"/>
+          </a:lnRef>
+          <a:fillRef idx="0">
+            <a:schemeClr val="accent1"/>
+          </a:fillRef>
+          <a:effectRef idx="0">
+            <a:schemeClr val="accent1"/>
+          </a:effectRef>
+          <a:fontRef idx="minor">
+            <a:schemeClr val="tx1"/>
+          </a:fontRef>
+        </p:style>
+      </p:cxnSp>
+      <p:cxnSp>
+        <p:nvCxnSpPr>
+          <p:cNvPr id="44" name="Gerade Verbindung mit Pfeil 43">
+            <a:extLst>
+              <a:ext uri="{FF2B5EF4-FFF2-40B4-BE49-F238E27FC236}">
+                <a16:creationId xmlns:a16="http://schemas.microsoft.com/office/drawing/2014/main" id="{07AEBD89-3D92-8E8F-ED5D-FA9A101D7FC7}"/>
+              </a:ext>
+            </a:extLst>
+          </p:cNvPr>
+          <p:cNvCxnSpPr>
+            <a:cxnSpLocks/>
+            <a:stCxn id="40" idx="6"/>
+            <a:endCxn id="5" idx="1"/>
+          </p:cNvCxnSpPr>
+          <p:nvPr/>
+        </p:nvCxnSpPr>
+        <p:spPr>
+          <a:xfrm flipV="1">
+            <a:off x="6658645" y="3042481"/>
+            <a:ext cx="2975129" cy="500700"/>
+          </a:xfrm>
+          <a:prstGeom prst="straightConnector1">
+            <a:avLst/>
+          </a:prstGeom>
+          <a:ln w="19050">
+            <a:solidFill>
+              <a:schemeClr val="tx1"/>
+            </a:solidFill>
+            <a:headEnd type="arrow"/>
+            <a:tailEnd type="arrow"/>
+          </a:ln>
+        </p:spPr>
+        <p:style>
+          <a:lnRef idx="1">
+            <a:schemeClr val="accent1"/>
+          </a:lnRef>
+          <a:fillRef idx="0">
+            <a:schemeClr val="accent1"/>
+          </a:fillRef>
+          <a:effectRef idx="0">
+            <a:schemeClr val="accent1"/>
+          </a:effectRef>
+          <a:fontRef idx="minor">
+            <a:schemeClr val="tx1"/>
+          </a:fontRef>
+        </p:style>
+      </p:cxnSp>
+      <p:pic>
+        <p:nvPicPr>
+          <p:cNvPr id="47" name="Grafik 46" descr="Mann mit einfarbiger Füllung">
+            <a:extLst>
+              <a:ext uri="{FF2B5EF4-FFF2-40B4-BE49-F238E27FC236}">
+                <a16:creationId xmlns:a16="http://schemas.microsoft.com/office/drawing/2014/main" id="{B2BE11B0-4F38-4460-CA68-F9079202059D}"/>
+              </a:ext>
+            </a:extLst>
+          </p:cNvPr>
+          <p:cNvPicPr>
+            <a:picLocks noChangeAspect="1"/>
+          </p:cNvPicPr>
+          <p:nvPr/>
+        </p:nvPicPr>
+        <p:blipFill>
+          <a:blip r:embed="rId4">
+            <a:extLst>
+              <a:ext uri="{28A0092B-C50C-407E-A947-70E740481C1C}">
+                <a14:useLocalDpi xmlns:a14="http://schemas.microsoft.com/office/drawing/2010/main" val="0"/>
+              </a:ext>
+              <a:ext uri="{96DAC541-7B7A-43D3-8B79-37D633B846F1}">
+                <asvg:svgBlip xmlns:asvg="http://schemas.microsoft.com/office/drawing/2016/SVG/main" r:embed="rId5"/>
+              </a:ext>
+            </a:extLst>
+          </a:blip>
+          <a:stretch>
+            <a:fillRect/>
+          </a:stretch>
+        </p:blipFill>
+        <p:spPr>
+          <a:xfrm>
+            <a:off x="704021" y="4465428"/>
+            <a:ext cx="914400" cy="914400"/>
+          </a:xfrm>
+          <a:prstGeom prst="rect">
+            <a:avLst/>
+          </a:prstGeom>
+        </p:spPr>
+      </p:pic>
+      <p:sp>
+        <p:nvSpPr>
+          <p:cNvPr id="48" name="Textfeld 47">
+            <a:extLst>
+              <a:ext uri="{FF2B5EF4-FFF2-40B4-BE49-F238E27FC236}">
+                <a16:creationId xmlns:a16="http://schemas.microsoft.com/office/drawing/2014/main" id="{CA139F56-CEA8-9392-F2F5-6A674A920470}"/>
+              </a:ext>
+            </a:extLst>
+          </p:cNvPr>
+          <p:cNvSpPr txBox="1"/>
+          <p:nvPr/>
+        </p:nvSpPr>
+        <p:spPr>
+          <a:xfrm>
+            <a:off x="611424" y="5451064"/>
+            <a:ext cx="1259768" cy="369332"/>
+          </a:xfrm>
+          <a:prstGeom prst="rect">
+            <a:avLst/>
+          </a:prstGeom>
+          <a:noFill/>
+        </p:spPr>
+        <p:txBody>
+          <a:bodyPr wrap="none" rtlCol="0">
+            <a:spAutoFit/>
+          </a:bodyPr>
+          <a:lstStyle/>
+          <a:p>
+            <a:pPr marL="0" marR="0" lvl="0" indent="0" algn="l" defTabSz="914400" rtl="0" eaLnBrk="1" fontAlgn="auto" latinLnBrk="0" hangingPunct="1">
+              <a:lnSpc>
+                <a:spcPct val="100000"/>
+              </a:lnSpc>
+              <a:spcBef>
+                <a:spcPts val="0"/>
+              </a:spcBef>
+              <a:spcAft>
+                <a:spcPts val="0"/>
+              </a:spcAft>
+              <a:buClrTx/>
+              <a:buSzTx/>
+              <a:buFontTx/>
+              <a:buNone/>
+              <a:tabLst/>
+              <a:defRPr/>
+            </a:pPr>
+            <a:r>
+              <a:rPr kumimoji="0" lang="de-DE" sz="1800" b="0" i="0" u="none" strike="noStrike" kern="1200" cap="none" spc="0" normalizeH="0" baseline="0" noProof="0" dirty="0">
+                <a:ln>
+                  <a:noFill/>
+                </a:ln>
+                <a:solidFill>
+                  <a:prstClr val="black"/>
+                </a:solidFill>
+                <a:effectLst/>
+                <a:uLnTx/>
+                <a:uFillTx/>
+                <a:latin typeface="Calibri" panose="020F0502020204030204"/>
+                <a:ea typeface="+mn-ea"/>
+                <a:cs typeface="+mn-cs"/>
+              </a:rPr>
+              <a:t>Mitarbeiter</a:t>
+            </a:r>
+          </a:p>
+        </p:txBody>
+      </p:sp>
+      <p:cxnSp>
+        <p:nvCxnSpPr>
+          <p:cNvPr id="49" name="Gerade Verbindung mit Pfeil 48">
+            <a:extLst>
+              <a:ext uri="{FF2B5EF4-FFF2-40B4-BE49-F238E27FC236}">
+                <a16:creationId xmlns:a16="http://schemas.microsoft.com/office/drawing/2014/main" id="{C6FD97A7-EAE7-1EC2-9425-D30EDBACEADA}"/>
+              </a:ext>
+            </a:extLst>
+          </p:cNvPr>
+          <p:cNvCxnSpPr>
+            <a:cxnSpLocks/>
+            <a:stCxn id="47" idx="3"/>
+            <a:endCxn id="39" idx="2"/>
+          </p:cNvCxnSpPr>
+          <p:nvPr/>
+        </p:nvCxnSpPr>
+        <p:spPr>
+          <a:xfrm>
+            <a:off x="1618421" y="4922628"/>
+            <a:ext cx="2961272" cy="648050"/>
+          </a:xfrm>
+          <a:prstGeom prst="straightConnector1">
+            <a:avLst/>
+          </a:prstGeom>
+          <a:ln w="19050">
+            <a:solidFill>
+              <a:schemeClr val="tx1"/>
+            </a:solidFill>
+            <a:headEnd type="arrow"/>
+            <a:tailEnd type="arrow"/>
+          </a:ln>
+        </p:spPr>
+        <p:style>
+          <a:lnRef idx="1">
+            <a:schemeClr val="accent1"/>
+          </a:lnRef>
+          <a:fillRef idx="0">
+            <a:schemeClr val="accent1"/>
+          </a:fillRef>
+          <a:effectRef idx="0">
+            <a:schemeClr val="accent1"/>
+          </a:effectRef>
+          <a:fontRef idx="minor">
+            <a:schemeClr val="tx1"/>
+          </a:fontRef>
+        </p:style>
+      </p:cxnSp>
+      <p:cxnSp>
+        <p:nvCxnSpPr>
+          <p:cNvPr id="52" name="Gerade Verbindung mit Pfeil 51">
+            <a:extLst>
+              <a:ext uri="{FF2B5EF4-FFF2-40B4-BE49-F238E27FC236}">
+                <a16:creationId xmlns:a16="http://schemas.microsoft.com/office/drawing/2014/main" id="{AEC62CC1-52BD-D7DC-56C0-DFA10B7C2E28}"/>
+              </a:ext>
+            </a:extLst>
+          </p:cNvPr>
+          <p:cNvCxnSpPr>
+            <a:cxnSpLocks/>
+            <a:stCxn id="39" idx="6"/>
+            <a:endCxn id="5" idx="1"/>
+          </p:cNvCxnSpPr>
+          <p:nvPr/>
+        </p:nvCxnSpPr>
+        <p:spPr>
+          <a:xfrm flipV="1">
+            <a:off x="6658645" y="3042481"/>
+            <a:ext cx="2975129" cy="2528197"/>
+          </a:xfrm>
+          <a:prstGeom prst="straightConnector1">
+            <a:avLst/>
+          </a:prstGeom>
+          <a:ln w="19050">
+            <a:solidFill>
+              <a:schemeClr val="tx1"/>
+            </a:solidFill>
+            <a:headEnd type="arrow"/>
+            <a:tailEnd type="arrow"/>
+          </a:ln>
+        </p:spPr>
+        <p:style>
+          <a:lnRef idx="1">
+            <a:schemeClr val="accent1"/>
+          </a:lnRef>
+          <a:fillRef idx="0">
+            <a:schemeClr val="accent1"/>
+          </a:fillRef>
+          <a:effectRef idx="0">
+            <a:schemeClr val="accent1"/>
+          </a:effectRef>
+          <a:fontRef idx="minor">
+            <a:schemeClr val="tx1"/>
+          </a:fontRef>
+        </p:style>
+      </p:cxnSp>
+      <p:sp>
+        <p:nvSpPr>
+          <p:cNvPr id="63" name="Ellipse 62">
+            <a:extLst>
+              <a:ext uri="{FF2B5EF4-FFF2-40B4-BE49-F238E27FC236}">
+                <a16:creationId xmlns:a16="http://schemas.microsoft.com/office/drawing/2014/main" id="{875A9746-CE2A-9B9D-3536-063347B4D6F5}"/>
+              </a:ext>
+            </a:extLst>
+          </p:cNvPr>
+          <p:cNvSpPr/>
+          <p:nvPr/>
+        </p:nvSpPr>
+        <p:spPr>
+          <a:xfrm>
+            <a:off x="4579693" y="4068201"/>
+            <a:ext cx="2078952" cy="763398"/>
+          </a:xfrm>
+          <a:prstGeom prst="ellipse">
+            <a:avLst/>
+          </a:prstGeom>
+          <a:noFill/>
+          <a:ln>
+            <a:solidFill>
+              <a:schemeClr val="tx1"/>
+            </a:solidFill>
+          </a:ln>
+        </p:spPr>
+        <p:style>
+          <a:lnRef idx="2">
+            <a:schemeClr val="accent1">
+              <a:shade val="50000"/>
+            </a:schemeClr>
+          </a:lnRef>
+          <a:fillRef idx="1">
+            <a:schemeClr val="accent1"/>
+          </a:fillRef>
+          <a:effectRef idx="0">
+            <a:schemeClr val="accent1"/>
+          </a:effectRef>
+          <a:fontRef idx="minor">
+            <a:schemeClr val="lt1"/>
+          </a:fontRef>
+        </p:style>
+        <p:txBody>
+          <a:bodyPr rtlCol="0" anchor="ctr"/>
+          <a:lstStyle/>
+          <a:p>
+            <a:pPr marL="0" marR="0" lvl="0" indent="0" algn="ctr" defTabSz="914400" rtl="0" eaLnBrk="1" fontAlgn="auto" latinLnBrk="0" hangingPunct="1">
+              <a:lnSpc>
+                <a:spcPct val="100000"/>
+              </a:lnSpc>
+              <a:spcBef>
+                <a:spcPts val="0"/>
+              </a:spcBef>
+              <a:spcAft>
+                <a:spcPts val="0"/>
+              </a:spcAft>
+              <a:buClrTx/>
+              <a:buSzTx/>
+              <a:buFontTx/>
+              <a:buNone/>
+              <a:tabLst/>
+              <a:defRPr/>
+            </a:pPr>
+            <a:r>
+              <a:rPr kumimoji="0" lang="de-DE" sz="1800" b="0" i="0" u="none" strike="noStrike" kern="1200" cap="none" spc="0" normalizeH="0" baseline="0" noProof="0" dirty="0">
+                <a:ln>
+                  <a:noFill/>
+                </a:ln>
+                <a:solidFill>
+                  <a:prstClr val="black"/>
+                </a:solidFill>
+                <a:effectLst/>
+                <a:uLnTx/>
+                <a:uFillTx/>
+                <a:latin typeface="Calibri" panose="020F0502020204030204"/>
+                <a:ea typeface="+mn-ea"/>
+                <a:cs typeface="+mn-cs"/>
+              </a:rPr>
+              <a:t>Info für Neue</a:t>
+            </a:r>
+          </a:p>
+        </p:txBody>
+      </p:sp>
+      <p:cxnSp>
+        <p:nvCxnSpPr>
+          <p:cNvPr id="64" name="Gerade Verbindung mit Pfeil 63">
+            <a:extLst>
+              <a:ext uri="{FF2B5EF4-FFF2-40B4-BE49-F238E27FC236}">
+                <a16:creationId xmlns:a16="http://schemas.microsoft.com/office/drawing/2014/main" id="{CB67F323-987A-42FF-163D-710CCA07BD6F}"/>
+              </a:ext>
+            </a:extLst>
+          </p:cNvPr>
+          <p:cNvCxnSpPr>
+            <a:cxnSpLocks/>
+            <a:stCxn id="7" idx="3"/>
+            <a:endCxn id="63" idx="2"/>
+          </p:cNvCxnSpPr>
+          <p:nvPr/>
+        </p:nvCxnSpPr>
+        <p:spPr>
+          <a:xfrm>
+            <a:off x="1618421" y="3042481"/>
+            <a:ext cx="2961272" cy="1407419"/>
+          </a:xfrm>
+          <a:prstGeom prst="straightConnector1">
+            <a:avLst/>
+          </a:prstGeom>
+          <a:ln w="19050">
+            <a:solidFill>
+              <a:schemeClr val="tx1"/>
+            </a:solidFill>
+            <a:headEnd type="arrow"/>
+            <a:tailEnd type="arrow"/>
+          </a:ln>
+        </p:spPr>
+        <p:style>
+          <a:lnRef idx="1">
+            <a:schemeClr val="accent1"/>
+          </a:lnRef>
+          <a:fillRef idx="0">
+            <a:schemeClr val="accent1"/>
+          </a:fillRef>
+          <a:effectRef idx="0">
+            <a:schemeClr val="accent1"/>
+          </a:effectRef>
+          <a:fontRef idx="minor">
+            <a:schemeClr val="tx1"/>
+          </a:fontRef>
+        </p:style>
+      </p:cxnSp>
+      <p:cxnSp>
+        <p:nvCxnSpPr>
+          <p:cNvPr id="67" name="Gerade Verbindung mit Pfeil 66">
+            <a:extLst>
+              <a:ext uri="{FF2B5EF4-FFF2-40B4-BE49-F238E27FC236}">
+                <a16:creationId xmlns:a16="http://schemas.microsoft.com/office/drawing/2014/main" id="{3ACA88B7-D064-8D1D-7FDA-13C3DDA9060A}"/>
+              </a:ext>
+            </a:extLst>
+          </p:cNvPr>
+          <p:cNvCxnSpPr>
+            <a:cxnSpLocks/>
+            <a:stCxn id="63" idx="6"/>
+            <a:endCxn id="5" idx="1"/>
+          </p:cNvCxnSpPr>
+          <p:nvPr/>
+        </p:nvCxnSpPr>
+        <p:spPr>
+          <a:xfrm flipV="1">
+            <a:off x="6658645" y="3042481"/>
+            <a:ext cx="2975129" cy="1407419"/>
+          </a:xfrm>
+          <a:prstGeom prst="straightConnector1">
+            <a:avLst/>
+          </a:prstGeom>
+          <a:ln w="19050">
+            <a:solidFill>
+              <a:schemeClr val="tx1"/>
+            </a:solidFill>
+            <a:headEnd type="arrow"/>
+            <a:tailEnd type="arrow"/>
+          </a:ln>
+        </p:spPr>
+        <p:style>
+          <a:lnRef idx="1">
+            <a:schemeClr val="accent1"/>
+          </a:lnRef>
+          <a:fillRef idx="0">
+            <a:schemeClr val="accent1"/>
+          </a:fillRef>
+          <a:effectRef idx="0">
+            <a:schemeClr val="accent1"/>
+          </a:effectRef>
+          <a:fontRef idx="minor">
+            <a:schemeClr val="tx1"/>
+          </a:fontRef>
+        </p:style>
+      </p:cxnSp>
+    </p:spTree>
+    <p:extLst>
+      <p:ext uri="{BB962C8B-B14F-4D97-AF65-F5344CB8AC3E}">
+        <p14:creationId xmlns:p14="http://schemas.microsoft.com/office/powerpoint/2010/main" val="1686510205"/>
       </p:ext>
     </p:extLst>
   </p:cSld>

--- a/Web-Technologie.pptx
+++ b/Web-Technologie.pptx
@@ -19,6 +19,7 @@
     <p:sldId id="267" r:id="rId13"/>
     <p:sldId id="268" r:id="rId14"/>
     <p:sldId id="269" r:id="rId15"/>
+    <p:sldId id="270" r:id="rId16"/>
   </p:sldIdLst>
   <p:sldSz cx="12192000" cy="6858000"/>
   <p:notesSz cx="6858000" cy="9144000"/>
@@ -128,7 +129,7 @@
 <file path=ppt/revisionInfo.xml><?xml version="1.0" encoding="utf-8"?>
 <p1510:revInfo xmlns:a="http://schemas.openxmlformats.org/drawingml/2006/main" xmlns:r="http://schemas.openxmlformats.org/officeDocument/2006/relationships" xmlns:p1510="http://schemas.microsoft.com/office/powerpoint/2015/10/main">
   <p1510:revLst>
-    <p1510:client id="{27196A8C-3FC4-41DA-BFF7-A7CB116E1B03}" v="1" dt="2023-03-30T07:44:27.088"/>
+    <p1510:client id="{27196A8C-3FC4-41DA-BFF7-A7CB116E1B03}" v="3" dt="2023-03-30T09:30:44.380"/>
   </p1510:revLst>
 </p1510:revInfo>
 </file>
@@ -216,25 +217,72 @@
   </pc:docChgLst>
   <pc:docChgLst>
     <pc:chgData name="Simon Driescher" userId="fcef99ce1c40fef3" providerId="LiveId" clId="{27196A8C-3FC4-41DA-BFF7-A7CB116E1B03}"/>
-    <pc:docChg chg="modSld">
-      <pc:chgData name="Simon Driescher" userId="fcef99ce1c40fef3" providerId="LiveId" clId="{27196A8C-3FC4-41DA-BFF7-A7CB116E1B03}" dt="2023-03-30T07:44:37.565" v="229" actId="20577"/>
+    <pc:docChg chg="addSld modSld">
+      <pc:chgData name="Simon Driescher" userId="fcef99ce1c40fef3" providerId="LiveId" clId="{27196A8C-3FC4-41DA-BFF7-A7CB116E1B03}" dt="2023-03-30T09:31:02.866" v="297" actId="1076"/>
       <pc:docMkLst>
         <pc:docMk/>
       </pc:docMkLst>
       <pc:sldChg chg="modSp mod">
-        <pc:chgData name="Simon Driescher" userId="fcef99ce1c40fef3" providerId="LiveId" clId="{27196A8C-3FC4-41DA-BFF7-A7CB116E1B03}" dt="2023-03-30T07:44:37.565" v="229" actId="20577"/>
+        <pc:chgData name="Simon Driescher" userId="fcef99ce1c40fef3" providerId="LiveId" clId="{27196A8C-3FC4-41DA-BFF7-A7CB116E1B03}" dt="2023-03-23T11:30:09.559" v="223" actId="6549"/>
         <pc:sldMkLst>
           <pc:docMk/>
           <pc:sldMk cId="222070223" sldId="261"/>
         </pc:sldMkLst>
         <pc:spChg chg="mod">
-          <ac:chgData name="Simon Driescher" userId="fcef99ce1c40fef3" providerId="LiveId" clId="{27196A8C-3FC4-41DA-BFF7-A7CB116E1B03}" dt="2023-03-30T07:44:37.565" v="229" actId="20577"/>
+          <ac:chgData name="Simon Driescher" userId="fcef99ce1c40fef3" providerId="LiveId" clId="{27196A8C-3FC4-41DA-BFF7-A7CB116E1B03}" dt="2023-03-23T11:30:09.559" v="223" actId="6549"/>
           <ac:spMkLst>
             <pc:docMk/>
             <pc:sldMk cId="222070223" sldId="261"/>
             <ac:spMk id="3" creationId="{E9FE390B-3044-185C-5715-5D3C53579DEE}"/>
           </ac:spMkLst>
         </pc:spChg>
+      </pc:sldChg>
+      <pc:sldChg chg="addSp delSp modSp new mod">
+        <pc:chgData name="Simon Driescher" userId="fcef99ce1c40fef3" providerId="LiveId" clId="{27196A8C-3FC4-41DA-BFF7-A7CB116E1B03}" dt="2023-03-30T09:31:02.866" v="297" actId="1076"/>
+        <pc:sldMkLst>
+          <pc:docMk/>
+          <pc:sldMk cId="4207267979" sldId="270"/>
+        </pc:sldMkLst>
+        <pc:spChg chg="mod">
+          <ac:chgData name="Simon Driescher" userId="fcef99ce1c40fef3" providerId="LiveId" clId="{27196A8C-3FC4-41DA-BFF7-A7CB116E1B03}" dt="2023-03-30T09:28:23.436" v="233" actId="20577"/>
+          <ac:spMkLst>
+            <pc:docMk/>
+            <pc:sldMk cId="4207267979" sldId="270"/>
+            <ac:spMk id="2" creationId="{E7EBF5C4-6C21-BF66-A0B5-45A20083B321}"/>
+          </ac:spMkLst>
+        </pc:spChg>
+        <pc:spChg chg="del">
+          <ac:chgData name="Simon Driescher" userId="fcef99ce1c40fef3" providerId="LiveId" clId="{27196A8C-3FC4-41DA-BFF7-A7CB116E1B03}" dt="2023-03-30T09:28:32.886" v="234"/>
+          <ac:spMkLst>
+            <pc:docMk/>
+            <pc:sldMk cId="4207267979" sldId="270"/>
+            <ac:spMk id="3" creationId="{E77F24C3-6ECE-9180-1C8C-D868313B81E1}"/>
+          </ac:spMkLst>
+        </pc:spChg>
+        <pc:spChg chg="add mod">
+          <ac:chgData name="Simon Driescher" userId="fcef99ce1c40fef3" providerId="LiveId" clId="{27196A8C-3FC4-41DA-BFF7-A7CB116E1B03}" dt="2023-03-30T09:29:45.785" v="263" actId="207"/>
+          <ac:spMkLst>
+            <pc:docMk/>
+            <pc:sldMk cId="4207267979" sldId="270"/>
+            <ac:spMk id="6" creationId="{C9E9A018-56B8-12A4-E0A7-C8D6AD5CE6CD}"/>
+          </ac:spMkLst>
+        </pc:spChg>
+        <pc:spChg chg="add mod">
+          <ac:chgData name="Simon Driescher" userId="fcef99ce1c40fef3" providerId="LiveId" clId="{27196A8C-3FC4-41DA-BFF7-A7CB116E1B03}" dt="2023-03-30T09:31:02.866" v="297" actId="1076"/>
+          <ac:spMkLst>
+            <pc:docMk/>
+            <pc:sldMk cId="4207267979" sldId="270"/>
+            <ac:spMk id="7" creationId="{B6C02B38-95C9-F9B6-AB77-5EDB429285B6}"/>
+          </ac:spMkLst>
+        </pc:spChg>
+        <pc:picChg chg="add mod">
+          <ac:chgData name="Simon Driescher" userId="fcef99ce1c40fef3" providerId="LiveId" clId="{27196A8C-3FC4-41DA-BFF7-A7CB116E1B03}" dt="2023-03-30T09:28:39.858" v="239" actId="962"/>
+          <ac:picMkLst>
+            <pc:docMk/>
+            <pc:sldMk cId="4207267979" sldId="270"/>
+            <ac:picMk id="5" creationId="{5D399974-CDB5-48AE-3CFE-677300741489}"/>
+          </ac:picMkLst>
+        </pc:picChg>
       </pc:sldChg>
     </pc:docChg>
   </pc:docChgLst>
@@ -3478,7 +3526,7 @@
           <a:p>
             <a:r>
               <a:rPr lang="de-DE" dirty="0"/>
-              <a:t>Web-Technologie</a:t>
+              <a:t>T-Shirt Shirt Shop</a:t>
             </a:r>
           </a:p>
         </p:txBody>
@@ -3506,7 +3554,7 @@
           <a:p>
             <a:r>
               <a:rPr lang="de-DE" dirty="0"/>
-              <a:t>T-Shirt Shop</a:t>
+              <a:t>Web-Technologie</a:t>
             </a:r>
           </a:p>
         </p:txBody>
@@ -3666,37 +3714,8 @@
           <a:bodyPr rtlCol="0" anchor="ctr"/>
           <a:lstStyle/>
           <a:p>
-            <a:pPr marL="0" marR="0" lvl="0" indent="0" algn="ctr" defTabSz="914400" rtl="0" eaLnBrk="1" fontAlgn="auto" latinLnBrk="0" hangingPunct="1">
-              <a:lnSpc>
-                <a:spcPct val="100000"/>
-              </a:lnSpc>
-              <a:spcBef>
-                <a:spcPts val="0"/>
-              </a:spcBef>
-              <a:spcAft>
-                <a:spcPts val="0"/>
-              </a:spcAft>
-              <a:buClrTx/>
-              <a:buSzTx/>
-              <a:buFontTx/>
-              <a:buNone/>
-              <a:tabLst/>
-              <a:defRPr/>
-            </a:pPr>
-            <a:endParaRPr kumimoji="0" lang="de-DE" sz="1800" b="0" i="0" u="none" strike="noStrike" kern="1200" cap="none" spc="0" normalizeH="0" baseline="0" noProof="0">
-              <a:ln>
-                <a:noFill/>
-              </a:ln>
-              <a:solidFill>
-                <a:prstClr val="white"/>
-              </a:solidFill>
-              <a:effectLst/>
-              <a:uLnTx/>
-              <a:uFillTx/>
-              <a:latin typeface="Calibri" panose="020F0502020204030204"/>
-              <a:ea typeface="+mn-ea"/>
-              <a:cs typeface="+mn-cs"/>
-            </a:endParaRPr>
+            <a:pPr algn="ctr"/>
+            <a:endParaRPr lang="de-DE"/>
           </a:p>
         </p:txBody>
       </p:sp>
@@ -3728,37 +3747,12 @@
           </a:bodyPr>
           <a:lstStyle/>
           <a:p>
-            <a:pPr marL="0" marR="0" lvl="0" indent="0" algn="ctr" defTabSz="914400" rtl="0" eaLnBrk="1" fontAlgn="auto" latinLnBrk="0" hangingPunct="1">
-              <a:lnSpc>
-                <a:spcPct val="100000"/>
-              </a:lnSpc>
-              <a:spcBef>
-                <a:spcPts val="0"/>
-              </a:spcBef>
-              <a:spcAft>
-                <a:spcPts val="0"/>
-              </a:spcAft>
-              <a:buClrTx/>
-              <a:buSzTx/>
-              <a:buFontTx/>
-              <a:buNone/>
-              <a:tabLst/>
-              <a:defRPr/>
-            </a:pPr>
-            <a:r>
-              <a:rPr kumimoji="0" lang="de-DE" sz="1800" b="0" i="0" u="none" strike="noStrike" kern="1200" cap="none" spc="0" normalizeH="0" baseline="0" noProof="0" dirty="0">
-                <a:ln>
-                  <a:noFill/>
-                </a:ln>
+            <a:pPr algn="ctr"/>
+            <a:r>
+              <a:rPr lang="de-DE" dirty="0">
                 <a:solidFill>
-                  <a:prstClr val="black"/>
+                  <a:schemeClr val="tx1"/>
                 </a:solidFill>
-                <a:effectLst/>
-                <a:uLnTx/>
-                <a:uFillTx/>
-                <a:latin typeface="Calibri" panose="020F0502020204030204"/>
-                <a:ea typeface="+mn-ea"/>
-                <a:cs typeface="+mn-cs"/>
               </a:rPr>
               <a:t>Check Out</a:t>
             </a:r>
@@ -3812,37 +3806,12 @@
           <a:bodyPr rtlCol="0" anchor="ctr"/>
           <a:lstStyle/>
           <a:p>
-            <a:pPr marL="0" marR="0" lvl="0" indent="0" algn="ctr" defTabSz="914400" rtl="0" eaLnBrk="1" fontAlgn="auto" latinLnBrk="0" hangingPunct="1">
-              <a:lnSpc>
-                <a:spcPct val="100000"/>
-              </a:lnSpc>
-              <a:spcBef>
-                <a:spcPts val="0"/>
-              </a:spcBef>
-              <a:spcAft>
-                <a:spcPts val="0"/>
-              </a:spcAft>
-              <a:buClrTx/>
-              <a:buSzTx/>
-              <a:buFontTx/>
-              <a:buNone/>
-              <a:tabLst/>
-              <a:defRPr/>
-            </a:pPr>
-            <a:r>
-              <a:rPr kumimoji="0" lang="de-DE" sz="1800" b="0" i="0" u="none" strike="noStrike" kern="1200" cap="none" spc="0" normalizeH="0" baseline="0" noProof="0" dirty="0">
-                <a:ln>
-                  <a:noFill/>
-                </a:ln>
+            <a:pPr algn="ctr"/>
+            <a:r>
+              <a:rPr lang="de-DE" dirty="0">
                 <a:solidFill>
-                  <a:prstClr val="black"/>
+                  <a:schemeClr val="tx1"/>
                 </a:solidFill>
-                <a:effectLst/>
-                <a:uLnTx/>
-                <a:uFillTx/>
-                <a:latin typeface="Calibri" panose="020F0502020204030204"/>
-                <a:ea typeface="+mn-ea"/>
-                <a:cs typeface="+mn-cs"/>
               </a:rPr>
               <a:t>Sachen in den Einkaufskorb</a:t>
             </a:r>
@@ -3896,37 +3865,12 @@
           <a:bodyPr rtlCol="0" anchor="ctr"/>
           <a:lstStyle/>
           <a:p>
-            <a:pPr marL="0" marR="0" lvl="0" indent="0" algn="ctr" defTabSz="914400" rtl="0" eaLnBrk="1" fontAlgn="auto" latinLnBrk="0" hangingPunct="1">
-              <a:lnSpc>
-                <a:spcPct val="100000"/>
-              </a:lnSpc>
-              <a:spcBef>
-                <a:spcPts val="0"/>
-              </a:spcBef>
-              <a:spcAft>
-                <a:spcPts val="0"/>
-              </a:spcAft>
-              <a:buClrTx/>
-              <a:buSzTx/>
-              <a:buFontTx/>
-              <a:buNone/>
-              <a:tabLst/>
-              <a:defRPr/>
-            </a:pPr>
-            <a:r>
-              <a:rPr kumimoji="0" lang="de-DE" sz="1800" b="0" i="0" u="none" strike="noStrike" kern="1200" cap="none" spc="0" normalizeH="0" baseline="0" noProof="0" dirty="0">
-                <a:ln>
-                  <a:noFill/>
-                </a:ln>
+            <a:pPr algn="ctr"/>
+            <a:r>
+              <a:rPr lang="de-DE" dirty="0">
                 <a:solidFill>
-                  <a:prstClr val="black"/>
+                  <a:schemeClr val="tx1"/>
                 </a:solidFill>
-                <a:effectLst/>
-                <a:uLnTx/>
-                <a:uFillTx/>
-                <a:latin typeface="Calibri" panose="020F0502020204030204"/>
-                <a:ea typeface="+mn-ea"/>
-                <a:cs typeface="+mn-cs"/>
               </a:rPr>
               <a:t>Bezahlen</a:t>
             </a:r>
@@ -4008,38 +3952,8 @@
           </a:bodyPr>
           <a:lstStyle/>
           <a:p>
-            <a:pPr marL="0" marR="0" lvl="0" indent="0" algn="l" defTabSz="914400" rtl="0" eaLnBrk="1" fontAlgn="auto" latinLnBrk="0" hangingPunct="1">
-              <a:lnSpc>
-                <a:spcPct val="100000"/>
-              </a:lnSpc>
-              <a:spcBef>
-                <a:spcPts val="0"/>
-              </a:spcBef>
-              <a:spcAft>
-                <a:spcPts val="0"/>
-              </a:spcAft>
-              <a:buClrTx/>
-              <a:buSzTx/>
-              <a:buFontTx/>
-              <a:buNone/>
-              <a:tabLst/>
-              <a:defRPr/>
-            </a:pPr>
-            <a:r>
-              <a:rPr kumimoji="0" lang="de-DE" sz="1800" b="0" i="0" u="none" strike="noStrike" kern="1200" cap="none" spc="0" normalizeH="0" baseline="0" noProof="0" dirty="0">
-                <a:ln>
-                  <a:noFill/>
-                </a:ln>
-                <a:solidFill>
-                  <a:prstClr val="black"/>
-                </a:solidFill>
-                <a:effectLst/>
-                <a:uLnTx/>
-                <a:uFillTx/>
-                <a:latin typeface="Calibri" panose="020F0502020204030204"/>
-                <a:ea typeface="+mn-ea"/>
-                <a:cs typeface="+mn-cs"/>
-              </a:rPr>
+            <a:r>
+              <a:rPr lang="de-DE" dirty="0"/>
               <a:t>Kunde</a:t>
             </a:r>
           </a:p>
@@ -4073,38 +3987,8 @@
           </a:bodyPr>
           <a:lstStyle/>
           <a:p>
-            <a:pPr marL="0" marR="0" lvl="0" indent="0" algn="l" defTabSz="914400" rtl="0" eaLnBrk="1" fontAlgn="auto" latinLnBrk="0" hangingPunct="1">
-              <a:lnSpc>
-                <a:spcPct val="100000"/>
-              </a:lnSpc>
-              <a:spcBef>
-                <a:spcPts val="0"/>
-              </a:spcBef>
-              <a:spcAft>
-                <a:spcPts val="0"/>
-              </a:spcAft>
-              <a:buClrTx/>
-              <a:buSzTx/>
-              <a:buFontTx/>
-              <a:buNone/>
-              <a:tabLst/>
-              <a:defRPr/>
-            </a:pPr>
-            <a:r>
-              <a:rPr kumimoji="0" lang="de-DE" sz="1800" b="0" i="0" u="none" strike="noStrike" kern="1200" cap="none" spc="0" normalizeH="0" baseline="0" noProof="0" dirty="0">
-                <a:ln>
-                  <a:noFill/>
-                </a:ln>
-                <a:solidFill>
-                  <a:prstClr val="black"/>
-                </a:solidFill>
-                <a:effectLst/>
-                <a:uLnTx/>
-                <a:uFillTx/>
-                <a:latin typeface="Calibri" panose="020F0502020204030204"/>
-                <a:ea typeface="+mn-ea"/>
-                <a:cs typeface="+mn-cs"/>
-              </a:rPr>
+            <a:r>
+              <a:rPr lang="de-DE" dirty="0"/>
               <a:t>Server</a:t>
             </a:r>
           </a:p>
@@ -4157,37 +4041,12 @@
           <a:bodyPr rtlCol="0" anchor="ctr"/>
           <a:lstStyle/>
           <a:p>
-            <a:pPr marL="0" marR="0" lvl="0" indent="0" algn="ctr" defTabSz="914400" rtl="0" eaLnBrk="1" fontAlgn="auto" latinLnBrk="0" hangingPunct="1">
-              <a:lnSpc>
-                <a:spcPct val="100000"/>
-              </a:lnSpc>
-              <a:spcBef>
-                <a:spcPts val="0"/>
-              </a:spcBef>
-              <a:spcAft>
-                <a:spcPts val="0"/>
-              </a:spcAft>
-              <a:buClrTx/>
-              <a:buSzTx/>
-              <a:buFontTx/>
-              <a:buNone/>
-              <a:tabLst/>
-              <a:defRPr/>
-            </a:pPr>
-            <a:r>
-              <a:rPr kumimoji="0" lang="de-DE" sz="1800" b="0" i="0" u="none" strike="noStrike" kern="1200" cap="none" spc="0" normalizeH="0" baseline="0" noProof="0" dirty="0">
-                <a:ln>
-                  <a:noFill/>
-                </a:ln>
+            <a:pPr algn="ctr"/>
+            <a:r>
+              <a:rPr lang="de-DE" dirty="0">
                 <a:solidFill>
-                  <a:prstClr val="black"/>
+                  <a:schemeClr val="tx1"/>
                 </a:solidFill>
-                <a:effectLst/>
-                <a:uLnTx/>
-                <a:uFillTx/>
-                <a:latin typeface="Calibri" panose="020F0502020204030204"/>
-                <a:ea typeface="+mn-ea"/>
-                <a:cs typeface="+mn-cs"/>
               </a:rPr>
               <a:t>Sendeinformationen angeben</a:t>
             </a:r>
@@ -4241,37 +4100,12 @@
           <a:bodyPr rtlCol="0" anchor="ctr"/>
           <a:lstStyle/>
           <a:p>
-            <a:pPr marL="0" marR="0" lvl="0" indent="0" algn="ctr" defTabSz="914400" rtl="0" eaLnBrk="1" fontAlgn="auto" latinLnBrk="0" hangingPunct="1">
-              <a:lnSpc>
-                <a:spcPct val="100000"/>
-              </a:lnSpc>
-              <a:spcBef>
-                <a:spcPts val="0"/>
-              </a:spcBef>
-              <a:spcAft>
-                <a:spcPts val="0"/>
-              </a:spcAft>
-              <a:buClrTx/>
-              <a:buSzTx/>
-              <a:buFontTx/>
-              <a:buNone/>
-              <a:tabLst/>
-              <a:defRPr/>
-            </a:pPr>
-            <a:r>
-              <a:rPr kumimoji="0" lang="de-DE" sz="1800" b="0" i="0" u="none" strike="noStrike" kern="1200" cap="none" spc="0" normalizeH="0" baseline="0" noProof="0" dirty="0">
-                <a:ln>
-                  <a:noFill/>
-                </a:ln>
+            <a:pPr algn="ctr"/>
+            <a:r>
+              <a:rPr lang="de-DE" dirty="0">
                 <a:solidFill>
-                  <a:prstClr val="black"/>
+                  <a:schemeClr val="tx1"/>
                 </a:solidFill>
-                <a:effectLst/>
-                <a:uLnTx/>
-                <a:uFillTx/>
-                <a:latin typeface="Calibri" panose="020F0502020204030204"/>
-                <a:ea typeface="+mn-ea"/>
-                <a:cs typeface="+mn-cs"/>
               </a:rPr>
               <a:t>Zahlbestätigung</a:t>
             </a:r>
@@ -4494,54 +4328,14 @@
           </a:bodyPr>
           <a:lstStyle/>
           <a:p>
-            <a:pPr marL="0" marR="0" lvl="0" indent="0" algn="l" defTabSz="914400" rtl="0" eaLnBrk="1" fontAlgn="auto" latinLnBrk="0" hangingPunct="1">
-              <a:lnSpc>
-                <a:spcPct val="100000"/>
-              </a:lnSpc>
-              <a:spcBef>
-                <a:spcPts val="0"/>
-              </a:spcBef>
-              <a:spcAft>
-                <a:spcPts val="0"/>
-              </a:spcAft>
-              <a:buClrTx/>
-              <a:buSzTx/>
-              <a:buFontTx/>
-              <a:buNone/>
-              <a:tabLst/>
-              <a:defRPr/>
-            </a:pPr>
-            <a:r>
-              <a:rPr kumimoji="0" lang="de-DE" sz="1400" b="0" i="0" u="none" strike="noStrike" kern="1200" cap="none" spc="0" normalizeH="0" baseline="0" noProof="0" dirty="0">
-                <a:ln>
-                  <a:noFill/>
-                </a:ln>
-                <a:solidFill>
-                  <a:prstClr val="black"/>
-                </a:solidFill>
+            <a:r>
+              <a:rPr lang="de-DE" sz="1400" b="0" i="0" dirty="0">
                 <a:effectLst/>
-                <a:uLnTx/>
-                <a:uFillTx/>
                 <a:latin typeface="Google Sans"/>
-                <a:ea typeface="+mn-ea"/>
-                <a:cs typeface="+mn-cs"/>
               </a:rPr>
               <a:t>&lt;&lt;include&gt;&gt;</a:t>
             </a:r>
-            <a:endParaRPr kumimoji="0" lang="de-DE" sz="1400" b="0" i="0" u="none" strike="noStrike" kern="1200" cap="none" spc="0" normalizeH="0" baseline="0" noProof="0" dirty="0">
-              <a:ln>
-                <a:noFill/>
-              </a:ln>
-              <a:solidFill>
-                <a:prstClr val="black"/>
-              </a:solidFill>
-              <a:effectLst/>
-              <a:uLnTx/>
-              <a:uFillTx/>
-              <a:latin typeface="Calibri" panose="020F0502020204030204"/>
-              <a:ea typeface="+mn-ea"/>
-              <a:cs typeface="+mn-cs"/>
-            </a:endParaRPr>
+            <a:endParaRPr lang="de-DE" sz="1400" dirty="0"/>
           </a:p>
         </p:txBody>
       </p:sp>
@@ -4573,38 +4367,8 @@
           </a:bodyPr>
           <a:lstStyle/>
           <a:p>
-            <a:pPr marL="0" marR="0" lvl="0" indent="0" algn="l" defTabSz="914400" rtl="0" eaLnBrk="1" fontAlgn="auto" latinLnBrk="0" hangingPunct="1">
-              <a:lnSpc>
-                <a:spcPct val="100000"/>
-              </a:lnSpc>
-              <a:spcBef>
-                <a:spcPts val="0"/>
-              </a:spcBef>
-              <a:spcAft>
-                <a:spcPts val="0"/>
-              </a:spcAft>
-              <a:buClrTx/>
-              <a:buSzTx/>
-              <a:buFontTx/>
-              <a:buNone/>
-              <a:tabLst/>
-              <a:defRPr/>
-            </a:pPr>
-            <a:r>
-              <a:rPr kumimoji="0" lang="de-DE" sz="1800" b="0" i="0" u="none" strike="noStrike" kern="1200" cap="none" spc="0" normalizeH="0" baseline="0" noProof="0" dirty="0">
-                <a:ln>
-                  <a:noFill/>
-                </a:ln>
-                <a:solidFill>
-                  <a:prstClr val="black"/>
-                </a:solidFill>
-                <a:effectLst/>
-                <a:uLnTx/>
-                <a:uFillTx/>
-                <a:latin typeface="Calibri" panose="020F0502020204030204"/>
-                <a:ea typeface="+mn-ea"/>
-                <a:cs typeface="+mn-cs"/>
-              </a:rPr>
+            <a:r>
+              <a:rPr lang="de-DE" dirty="0"/>
               <a:t>*Jede Kundenaktion erfordert eine „Bestätigung“</a:t>
             </a:r>
           </a:p>
@@ -4638,37 +4402,12 @@
           </a:bodyPr>
           <a:lstStyle/>
           <a:p>
-            <a:pPr marL="0" marR="0" lvl="0" indent="0" algn="ctr" defTabSz="914400" rtl="0" eaLnBrk="1" fontAlgn="auto" latinLnBrk="0" hangingPunct="1">
-              <a:lnSpc>
-                <a:spcPct val="100000"/>
-              </a:lnSpc>
-              <a:spcBef>
-                <a:spcPts val="0"/>
-              </a:spcBef>
-              <a:spcAft>
-                <a:spcPts val="0"/>
-              </a:spcAft>
-              <a:buClrTx/>
-              <a:buSzTx/>
-              <a:buFontTx/>
-              <a:buNone/>
-              <a:tabLst/>
-              <a:defRPr/>
-            </a:pPr>
-            <a:r>
-              <a:rPr kumimoji="0" lang="de-DE" sz="1800" b="0" i="0" u="none" strike="noStrike" kern="1200" cap="none" spc="0" normalizeH="0" baseline="0" noProof="0" dirty="0">
-                <a:ln>
-                  <a:noFill/>
-                </a:ln>
+            <a:pPr algn="ctr"/>
+            <a:r>
+              <a:rPr lang="de-DE" dirty="0">
                 <a:solidFill>
-                  <a:prstClr val="black"/>
+                  <a:schemeClr val="tx1"/>
                 </a:solidFill>
-                <a:effectLst/>
-                <a:uLnTx/>
-                <a:uFillTx/>
-                <a:latin typeface="Calibri" panose="020F0502020204030204"/>
-                <a:ea typeface="+mn-ea"/>
-                <a:cs typeface="+mn-cs"/>
               </a:rPr>
               <a:t>UC TRANSACTION</a:t>
             </a:r>
@@ -4830,37 +4569,8 @@
           <a:bodyPr rtlCol="0" anchor="ctr"/>
           <a:lstStyle/>
           <a:p>
-            <a:pPr marL="0" marR="0" lvl="0" indent="0" algn="ctr" defTabSz="914400" rtl="0" eaLnBrk="1" fontAlgn="auto" latinLnBrk="0" hangingPunct="1">
-              <a:lnSpc>
-                <a:spcPct val="100000"/>
-              </a:lnSpc>
-              <a:spcBef>
-                <a:spcPts val="0"/>
-              </a:spcBef>
-              <a:spcAft>
-                <a:spcPts val="0"/>
-              </a:spcAft>
-              <a:buClrTx/>
-              <a:buSzTx/>
-              <a:buFontTx/>
-              <a:buNone/>
-              <a:tabLst/>
-              <a:defRPr/>
-            </a:pPr>
-            <a:endParaRPr kumimoji="0" lang="de-DE" sz="1800" b="0" i="0" u="none" strike="noStrike" kern="1200" cap="none" spc="0" normalizeH="0" baseline="0" noProof="0">
-              <a:ln>
-                <a:noFill/>
-              </a:ln>
-              <a:solidFill>
-                <a:prstClr val="white"/>
-              </a:solidFill>
-              <a:effectLst/>
-              <a:uLnTx/>
-              <a:uFillTx/>
-              <a:latin typeface="Calibri" panose="020F0502020204030204"/>
-              <a:ea typeface="+mn-ea"/>
-              <a:cs typeface="+mn-cs"/>
-            </a:endParaRPr>
+            <a:pPr algn="ctr"/>
+            <a:endParaRPr lang="de-DE"/>
           </a:p>
         </p:txBody>
       </p:sp>
@@ -4892,37 +4602,12 @@
           </a:bodyPr>
           <a:lstStyle/>
           <a:p>
-            <a:pPr marL="0" marR="0" lvl="0" indent="0" algn="ctr" defTabSz="914400" rtl="0" eaLnBrk="1" fontAlgn="auto" latinLnBrk="0" hangingPunct="1">
-              <a:lnSpc>
-                <a:spcPct val="100000"/>
-              </a:lnSpc>
-              <a:spcBef>
-                <a:spcPts val="0"/>
-              </a:spcBef>
-              <a:spcAft>
-                <a:spcPts val="0"/>
-              </a:spcAft>
-              <a:buClrTx/>
-              <a:buSzTx/>
-              <a:buFontTx/>
-              <a:buNone/>
-              <a:tabLst/>
-              <a:defRPr/>
-            </a:pPr>
-            <a:r>
-              <a:rPr kumimoji="0" lang="de-DE" sz="1800" b="0" i="0" u="none" strike="noStrike" kern="1200" cap="none" spc="0" normalizeH="0" baseline="0" noProof="0" dirty="0">
-                <a:ln>
-                  <a:noFill/>
-                </a:ln>
+            <a:pPr algn="ctr"/>
+            <a:r>
+              <a:rPr lang="de-DE" dirty="0">
                 <a:solidFill>
-                  <a:prstClr val="black"/>
+                  <a:schemeClr val="tx1"/>
                 </a:solidFill>
-                <a:effectLst/>
-                <a:uLnTx/>
-                <a:uFillTx/>
-                <a:latin typeface="Calibri" panose="020F0502020204030204"/>
-                <a:ea typeface="+mn-ea"/>
-                <a:cs typeface="+mn-cs"/>
               </a:rPr>
               <a:t>Storno</a:t>
             </a:r>
@@ -4976,37 +4661,12 @@
           <a:bodyPr rtlCol="0" anchor="ctr"/>
           <a:lstStyle/>
           <a:p>
-            <a:pPr marL="0" marR="0" lvl="0" indent="0" algn="ctr" defTabSz="914400" rtl="0" eaLnBrk="1" fontAlgn="auto" latinLnBrk="0" hangingPunct="1">
-              <a:lnSpc>
-                <a:spcPct val="100000"/>
-              </a:lnSpc>
-              <a:spcBef>
-                <a:spcPts val="0"/>
-              </a:spcBef>
-              <a:spcAft>
-                <a:spcPts val="0"/>
-              </a:spcAft>
-              <a:buClrTx/>
-              <a:buSzTx/>
-              <a:buFontTx/>
-              <a:buNone/>
-              <a:tabLst/>
-              <a:defRPr/>
-            </a:pPr>
-            <a:r>
-              <a:rPr kumimoji="0" lang="de-DE" sz="1800" b="0" i="0" u="none" strike="noStrike" kern="1200" cap="none" spc="0" normalizeH="0" baseline="0" noProof="0" dirty="0">
-                <a:ln>
-                  <a:noFill/>
-                </a:ln>
+            <a:pPr algn="ctr"/>
+            <a:r>
+              <a:rPr lang="de-DE" dirty="0">
                 <a:solidFill>
-                  <a:prstClr val="black"/>
+                  <a:schemeClr val="tx1"/>
                 </a:solidFill>
-                <a:effectLst/>
-                <a:uLnTx/>
-                <a:uFillTx/>
-                <a:latin typeface="Calibri" panose="020F0502020204030204"/>
-                <a:ea typeface="+mn-ea"/>
-                <a:cs typeface="+mn-cs"/>
               </a:rPr>
               <a:t>Bestellung auswählen</a:t>
             </a:r>
@@ -5060,37 +4720,12 @@
           <a:bodyPr rtlCol="0" anchor="ctr"/>
           <a:lstStyle/>
           <a:p>
-            <a:pPr marL="0" marR="0" lvl="0" indent="0" algn="ctr" defTabSz="914400" rtl="0" eaLnBrk="1" fontAlgn="auto" latinLnBrk="0" hangingPunct="1">
-              <a:lnSpc>
-                <a:spcPct val="100000"/>
-              </a:lnSpc>
-              <a:spcBef>
-                <a:spcPts val="0"/>
-              </a:spcBef>
-              <a:spcAft>
-                <a:spcPts val="0"/>
-              </a:spcAft>
-              <a:buClrTx/>
-              <a:buSzTx/>
-              <a:buFontTx/>
-              <a:buNone/>
-              <a:tabLst/>
-              <a:defRPr/>
-            </a:pPr>
-            <a:r>
-              <a:rPr kumimoji="0" lang="de-DE" sz="1800" b="0" i="0" u="none" strike="noStrike" kern="1200" cap="none" spc="0" normalizeH="0" baseline="0" noProof="0" dirty="0">
-                <a:ln>
-                  <a:noFill/>
-                </a:ln>
+            <a:pPr algn="ctr"/>
+            <a:r>
+              <a:rPr lang="de-DE" dirty="0">
                 <a:solidFill>
-                  <a:prstClr val="black"/>
+                  <a:schemeClr val="tx1"/>
                 </a:solidFill>
-                <a:effectLst/>
-                <a:uLnTx/>
-                <a:uFillTx/>
-                <a:latin typeface="Calibri" panose="020F0502020204030204"/>
-                <a:ea typeface="+mn-ea"/>
-                <a:cs typeface="+mn-cs"/>
               </a:rPr>
               <a:t>Zahladresse angeben</a:t>
             </a:r>
@@ -5172,38 +4807,8 @@
           </a:bodyPr>
           <a:lstStyle/>
           <a:p>
-            <a:pPr marL="0" marR="0" lvl="0" indent="0" algn="l" defTabSz="914400" rtl="0" eaLnBrk="1" fontAlgn="auto" latinLnBrk="0" hangingPunct="1">
-              <a:lnSpc>
-                <a:spcPct val="100000"/>
-              </a:lnSpc>
-              <a:spcBef>
-                <a:spcPts val="0"/>
-              </a:spcBef>
-              <a:spcAft>
-                <a:spcPts val="0"/>
-              </a:spcAft>
-              <a:buClrTx/>
-              <a:buSzTx/>
-              <a:buFontTx/>
-              <a:buNone/>
-              <a:tabLst/>
-              <a:defRPr/>
-            </a:pPr>
-            <a:r>
-              <a:rPr kumimoji="0" lang="de-DE" sz="1800" b="0" i="0" u="none" strike="noStrike" kern="1200" cap="none" spc="0" normalizeH="0" baseline="0" noProof="0" dirty="0">
-                <a:ln>
-                  <a:noFill/>
-                </a:ln>
-                <a:solidFill>
-                  <a:prstClr val="black"/>
-                </a:solidFill>
-                <a:effectLst/>
-                <a:uLnTx/>
-                <a:uFillTx/>
-                <a:latin typeface="Calibri" panose="020F0502020204030204"/>
-                <a:ea typeface="+mn-ea"/>
-                <a:cs typeface="+mn-cs"/>
-              </a:rPr>
+            <a:r>
+              <a:rPr lang="de-DE" dirty="0"/>
               <a:t>Kunde</a:t>
             </a:r>
           </a:p>
@@ -5237,38 +4842,8 @@
           </a:bodyPr>
           <a:lstStyle/>
           <a:p>
-            <a:pPr marL="0" marR="0" lvl="0" indent="0" algn="l" defTabSz="914400" rtl="0" eaLnBrk="1" fontAlgn="auto" latinLnBrk="0" hangingPunct="1">
-              <a:lnSpc>
-                <a:spcPct val="100000"/>
-              </a:lnSpc>
-              <a:spcBef>
-                <a:spcPts val="0"/>
-              </a:spcBef>
-              <a:spcAft>
-                <a:spcPts val="0"/>
-              </a:spcAft>
-              <a:buClrTx/>
-              <a:buSzTx/>
-              <a:buFontTx/>
-              <a:buNone/>
-              <a:tabLst/>
-              <a:defRPr/>
-            </a:pPr>
-            <a:r>
-              <a:rPr kumimoji="0" lang="de-DE" sz="1800" b="0" i="0" u="none" strike="noStrike" kern="1200" cap="none" spc="0" normalizeH="0" baseline="0" noProof="0" dirty="0">
-                <a:ln>
-                  <a:noFill/>
-                </a:ln>
-                <a:solidFill>
-                  <a:prstClr val="black"/>
-                </a:solidFill>
-                <a:effectLst/>
-                <a:uLnTx/>
-                <a:uFillTx/>
-                <a:latin typeface="Calibri" panose="020F0502020204030204"/>
-                <a:ea typeface="+mn-ea"/>
-                <a:cs typeface="+mn-cs"/>
-              </a:rPr>
+            <a:r>
+              <a:rPr lang="de-DE" dirty="0"/>
               <a:t>Server</a:t>
             </a:r>
           </a:p>
@@ -5321,37 +4896,12 @@
           <a:bodyPr rtlCol="0" anchor="ctr"/>
           <a:lstStyle/>
           <a:p>
-            <a:pPr marL="0" marR="0" lvl="0" indent="0" algn="ctr" defTabSz="914400" rtl="0" eaLnBrk="1" fontAlgn="auto" latinLnBrk="0" hangingPunct="1">
-              <a:lnSpc>
-                <a:spcPct val="100000"/>
-              </a:lnSpc>
-              <a:spcBef>
-                <a:spcPts val="0"/>
-              </a:spcBef>
-              <a:spcAft>
-                <a:spcPts val="0"/>
-              </a:spcAft>
-              <a:buClrTx/>
-              <a:buSzTx/>
-              <a:buFontTx/>
-              <a:buNone/>
-              <a:tabLst/>
-              <a:defRPr/>
-            </a:pPr>
-            <a:r>
-              <a:rPr kumimoji="0" lang="de-DE" sz="1800" b="0" i="0" u="none" strike="noStrike" kern="1200" cap="none" spc="0" normalizeH="0" baseline="0" noProof="0" dirty="0">
-                <a:ln>
-                  <a:noFill/>
-                </a:ln>
+            <a:pPr algn="ctr"/>
+            <a:r>
+              <a:rPr lang="de-DE" dirty="0">
                 <a:solidFill>
-                  <a:prstClr val="black"/>
+                  <a:schemeClr val="tx1"/>
                 </a:solidFill>
-                <a:effectLst/>
-                <a:uLnTx/>
-                <a:uFillTx/>
-                <a:latin typeface="Calibri" panose="020F0502020204030204"/>
-                <a:ea typeface="+mn-ea"/>
-                <a:cs typeface="+mn-cs"/>
               </a:rPr>
               <a:t>Grund angeben</a:t>
             </a:r>
@@ -5405,37 +4955,12 @@
           <a:bodyPr rtlCol="0" anchor="ctr"/>
           <a:lstStyle/>
           <a:p>
-            <a:pPr marL="0" marR="0" lvl="0" indent="0" algn="ctr" defTabSz="914400" rtl="0" eaLnBrk="1" fontAlgn="auto" latinLnBrk="0" hangingPunct="1">
-              <a:lnSpc>
-                <a:spcPct val="100000"/>
-              </a:lnSpc>
-              <a:spcBef>
-                <a:spcPts val="0"/>
-              </a:spcBef>
-              <a:spcAft>
-                <a:spcPts val="0"/>
-              </a:spcAft>
-              <a:buClrTx/>
-              <a:buSzTx/>
-              <a:buFontTx/>
-              <a:buNone/>
-              <a:tabLst/>
-              <a:defRPr/>
-            </a:pPr>
-            <a:r>
-              <a:rPr kumimoji="0" lang="de-DE" sz="1800" b="0" i="0" u="none" strike="noStrike" kern="1200" cap="none" spc="0" normalizeH="0" baseline="0" noProof="0" dirty="0">
-                <a:ln>
-                  <a:noFill/>
-                </a:ln>
+            <a:pPr algn="ctr"/>
+            <a:r>
+              <a:rPr lang="de-DE" dirty="0">
                 <a:solidFill>
-                  <a:prstClr val="black"/>
+                  <a:schemeClr val="tx1"/>
                 </a:solidFill>
-                <a:effectLst/>
-                <a:uLnTx/>
-                <a:uFillTx/>
-                <a:latin typeface="Calibri" panose="020F0502020204030204"/>
-                <a:ea typeface="+mn-ea"/>
-                <a:cs typeface="+mn-cs"/>
               </a:rPr>
               <a:t>Geld zurück</a:t>
             </a:r>
@@ -5658,54 +5183,14 @@
           </a:bodyPr>
           <a:lstStyle/>
           <a:p>
-            <a:pPr marL="0" marR="0" lvl="0" indent="0" algn="l" defTabSz="914400" rtl="0" eaLnBrk="1" fontAlgn="auto" latinLnBrk="0" hangingPunct="1">
-              <a:lnSpc>
-                <a:spcPct val="100000"/>
-              </a:lnSpc>
-              <a:spcBef>
-                <a:spcPts val="0"/>
-              </a:spcBef>
-              <a:spcAft>
-                <a:spcPts val="0"/>
-              </a:spcAft>
-              <a:buClrTx/>
-              <a:buSzTx/>
-              <a:buFontTx/>
-              <a:buNone/>
-              <a:tabLst/>
-              <a:defRPr/>
-            </a:pPr>
-            <a:r>
-              <a:rPr kumimoji="0" lang="de-DE" sz="1400" b="0" i="0" u="none" strike="noStrike" kern="1200" cap="none" spc="0" normalizeH="0" baseline="0" noProof="0" dirty="0">
-                <a:ln>
-                  <a:noFill/>
-                </a:ln>
-                <a:solidFill>
-                  <a:prstClr val="black"/>
-                </a:solidFill>
+            <a:r>
+              <a:rPr lang="de-DE" sz="1400" b="0" i="0" dirty="0">
                 <a:effectLst/>
-                <a:uLnTx/>
-                <a:uFillTx/>
                 <a:latin typeface="Google Sans"/>
-                <a:ea typeface="+mn-ea"/>
-                <a:cs typeface="+mn-cs"/>
               </a:rPr>
               <a:t>&lt;&lt;include&gt;&gt;</a:t>
             </a:r>
-            <a:endParaRPr kumimoji="0" lang="de-DE" sz="1400" b="0" i="0" u="none" strike="noStrike" kern="1200" cap="none" spc="0" normalizeH="0" baseline="0" noProof="0" dirty="0">
-              <a:ln>
-                <a:noFill/>
-              </a:ln>
-              <a:solidFill>
-                <a:prstClr val="black"/>
-              </a:solidFill>
-              <a:effectLst/>
-              <a:uLnTx/>
-              <a:uFillTx/>
-              <a:latin typeface="Calibri" panose="020F0502020204030204"/>
-              <a:ea typeface="+mn-ea"/>
-              <a:cs typeface="+mn-cs"/>
-            </a:endParaRPr>
+            <a:endParaRPr lang="de-DE" sz="1400" dirty="0"/>
           </a:p>
         </p:txBody>
       </p:sp>
@@ -5737,38 +5222,8 @@
           </a:bodyPr>
           <a:lstStyle/>
           <a:p>
-            <a:pPr marL="0" marR="0" lvl="0" indent="0" algn="l" defTabSz="914400" rtl="0" eaLnBrk="1" fontAlgn="auto" latinLnBrk="0" hangingPunct="1">
-              <a:lnSpc>
-                <a:spcPct val="100000"/>
-              </a:lnSpc>
-              <a:spcBef>
-                <a:spcPts val="0"/>
-              </a:spcBef>
-              <a:spcAft>
-                <a:spcPts val="0"/>
-              </a:spcAft>
-              <a:buClrTx/>
-              <a:buSzTx/>
-              <a:buFontTx/>
-              <a:buNone/>
-              <a:tabLst/>
-              <a:defRPr/>
-            </a:pPr>
-            <a:r>
-              <a:rPr kumimoji="0" lang="de-DE" sz="1800" b="0" i="0" u="none" strike="noStrike" kern="1200" cap="none" spc="0" normalizeH="0" baseline="0" noProof="0" dirty="0">
-                <a:ln>
-                  <a:noFill/>
-                </a:ln>
-                <a:solidFill>
-                  <a:prstClr val="black"/>
-                </a:solidFill>
-                <a:effectLst/>
-                <a:uLnTx/>
-                <a:uFillTx/>
-                <a:latin typeface="Calibri" panose="020F0502020204030204"/>
-                <a:ea typeface="+mn-ea"/>
-                <a:cs typeface="+mn-cs"/>
-              </a:rPr>
+            <a:r>
+              <a:rPr lang="de-DE" dirty="0"/>
               <a:t>*Jede Kundenaktion erfordert eine „Bestätigung“</a:t>
             </a:r>
           </a:p>
@@ -5802,37 +5257,12 @@
           </a:bodyPr>
           <a:lstStyle/>
           <a:p>
-            <a:pPr marL="0" marR="0" lvl="0" indent="0" algn="ctr" defTabSz="914400" rtl="0" eaLnBrk="1" fontAlgn="auto" latinLnBrk="0" hangingPunct="1">
-              <a:lnSpc>
-                <a:spcPct val="100000"/>
-              </a:lnSpc>
-              <a:spcBef>
-                <a:spcPts val="0"/>
-              </a:spcBef>
-              <a:spcAft>
-                <a:spcPts val="0"/>
-              </a:spcAft>
-              <a:buClrTx/>
-              <a:buSzTx/>
-              <a:buFontTx/>
-              <a:buNone/>
-              <a:tabLst/>
-              <a:defRPr/>
-            </a:pPr>
-            <a:r>
-              <a:rPr kumimoji="0" lang="de-DE" sz="1800" b="0" i="0" u="none" strike="noStrike" kern="1200" cap="none" spc="0" normalizeH="0" baseline="0" noProof="0" dirty="0">
-                <a:ln>
-                  <a:noFill/>
-                </a:ln>
+            <a:pPr algn="ctr"/>
+            <a:r>
+              <a:rPr lang="de-DE" dirty="0">
                 <a:solidFill>
-                  <a:prstClr val="black"/>
+                  <a:schemeClr val="tx1"/>
                 </a:solidFill>
-                <a:effectLst/>
-                <a:uLnTx/>
-                <a:uFillTx/>
-                <a:latin typeface="Calibri" panose="020F0502020204030204"/>
-                <a:ea typeface="+mn-ea"/>
-                <a:cs typeface="+mn-cs"/>
               </a:rPr>
               <a:t>UC TRANSACTION</a:t>
             </a:r>
@@ -5994,37 +5424,8 @@
           <a:bodyPr rtlCol="0" anchor="ctr"/>
           <a:lstStyle/>
           <a:p>
-            <a:pPr marL="0" marR="0" lvl="0" indent="0" algn="ctr" defTabSz="914400" rtl="0" eaLnBrk="1" fontAlgn="auto" latinLnBrk="0" hangingPunct="1">
-              <a:lnSpc>
-                <a:spcPct val="100000"/>
-              </a:lnSpc>
-              <a:spcBef>
-                <a:spcPts val="0"/>
-              </a:spcBef>
-              <a:spcAft>
-                <a:spcPts val="0"/>
-              </a:spcAft>
-              <a:buClrTx/>
-              <a:buSzTx/>
-              <a:buFontTx/>
-              <a:buNone/>
-              <a:tabLst/>
-              <a:defRPr/>
-            </a:pPr>
-            <a:endParaRPr kumimoji="0" lang="de-DE" sz="1800" b="0" i="0" u="none" strike="noStrike" kern="1200" cap="none" spc="0" normalizeH="0" baseline="0" noProof="0">
-              <a:ln>
-                <a:noFill/>
-              </a:ln>
-              <a:solidFill>
-                <a:prstClr val="white"/>
-              </a:solidFill>
-              <a:effectLst/>
-              <a:uLnTx/>
-              <a:uFillTx/>
-              <a:latin typeface="Calibri" panose="020F0502020204030204"/>
-              <a:ea typeface="+mn-ea"/>
-              <a:cs typeface="+mn-cs"/>
-            </a:endParaRPr>
+            <a:pPr algn="ctr"/>
+            <a:endParaRPr lang="de-DE"/>
           </a:p>
         </p:txBody>
       </p:sp>
@@ -6056,37 +5457,12 @@
           </a:bodyPr>
           <a:lstStyle/>
           <a:p>
-            <a:pPr marL="0" marR="0" lvl="0" indent="0" algn="ctr" defTabSz="914400" rtl="0" eaLnBrk="1" fontAlgn="auto" latinLnBrk="0" hangingPunct="1">
-              <a:lnSpc>
-                <a:spcPct val="100000"/>
-              </a:lnSpc>
-              <a:spcBef>
-                <a:spcPts val="0"/>
-              </a:spcBef>
-              <a:spcAft>
-                <a:spcPts val="0"/>
-              </a:spcAft>
-              <a:buClrTx/>
-              <a:buSzTx/>
-              <a:buFontTx/>
-              <a:buNone/>
-              <a:tabLst/>
-              <a:defRPr/>
-            </a:pPr>
-            <a:r>
-              <a:rPr kumimoji="0" lang="de-DE" sz="1800" b="0" i="0" u="none" strike="noStrike" kern="1200" cap="none" spc="0" normalizeH="0" baseline="0" noProof="0" dirty="0">
-                <a:ln>
-                  <a:noFill/>
-                </a:ln>
+            <a:pPr algn="ctr"/>
+            <a:r>
+              <a:rPr lang="de-DE" dirty="0">
                 <a:solidFill>
-                  <a:prstClr val="black"/>
+                  <a:schemeClr val="tx1"/>
                 </a:solidFill>
-                <a:effectLst/>
-                <a:uLnTx/>
-                <a:uFillTx/>
-                <a:latin typeface="Calibri" panose="020F0502020204030204"/>
-                <a:ea typeface="+mn-ea"/>
-                <a:cs typeface="+mn-cs"/>
               </a:rPr>
               <a:t>Suchanfrage für Shirt</a:t>
             </a:r>
@@ -6140,54 +5516,20 @@
           <a:bodyPr rtlCol="0" anchor="ctr"/>
           <a:lstStyle/>
           <a:p>
-            <a:pPr marL="0" marR="0" lvl="0" indent="0" algn="ctr" defTabSz="914400" rtl="0" eaLnBrk="1" fontAlgn="auto" latinLnBrk="0" hangingPunct="1">
-              <a:lnSpc>
-                <a:spcPct val="100000"/>
-              </a:lnSpc>
-              <a:spcBef>
-                <a:spcPts val="0"/>
-              </a:spcBef>
-              <a:spcAft>
-                <a:spcPts val="0"/>
-              </a:spcAft>
-              <a:buClrTx/>
-              <a:buSzTx/>
-              <a:buFontTx/>
-              <a:buNone/>
-              <a:tabLst/>
-              <a:defRPr/>
-            </a:pPr>
-            <a:r>
-              <a:rPr kumimoji="0" lang="de-DE" sz="1800" b="0" i="0" u="none" strike="noStrike" kern="1200" cap="none" spc="0" normalizeH="0" baseline="0" noProof="0" dirty="0" err="1">
-                <a:ln>
-                  <a:noFill/>
-                </a:ln>
+            <a:pPr algn="ctr"/>
+            <a:r>
+              <a:rPr lang="de-DE" dirty="0" err="1">
                 <a:solidFill>
-                  <a:prstClr val="black"/>
+                  <a:schemeClr val="tx1"/>
                 </a:solidFill>
-                <a:effectLst/>
-                <a:uLnTx/>
-                <a:uFillTx/>
-                <a:latin typeface="Calibri" panose="020F0502020204030204"/>
-                <a:ea typeface="+mn-ea"/>
-                <a:cs typeface="+mn-cs"/>
               </a:rPr>
               <a:t>Suchbox</a:t>
             </a:r>
             <a:r>
-              <a:rPr kumimoji="0" lang="de-DE" sz="1800" b="0" i="0" u="none" strike="noStrike" kern="1200" cap="none" spc="0" normalizeH="0" baseline="0" noProof="0" dirty="0">
-                <a:ln>
-                  <a:noFill/>
-                </a:ln>
+              <a:rPr lang="de-DE" dirty="0">
                 <a:solidFill>
-                  <a:prstClr val="black"/>
+                  <a:schemeClr val="tx1"/>
                 </a:solidFill>
-                <a:effectLst/>
-                <a:uLnTx/>
-                <a:uFillTx/>
-                <a:latin typeface="Calibri" panose="020F0502020204030204"/>
-                <a:ea typeface="+mn-ea"/>
-                <a:cs typeface="+mn-cs"/>
               </a:rPr>
               <a:t> auswählen</a:t>
             </a:r>
@@ -6269,38 +5611,8 @@
           </a:bodyPr>
           <a:lstStyle/>
           <a:p>
-            <a:pPr marL="0" marR="0" lvl="0" indent="0" algn="l" defTabSz="914400" rtl="0" eaLnBrk="1" fontAlgn="auto" latinLnBrk="0" hangingPunct="1">
-              <a:lnSpc>
-                <a:spcPct val="100000"/>
-              </a:lnSpc>
-              <a:spcBef>
-                <a:spcPts val="0"/>
-              </a:spcBef>
-              <a:spcAft>
-                <a:spcPts val="0"/>
-              </a:spcAft>
-              <a:buClrTx/>
-              <a:buSzTx/>
-              <a:buFontTx/>
-              <a:buNone/>
-              <a:tabLst/>
-              <a:defRPr/>
-            </a:pPr>
-            <a:r>
-              <a:rPr kumimoji="0" lang="de-DE" sz="1800" b="0" i="0" u="none" strike="noStrike" kern="1200" cap="none" spc="0" normalizeH="0" baseline="0" noProof="0" dirty="0">
-                <a:ln>
-                  <a:noFill/>
-                </a:ln>
-                <a:solidFill>
-                  <a:prstClr val="black"/>
-                </a:solidFill>
-                <a:effectLst/>
-                <a:uLnTx/>
-                <a:uFillTx/>
-                <a:latin typeface="Calibri" panose="020F0502020204030204"/>
-                <a:ea typeface="+mn-ea"/>
-                <a:cs typeface="+mn-cs"/>
-              </a:rPr>
+            <a:r>
+              <a:rPr lang="de-DE" dirty="0"/>
               <a:t>Kunde</a:t>
             </a:r>
           </a:p>
@@ -6334,38 +5646,8 @@
           </a:bodyPr>
           <a:lstStyle/>
           <a:p>
-            <a:pPr marL="0" marR="0" lvl="0" indent="0" algn="l" defTabSz="914400" rtl="0" eaLnBrk="1" fontAlgn="auto" latinLnBrk="0" hangingPunct="1">
-              <a:lnSpc>
-                <a:spcPct val="100000"/>
-              </a:lnSpc>
-              <a:spcBef>
-                <a:spcPts val="0"/>
-              </a:spcBef>
-              <a:spcAft>
-                <a:spcPts val="0"/>
-              </a:spcAft>
-              <a:buClrTx/>
-              <a:buSzTx/>
-              <a:buFontTx/>
-              <a:buNone/>
-              <a:tabLst/>
-              <a:defRPr/>
-            </a:pPr>
-            <a:r>
-              <a:rPr kumimoji="0" lang="de-DE" sz="1800" b="0" i="0" u="none" strike="noStrike" kern="1200" cap="none" spc="0" normalizeH="0" baseline="0" noProof="0" dirty="0">
-                <a:ln>
-                  <a:noFill/>
-                </a:ln>
-                <a:solidFill>
-                  <a:prstClr val="black"/>
-                </a:solidFill>
-                <a:effectLst/>
-                <a:uLnTx/>
-                <a:uFillTx/>
-                <a:latin typeface="Calibri" panose="020F0502020204030204"/>
-                <a:ea typeface="+mn-ea"/>
-                <a:cs typeface="+mn-cs"/>
-              </a:rPr>
+            <a:r>
+              <a:rPr lang="de-DE" dirty="0"/>
               <a:t>Server</a:t>
             </a:r>
           </a:p>
@@ -6418,37 +5700,12 @@
           <a:bodyPr rtlCol="0" anchor="ctr"/>
           <a:lstStyle/>
           <a:p>
-            <a:pPr marL="0" marR="0" lvl="0" indent="0" algn="ctr" defTabSz="914400" rtl="0" eaLnBrk="1" fontAlgn="auto" latinLnBrk="0" hangingPunct="1">
-              <a:lnSpc>
-                <a:spcPct val="100000"/>
-              </a:lnSpc>
-              <a:spcBef>
-                <a:spcPts val="0"/>
-              </a:spcBef>
-              <a:spcAft>
-                <a:spcPts val="0"/>
-              </a:spcAft>
-              <a:buClrTx/>
-              <a:buSzTx/>
-              <a:buFontTx/>
-              <a:buNone/>
-              <a:tabLst/>
-              <a:defRPr/>
-            </a:pPr>
-            <a:r>
-              <a:rPr kumimoji="0" lang="de-DE" sz="1800" b="0" i="0" u="none" strike="noStrike" kern="1200" cap="none" spc="0" normalizeH="0" baseline="0" noProof="0" dirty="0">
-                <a:ln>
-                  <a:noFill/>
-                </a:ln>
+            <a:pPr algn="ctr"/>
+            <a:r>
+              <a:rPr lang="de-DE" dirty="0">
                 <a:solidFill>
-                  <a:prstClr val="black"/>
+                  <a:schemeClr val="tx1"/>
                 </a:solidFill>
-                <a:effectLst/>
-                <a:uLnTx/>
-                <a:uFillTx/>
-                <a:latin typeface="Calibri" panose="020F0502020204030204"/>
-                <a:ea typeface="+mn-ea"/>
-                <a:cs typeface="+mn-cs"/>
               </a:rPr>
               <a:t>Suchbegriff eingeben und bestätigen</a:t>
             </a:r>
@@ -6502,37 +5759,12 @@
           <a:bodyPr rtlCol="0" anchor="ctr"/>
           <a:lstStyle/>
           <a:p>
-            <a:pPr marL="0" marR="0" lvl="0" indent="0" algn="ctr" defTabSz="914400" rtl="0" eaLnBrk="1" fontAlgn="auto" latinLnBrk="0" hangingPunct="1">
-              <a:lnSpc>
-                <a:spcPct val="100000"/>
-              </a:lnSpc>
-              <a:spcBef>
-                <a:spcPts val="0"/>
-              </a:spcBef>
-              <a:spcAft>
-                <a:spcPts val="0"/>
-              </a:spcAft>
-              <a:buClrTx/>
-              <a:buSzTx/>
-              <a:buFontTx/>
-              <a:buNone/>
-              <a:tabLst/>
-              <a:defRPr/>
-            </a:pPr>
-            <a:r>
-              <a:rPr kumimoji="0" lang="de-DE" sz="1800" b="0" i="0" u="none" strike="noStrike" kern="1200" cap="none" spc="0" normalizeH="0" baseline="0" noProof="0" dirty="0">
-                <a:ln>
-                  <a:noFill/>
-                </a:ln>
+            <a:pPr algn="ctr"/>
+            <a:r>
+              <a:rPr lang="de-DE" dirty="0">
                 <a:solidFill>
-                  <a:prstClr val="black"/>
+                  <a:schemeClr val="tx1"/>
                 </a:solidFill>
-                <a:effectLst/>
-                <a:uLnTx/>
-                <a:uFillTx/>
-                <a:latin typeface="Calibri" panose="020F0502020204030204"/>
-                <a:ea typeface="+mn-ea"/>
-                <a:cs typeface="+mn-cs"/>
               </a:rPr>
               <a:t>Suchbegriff mit Artikel vergleichen</a:t>
             </a:r>
@@ -6661,38 +5893,8 @@
           </a:bodyPr>
           <a:lstStyle/>
           <a:p>
-            <a:pPr marL="0" marR="0" lvl="0" indent="0" algn="l" defTabSz="914400" rtl="0" eaLnBrk="1" fontAlgn="auto" latinLnBrk="0" hangingPunct="1">
-              <a:lnSpc>
-                <a:spcPct val="100000"/>
-              </a:lnSpc>
-              <a:spcBef>
-                <a:spcPts val="0"/>
-              </a:spcBef>
-              <a:spcAft>
-                <a:spcPts val="0"/>
-              </a:spcAft>
-              <a:buClrTx/>
-              <a:buSzTx/>
-              <a:buFontTx/>
-              <a:buNone/>
-              <a:tabLst/>
-              <a:defRPr/>
-            </a:pPr>
-            <a:r>
-              <a:rPr kumimoji="0" lang="de-DE" sz="1800" b="0" i="0" u="none" strike="noStrike" kern="1200" cap="none" spc="0" normalizeH="0" baseline="0" noProof="0" dirty="0">
-                <a:ln>
-                  <a:noFill/>
-                </a:ln>
-                <a:solidFill>
-                  <a:prstClr val="black"/>
-                </a:solidFill>
-                <a:effectLst/>
-                <a:uLnTx/>
-                <a:uFillTx/>
-                <a:latin typeface="Calibri" panose="020F0502020204030204"/>
-                <a:ea typeface="+mn-ea"/>
-                <a:cs typeface="+mn-cs"/>
-              </a:rPr>
+            <a:r>
+              <a:rPr lang="de-DE" dirty="0"/>
               <a:t>*Jede Kundenaktion erfordert eine „Bestätigung“</a:t>
             </a:r>
           </a:p>
@@ -6792,37 +5994,12 @@
           <a:bodyPr rtlCol="0" anchor="ctr"/>
           <a:lstStyle/>
           <a:p>
-            <a:pPr marL="0" marR="0" lvl="0" indent="0" algn="ctr" defTabSz="914400" rtl="0" eaLnBrk="1" fontAlgn="auto" latinLnBrk="0" hangingPunct="1">
-              <a:lnSpc>
-                <a:spcPct val="100000"/>
-              </a:lnSpc>
-              <a:spcBef>
-                <a:spcPts val="0"/>
-              </a:spcBef>
-              <a:spcAft>
-                <a:spcPts val="0"/>
-              </a:spcAft>
-              <a:buClrTx/>
-              <a:buSzTx/>
-              <a:buFontTx/>
-              <a:buNone/>
-              <a:tabLst/>
-              <a:defRPr/>
-            </a:pPr>
-            <a:r>
-              <a:rPr kumimoji="0" lang="de-DE" sz="1800" b="0" i="0" u="none" strike="noStrike" kern="1200" cap="none" spc="0" normalizeH="0" baseline="0" noProof="0" dirty="0">
-                <a:ln>
-                  <a:noFill/>
-                </a:ln>
+            <a:pPr algn="ctr"/>
+            <a:r>
+              <a:rPr lang="de-DE" dirty="0">
                 <a:solidFill>
-                  <a:prstClr val="black"/>
+                  <a:schemeClr val="tx1"/>
                 </a:solidFill>
-                <a:effectLst/>
-                <a:uLnTx/>
-                <a:uFillTx/>
-                <a:latin typeface="Calibri" panose="020F0502020204030204"/>
-                <a:ea typeface="+mn-ea"/>
-                <a:cs typeface="+mn-cs"/>
               </a:rPr>
               <a:t>Artikel gefiltert anzeigen</a:t>
             </a:r>
@@ -6904,40 +6081,24 @@
           </a:bodyPr>
           <a:lstStyle/>
           <a:p>
-            <a:pPr marL="0" marR="0" lvl="0" indent="0" algn="ctr" defTabSz="914400" rtl="0" eaLnBrk="1" fontAlgn="auto" latinLnBrk="0" hangingPunct="1">
-              <a:lnSpc>
-                <a:spcPct val="100000"/>
-              </a:lnSpc>
-              <a:spcBef>
-                <a:spcPts val="0"/>
-              </a:spcBef>
-              <a:spcAft>
-                <a:spcPts val="0"/>
-              </a:spcAft>
-              <a:buClrTx/>
-              <a:buSzTx/>
-              <a:buFontTx/>
-              <a:buNone/>
-              <a:tabLst/>
-              <a:defRPr/>
-            </a:pPr>
-            <a:r>
-              <a:rPr kumimoji="0" lang="de-DE" sz="1800" b="0" i="0" u="none" strike="noStrike" kern="1200" cap="none" spc="0" normalizeH="0" baseline="0" noProof="0" dirty="0">
-                <a:ln>
-                  <a:noFill/>
-                </a:ln>
+            <a:pPr algn="ctr"/>
+            <a:r>
+              <a:rPr lang="de-DE" dirty="0">
                 <a:solidFill>
-                  <a:prstClr val="black"/>
+                  <a:schemeClr val="tx1"/>
                 </a:solidFill>
-                <a:effectLst/>
-                <a:uLnTx/>
-                <a:uFillTx/>
-                <a:latin typeface="Calibri" panose="020F0502020204030204"/>
-                <a:ea typeface="+mn-ea"/>
-                <a:cs typeface="+mn-cs"/>
               </a:rPr>
-              <a:t>UC SEARCH</a:t>
-            </a:r>
+              <a:t>UC </a:t>
+            </a:r>
+            <a:r>
+              <a:rPr lang="de-DE" dirty="0"/>
+              <a:t>SEARCH</a:t>
+            </a:r>
+            <a:endParaRPr lang="de-DE" dirty="0">
+              <a:solidFill>
+                <a:schemeClr val="tx1"/>
+              </a:solidFill>
+            </a:endParaRPr>
           </a:p>
         </p:txBody>
       </p:sp>
@@ -7096,37 +6257,8 @@
           <a:bodyPr rtlCol="0" anchor="ctr"/>
           <a:lstStyle/>
           <a:p>
-            <a:pPr marL="0" marR="0" lvl="0" indent="0" algn="ctr" defTabSz="914400" rtl="0" eaLnBrk="1" fontAlgn="auto" latinLnBrk="0" hangingPunct="1">
-              <a:lnSpc>
-                <a:spcPct val="100000"/>
-              </a:lnSpc>
-              <a:spcBef>
-                <a:spcPts val="0"/>
-              </a:spcBef>
-              <a:spcAft>
-                <a:spcPts val="0"/>
-              </a:spcAft>
-              <a:buClrTx/>
-              <a:buSzTx/>
-              <a:buFontTx/>
-              <a:buNone/>
-              <a:tabLst/>
-              <a:defRPr/>
-            </a:pPr>
-            <a:endParaRPr kumimoji="0" lang="de-DE" sz="1800" b="0" i="0" u="none" strike="noStrike" kern="1200" cap="none" spc="0" normalizeH="0" baseline="0" noProof="0">
-              <a:ln>
-                <a:noFill/>
-              </a:ln>
-              <a:solidFill>
-                <a:prstClr val="white"/>
-              </a:solidFill>
-              <a:effectLst/>
-              <a:uLnTx/>
-              <a:uFillTx/>
-              <a:latin typeface="Calibri" panose="020F0502020204030204"/>
-              <a:ea typeface="+mn-ea"/>
-              <a:cs typeface="+mn-cs"/>
-            </a:endParaRPr>
+            <a:pPr algn="ctr"/>
+            <a:endParaRPr lang="de-DE"/>
           </a:p>
         </p:txBody>
       </p:sp>
@@ -7158,37 +6290,12 @@
           </a:bodyPr>
           <a:lstStyle/>
           <a:p>
-            <a:pPr marL="0" marR="0" lvl="0" indent="0" algn="ctr" defTabSz="914400" rtl="0" eaLnBrk="1" fontAlgn="auto" latinLnBrk="0" hangingPunct="1">
-              <a:lnSpc>
-                <a:spcPct val="100000"/>
-              </a:lnSpc>
-              <a:spcBef>
-                <a:spcPts val="0"/>
-              </a:spcBef>
-              <a:spcAft>
-                <a:spcPts val="0"/>
-              </a:spcAft>
-              <a:buClrTx/>
-              <a:buSzTx/>
-              <a:buFontTx/>
-              <a:buNone/>
-              <a:tabLst/>
-              <a:defRPr/>
-            </a:pPr>
-            <a:r>
-              <a:rPr kumimoji="0" lang="de-DE" sz="1800" b="0" i="0" u="none" strike="noStrike" kern="1200" cap="none" spc="0" normalizeH="0" baseline="0" noProof="0" dirty="0">
-                <a:ln>
-                  <a:noFill/>
-                </a:ln>
+            <a:pPr algn="ctr"/>
+            <a:r>
+              <a:rPr lang="de-DE" dirty="0">
                 <a:solidFill>
-                  <a:prstClr val="black"/>
+                  <a:schemeClr val="tx1"/>
                 </a:solidFill>
-                <a:effectLst/>
-                <a:uLnTx/>
-                <a:uFillTx/>
-                <a:latin typeface="Calibri" panose="020F0502020204030204"/>
-                <a:ea typeface="+mn-ea"/>
-                <a:cs typeface="+mn-cs"/>
               </a:rPr>
               <a:t>Info für Neue</a:t>
             </a:r>
@@ -7242,37 +6349,12 @@
           <a:bodyPr rtlCol="0" anchor="ctr"/>
           <a:lstStyle/>
           <a:p>
-            <a:pPr marL="0" marR="0" lvl="0" indent="0" algn="ctr" defTabSz="914400" rtl="0" eaLnBrk="1" fontAlgn="auto" latinLnBrk="0" hangingPunct="1">
-              <a:lnSpc>
-                <a:spcPct val="100000"/>
-              </a:lnSpc>
-              <a:spcBef>
-                <a:spcPts val="0"/>
-              </a:spcBef>
-              <a:spcAft>
-                <a:spcPts val="0"/>
-              </a:spcAft>
-              <a:buClrTx/>
-              <a:buSzTx/>
-              <a:buFontTx/>
-              <a:buNone/>
-              <a:tabLst/>
-              <a:defRPr/>
-            </a:pPr>
-            <a:r>
-              <a:rPr kumimoji="0" lang="de-DE" sz="1800" b="0" i="0" u="none" strike="noStrike" kern="1200" cap="none" spc="0" normalizeH="0" baseline="0" noProof="0" dirty="0">
-                <a:ln>
-                  <a:noFill/>
-                </a:ln>
+            <a:pPr algn="ctr"/>
+            <a:r>
+              <a:rPr lang="de-DE" dirty="0">
                 <a:solidFill>
-                  <a:prstClr val="black"/>
+                  <a:schemeClr val="tx1"/>
                 </a:solidFill>
-                <a:effectLst/>
-                <a:uLnTx/>
-                <a:uFillTx/>
-                <a:latin typeface="Calibri" panose="020F0502020204030204"/>
-                <a:ea typeface="+mn-ea"/>
-                <a:cs typeface="+mn-cs"/>
               </a:rPr>
               <a:t>Check cookies</a:t>
             </a:r>
@@ -7354,38 +6436,8 @@
           </a:bodyPr>
           <a:lstStyle/>
           <a:p>
-            <a:pPr marL="0" marR="0" lvl="0" indent="0" algn="l" defTabSz="914400" rtl="0" eaLnBrk="1" fontAlgn="auto" latinLnBrk="0" hangingPunct="1">
-              <a:lnSpc>
-                <a:spcPct val="100000"/>
-              </a:lnSpc>
-              <a:spcBef>
-                <a:spcPts val="0"/>
-              </a:spcBef>
-              <a:spcAft>
-                <a:spcPts val="0"/>
-              </a:spcAft>
-              <a:buClrTx/>
-              <a:buSzTx/>
-              <a:buFontTx/>
-              <a:buNone/>
-              <a:tabLst/>
-              <a:defRPr/>
-            </a:pPr>
-            <a:r>
-              <a:rPr kumimoji="0" lang="de-DE" sz="1800" b="0" i="0" u="none" strike="noStrike" kern="1200" cap="none" spc="0" normalizeH="0" baseline="0" noProof="0" dirty="0">
-                <a:ln>
-                  <a:noFill/>
-                </a:ln>
-                <a:solidFill>
-                  <a:prstClr val="black"/>
-                </a:solidFill>
-                <a:effectLst/>
-                <a:uLnTx/>
-                <a:uFillTx/>
-                <a:latin typeface="Calibri" panose="020F0502020204030204"/>
-                <a:ea typeface="+mn-ea"/>
-                <a:cs typeface="+mn-cs"/>
-              </a:rPr>
+            <a:r>
+              <a:rPr lang="de-DE" dirty="0"/>
               <a:t>Kunde</a:t>
             </a:r>
           </a:p>
@@ -7419,38 +6471,8 @@
           </a:bodyPr>
           <a:lstStyle/>
           <a:p>
-            <a:pPr marL="0" marR="0" lvl="0" indent="0" algn="l" defTabSz="914400" rtl="0" eaLnBrk="1" fontAlgn="auto" latinLnBrk="0" hangingPunct="1">
-              <a:lnSpc>
-                <a:spcPct val="100000"/>
-              </a:lnSpc>
-              <a:spcBef>
-                <a:spcPts val="0"/>
-              </a:spcBef>
-              <a:spcAft>
-                <a:spcPts val="0"/>
-              </a:spcAft>
-              <a:buClrTx/>
-              <a:buSzTx/>
-              <a:buFontTx/>
-              <a:buNone/>
-              <a:tabLst/>
-              <a:defRPr/>
-            </a:pPr>
-            <a:r>
-              <a:rPr kumimoji="0" lang="de-DE" sz="1800" b="0" i="0" u="none" strike="noStrike" kern="1200" cap="none" spc="0" normalizeH="0" baseline="0" noProof="0" dirty="0">
-                <a:ln>
-                  <a:noFill/>
-                </a:ln>
-                <a:solidFill>
-                  <a:prstClr val="black"/>
-                </a:solidFill>
-                <a:effectLst/>
-                <a:uLnTx/>
-                <a:uFillTx/>
-                <a:latin typeface="Calibri" panose="020F0502020204030204"/>
-                <a:ea typeface="+mn-ea"/>
-                <a:cs typeface="+mn-cs"/>
-              </a:rPr>
+            <a:r>
+              <a:rPr lang="de-DE" dirty="0"/>
               <a:t>Server</a:t>
             </a:r>
           </a:p>
@@ -7503,37 +6525,12 @@
           <a:bodyPr rtlCol="0" anchor="ctr"/>
           <a:lstStyle/>
           <a:p>
-            <a:pPr marL="0" marR="0" lvl="0" indent="0" algn="ctr" defTabSz="914400" rtl="0" eaLnBrk="1" fontAlgn="auto" latinLnBrk="0" hangingPunct="1">
-              <a:lnSpc>
-                <a:spcPct val="100000"/>
-              </a:lnSpc>
-              <a:spcBef>
-                <a:spcPts val="0"/>
-              </a:spcBef>
-              <a:spcAft>
-                <a:spcPts val="0"/>
-              </a:spcAft>
-              <a:buClrTx/>
-              <a:buSzTx/>
-              <a:buFontTx/>
-              <a:buNone/>
-              <a:tabLst/>
-              <a:defRPr/>
-            </a:pPr>
-            <a:r>
-              <a:rPr kumimoji="0" lang="de-DE" sz="1800" b="0" i="0" u="none" strike="noStrike" kern="1200" cap="none" spc="0" normalizeH="0" baseline="0" noProof="0" dirty="0">
-                <a:ln>
-                  <a:noFill/>
-                </a:ln>
+            <a:pPr algn="ctr"/>
+            <a:r>
+              <a:rPr lang="de-DE" dirty="0">
                 <a:solidFill>
-                  <a:prstClr val="black"/>
+                  <a:schemeClr val="tx1"/>
                 </a:solidFill>
-                <a:effectLst/>
-                <a:uLnTx/>
-                <a:uFillTx/>
-                <a:latin typeface="Calibri" panose="020F0502020204030204"/>
-                <a:ea typeface="+mn-ea"/>
-                <a:cs typeface="+mn-cs"/>
               </a:rPr>
               <a:t>Fenster für Neulinge pop-up</a:t>
             </a:r>
@@ -7662,38 +6659,8 @@
           </a:bodyPr>
           <a:lstStyle/>
           <a:p>
-            <a:pPr marL="0" marR="0" lvl="0" indent="0" algn="l" defTabSz="914400" rtl="0" eaLnBrk="1" fontAlgn="auto" latinLnBrk="0" hangingPunct="1">
-              <a:lnSpc>
-                <a:spcPct val="100000"/>
-              </a:lnSpc>
-              <a:spcBef>
-                <a:spcPts val="0"/>
-              </a:spcBef>
-              <a:spcAft>
-                <a:spcPts val="0"/>
-              </a:spcAft>
-              <a:buClrTx/>
-              <a:buSzTx/>
-              <a:buFontTx/>
-              <a:buNone/>
-              <a:tabLst/>
-              <a:defRPr/>
-            </a:pPr>
-            <a:r>
-              <a:rPr kumimoji="0" lang="de-DE" sz="1800" b="0" i="0" u="none" strike="noStrike" kern="1200" cap="none" spc="0" normalizeH="0" baseline="0" noProof="0" dirty="0">
-                <a:ln>
-                  <a:noFill/>
-                </a:ln>
-                <a:solidFill>
-                  <a:prstClr val="black"/>
-                </a:solidFill>
-                <a:effectLst/>
-                <a:uLnTx/>
-                <a:uFillTx/>
-                <a:latin typeface="Calibri" panose="020F0502020204030204"/>
-                <a:ea typeface="+mn-ea"/>
-                <a:cs typeface="+mn-cs"/>
-              </a:rPr>
+            <a:r>
+              <a:rPr lang="de-DE" dirty="0"/>
               <a:t>*Jede Kundenaktion erfordert eine „Bestätigung“</a:t>
             </a:r>
           </a:p>
@@ -7727,40 +6694,24 @@
           </a:bodyPr>
           <a:lstStyle/>
           <a:p>
-            <a:pPr marL="0" marR="0" lvl="0" indent="0" algn="ctr" defTabSz="914400" rtl="0" eaLnBrk="1" fontAlgn="auto" latinLnBrk="0" hangingPunct="1">
-              <a:lnSpc>
-                <a:spcPct val="100000"/>
-              </a:lnSpc>
-              <a:spcBef>
-                <a:spcPts val="0"/>
-              </a:spcBef>
-              <a:spcAft>
-                <a:spcPts val="0"/>
-              </a:spcAft>
-              <a:buClrTx/>
-              <a:buSzTx/>
-              <a:buFontTx/>
-              <a:buNone/>
-              <a:tabLst/>
-              <a:defRPr/>
-            </a:pPr>
-            <a:r>
-              <a:rPr kumimoji="0" lang="de-DE" sz="1800" b="0" i="0" u="none" strike="noStrike" kern="1200" cap="none" spc="0" normalizeH="0" baseline="0" noProof="0" dirty="0">
-                <a:ln>
-                  <a:noFill/>
-                </a:ln>
+            <a:pPr algn="ctr"/>
+            <a:r>
+              <a:rPr lang="de-DE" dirty="0">
                 <a:solidFill>
-                  <a:prstClr val="black"/>
+                  <a:schemeClr val="tx1"/>
                 </a:solidFill>
-                <a:effectLst/>
-                <a:uLnTx/>
-                <a:uFillTx/>
-                <a:latin typeface="Calibri" panose="020F0502020204030204"/>
-                <a:ea typeface="+mn-ea"/>
-                <a:cs typeface="+mn-cs"/>
               </a:rPr>
-              <a:t>UC INFO</a:t>
-            </a:r>
+              <a:t>UC </a:t>
+            </a:r>
+            <a:r>
+              <a:rPr lang="de-DE" dirty="0"/>
+              <a:t>INFO</a:t>
+            </a:r>
+            <a:endParaRPr lang="de-DE" dirty="0">
+              <a:solidFill>
+                <a:schemeClr val="tx1"/>
+              </a:solidFill>
+            </a:endParaRPr>
           </a:p>
         </p:txBody>
       </p:sp>
@@ -7811,71 +6762,28 @@
           <a:bodyPr rtlCol="0" anchor="ctr"/>
           <a:lstStyle/>
           <a:p>
-            <a:pPr marL="0" marR="0" lvl="0" indent="0" algn="ctr" defTabSz="914400" rtl="0" eaLnBrk="1" fontAlgn="auto" latinLnBrk="0" hangingPunct="1">
-              <a:lnSpc>
-                <a:spcPct val="100000"/>
-              </a:lnSpc>
-              <a:spcBef>
-                <a:spcPts val="0"/>
-              </a:spcBef>
-              <a:spcAft>
-                <a:spcPts val="0"/>
-              </a:spcAft>
-              <a:buClrTx/>
-              <a:buSzTx/>
-              <a:buFontTx/>
-              <a:buNone/>
-              <a:tabLst/>
-              <a:defRPr/>
-            </a:pPr>
-            <a:r>
-              <a:rPr kumimoji="0" lang="de-DE" sz="1800" b="0" i="0" u="none" strike="noStrike" kern="1200" cap="none" spc="0" normalizeH="0" baseline="0" noProof="0" dirty="0">
-                <a:ln>
-                  <a:noFill/>
-                </a:ln>
+            <a:pPr algn="ctr"/>
+            <a:r>
+              <a:rPr lang="de-DE" dirty="0">
                 <a:solidFill>
-                  <a:prstClr val="black"/>
+                  <a:schemeClr val="tx1"/>
                 </a:solidFill>
-                <a:effectLst/>
-                <a:uLnTx/>
-                <a:uFillTx/>
-                <a:latin typeface="Calibri" panose="020F0502020204030204"/>
-                <a:ea typeface="+mn-ea"/>
-                <a:cs typeface="+mn-cs"/>
               </a:rPr>
               <a:t>„Call </a:t>
             </a:r>
             <a:r>
-              <a:rPr kumimoji="0" lang="de-DE" sz="1800" b="0" i="0" u="none" strike="noStrike" kern="1200" cap="none" spc="0" normalizeH="0" baseline="0" noProof="0" dirty="0" err="1">
-                <a:ln>
-                  <a:noFill/>
-                </a:ln>
+              <a:rPr lang="de-DE" dirty="0" err="1">
                 <a:solidFill>
-                  <a:prstClr val="black"/>
+                  <a:schemeClr val="tx1"/>
                 </a:solidFill>
-                <a:effectLst/>
-                <a:uLnTx/>
-                <a:uFillTx/>
-                <a:latin typeface="Calibri" panose="020F0502020204030204"/>
-                <a:ea typeface="+mn-ea"/>
-                <a:cs typeface="+mn-cs"/>
               </a:rPr>
               <a:t>to</a:t>
             </a:r>
             <a:r>
-              <a:rPr kumimoji="0" lang="de-DE" sz="1800" b="0" i="0" u="none" strike="noStrike" kern="1200" cap="none" spc="0" normalizeH="0" baseline="0" noProof="0" dirty="0">
-                <a:ln>
-                  <a:noFill/>
-                </a:ln>
+              <a:rPr lang="de-DE" dirty="0">
                 <a:solidFill>
-                  <a:prstClr val="black"/>
+                  <a:schemeClr val="tx1"/>
                 </a:solidFill>
-                <a:effectLst/>
-                <a:uLnTx/>
-                <a:uFillTx/>
-                <a:latin typeface="Calibri" panose="020F0502020204030204"/>
-                <a:ea typeface="+mn-ea"/>
-                <a:cs typeface="+mn-cs"/>
               </a:rPr>
               <a:t> Action“</a:t>
             </a:r>
@@ -8084,37 +6992,8 @@
           <a:bodyPr rtlCol="0" anchor="ctr"/>
           <a:lstStyle/>
           <a:p>
-            <a:pPr marL="0" marR="0" lvl="0" indent="0" algn="ctr" defTabSz="914400" rtl="0" eaLnBrk="1" fontAlgn="auto" latinLnBrk="0" hangingPunct="1">
-              <a:lnSpc>
-                <a:spcPct val="100000"/>
-              </a:lnSpc>
-              <a:spcBef>
-                <a:spcPts val="0"/>
-              </a:spcBef>
-              <a:spcAft>
-                <a:spcPts val="0"/>
-              </a:spcAft>
-              <a:buClrTx/>
-              <a:buSzTx/>
-              <a:buFontTx/>
-              <a:buNone/>
-              <a:tabLst/>
-              <a:defRPr/>
-            </a:pPr>
-            <a:endParaRPr kumimoji="0" lang="de-DE" sz="1800" b="0" i="0" u="none" strike="noStrike" kern="1200" cap="none" spc="0" normalizeH="0" baseline="0" noProof="0">
-              <a:ln>
-                <a:noFill/>
-              </a:ln>
-              <a:solidFill>
-                <a:prstClr val="white"/>
-              </a:solidFill>
-              <a:effectLst/>
-              <a:uLnTx/>
-              <a:uFillTx/>
-              <a:latin typeface="Calibri" panose="020F0502020204030204"/>
-              <a:ea typeface="+mn-ea"/>
-              <a:cs typeface="+mn-cs"/>
-            </a:endParaRPr>
+            <a:pPr algn="ctr"/>
+            <a:endParaRPr lang="de-DE"/>
           </a:p>
         </p:txBody>
       </p:sp>
@@ -8146,37 +7025,12 @@
           </a:bodyPr>
           <a:lstStyle/>
           <a:p>
-            <a:pPr marL="0" marR="0" lvl="0" indent="0" algn="ctr" defTabSz="914400" rtl="0" eaLnBrk="1" fontAlgn="auto" latinLnBrk="0" hangingPunct="1">
-              <a:lnSpc>
-                <a:spcPct val="100000"/>
-              </a:lnSpc>
-              <a:spcBef>
-                <a:spcPts val="0"/>
-              </a:spcBef>
-              <a:spcAft>
-                <a:spcPts val="0"/>
-              </a:spcAft>
-              <a:buClrTx/>
-              <a:buSzTx/>
-              <a:buFontTx/>
-              <a:buNone/>
-              <a:tabLst/>
-              <a:defRPr/>
-            </a:pPr>
-            <a:r>
-              <a:rPr kumimoji="0" lang="de-DE" sz="1800" b="0" i="0" u="none" strike="noStrike" kern="1200" cap="none" spc="0" normalizeH="0" baseline="0" noProof="0" dirty="0">
-                <a:ln>
-                  <a:noFill/>
-                </a:ln>
+            <a:pPr algn="ctr"/>
+            <a:r>
+              <a:rPr lang="de-DE" dirty="0">
                 <a:solidFill>
-                  <a:prstClr val="black"/>
+                  <a:schemeClr val="tx1"/>
                 </a:solidFill>
-                <a:effectLst/>
-                <a:uLnTx/>
-                <a:uFillTx/>
-                <a:latin typeface="Calibri" panose="020F0502020204030204"/>
-                <a:ea typeface="+mn-ea"/>
-                <a:cs typeface="+mn-cs"/>
               </a:rPr>
               <a:t>Verwaltung</a:t>
             </a:r>
@@ -8230,37 +7084,12 @@
           <a:bodyPr rtlCol="0" anchor="ctr"/>
           <a:lstStyle/>
           <a:p>
-            <a:pPr marL="0" marR="0" lvl="0" indent="0" algn="ctr" defTabSz="914400" rtl="0" eaLnBrk="1" fontAlgn="auto" latinLnBrk="0" hangingPunct="1">
-              <a:lnSpc>
-                <a:spcPct val="100000"/>
-              </a:lnSpc>
-              <a:spcBef>
-                <a:spcPts val="0"/>
-              </a:spcBef>
-              <a:spcAft>
-                <a:spcPts val="0"/>
-              </a:spcAft>
-              <a:buClrTx/>
-              <a:buSzTx/>
-              <a:buFontTx/>
-              <a:buNone/>
-              <a:tabLst/>
-              <a:defRPr/>
-            </a:pPr>
-            <a:r>
-              <a:rPr kumimoji="0" lang="de-DE" sz="1800" b="0" i="0" u="none" strike="noStrike" kern="1200" cap="none" spc="0" normalizeH="0" baseline="0" noProof="0" dirty="0">
-                <a:ln>
-                  <a:noFill/>
-                </a:ln>
+            <a:pPr algn="ctr"/>
+            <a:r>
+              <a:rPr lang="de-DE" dirty="0">
                 <a:solidFill>
-                  <a:prstClr val="black"/>
+                  <a:schemeClr val="tx1"/>
                 </a:solidFill>
-                <a:effectLst/>
-                <a:uLnTx/>
-                <a:uFillTx/>
-                <a:latin typeface="Calibri" panose="020F0502020204030204"/>
-                <a:ea typeface="+mn-ea"/>
-                <a:cs typeface="+mn-cs"/>
               </a:rPr>
               <a:t>Anmelden mit Name&amp;PSS</a:t>
             </a:r>
@@ -8342,38 +7171,8 @@
           </a:bodyPr>
           <a:lstStyle/>
           <a:p>
-            <a:pPr marL="0" marR="0" lvl="0" indent="0" algn="l" defTabSz="914400" rtl="0" eaLnBrk="1" fontAlgn="auto" latinLnBrk="0" hangingPunct="1">
-              <a:lnSpc>
-                <a:spcPct val="100000"/>
-              </a:lnSpc>
-              <a:spcBef>
-                <a:spcPts val="0"/>
-              </a:spcBef>
-              <a:spcAft>
-                <a:spcPts val="0"/>
-              </a:spcAft>
-              <a:buClrTx/>
-              <a:buSzTx/>
-              <a:buFontTx/>
-              <a:buNone/>
-              <a:tabLst/>
-              <a:defRPr/>
-            </a:pPr>
-            <a:r>
-              <a:rPr kumimoji="0" lang="de-DE" sz="1800" b="0" i="0" u="none" strike="noStrike" kern="1200" cap="none" spc="0" normalizeH="0" baseline="0" noProof="0" dirty="0">
-                <a:ln>
-                  <a:noFill/>
-                </a:ln>
-                <a:solidFill>
-                  <a:prstClr val="black"/>
-                </a:solidFill>
-                <a:effectLst/>
-                <a:uLnTx/>
-                <a:uFillTx/>
-                <a:latin typeface="Calibri" panose="020F0502020204030204"/>
-                <a:ea typeface="+mn-ea"/>
-                <a:cs typeface="+mn-cs"/>
-              </a:rPr>
+            <a:r>
+              <a:rPr lang="de-DE" dirty="0"/>
               <a:t>Mitarbeiter</a:t>
             </a:r>
           </a:p>
@@ -8407,38 +7206,8 @@
           </a:bodyPr>
           <a:lstStyle/>
           <a:p>
-            <a:pPr marL="0" marR="0" lvl="0" indent="0" algn="l" defTabSz="914400" rtl="0" eaLnBrk="1" fontAlgn="auto" latinLnBrk="0" hangingPunct="1">
-              <a:lnSpc>
-                <a:spcPct val="100000"/>
-              </a:lnSpc>
-              <a:spcBef>
-                <a:spcPts val="0"/>
-              </a:spcBef>
-              <a:spcAft>
-                <a:spcPts val="0"/>
-              </a:spcAft>
-              <a:buClrTx/>
-              <a:buSzTx/>
-              <a:buFontTx/>
-              <a:buNone/>
-              <a:tabLst/>
-              <a:defRPr/>
-            </a:pPr>
-            <a:r>
-              <a:rPr kumimoji="0" lang="de-DE" sz="1800" b="0" i="0" u="none" strike="noStrike" kern="1200" cap="none" spc="0" normalizeH="0" baseline="0" noProof="0" dirty="0">
-                <a:ln>
-                  <a:noFill/>
-                </a:ln>
-                <a:solidFill>
-                  <a:prstClr val="black"/>
-                </a:solidFill>
-                <a:effectLst/>
-                <a:uLnTx/>
-                <a:uFillTx/>
-                <a:latin typeface="Calibri" panose="020F0502020204030204"/>
-                <a:ea typeface="+mn-ea"/>
-                <a:cs typeface="+mn-cs"/>
-              </a:rPr>
+            <a:r>
+              <a:rPr lang="de-DE" dirty="0"/>
               <a:t>Server</a:t>
             </a:r>
           </a:p>
@@ -8491,37 +7260,12 @@
           <a:bodyPr rtlCol="0" anchor="ctr"/>
           <a:lstStyle/>
           <a:p>
-            <a:pPr marL="0" marR="0" lvl="0" indent="0" algn="ctr" defTabSz="914400" rtl="0" eaLnBrk="1" fontAlgn="auto" latinLnBrk="0" hangingPunct="1">
-              <a:lnSpc>
-                <a:spcPct val="100000"/>
-              </a:lnSpc>
-              <a:spcBef>
-                <a:spcPts val="0"/>
-              </a:spcBef>
-              <a:spcAft>
-                <a:spcPts val="0"/>
-              </a:spcAft>
-              <a:buClrTx/>
-              <a:buSzTx/>
-              <a:buFontTx/>
-              <a:buNone/>
-              <a:tabLst/>
-              <a:defRPr/>
-            </a:pPr>
-            <a:r>
-              <a:rPr kumimoji="0" lang="de-DE" sz="1800" b="0" i="0" u="none" strike="noStrike" kern="1200" cap="none" spc="0" normalizeH="0" baseline="0" noProof="0" dirty="0">
-                <a:ln>
-                  <a:noFill/>
-                </a:ln>
+            <a:pPr algn="ctr"/>
+            <a:r>
+              <a:rPr lang="de-DE" dirty="0">
                 <a:solidFill>
-                  <a:prstClr val="black"/>
+                  <a:schemeClr val="tx1"/>
                 </a:solidFill>
-                <a:effectLst/>
-                <a:uLnTx/>
-                <a:uFillTx/>
-                <a:latin typeface="Calibri" panose="020F0502020204030204"/>
-                <a:ea typeface="+mn-ea"/>
-                <a:cs typeface="+mn-cs"/>
               </a:rPr>
               <a:t>Daten lesen/ändern</a:t>
             </a:r>
@@ -8650,37 +7394,12 @@
           </a:bodyPr>
           <a:lstStyle/>
           <a:p>
-            <a:pPr marL="0" marR="0" lvl="0" indent="0" algn="ctr" defTabSz="914400" rtl="0" eaLnBrk="1" fontAlgn="auto" latinLnBrk="0" hangingPunct="1">
-              <a:lnSpc>
-                <a:spcPct val="100000"/>
-              </a:lnSpc>
-              <a:spcBef>
-                <a:spcPts val="0"/>
-              </a:spcBef>
-              <a:spcAft>
-                <a:spcPts val="0"/>
-              </a:spcAft>
-              <a:buClrTx/>
-              <a:buSzTx/>
-              <a:buFontTx/>
-              <a:buNone/>
-              <a:tabLst/>
-              <a:defRPr/>
-            </a:pPr>
-            <a:r>
-              <a:rPr kumimoji="0" lang="de-DE" sz="1800" b="0" i="0" u="none" strike="noStrike" kern="1200" cap="none" spc="0" normalizeH="0" baseline="0" noProof="0" dirty="0">
-                <a:ln>
-                  <a:noFill/>
-                </a:ln>
+            <a:pPr algn="ctr"/>
+            <a:r>
+              <a:rPr lang="de-DE" dirty="0">
                 <a:solidFill>
-                  <a:prstClr val="black"/>
+                  <a:schemeClr val="tx1"/>
                 </a:solidFill>
-                <a:effectLst/>
-                <a:uLnTx/>
-                <a:uFillTx/>
-                <a:latin typeface="Calibri" panose="020F0502020204030204"/>
-                <a:ea typeface="+mn-ea"/>
-                <a:cs typeface="+mn-cs"/>
               </a:rPr>
               <a:t>UC CRUD</a:t>
             </a:r>
@@ -8691,6 +7410,183 @@
     <p:extLst>
       <p:ext uri="{BB962C8B-B14F-4D97-AF65-F5344CB8AC3E}">
         <p14:creationId xmlns:p14="http://schemas.microsoft.com/office/powerpoint/2010/main" val="2637759260"/>
+      </p:ext>
+    </p:extLst>
+  </p:cSld>
+  <p:clrMapOvr>
+    <a:masterClrMapping/>
+  </p:clrMapOvr>
+</p:sld>
+</file>
+
+<file path=ppt/slides/slide15.xml><?xml version="1.0" encoding="utf-8"?>
+<p:sld xmlns:a="http://schemas.openxmlformats.org/drawingml/2006/main" xmlns:r="http://schemas.openxmlformats.org/officeDocument/2006/relationships" xmlns:p="http://schemas.openxmlformats.org/presentationml/2006/main">
+  <p:cSld>
+    <p:spTree>
+      <p:nvGrpSpPr>
+        <p:cNvPr id="1" name=""/>
+        <p:cNvGrpSpPr/>
+        <p:nvPr/>
+      </p:nvGrpSpPr>
+      <p:grpSpPr>
+        <a:xfrm>
+          <a:off x="0" y="0"/>
+          <a:ext cx="0" cy="0"/>
+          <a:chOff x="0" y="0"/>
+          <a:chExt cx="0" cy="0"/>
+        </a:xfrm>
+      </p:grpSpPr>
+      <p:sp>
+        <p:nvSpPr>
+          <p:cNvPr id="2" name="Titel 1">
+            <a:extLst>
+              <a:ext uri="{FF2B5EF4-FFF2-40B4-BE49-F238E27FC236}">
+                <a16:creationId xmlns:a16="http://schemas.microsoft.com/office/drawing/2014/main" id="{E7EBF5C4-6C21-BF66-A0B5-45A20083B321}"/>
+              </a:ext>
+            </a:extLst>
+          </p:cNvPr>
+          <p:cNvSpPr>
+            <a:spLocks noGrp="1"/>
+          </p:cNvSpPr>
+          <p:nvPr>
+            <p:ph type="title"/>
+          </p:nvPr>
+        </p:nvSpPr>
+        <p:spPr/>
+        <p:txBody>
+          <a:bodyPr/>
+          <a:lstStyle/>
+          <a:p>
+            <a:pPr algn="ctr"/>
+            <a:r>
+              <a:rPr lang="de-DE" dirty="0"/>
+              <a:t>Site-</a:t>
+            </a:r>
+            <a:r>
+              <a:rPr lang="de-DE" dirty="0" err="1"/>
+              <a:t>Map</a:t>
+            </a:r>
+            <a:endParaRPr lang="de-DE" dirty="0"/>
+          </a:p>
+        </p:txBody>
+      </p:sp>
+      <p:pic>
+        <p:nvPicPr>
+          <p:cNvPr id="5" name="Inhaltsplatzhalter 4" descr="Ein Bild, das Tisch enthält.">
+            <a:extLst>
+              <a:ext uri="{FF2B5EF4-FFF2-40B4-BE49-F238E27FC236}">
+                <a16:creationId xmlns:a16="http://schemas.microsoft.com/office/drawing/2014/main" id="{5D399974-CDB5-48AE-3CFE-677300741489}"/>
+              </a:ext>
+            </a:extLst>
+          </p:cNvPr>
+          <p:cNvPicPr>
+            <a:picLocks noGrp="1" noChangeAspect="1"/>
+          </p:cNvPicPr>
+          <p:nvPr>
+            <p:ph idx="1"/>
+          </p:nvPr>
+        </p:nvPicPr>
+        <p:blipFill>
+          <a:blip r:embed="rId2">
+            <a:extLst>
+              <a:ext uri="{28A0092B-C50C-407E-A947-70E740481C1C}">
+                <a14:useLocalDpi xmlns:a14="http://schemas.microsoft.com/office/drawing/2010/main" val="0"/>
+              </a:ext>
+            </a:extLst>
+          </a:blip>
+          <a:stretch>
+            <a:fillRect/>
+          </a:stretch>
+        </p:blipFill>
+        <p:spPr>
+          <a:xfrm>
+            <a:off x="838200" y="2139352"/>
+            <a:ext cx="10515600" cy="2838526"/>
+          </a:xfrm>
+        </p:spPr>
+      </p:pic>
+      <p:sp>
+        <p:nvSpPr>
+          <p:cNvPr id="6" name="Textfeld 5">
+            <a:extLst>
+              <a:ext uri="{FF2B5EF4-FFF2-40B4-BE49-F238E27FC236}">
+                <a16:creationId xmlns:a16="http://schemas.microsoft.com/office/drawing/2014/main" id="{C9E9A018-56B8-12A4-E0A7-C8D6AD5CE6CD}"/>
+              </a:ext>
+            </a:extLst>
+          </p:cNvPr>
+          <p:cNvSpPr txBox="1"/>
+          <p:nvPr/>
+        </p:nvSpPr>
+        <p:spPr>
+          <a:xfrm>
+            <a:off x="8872396" y="2824682"/>
+            <a:ext cx="950614" cy="400110"/>
+          </a:xfrm>
+          <a:prstGeom prst="rect">
+            <a:avLst/>
+          </a:prstGeom>
+          <a:noFill/>
+        </p:spPr>
+        <p:txBody>
+          <a:bodyPr wrap="square" rtlCol="0">
+            <a:spAutoFit/>
+          </a:bodyPr>
+          <a:lstStyle/>
+          <a:p>
+            <a:r>
+              <a:rPr lang="de-DE" sz="1000" dirty="0">
+                <a:solidFill>
+                  <a:srgbClr val="FF0000"/>
+                </a:solidFill>
+              </a:rPr>
+              <a:t>Nur für Mitarbeiter</a:t>
+            </a:r>
+          </a:p>
+        </p:txBody>
+      </p:sp>
+      <p:sp>
+        <p:nvSpPr>
+          <p:cNvPr id="7" name="Textfeld 6">
+            <a:extLst>
+              <a:ext uri="{FF2B5EF4-FFF2-40B4-BE49-F238E27FC236}">
+                <a16:creationId xmlns:a16="http://schemas.microsoft.com/office/drawing/2014/main" id="{B6C02B38-95C9-F9B6-AB77-5EDB429285B6}"/>
+              </a:ext>
+            </a:extLst>
+          </p:cNvPr>
+          <p:cNvSpPr txBox="1"/>
+          <p:nvPr/>
+        </p:nvSpPr>
+        <p:spPr>
+          <a:xfrm>
+            <a:off x="10884561" y="2901626"/>
+            <a:ext cx="1234633" cy="246221"/>
+          </a:xfrm>
+          <a:prstGeom prst="rect">
+            <a:avLst/>
+          </a:prstGeom>
+          <a:noFill/>
+        </p:spPr>
+        <p:txBody>
+          <a:bodyPr wrap="none" rtlCol="0">
+            <a:spAutoFit/>
+          </a:bodyPr>
+          <a:lstStyle/>
+          <a:p>
+            <a:r>
+              <a:rPr lang="de-DE" sz="1000" dirty="0">
+                <a:solidFill>
+                  <a:srgbClr val="FF0000"/>
+                </a:solidFill>
+              </a:rPr>
+              <a:t>Mitarbeiter/Kunden</a:t>
+            </a:r>
+          </a:p>
+        </p:txBody>
+      </p:sp>
+    </p:spTree>
+    <p:extLst>
+      <p:ext uri="{BB962C8B-B14F-4D97-AF65-F5344CB8AC3E}">
+        <p14:creationId xmlns:p14="http://schemas.microsoft.com/office/powerpoint/2010/main" val="4207267979"/>
       </p:ext>
     </p:extLst>
   </p:cSld>
@@ -8733,11 +7629,17 @@
             <p:ph type="title"/>
           </p:nvPr>
         </p:nvSpPr>
-        <p:spPr/>
+        <p:spPr>
+          <a:xfrm>
+            <a:off x="838200" y="338621"/>
+            <a:ext cx="10515600" cy="1325563"/>
+          </a:xfrm>
+        </p:spPr>
         <p:txBody>
           <a:bodyPr/>
           <a:lstStyle/>
           <a:p>
+            <a:pPr algn="ctr"/>
             <a:r>
               <a:rPr lang="de-DE" dirty="0"/>
               <a:t>Ziele</a:t>
@@ -8761,7 +7663,12 @@
             <p:ph idx="1"/>
           </p:nvPr>
         </p:nvSpPr>
-        <p:spPr/>
+        <p:spPr>
+          <a:xfrm>
+            <a:off x="838200" y="3949147"/>
+            <a:ext cx="10515600" cy="2227815"/>
+          </a:xfrm>
+        </p:spPr>
         <p:txBody>
           <a:bodyPr/>
           <a:lstStyle/>
@@ -8779,6 +7686,41 @@
           </a:p>
           <a:p>
             <a:endParaRPr lang="de-DE" dirty="0"/>
+          </a:p>
+        </p:txBody>
+      </p:sp>
+      <p:sp>
+        <p:nvSpPr>
+          <p:cNvPr id="4" name="Textfeld 3">
+            <a:extLst>
+              <a:ext uri="{FF2B5EF4-FFF2-40B4-BE49-F238E27FC236}">
+                <a16:creationId xmlns:a16="http://schemas.microsoft.com/office/drawing/2014/main" id="{FBBCF471-CE76-9F16-F848-BD9E63903AF0}"/>
+              </a:ext>
+            </a:extLst>
+          </p:cNvPr>
+          <p:cNvSpPr txBox="1"/>
+          <p:nvPr/>
+        </p:nvSpPr>
+        <p:spPr>
+          <a:xfrm>
+            <a:off x="838200" y="1881809"/>
+            <a:ext cx="9843052" cy="1200329"/>
+          </a:xfrm>
+          <a:prstGeom prst="rect">
+            <a:avLst/>
+          </a:prstGeom>
+          <a:noFill/>
+        </p:spPr>
+        <p:txBody>
+          <a:bodyPr wrap="square" rtlCol="0">
+            <a:spAutoFit/>
+          </a:bodyPr>
+          <a:lstStyle/>
+          <a:p>
+            <a:r>
+              <a:rPr lang="de-DE" sz="2400" dirty="0"/>
+              <a:t>Eine funktionierende Web-Applikation + Datenbank, welche einen T-Shirt-Shop für Jung und Alt darstellt. Soll Inhalt, Preis, Lagerbestand und Oberfläche für Kunden und Mitarbeiter darstellen und verwalten.</a:t>
+            </a:r>
           </a:p>
         </p:txBody>
       </p:sp>
@@ -10048,12 +8990,16 @@
           <a:lstStyle/>
           <a:p>
             <a:r>
-              <a:rPr lang="de-DE"/>
-              <a:t>UC Info</a:t>
-            </a:r>
-            <a:r>
               <a:rPr lang="de-DE" dirty="0"/>
-              <a:t>: Info über Shop</a:t>
+              <a:t>Use </a:t>
+            </a:r>
+            <a:r>
+              <a:rPr lang="de-DE" dirty="0" err="1"/>
+              <a:t>case</a:t>
+            </a:r>
+            <a:r>
+              <a:rPr lang="de-DE" dirty="0"/>
+              <a:t> Info: Info über Shop</a:t>
             </a:r>
           </a:p>
           <a:p>
@@ -10086,8 +9032,12 @@
               <a:t>Checkout</a:t>
             </a:r>
             <a:r>
+              <a:rPr lang="de-DE"/>
+              <a:t>/Storno, </a:t>
+            </a:r>
+            <a:r>
               <a:rPr lang="de-DE" dirty="0"/>
-              <a:t>/Storno, Statistik </a:t>
+              <a:t>Statistik </a:t>
             </a:r>
           </a:p>
         </p:txBody>
@@ -10247,37 +9197,8 @@
           <a:bodyPr rtlCol="0" anchor="ctr"/>
           <a:lstStyle/>
           <a:p>
-            <a:pPr marL="0" marR="0" lvl="0" indent="0" algn="ctr" defTabSz="914400" rtl="0" eaLnBrk="1" fontAlgn="auto" latinLnBrk="0" hangingPunct="1">
-              <a:lnSpc>
-                <a:spcPct val="100000"/>
-              </a:lnSpc>
-              <a:spcBef>
-                <a:spcPts val="0"/>
-              </a:spcBef>
-              <a:spcAft>
-                <a:spcPts val="0"/>
-              </a:spcAft>
-              <a:buClrTx/>
-              <a:buSzTx/>
-              <a:buFontTx/>
-              <a:buNone/>
-              <a:tabLst/>
-              <a:defRPr/>
-            </a:pPr>
-            <a:endParaRPr kumimoji="0" lang="de-DE" sz="1800" b="0" i="0" u="none" strike="noStrike" kern="1200" cap="none" spc="0" normalizeH="0" baseline="0" noProof="0">
-              <a:ln>
-                <a:noFill/>
-              </a:ln>
-              <a:solidFill>
-                <a:prstClr val="white"/>
-              </a:solidFill>
-              <a:effectLst/>
-              <a:uLnTx/>
-              <a:uFillTx/>
-              <a:latin typeface="Calibri" panose="020F0502020204030204"/>
-              <a:ea typeface="+mn-ea"/>
-              <a:cs typeface="+mn-cs"/>
-            </a:endParaRPr>
+            <a:pPr algn="ctr"/>
+            <a:endParaRPr lang="de-DE"/>
           </a:p>
         </p:txBody>
       </p:sp>
@@ -10309,38 +9230,8 @@
           </a:bodyPr>
           <a:lstStyle/>
           <a:p>
-            <a:pPr marL="0" marR="0" lvl="0" indent="0" algn="l" defTabSz="914400" rtl="0" eaLnBrk="1" fontAlgn="auto" latinLnBrk="0" hangingPunct="1">
-              <a:lnSpc>
-                <a:spcPct val="100000"/>
-              </a:lnSpc>
-              <a:spcBef>
-                <a:spcPts val="0"/>
-              </a:spcBef>
-              <a:spcAft>
-                <a:spcPts val="0"/>
-              </a:spcAft>
-              <a:buClrTx/>
-              <a:buSzTx/>
-              <a:buFontTx/>
-              <a:buNone/>
-              <a:tabLst/>
-              <a:defRPr/>
-            </a:pPr>
-            <a:r>
-              <a:rPr kumimoji="0" lang="de-DE" sz="1800" b="0" i="0" u="none" strike="noStrike" kern="1200" cap="none" spc="0" normalizeH="0" baseline="0" noProof="0" dirty="0">
-                <a:ln>
-                  <a:noFill/>
-                </a:ln>
-                <a:solidFill>
-                  <a:prstClr val="black"/>
-                </a:solidFill>
-                <a:effectLst/>
-                <a:uLnTx/>
-                <a:uFillTx/>
-                <a:latin typeface="Calibri" panose="020F0502020204030204"/>
-                <a:ea typeface="+mn-ea"/>
-                <a:cs typeface="+mn-cs"/>
-              </a:rPr>
+            <a:r>
+              <a:rPr lang="de-DE" dirty="0"/>
               <a:t>Funktionen</a:t>
             </a:r>
           </a:p>
@@ -10393,37 +9284,12 @@
           <a:bodyPr rtlCol="0" anchor="ctr"/>
           <a:lstStyle/>
           <a:p>
-            <a:pPr marL="0" marR="0" lvl="0" indent="0" algn="ctr" defTabSz="914400" rtl="0" eaLnBrk="1" fontAlgn="auto" latinLnBrk="0" hangingPunct="1">
-              <a:lnSpc>
-                <a:spcPct val="100000"/>
-              </a:lnSpc>
-              <a:spcBef>
-                <a:spcPts val="0"/>
-              </a:spcBef>
-              <a:spcAft>
-                <a:spcPts val="0"/>
-              </a:spcAft>
-              <a:buClrTx/>
-              <a:buSzTx/>
-              <a:buFontTx/>
-              <a:buNone/>
-              <a:tabLst/>
-              <a:defRPr/>
-            </a:pPr>
-            <a:r>
-              <a:rPr kumimoji="0" lang="de-DE" sz="1800" b="0" i="0" u="none" strike="noStrike" kern="1200" cap="none" spc="0" normalizeH="0" baseline="0" noProof="0" dirty="0">
-                <a:ln>
-                  <a:noFill/>
-                </a:ln>
+            <a:pPr algn="ctr"/>
+            <a:r>
+              <a:rPr lang="de-DE" dirty="0">
                 <a:solidFill>
-                  <a:prstClr val="black"/>
+                  <a:schemeClr val="tx1"/>
                 </a:solidFill>
-                <a:effectLst/>
-                <a:uLnTx/>
-                <a:uFillTx/>
-                <a:latin typeface="Calibri" panose="020F0502020204030204"/>
-                <a:ea typeface="+mn-ea"/>
-                <a:cs typeface="+mn-cs"/>
               </a:rPr>
               <a:t>Check Out</a:t>
             </a:r>
@@ -10477,37 +9343,12 @@
           <a:bodyPr rtlCol="0" anchor="ctr"/>
           <a:lstStyle/>
           <a:p>
-            <a:pPr marL="0" marR="0" lvl="0" indent="0" algn="ctr" defTabSz="914400" rtl="0" eaLnBrk="1" fontAlgn="auto" latinLnBrk="0" hangingPunct="1">
-              <a:lnSpc>
-                <a:spcPct val="100000"/>
-              </a:lnSpc>
-              <a:spcBef>
-                <a:spcPts val="0"/>
-              </a:spcBef>
-              <a:spcAft>
-                <a:spcPts val="0"/>
-              </a:spcAft>
-              <a:buClrTx/>
-              <a:buSzTx/>
-              <a:buFontTx/>
-              <a:buNone/>
-              <a:tabLst/>
-              <a:defRPr/>
-            </a:pPr>
-            <a:r>
-              <a:rPr kumimoji="0" lang="de-DE" sz="1800" b="0" i="0" u="none" strike="noStrike" kern="1200" cap="none" spc="0" normalizeH="0" baseline="0" noProof="0" dirty="0">
-                <a:ln>
-                  <a:noFill/>
-                </a:ln>
+            <a:pPr algn="ctr"/>
+            <a:r>
+              <a:rPr lang="de-DE" dirty="0">
                 <a:solidFill>
-                  <a:prstClr val="black"/>
+                  <a:schemeClr val="tx1"/>
                 </a:solidFill>
-                <a:effectLst/>
-                <a:uLnTx/>
-                <a:uFillTx/>
-                <a:latin typeface="Calibri" panose="020F0502020204030204"/>
-                <a:ea typeface="+mn-ea"/>
-                <a:cs typeface="+mn-cs"/>
               </a:rPr>
               <a:t>Storno</a:t>
             </a:r>
@@ -10635,38 +9476,8 @@
           </a:bodyPr>
           <a:lstStyle/>
           <a:p>
-            <a:pPr marL="0" marR="0" lvl="0" indent="0" algn="l" defTabSz="914400" rtl="0" eaLnBrk="1" fontAlgn="auto" latinLnBrk="0" hangingPunct="1">
-              <a:lnSpc>
-                <a:spcPct val="100000"/>
-              </a:lnSpc>
-              <a:spcBef>
-                <a:spcPts val="0"/>
-              </a:spcBef>
-              <a:spcAft>
-                <a:spcPts val="0"/>
-              </a:spcAft>
-              <a:buClrTx/>
-              <a:buSzTx/>
-              <a:buFontTx/>
-              <a:buNone/>
-              <a:tabLst/>
-              <a:defRPr/>
-            </a:pPr>
-            <a:r>
-              <a:rPr kumimoji="0" lang="de-DE" sz="1800" b="0" i="0" u="none" strike="noStrike" kern="1200" cap="none" spc="0" normalizeH="0" baseline="0" noProof="0" dirty="0">
-                <a:ln>
-                  <a:noFill/>
-                </a:ln>
-                <a:solidFill>
-                  <a:prstClr val="black"/>
-                </a:solidFill>
-                <a:effectLst/>
-                <a:uLnTx/>
-                <a:uFillTx/>
-                <a:latin typeface="Calibri" panose="020F0502020204030204"/>
-                <a:ea typeface="+mn-ea"/>
-                <a:cs typeface="+mn-cs"/>
-              </a:rPr>
+            <a:r>
+              <a:rPr lang="de-DE" dirty="0"/>
               <a:t>Kunde</a:t>
             </a:r>
           </a:p>
@@ -10700,38 +9511,8 @@
           </a:bodyPr>
           <a:lstStyle/>
           <a:p>
-            <a:pPr marL="0" marR="0" lvl="0" indent="0" algn="l" defTabSz="914400" rtl="0" eaLnBrk="1" fontAlgn="auto" latinLnBrk="0" hangingPunct="1">
-              <a:lnSpc>
-                <a:spcPct val="100000"/>
-              </a:lnSpc>
-              <a:spcBef>
-                <a:spcPts val="0"/>
-              </a:spcBef>
-              <a:spcAft>
-                <a:spcPts val="0"/>
-              </a:spcAft>
-              <a:buClrTx/>
-              <a:buSzTx/>
-              <a:buFontTx/>
-              <a:buNone/>
-              <a:tabLst/>
-              <a:defRPr/>
-            </a:pPr>
-            <a:r>
-              <a:rPr kumimoji="0" lang="de-DE" sz="1800" b="0" i="0" u="none" strike="noStrike" kern="1200" cap="none" spc="0" normalizeH="0" baseline="0" noProof="0" dirty="0">
-                <a:ln>
-                  <a:noFill/>
-                </a:ln>
-                <a:solidFill>
-                  <a:prstClr val="black"/>
-                </a:solidFill>
-                <a:effectLst/>
-                <a:uLnTx/>
-                <a:uFillTx/>
-                <a:latin typeface="Calibri" panose="020F0502020204030204"/>
-                <a:ea typeface="+mn-ea"/>
-                <a:cs typeface="+mn-cs"/>
-              </a:rPr>
+            <a:r>
+              <a:rPr lang="de-DE" dirty="0"/>
               <a:t>Server</a:t>
             </a:r>
           </a:p>
@@ -10878,37 +9659,12 @@
           <a:bodyPr rtlCol="0" anchor="ctr"/>
           <a:lstStyle/>
           <a:p>
-            <a:pPr marL="0" marR="0" lvl="0" indent="0" algn="ctr" defTabSz="914400" rtl="0" eaLnBrk="1" fontAlgn="auto" latinLnBrk="0" hangingPunct="1">
-              <a:lnSpc>
-                <a:spcPct val="100000"/>
-              </a:lnSpc>
-              <a:spcBef>
-                <a:spcPts val="0"/>
-              </a:spcBef>
-              <a:spcAft>
-                <a:spcPts val="0"/>
-              </a:spcAft>
-              <a:buClrTx/>
-              <a:buSzTx/>
-              <a:buFontTx/>
-              <a:buNone/>
-              <a:tabLst/>
-              <a:defRPr/>
-            </a:pPr>
-            <a:r>
-              <a:rPr kumimoji="0" lang="de-DE" sz="1800" b="0" i="0" u="none" strike="noStrike" kern="1200" cap="none" spc="0" normalizeH="0" baseline="0" noProof="0" dirty="0">
-                <a:ln>
-                  <a:noFill/>
-                </a:ln>
+            <a:pPr algn="ctr"/>
+            <a:r>
+              <a:rPr lang="de-DE" dirty="0">
                 <a:solidFill>
-                  <a:prstClr val="black"/>
+                  <a:schemeClr val="tx1"/>
                 </a:solidFill>
-                <a:effectLst/>
-                <a:uLnTx/>
-                <a:uFillTx/>
-                <a:latin typeface="Calibri" panose="020F0502020204030204"/>
-                <a:ea typeface="+mn-ea"/>
-                <a:cs typeface="+mn-cs"/>
               </a:rPr>
               <a:t>Verwaltung</a:t>
             </a:r>
@@ -10962,37 +9718,12 @@
           <a:bodyPr rtlCol="0" anchor="ctr"/>
           <a:lstStyle/>
           <a:p>
-            <a:pPr marL="0" marR="0" lvl="0" indent="0" algn="ctr" defTabSz="914400" rtl="0" eaLnBrk="1" fontAlgn="auto" latinLnBrk="0" hangingPunct="1">
-              <a:lnSpc>
-                <a:spcPct val="100000"/>
-              </a:lnSpc>
-              <a:spcBef>
-                <a:spcPts val="0"/>
-              </a:spcBef>
-              <a:spcAft>
-                <a:spcPts val="0"/>
-              </a:spcAft>
-              <a:buClrTx/>
-              <a:buSzTx/>
-              <a:buFontTx/>
-              <a:buNone/>
-              <a:tabLst/>
-              <a:defRPr/>
-            </a:pPr>
-            <a:r>
-              <a:rPr kumimoji="0" lang="de-DE" sz="1800" b="0" i="0" u="none" strike="noStrike" kern="1200" cap="none" spc="0" normalizeH="0" baseline="0" noProof="0" dirty="0">
-                <a:ln>
-                  <a:noFill/>
-                </a:ln>
+            <a:pPr algn="ctr"/>
+            <a:r>
+              <a:rPr lang="de-DE" dirty="0">
                 <a:solidFill>
-                  <a:prstClr val="black"/>
+                  <a:schemeClr val="tx1"/>
                 </a:solidFill>
-                <a:effectLst/>
-                <a:uLnTx/>
-                <a:uFillTx/>
-                <a:latin typeface="Calibri" panose="020F0502020204030204"/>
-                <a:ea typeface="+mn-ea"/>
-                <a:cs typeface="+mn-cs"/>
               </a:rPr>
               <a:t>Suchanfrage für Shirt</a:t>
             </a:r>
@@ -11160,38 +9891,8 @@
           </a:bodyPr>
           <a:lstStyle/>
           <a:p>
-            <a:pPr marL="0" marR="0" lvl="0" indent="0" algn="l" defTabSz="914400" rtl="0" eaLnBrk="1" fontAlgn="auto" latinLnBrk="0" hangingPunct="1">
-              <a:lnSpc>
-                <a:spcPct val="100000"/>
-              </a:lnSpc>
-              <a:spcBef>
-                <a:spcPts val="0"/>
-              </a:spcBef>
-              <a:spcAft>
-                <a:spcPts val="0"/>
-              </a:spcAft>
-              <a:buClrTx/>
-              <a:buSzTx/>
-              <a:buFontTx/>
-              <a:buNone/>
-              <a:tabLst/>
-              <a:defRPr/>
-            </a:pPr>
-            <a:r>
-              <a:rPr kumimoji="0" lang="de-DE" sz="1800" b="0" i="0" u="none" strike="noStrike" kern="1200" cap="none" spc="0" normalizeH="0" baseline="0" noProof="0" dirty="0">
-                <a:ln>
-                  <a:noFill/>
-                </a:ln>
-                <a:solidFill>
-                  <a:prstClr val="black"/>
-                </a:solidFill>
-                <a:effectLst/>
-                <a:uLnTx/>
-                <a:uFillTx/>
-                <a:latin typeface="Calibri" panose="020F0502020204030204"/>
-                <a:ea typeface="+mn-ea"/>
-                <a:cs typeface="+mn-cs"/>
-              </a:rPr>
+            <a:r>
+              <a:rPr lang="de-DE" dirty="0"/>
               <a:t>Mitarbeiter</a:t>
             </a:r>
           </a:p>
@@ -11338,37 +10039,12 @@
           <a:bodyPr rtlCol="0" anchor="ctr"/>
           <a:lstStyle/>
           <a:p>
-            <a:pPr marL="0" marR="0" lvl="0" indent="0" algn="ctr" defTabSz="914400" rtl="0" eaLnBrk="1" fontAlgn="auto" latinLnBrk="0" hangingPunct="1">
-              <a:lnSpc>
-                <a:spcPct val="100000"/>
-              </a:lnSpc>
-              <a:spcBef>
-                <a:spcPts val="0"/>
-              </a:spcBef>
-              <a:spcAft>
-                <a:spcPts val="0"/>
-              </a:spcAft>
-              <a:buClrTx/>
-              <a:buSzTx/>
-              <a:buFontTx/>
-              <a:buNone/>
-              <a:tabLst/>
-              <a:defRPr/>
-            </a:pPr>
-            <a:r>
-              <a:rPr kumimoji="0" lang="de-DE" sz="1800" b="0" i="0" u="none" strike="noStrike" kern="1200" cap="none" spc="0" normalizeH="0" baseline="0" noProof="0" dirty="0">
-                <a:ln>
-                  <a:noFill/>
-                </a:ln>
+            <a:pPr algn="ctr"/>
+            <a:r>
+              <a:rPr lang="de-DE" dirty="0">
                 <a:solidFill>
-                  <a:prstClr val="black"/>
+                  <a:schemeClr val="tx1"/>
                 </a:solidFill>
-                <a:effectLst/>
-                <a:uLnTx/>
-                <a:uFillTx/>
-                <a:latin typeface="Calibri" panose="020F0502020204030204"/>
-                <a:ea typeface="+mn-ea"/>
-                <a:cs typeface="+mn-cs"/>
               </a:rPr>
               <a:t>Info für Neue</a:t>
             </a:r>
@@ -11469,6 +10145,45 @@
           </a:fontRef>
         </p:style>
       </p:cxnSp>
+      <p:sp>
+        <p:nvSpPr>
+          <p:cNvPr id="2" name="Textfeld 1">
+            <a:extLst>
+              <a:ext uri="{FF2B5EF4-FFF2-40B4-BE49-F238E27FC236}">
+                <a16:creationId xmlns:a16="http://schemas.microsoft.com/office/drawing/2014/main" id="{877B56C3-4787-C580-0E5B-711B9F8D7BC5}"/>
+              </a:ext>
+            </a:extLst>
+          </p:cNvPr>
+          <p:cNvSpPr txBox="1"/>
+          <p:nvPr/>
+        </p:nvSpPr>
+        <p:spPr>
+          <a:xfrm>
+            <a:off x="4486168" y="131679"/>
+            <a:ext cx="2564292" cy="461665"/>
+          </a:xfrm>
+          <a:prstGeom prst="rect">
+            <a:avLst/>
+          </a:prstGeom>
+          <a:noFill/>
+        </p:spPr>
+        <p:txBody>
+          <a:bodyPr wrap="none" rtlCol="0">
+            <a:spAutoFit/>
+          </a:bodyPr>
+          <a:lstStyle/>
+          <a:p>
+            <a:r>
+              <a:rPr lang="de-DE" sz="2400" dirty="0" err="1"/>
+              <a:t>Usecase</a:t>
+            </a:r>
+            <a:r>
+              <a:rPr lang="de-DE" sz="2400" dirty="0"/>
+              <a:t> Diagramm</a:t>
+            </a:r>
+          </a:p>
+        </p:txBody>
+      </p:sp>
     </p:spTree>
     <p:extLst>
       <p:ext uri="{BB962C8B-B14F-4D97-AF65-F5344CB8AC3E}">

--- a/Web-Technologie.pptx
+++ b/Web-Technologie.pptx
@@ -20,6 +20,11 @@
     <p:sldId id="268" r:id="rId14"/>
     <p:sldId id="269" r:id="rId15"/>
     <p:sldId id="270" r:id="rId16"/>
+    <p:sldId id="271" r:id="rId17"/>
+    <p:sldId id="272" r:id="rId18"/>
+    <p:sldId id="273" r:id="rId19"/>
+    <p:sldId id="274" r:id="rId20"/>
+    <p:sldId id="275" r:id="rId21"/>
   </p:sldIdLst>
   <p:sldSz cx="12192000" cy="6858000"/>
   <p:notesSz cx="6858000" cy="9144000"/>
@@ -129,7 +134,7 @@
 <file path=ppt/revisionInfo.xml><?xml version="1.0" encoding="utf-8"?>
 <p1510:revInfo xmlns:a="http://schemas.openxmlformats.org/drawingml/2006/main" xmlns:r="http://schemas.openxmlformats.org/officeDocument/2006/relationships" xmlns:p1510="http://schemas.microsoft.com/office/powerpoint/2015/10/main">
   <p1510:revLst>
-    <p1510:client id="{27196A8C-3FC4-41DA-BFF7-A7CB116E1B03}" v="3" dt="2023-03-30T09:30:44.380"/>
+    <p1510:client id="{27196A8C-3FC4-41DA-BFF7-A7CB116E1B03}" v="6" dt="2023-04-03T08:46:19.033"/>
   </p1510:revLst>
 </p1510:revInfo>
 </file>
@@ -217,8 +222,8 @@
   </pc:docChgLst>
   <pc:docChgLst>
     <pc:chgData name="Simon Driescher" userId="fcef99ce1c40fef3" providerId="LiveId" clId="{27196A8C-3FC4-41DA-BFF7-A7CB116E1B03}"/>
-    <pc:docChg chg="addSld modSld">
-      <pc:chgData name="Simon Driescher" userId="fcef99ce1c40fef3" providerId="LiveId" clId="{27196A8C-3FC4-41DA-BFF7-A7CB116E1B03}" dt="2023-03-30T09:31:02.866" v="297" actId="1076"/>
+    <pc:docChg chg="undo custSel addSld modSld">
+      <pc:chgData name="Simon Driescher" userId="fcef99ce1c40fef3" providerId="LiveId" clId="{27196A8C-3FC4-41DA-BFF7-A7CB116E1B03}" dt="2023-04-03T08:58:51.686" v="401" actId="20577"/>
       <pc:docMkLst>
         <pc:docMk/>
       </pc:docMkLst>
@@ -284,6 +289,145 @@
           </ac:picMkLst>
         </pc:picChg>
       </pc:sldChg>
+      <pc:sldChg chg="addSp delSp modSp new mod">
+        <pc:chgData name="Simon Driescher" userId="fcef99ce1c40fef3" providerId="LiveId" clId="{27196A8C-3FC4-41DA-BFF7-A7CB116E1B03}" dt="2023-04-03T08:54:51.754" v="366" actId="1076"/>
+        <pc:sldMkLst>
+          <pc:docMk/>
+          <pc:sldMk cId="3168234825" sldId="271"/>
+        </pc:sldMkLst>
+        <pc:spChg chg="mod">
+          <ac:chgData name="Simon Driescher" userId="fcef99ce1c40fef3" providerId="LiveId" clId="{27196A8C-3FC4-41DA-BFF7-A7CB116E1B03}" dt="2023-04-03T08:31:16.258" v="307" actId="122"/>
+          <ac:spMkLst>
+            <pc:docMk/>
+            <pc:sldMk cId="3168234825" sldId="271"/>
+            <ac:spMk id="2" creationId="{27640329-9066-F977-5F31-83F8EF7599F2}"/>
+          </ac:spMkLst>
+        </pc:spChg>
+        <pc:spChg chg="del">
+          <ac:chgData name="Simon Driescher" userId="fcef99ce1c40fef3" providerId="LiveId" clId="{27196A8C-3FC4-41DA-BFF7-A7CB116E1B03}" dt="2023-04-03T08:31:17.407" v="308" actId="22"/>
+          <ac:spMkLst>
+            <pc:docMk/>
+            <pc:sldMk cId="3168234825" sldId="271"/>
+            <ac:spMk id="3" creationId="{1C80BE69-FF83-8BDA-2499-09BEC7C1FA8A}"/>
+          </ac:spMkLst>
+        </pc:spChg>
+        <pc:spChg chg="add del mod">
+          <ac:chgData name="Simon Driescher" userId="fcef99ce1c40fef3" providerId="LiveId" clId="{27196A8C-3FC4-41DA-BFF7-A7CB116E1B03}" dt="2023-04-03T08:32:12.746" v="315" actId="21"/>
+          <ac:spMkLst>
+            <pc:docMk/>
+            <pc:sldMk cId="3168234825" sldId="271"/>
+            <ac:spMk id="7" creationId="{7BF8A0F5-F3A8-BE53-D6FE-5CE6B7EC4EBD}"/>
+          </ac:spMkLst>
+        </pc:spChg>
+        <pc:picChg chg="add del mod ord">
+          <ac:chgData name="Simon Driescher" userId="fcef99ce1c40fef3" providerId="LiveId" clId="{27196A8C-3FC4-41DA-BFF7-A7CB116E1B03}" dt="2023-04-03T08:31:48.485" v="309" actId="478"/>
+          <ac:picMkLst>
+            <pc:docMk/>
+            <pc:sldMk cId="3168234825" sldId="271"/>
+            <ac:picMk id="5" creationId="{709F4BEB-AA9A-5846-07C2-118E265DDA44}"/>
+          </ac:picMkLst>
+        </pc:picChg>
+        <pc:picChg chg="add del mod">
+          <ac:chgData name="Simon Driescher" userId="fcef99ce1c40fef3" providerId="LiveId" clId="{27196A8C-3FC4-41DA-BFF7-A7CB116E1B03}" dt="2023-04-03T08:54:44.554" v="363" actId="478"/>
+          <ac:picMkLst>
+            <pc:docMk/>
+            <pc:sldMk cId="3168234825" sldId="271"/>
+            <ac:picMk id="9" creationId="{94E5EB6D-876D-8193-6883-E6459468828C}"/>
+          </ac:picMkLst>
+        </pc:picChg>
+        <pc:picChg chg="add mod">
+          <ac:chgData name="Simon Driescher" userId="fcef99ce1c40fef3" providerId="LiveId" clId="{27196A8C-3FC4-41DA-BFF7-A7CB116E1B03}" dt="2023-04-03T08:54:51.754" v="366" actId="1076"/>
+          <ac:picMkLst>
+            <pc:docMk/>
+            <pc:sldMk cId="3168234825" sldId="271"/>
+            <ac:picMk id="11" creationId="{AF0516DD-6958-3526-CEB9-8FE2B4153732}"/>
+          </ac:picMkLst>
+        </pc:picChg>
+      </pc:sldChg>
+      <pc:sldChg chg="addSp delSp modSp new mod">
+        <pc:chgData name="Simon Driescher" userId="fcef99ce1c40fef3" providerId="LiveId" clId="{27196A8C-3FC4-41DA-BFF7-A7CB116E1B03}" dt="2023-04-03T08:50:37.813" v="362" actId="2711"/>
+        <pc:sldMkLst>
+          <pc:docMk/>
+          <pc:sldMk cId="3795823013" sldId="272"/>
+        </pc:sldMkLst>
+        <pc:spChg chg="mod">
+          <ac:chgData name="Simon Driescher" userId="fcef99ce1c40fef3" providerId="LiveId" clId="{27196A8C-3FC4-41DA-BFF7-A7CB116E1B03}" dt="2023-04-03T08:49:35.791" v="348" actId="122"/>
+          <ac:spMkLst>
+            <pc:docMk/>
+            <pc:sldMk cId="3795823013" sldId="272"/>
+            <ac:spMk id="2" creationId="{6FA99E99-DB1B-5316-C37B-FEAF73640032}"/>
+          </ac:spMkLst>
+        </pc:spChg>
+        <pc:spChg chg="del mod">
+          <ac:chgData name="Simon Driescher" userId="fcef99ce1c40fef3" providerId="LiveId" clId="{27196A8C-3FC4-41DA-BFF7-A7CB116E1B03}" dt="2023-04-03T08:35:58.058" v="318"/>
+          <ac:spMkLst>
+            <pc:docMk/>
+            <pc:sldMk cId="3795823013" sldId="272"/>
+            <ac:spMk id="3" creationId="{C18E9F02-21D1-F56C-7BAB-8F948106178C}"/>
+          </ac:spMkLst>
+        </pc:spChg>
+        <pc:spChg chg="add mod">
+          <ac:chgData name="Simon Driescher" userId="fcef99ce1c40fef3" providerId="LiveId" clId="{27196A8C-3FC4-41DA-BFF7-A7CB116E1B03}" dt="2023-04-03T08:50:37.813" v="362" actId="2711"/>
+          <ac:spMkLst>
+            <pc:docMk/>
+            <pc:sldMk cId="3795823013" sldId="272"/>
+            <ac:spMk id="4" creationId="{F29C0257-F579-D874-ED98-C17659822733}"/>
+          </ac:spMkLst>
+        </pc:spChg>
+      </pc:sldChg>
+      <pc:sldChg chg="modSp new mod">
+        <pc:chgData name="Simon Driescher" userId="fcef99ce1c40fef3" providerId="LiveId" clId="{27196A8C-3FC4-41DA-BFF7-A7CB116E1B03}" dt="2023-04-03T08:50:32.267" v="361" actId="2711"/>
+        <pc:sldMkLst>
+          <pc:docMk/>
+          <pc:sldMk cId="1231324709" sldId="273"/>
+        </pc:sldMkLst>
+        <pc:spChg chg="mod">
+          <ac:chgData name="Simon Driescher" userId="fcef99ce1c40fef3" providerId="LiveId" clId="{27196A8C-3FC4-41DA-BFF7-A7CB116E1B03}" dt="2023-04-03T08:49:32.507" v="347" actId="122"/>
+          <ac:spMkLst>
+            <pc:docMk/>
+            <pc:sldMk cId="1231324709" sldId="273"/>
+            <ac:spMk id="2" creationId="{5A4DF092-3F92-500E-3F31-4F77B190FA56}"/>
+          </ac:spMkLst>
+        </pc:spChg>
+        <pc:spChg chg="mod">
+          <ac:chgData name="Simon Driescher" userId="fcef99ce1c40fef3" providerId="LiveId" clId="{27196A8C-3FC4-41DA-BFF7-A7CB116E1B03}" dt="2023-04-03T08:50:32.267" v="361" actId="2711"/>
+          <ac:spMkLst>
+            <pc:docMk/>
+            <pc:sldMk cId="1231324709" sldId="273"/>
+            <ac:spMk id="3" creationId="{E7B6B314-59D5-7296-436A-2898CE9AA4F8}"/>
+          </ac:spMkLst>
+        </pc:spChg>
+      </pc:sldChg>
+      <pc:sldChg chg="modSp new mod">
+        <pc:chgData name="Simon Driescher" userId="fcef99ce1c40fef3" providerId="LiveId" clId="{27196A8C-3FC4-41DA-BFF7-A7CB116E1B03}" dt="2023-04-03T08:58:42.922" v="383" actId="20577"/>
+        <pc:sldMkLst>
+          <pc:docMk/>
+          <pc:sldMk cId="567203280" sldId="274"/>
+        </pc:sldMkLst>
+        <pc:spChg chg="mod">
+          <ac:chgData name="Simon Driescher" userId="fcef99ce1c40fef3" providerId="LiveId" clId="{27196A8C-3FC4-41DA-BFF7-A7CB116E1B03}" dt="2023-04-03T08:58:42.922" v="383" actId="20577"/>
+          <ac:spMkLst>
+            <pc:docMk/>
+            <pc:sldMk cId="567203280" sldId="274"/>
+            <ac:spMk id="2" creationId="{DEB5CCB0-F863-096A-F423-B652C436A660}"/>
+          </ac:spMkLst>
+        </pc:spChg>
+      </pc:sldChg>
+      <pc:sldChg chg="modSp new mod">
+        <pc:chgData name="Simon Driescher" userId="fcef99ce1c40fef3" providerId="LiveId" clId="{27196A8C-3FC4-41DA-BFF7-A7CB116E1B03}" dt="2023-04-03T08:58:51.686" v="401" actId="20577"/>
+        <pc:sldMkLst>
+          <pc:docMk/>
+          <pc:sldMk cId="642237072" sldId="275"/>
+        </pc:sldMkLst>
+        <pc:spChg chg="mod">
+          <ac:chgData name="Simon Driescher" userId="fcef99ce1c40fef3" providerId="LiveId" clId="{27196A8C-3FC4-41DA-BFF7-A7CB116E1B03}" dt="2023-04-03T08:58:51.686" v="401" actId="20577"/>
+          <ac:spMkLst>
+            <pc:docMk/>
+            <pc:sldMk cId="642237072" sldId="275"/>
+            <ac:spMk id="2" creationId="{2BF6B6AA-7BC4-4AD9-1810-033ADBF68559}"/>
+          </ac:spMkLst>
+        </pc:spChg>
+      </pc:sldChg>
     </pc:docChg>
   </pc:docChgLst>
 </pc:chgInfo>
@@ -436,7 +580,7 @@
           <a:p>
             <a:fld id="{1C760FE3-A85F-42BC-8F15-773C19544183}" type="datetimeFigureOut">
               <a:rPr lang="de-DE" smtClean="0"/>
-              <a:t>30.03.2023</a:t>
+              <a:t>03.04.2023</a:t>
             </a:fld>
             <a:endParaRPr lang="de-DE"/>
           </a:p>
@@ -634,7 +778,7 @@
           <a:p>
             <a:fld id="{1C760FE3-A85F-42BC-8F15-773C19544183}" type="datetimeFigureOut">
               <a:rPr lang="de-DE" smtClean="0"/>
-              <a:t>30.03.2023</a:t>
+              <a:t>03.04.2023</a:t>
             </a:fld>
             <a:endParaRPr lang="de-DE"/>
           </a:p>
@@ -842,7 +986,7 @@
           <a:p>
             <a:fld id="{1C760FE3-A85F-42BC-8F15-773C19544183}" type="datetimeFigureOut">
               <a:rPr lang="de-DE" smtClean="0"/>
-              <a:t>30.03.2023</a:t>
+              <a:t>03.04.2023</a:t>
             </a:fld>
             <a:endParaRPr lang="de-DE"/>
           </a:p>
@@ -1040,7 +1184,7 @@
           <a:p>
             <a:fld id="{1C760FE3-A85F-42BC-8F15-773C19544183}" type="datetimeFigureOut">
               <a:rPr lang="de-DE" smtClean="0"/>
-              <a:t>30.03.2023</a:t>
+              <a:t>03.04.2023</a:t>
             </a:fld>
             <a:endParaRPr lang="de-DE"/>
           </a:p>
@@ -1315,7 +1459,7 @@
           <a:p>
             <a:fld id="{1C760FE3-A85F-42BC-8F15-773C19544183}" type="datetimeFigureOut">
               <a:rPr lang="de-DE" smtClean="0"/>
-              <a:t>30.03.2023</a:t>
+              <a:t>03.04.2023</a:t>
             </a:fld>
             <a:endParaRPr lang="de-DE"/>
           </a:p>
@@ -1580,7 +1724,7 @@
           <a:p>
             <a:fld id="{1C760FE3-A85F-42BC-8F15-773C19544183}" type="datetimeFigureOut">
               <a:rPr lang="de-DE" smtClean="0"/>
-              <a:t>30.03.2023</a:t>
+              <a:t>03.04.2023</a:t>
             </a:fld>
             <a:endParaRPr lang="de-DE"/>
           </a:p>
@@ -1992,7 +2136,7 @@
           <a:p>
             <a:fld id="{1C760FE3-A85F-42BC-8F15-773C19544183}" type="datetimeFigureOut">
               <a:rPr lang="de-DE" smtClean="0"/>
-              <a:t>30.03.2023</a:t>
+              <a:t>03.04.2023</a:t>
             </a:fld>
             <a:endParaRPr lang="de-DE"/>
           </a:p>
@@ -2133,7 +2277,7 @@
           <a:p>
             <a:fld id="{1C760FE3-A85F-42BC-8F15-773C19544183}" type="datetimeFigureOut">
               <a:rPr lang="de-DE" smtClean="0"/>
-              <a:t>30.03.2023</a:t>
+              <a:t>03.04.2023</a:t>
             </a:fld>
             <a:endParaRPr lang="de-DE"/>
           </a:p>
@@ -2246,7 +2390,7 @@
           <a:p>
             <a:fld id="{1C760FE3-A85F-42BC-8F15-773C19544183}" type="datetimeFigureOut">
               <a:rPr lang="de-DE" smtClean="0"/>
-              <a:t>30.03.2023</a:t>
+              <a:t>03.04.2023</a:t>
             </a:fld>
             <a:endParaRPr lang="de-DE"/>
           </a:p>
@@ -2557,7 +2701,7 @@
           <a:p>
             <a:fld id="{1C760FE3-A85F-42BC-8F15-773C19544183}" type="datetimeFigureOut">
               <a:rPr lang="de-DE" smtClean="0"/>
-              <a:t>30.03.2023</a:t>
+              <a:t>03.04.2023</a:t>
             </a:fld>
             <a:endParaRPr lang="de-DE"/>
           </a:p>
@@ -2845,7 +2989,7 @@
           <a:p>
             <a:fld id="{1C760FE3-A85F-42BC-8F15-773C19544183}" type="datetimeFigureOut">
               <a:rPr lang="de-DE" smtClean="0"/>
-              <a:t>30.03.2023</a:t>
+              <a:t>03.04.2023</a:t>
             </a:fld>
             <a:endParaRPr lang="de-DE"/>
           </a:p>
@@ -3086,7 +3230,7 @@
           <a:p>
             <a:fld id="{1C760FE3-A85F-42BC-8F15-773C19544183}" type="datetimeFigureOut">
               <a:rPr lang="de-DE" smtClean="0"/>
-              <a:t>30.03.2023</a:t>
+              <a:t>03.04.2023</a:t>
             </a:fld>
             <a:endParaRPr lang="de-DE"/>
           </a:p>
@@ -7596,6 +7740,722 @@
 </p:sld>
 </file>
 
+<file path=ppt/slides/slide16.xml><?xml version="1.0" encoding="utf-8"?>
+<p:sld xmlns:a="http://schemas.openxmlformats.org/drawingml/2006/main" xmlns:r="http://schemas.openxmlformats.org/officeDocument/2006/relationships" xmlns:p="http://schemas.openxmlformats.org/presentationml/2006/main">
+  <p:cSld>
+    <p:spTree>
+      <p:nvGrpSpPr>
+        <p:cNvPr id="1" name=""/>
+        <p:cNvGrpSpPr/>
+        <p:nvPr/>
+      </p:nvGrpSpPr>
+      <p:grpSpPr>
+        <a:xfrm>
+          <a:off x="0" y="0"/>
+          <a:ext cx="0" cy="0"/>
+          <a:chOff x="0" y="0"/>
+          <a:chExt cx="0" cy="0"/>
+        </a:xfrm>
+      </p:grpSpPr>
+      <p:sp>
+        <p:nvSpPr>
+          <p:cNvPr id="2" name="Titel 1">
+            <a:extLst>
+              <a:ext uri="{FF2B5EF4-FFF2-40B4-BE49-F238E27FC236}">
+                <a16:creationId xmlns:a16="http://schemas.microsoft.com/office/drawing/2014/main" id="{27640329-9066-F977-5F31-83F8EF7599F2}"/>
+              </a:ext>
+            </a:extLst>
+          </p:cNvPr>
+          <p:cNvSpPr>
+            <a:spLocks noGrp="1"/>
+          </p:cNvSpPr>
+          <p:nvPr>
+            <p:ph type="title"/>
+          </p:nvPr>
+        </p:nvSpPr>
+        <p:spPr/>
+        <p:txBody>
+          <a:bodyPr/>
+          <a:lstStyle/>
+          <a:p>
+            <a:pPr algn="ctr"/>
+            <a:r>
+              <a:rPr lang="de-DE" dirty="0"/>
+              <a:t>Struktur</a:t>
+            </a:r>
+          </a:p>
+        </p:txBody>
+      </p:sp>
+      <p:pic>
+        <p:nvPicPr>
+          <p:cNvPr id="11" name="Grafik 10">
+            <a:extLst>
+              <a:ext uri="{FF2B5EF4-FFF2-40B4-BE49-F238E27FC236}">
+                <a16:creationId xmlns:a16="http://schemas.microsoft.com/office/drawing/2014/main" id="{AF0516DD-6958-3526-CEB9-8FE2B4153732}"/>
+              </a:ext>
+            </a:extLst>
+          </p:cNvPr>
+          <p:cNvPicPr>
+            <a:picLocks noChangeAspect="1"/>
+          </p:cNvPicPr>
+          <p:nvPr/>
+        </p:nvPicPr>
+        <p:blipFill>
+          <a:blip r:embed="rId2"/>
+          <a:stretch>
+            <a:fillRect/>
+          </a:stretch>
+        </p:blipFill>
+        <p:spPr>
+          <a:xfrm>
+            <a:off x="1332068" y="1267898"/>
+            <a:ext cx="9527864" cy="5349827"/>
+          </a:xfrm>
+          <a:prstGeom prst="rect">
+            <a:avLst/>
+          </a:prstGeom>
+        </p:spPr>
+      </p:pic>
+    </p:spTree>
+    <p:extLst>
+      <p:ext uri="{BB962C8B-B14F-4D97-AF65-F5344CB8AC3E}">
+        <p14:creationId xmlns:p14="http://schemas.microsoft.com/office/powerpoint/2010/main" val="3168234825"/>
+      </p:ext>
+    </p:extLst>
+  </p:cSld>
+  <p:clrMapOvr>
+    <a:masterClrMapping/>
+  </p:clrMapOvr>
+</p:sld>
+</file>
+
+<file path=ppt/slides/slide17.xml><?xml version="1.0" encoding="utf-8"?>
+<p:sld xmlns:a="http://schemas.openxmlformats.org/drawingml/2006/main" xmlns:r="http://schemas.openxmlformats.org/officeDocument/2006/relationships" xmlns:p="http://schemas.openxmlformats.org/presentationml/2006/main">
+  <p:cSld>
+    <p:spTree>
+      <p:nvGrpSpPr>
+        <p:cNvPr id="1" name=""/>
+        <p:cNvGrpSpPr/>
+        <p:nvPr/>
+      </p:nvGrpSpPr>
+      <p:grpSpPr>
+        <a:xfrm>
+          <a:off x="0" y="0"/>
+          <a:ext cx="0" cy="0"/>
+          <a:chOff x="0" y="0"/>
+          <a:chExt cx="0" cy="0"/>
+        </a:xfrm>
+      </p:grpSpPr>
+      <p:sp>
+        <p:nvSpPr>
+          <p:cNvPr id="2" name="Titel 1">
+            <a:extLst>
+              <a:ext uri="{FF2B5EF4-FFF2-40B4-BE49-F238E27FC236}">
+                <a16:creationId xmlns:a16="http://schemas.microsoft.com/office/drawing/2014/main" id="{6FA99E99-DB1B-5316-C37B-FEAF73640032}"/>
+              </a:ext>
+            </a:extLst>
+          </p:cNvPr>
+          <p:cNvSpPr>
+            <a:spLocks noGrp="1"/>
+          </p:cNvSpPr>
+          <p:nvPr>
+            <p:ph type="title"/>
+          </p:nvPr>
+        </p:nvSpPr>
+        <p:spPr/>
+        <p:txBody>
+          <a:bodyPr/>
+          <a:lstStyle/>
+          <a:p>
+            <a:pPr algn="ctr"/>
+            <a:r>
+              <a:rPr lang="de-DE" dirty="0"/>
+              <a:t>Landing-Page</a:t>
+            </a:r>
+          </a:p>
+        </p:txBody>
+      </p:sp>
+      <p:sp>
+        <p:nvSpPr>
+          <p:cNvPr id="4" name="Rectangle 1">
+            <a:extLst>
+              <a:ext uri="{FF2B5EF4-FFF2-40B4-BE49-F238E27FC236}">
+                <a16:creationId xmlns:a16="http://schemas.microsoft.com/office/drawing/2014/main" id="{F29C0257-F579-D874-ED98-C17659822733}"/>
+              </a:ext>
+            </a:extLst>
+          </p:cNvPr>
+          <p:cNvSpPr>
+            <a:spLocks noGrp="1" noChangeArrowheads="1"/>
+          </p:cNvSpPr>
+          <p:nvPr>
+            <p:ph idx="1"/>
+          </p:nvPr>
+        </p:nvSpPr>
+        <p:spPr bwMode="auto">
+          <a:xfrm>
+            <a:off x="594805" y="2339302"/>
+            <a:ext cx="10866268" cy="3323987"/>
+          </a:xfrm>
+          <a:prstGeom prst="rect">
+            <a:avLst/>
+          </a:prstGeom>
+          <a:noFill/>
+          <a:ln>
+            <a:noFill/>
+          </a:ln>
+          <a:effectLst/>
+          <a:extLst>
+            <a:ext uri="{909E8E84-426E-40DD-AFC4-6F175D3DCCD1}">
+              <a14:hiddenFill xmlns:a14="http://schemas.microsoft.com/office/drawing/2010/main">
+                <a:solidFill>
+                  <a:schemeClr val="accent1"/>
+                </a:solidFill>
+              </a14:hiddenFill>
+            </a:ext>
+            <a:ext uri="{91240B29-F687-4F45-9708-019B960494DF}">
+              <a14:hiddenLine xmlns:a14="http://schemas.microsoft.com/office/drawing/2010/main" w="9525">
+                <a:solidFill>
+                  <a:schemeClr val="tx1"/>
+                </a:solidFill>
+                <a:miter lim="800000"/>
+                <a:headEnd/>
+                <a:tailEnd/>
+              </a14:hiddenLine>
+            </a:ext>
+            <a:ext uri="{AF507438-7753-43E0-B8FC-AC1667EBCBE1}">
+              <a14:hiddenEffects xmlns:a14="http://schemas.microsoft.com/office/drawing/2010/main">
+                <a:effectLst>
+                  <a:outerShdw dist="35921" dir="2700000" algn="ctr" rotWithShape="0">
+                    <a:schemeClr val="bg2"/>
+                  </a:outerShdw>
+                </a:effectLst>
+              </a14:hiddenEffects>
+            </a:ext>
+          </a:extLst>
+        </p:spPr>
+        <p:txBody>
+          <a:bodyPr vert="horz" wrap="square" lIns="91440" tIns="45720" rIns="91440" bIns="45720" numCol="1" anchor="ctr" anchorCtr="0" compatLnSpc="1">
+            <a:prstTxWarp prst="textNoShape">
+              <a:avLst/>
+            </a:prstTxWarp>
+            <a:spAutoFit/>
+          </a:bodyPr>
+          <a:lstStyle/>
+          <a:p>
+            <a:pPr marL="0" marR="0" lvl="0" indent="0" defTabSz="914400" rtl="0" eaLnBrk="0" fontAlgn="base" latinLnBrk="0" hangingPunct="0">
+              <a:lnSpc>
+                <a:spcPct val="100000"/>
+              </a:lnSpc>
+              <a:spcBef>
+                <a:spcPct val="0"/>
+              </a:spcBef>
+              <a:spcAft>
+                <a:spcPct val="0"/>
+              </a:spcAft>
+              <a:buClrTx/>
+              <a:buSzTx/>
+              <a:buFontTx/>
+              <a:buNone/>
+              <a:tabLst/>
+            </a:pPr>
+            <a:r>
+              <a:rPr kumimoji="0" lang="de-DE" altLang="de-DE" sz="1400" b="0" i="0" u="none" strike="noStrike" cap="none" normalizeH="0" baseline="0" dirty="0">
+                <a:ln>
+                  <a:noFill/>
+                </a:ln>
+                <a:solidFill>
+                  <a:schemeClr val="tx1"/>
+                </a:solidFill>
+                <a:effectLst/>
+                <a:latin typeface="Arial" panose="020B0604020202020204" pitchFamily="34" charset="0"/>
+                <a:cs typeface="Arial" panose="020B0604020202020204" pitchFamily="34" charset="0"/>
+              </a:rPr>
+              <a:t>Willkommen bei unserem T-Shirt Online Shop!</a:t>
+            </a:r>
+          </a:p>
+          <a:p>
+            <a:pPr marL="0" marR="0" lvl="0" indent="0" defTabSz="914400" rtl="0" eaLnBrk="0" fontAlgn="base" latinLnBrk="0" hangingPunct="0">
+              <a:lnSpc>
+                <a:spcPct val="100000"/>
+              </a:lnSpc>
+              <a:spcBef>
+                <a:spcPct val="0"/>
+              </a:spcBef>
+              <a:spcAft>
+                <a:spcPct val="0"/>
+              </a:spcAft>
+              <a:buClrTx/>
+              <a:buSzTx/>
+              <a:buFontTx/>
+              <a:buNone/>
+              <a:tabLst/>
+            </a:pPr>
+            <a:r>
+              <a:rPr kumimoji="0" lang="de-DE" altLang="de-DE" sz="1400" b="0" i="0" u="none" strike="noStrike" cap="none" normalizeH="0" baseline="0" dirty="0">
+                <a:ln>
+                  <a:noFill/>
+                </a:ln>
+                <a:solidFill>
+                  <a:schemeClr val="tx1"/>
+                </a:solidFill>
+                <a:effectLst/>
+                <a:latin typeface="Arial" panose="020B0604020202020204" pitchFamily="34" charset="0"/>
+                <a:cs typeface="Arial" panose="020B0604020202020204" pitchFamily="34" charset="0"/>
+              </a:rPr>
+              <a:t>Hier findest du eine große Auswahl an hochwertigen T-Shirts mit einzigartigen Designs, die garantiert deinen individuellen Stil unterstreichen. Unsere T-Shirts werden aus hochwertigen Materialien hergestellt, um sicherzustellen, dass sie sowohl bequem als auch langlebig sind.</a:t>
+            </a:r>
+          </a:p>
+          <a:p>
+            <a:pPr marL="0" marR="0" lvl="0" indent="0" defTabSz="914400" rtl="0" eaLnBrk="0" fontAlgn="base" latinLnBrk="0" hangingPunct="0">
+              <a:lnSpc>
+                <a:spcPct val="100000"/>
+              </a:lnSpc>
+              <a:spcBef>
+                <a:spcPct val="0"/>
+              </a:spcBef>
+              <a:spcAft>
+                <a:spcPct val="0"/>
+              </a:spcAft>
+              <a:buClrTx/>
+              <a:buSzTx/>
+              <a:buFontTx/>
+              <a:buNone/>
+              <a:tabLst/>
+            </a:pPr>
+            <a:r>
+              <a:rPr kumimoji="0" lang="de-DE" altLang="de-DE" sz="1400" b="0" i="0" u="none" strike="noStrike" cap="none" normalizeH="0" baseline="0" dirty="0">
+                <a:ln>
+                  <a:noFill/>
+                </a:ln>
+                <a:solidFill>
+                  <a:schemeClr val="tx1"/>
+                </a:solidFill>
+                <a:effectLst/>
+                <a:latin typeface="Arial" panose="020B0604020202020204" pitchFamily="34" charset="0"/>
+                <a:cs typeface="Arial" panose="020B0604020202020204" pitchFamily="34" charset="0"/>
+              </a:rPr>
+              <a:t>Unser Sortiment umfasst verschiedene Themen wie Musik, Sport, Tiere und vieles mehr. Wir haben Designs für jeden Geschmack und jedes Alter. Ob du auf der Suche nach einem lässigen Alltags-Look oder einem besonderen Outfit für einen besonderen Anlass bist, wir haben das perfekte T-Shirt für dich.</a:t>
+            </a:r>
+          </a:p>
+          <a:p>
+            <a:pPr marL="0" marR="0" lvl="0" indent="0" defTabSz="914400" rtl="0" eaLnBrk="0" fontAlgn="base" latinLnBrk="0" hangingPunct="0">
+              <a:lnSpc>
+                <a:spcPct val="100000"/>
+              </a:lnSpc>
+              <a:spcBef>
+                <a:spcPct val="0"/>
+              </a:spcBef>
+              <a:spcAft>
+                <a:spcPct val="0"/>
+              </a:spcAft>
+              <a:buClrTx/>
+              <a:buSzTx/>
+              <a:buFontTx/>
+              <a:buNone/>
+              <a:tabLst/>
+            </a:pPr>
+            <a:endParaRPr kumimoji="0" lang="de-DE" altLang="de-DE" sz="1400" b="0" i="0" u="none" strike="noStrike" cap="none" normalizeH="0" baseline="0" dirty="0">
+              <a:ln>
+                <a:noFill/>
+              </a:ln>
+              <a:solidFill>
+                <a:schemeClr val="tx1"/>
+              </a:solidFill>
+              <a:effectLst/>
+              <a:latin typeface="Arial" panose="020B0604020202020204" pitchFamily="34" charset="0"/>
+              <a:cs typeface="Arial" panose="020B0604020202020204" pitchFamily="34" charset="0"/>
+            </a:endParaRPr>
+          </a:p>
+          <a:p>
+            <a:pPr marL="0" marR="0" lvl="0" indent="0" defTabSz="914400" rtl="0" eaLnBrk="0" fontAlgn="base" latinLnBrk="0" hangingPunct="0">
+              <a:lnSpc>
+                <a:spcPct val="100000"/>
+              </a:lnSpc>
+              <a:spcBef>
+                <a:spcPct val="0"/>
+              </a:spcBef>
+              <a:spcAft>
+                <a:spcPct val="0"/>
+              </a:spcAft>
+              <a:buClrTx/>
+              <a:buSzTx/>
+              <a:buFontTx/>
+              <a:buNone/>
+              <a:tabLst/>
+            </a:pPr>
+            <a:r>
+              <a:rPr kumimoji="0" lang="de-DE" altLang="de-DE" sz="1400" b="0" i="0" u="none" strike="noStrike" cap="none" normalizeH="0" baseline="0" dirty="0">
+                <a:ln>
+                  <a:noFill/>
+                </a:ln>
+                <a:solidFill>
+                  <a:schemeClr val="tx1"/>
+                </a:solidFill>
+                <a:effectLst/>
+                <a:latin typeface="Arial" panose="020B0604020202020204" pitchFamily="34" charset="0"/>
+                <a:cs typeface="Arial" panose="020B0604020202020204" pitchFamily="34" charset="0"/>
+              </a:rPr>
+              <a:t>Unser Ziel ist es, dir ein einzigartiges Einkaufserlebnis zu bieten. Wir legen großen Wert auf Kundenservice und stehen dir gerne bei Fragen oder Anliegen zur Verfügung. Außerdem bieten wir schnelle und sichere Zahlungsmöglichkeiten sowie eine schnelle Lieferung, damit du dein neues Lieblings-T-Shirt schnellstmöglich tragen kannst.</a:t>
+            </a:r>
+          </a:p>
+          <a:p>
+            <a:pPr marL="0" marR="0" lvl="0" indent="0" defTabSz="914400" rtl="0" eaLnBrk="0" fontAlgn="base" latinLnBrk="0" hangingPunct="0">
+              <a:lnSpc>
+                <a:spcPct val="100000"/>
+              </a:lnSpc>
+              <a:spcBef>
+                <a:spcPct val="0"/>
+              </a:spcBef>
+              <a:spcAft>
+                <a:spcPct val="0"/>
+              </a:spcAft>
+              <a:buClrTx/>
+              <a:buSzTx/>
+              <a:buFontTx/>
+              <a:buNone/>
+              <a:tabLst/>
+            </a:pPr>
+            <a:endParaRPr kumimoji="0" lang="de-DE" altLang="de-DE" sz="1400" b="0" i="0" u="none" strike="noStrike" cap="none" normalizeH="0" baseline="0" dirty="0">
+              <a:ln>
+                <a:noFill/>
+              </a:ln>
+              <a:solidFill>
+                <a:schemeClr val="tx1"/>
+              </a:solidFill>
+              <a:effectLst/>
+              <a:latin typeface="Arial" panose="020B0604020202020204" pitchFamily="34" charset="0"/>
+              <a:cs typeface="Arial" panose="020B0604020202020204" pitchFamily="34" charset="0"/>
+            </a:endParaRPr>
+          </a:p>
+          <a:p>
+            <a:pPr marL="0" marR="0" lvl="0" indent="0" defTabSz="914400" rtl="0" eaLnBrk="0" fontAlgn="base" latinLnBrk="0" hangingPunct="0">
+              <a:lnSpc>
+                <a:spcPct val="100000"/>
+              </a:lnSpc>
+              <a:spcBef>
+                <a:spcPct val="0"/>
+              </a:spcBef>
+              <a:spcAft>
+                <a:spcPct val="0"/>
+              </a:spcAft>
+              <a:buClrTx/>
+              <a:buSzTx/>
+              <a:buFontTx/>
+              <a:buNone/>
+              <a:tabLst/>
+            </a:pPr>
+            <a:r>
+              <a:rPr kumimoji="0" lang="de-DE" altLang="de-DE" sz="1400" b="0" i="0" u="none" strike="noStrike" cap="none" normalizeH="0" baseline="0" dirty="0">
+                <a:ln>
+                  <a:noFill/>
+                </a:ln>
+                <a:solidFill>
+                  <a:schemeClr val="tx1"/>
+                </a:solidFill>
+                <a:effectLst/>
+                <a:latin typeface="Arial" panose="020B0604020202020204" pitchFamily="34" charset="0"/>
+                <a:cs typeface="Arial" panose="020B0604020202020204" pitchFamily="34" charset="0"/>
+              </a:rPr>
+              <a:t>Schau dich jetzt in unserem Online Shop um und finde dein neues Lieblings-T-Shirt!</a:t>
+            </a:r>
+          </a:p>
+          <a:p>
+            <a:pPr marL="0" marR="0" lvl="0" indent="0" algn="l" defTabSz="914400" rtl="0" eaLnBrk="0" fontAlgn="base" latinLnBrk="0" hangingPunct="0">
+              <a:lnSpc>
+                <a:spcPct val="100000"/>
+              </a:lnSpc>
+              <a:spcBef>
+                <a:spcPct val="0"/>
+              </a:spcBef>
+              <a:spcAft>
+                <a:spcPct val="0"/>
+              </a:spcAft>
+              <a:buClrTx/>
+              <a:buSzTx/>
+              <a:buFontTx/>
+              <a:buNone/>
+              <a:tabLst/>
+            </a:pPr>
+            <a:br>
+              <a:rPr kumimoji="0" lang="de-DE" altLang="de-DE" sz="1400" b="0" i="0" u="none" strike="noStrike" cap="none" normalizeH="0" baseline="0" dirty="0">
+                <a:ln>
+                  <a:noFill/>
+                </a:ln>
+                <a:solidFill>
+                  <a:schemeClr val="tx1"/>
+                </a:solidFill>
+                <a:effectLst/>
+                <a:latin typeface="Arial" panose="020B0604020202020204" pitchFamily="34" charset="0"/>
+                <a:cs typeface="Arial" panose="020B0604020202020204" pitchFamily="34" charset="0"/>
+              </a:rPr>
+            </a:br>
+            <a:endParaRPr kumimoji="0" lang="de-DE" altLang="de-DE" sz="1400" b="0" i="0" u="none" strike="noStrike" cap="none" normalizeH="0" baseline="0" dirty="0">
+              <a:ln>
+                <a:noFill/>
+              </a:ln>
+              <a:solidFill>
+                <a:schemeClr val="tx1"/>
+              </a:solidFill>
+              <a:effectLst/>
+              <a:latin typeface="Arial" panose="020B0604020202020204" pitchFamily="34" charset="0"/>
+              <a:cs typeface="Arial" panose="020B0604020202020204" pitchFamily="34" charset="0"/>
+            </a:endParaRPr>
+          </a:p>
+        </p:txBody>
+      </p:sp>
+    </p:spTree>
+    <p:extLst>
+      <p:ext uri="{BB962C8B-B14F-4D97-AF65-F5344CB8AC3E}">
+        <p14:creationId xmlns:p14="http://schemas.microsoft.com/office/powerpoint/2010/main" val="3795823013"/>
+      </p:ext>
+    </p:extLst>
+  </p:cSld>
+  <p:clrMapOvr>
+    <a:masterClrMapping/>
+  </p:clrMapOvr>
+</p:sld>
+</file>
+
+<file path=ppt/slides/slide18.xml><?xml version="1.0" encoding="utf-8"?>
+<p:sld xmlns:a="http://schemas.openxmlformats.org/drawingml/2006/main" xmlns:r="http://schemas.openxmlformats.org/officeDocument/2006/relationships" xmlns:p="http://schemas.openxmlformats.org/presentationml/2006/main">
+  <p:cSld>
+    <p:spTree>
+      <p:nvGrpSpPr>
+        <p:cNvPr id="1" name=""/>
+        <p:cNvGrpSpPr/>
+        <p:nvPr/>
+      </p:nvGrpSpPr>
+      <p:grpSpPr>
+        <a:xfrm>
+          <a:off x="0" y="0"/>
+          <a:ext cx="0" cy="0"/>
+          <a:chOff x="0" y="0"/>
+          <a:chExt cx="0" cy="0"/>
+        </a:xfrm>
+      </p:grpSpPr>
+      <p:sp>
+        <p:nvSpPr>
+          <p:cNvPr id="2" name="Titel 1">
+            <a:extLst>
+              <a:ext uri="{FF2B5EF4-FFF2-40B4-BE49-F238E27FC236}">
+                <a16:creationId xmlns:a16="http://schemas.microsoft.com/office/drawing/2014/main" id="{5A4DF092-3F92-500E-3F31-4F77B190FA56}"/>
+              </a:ext>
+            </a:extLst>
+          </p:cNvPr>
+          <p:cNvSpPr>
+            <a:spLocks noGrp="1"/>
+          </p:cNvSpPr>
+          <p:nvPr>
+            <p:ph type="title"/>
+          </p:nvPr>
+        </p:nvSpPr>
+        <p:spPr/>
+        <p:txBody>
+          <a:bodyPr/>
+          <a:lstStyle/>
+          <a:p>
+            <a:pPr algn="ctr"/>
+            <a:r>
+              <a:rPr lang="de-DE" dirty="0"/>
+              <a:t>Über Uns</a:t>
+            </a:r>
+          </a:p>
+        </p:txBody>
+      </p:sp>
+      <p:sp>
+        <p:nvSpPr>
+          <p:cNvPr id="3" name="Inhaltsplatzhalter 2">
+            <a:extLst>
+              <a:ext uri="{FF2B5EF4-FFF2-40B4-BE49-F238E27FC236}">
+                <a16:creationId xmlns:a16="http://schemas.microsoft.com/office/drawing/2014/main" id="{E7B6B314-59D5-7296-436A-2898CE9AA4F8}"/>
+              </a:ext>
+            </a:extLst>
+          </p:cNvPr>
+          <p:cNvSpPr>
+            <a:spLocks noGrp="1"/>
+          </p:cNvSpPr>
+          <p:nvPr>
+            <p:ph idx="1"/>
+          </p:nvPr>
+        </p:nvSpPr>
+        <p:spPr/>
+        <p:txBody>
+          <a:bodyPr>
+            <a:normAutofit/>
+          </a:bodyPr>
+          <a:lstStyle/>
+          <a:p>
+            <a:pPr marL="0" indent="0" algn="l">
+              <a:buNone/>
+            </a:pPr>
+            <a:r>
+              <a:rPr lang="de-DE" sz="1400" b="0" i="0" dirty="0">
+                <a:effectLst/>
+                <a:latin typeface="Arial" panose="020B0604020202020204" pitchFamily="34" charset="0"/>
+                <a:cs typeface="Arial" panose="020B0604020202020204" pitchFamily="34" charset="0"/>
+              </a:rPr>
+              <a:t>Wir sind ein leidenschaftliches Team von T-Shirt-Enthusiasten, das es liebt, einzigartige und hochwertige Kleidungsstücke zu kreieren. Wir sind der Meinung, dass Kleidung eine Art ist, sich auszudrücken und Persönlichkeit zu zeigen.</a:t>
+            </a:r>
+          </a:p>
+          <a:p>
+            <a:pPr marL="0" indent="0" algn="l">
+              <a:buNone/>
+            </a:pPr>
+            <a:r>
+              <a:rPr lang="de-DE" sz="1400" b="0" i="0" dirty="0">
+                <a:effectLst/>
+                <a:latin typeface="Arial" panose="020B0604020202020204" pitchFamily="34" charset="0"/>
+                <a:cs typeface="Arial" panose="020B0604020202020204" pitchFamily="34" charset="0"/>
+              </a:rPr>
+              <a:t>Unser Ziel ist es, dir ein einzigartiges Einkaufserlebnis zu bieten und dir T-Shirts zu liefern, die nicht nur bequem und langlebig sind, sondern auch deine Individualität zum Ausdruck bringen. Wir glauben daran, dass jeder das Recht hat, sich in seiner Kleidung wohlzufühlen und sich selbst auszudrücken.</a:t>
+            </a:r>
+          </a:p>
+          <a:p>
+            <a:pPr marL="0" indent="0" algn="l">
+              <a:buNone/>
+            </a:pPr>
+            <a:r>
+              <a:rPr lang="de-DE" sz="1400" b="0" i="0" dirty="0">
+                <a:effectLst/>
+                <a:latin typeface="Arial" panose="020B0604020202020204" pitchFamily="34" charset="0"/>
+                <a:cs typeface="Arial" panose="020B0604020202020204" pitchFamily="34" charset="0"/>
+              </a:rPr>
+              <a:t>Unsere T-Shirts werden aus hochwertigen Materialien hergestellt und mit viel Liebe zum Detail gestaltet. Jedes Design ist einzigartig und von Hand gezeichnet. Wir haben uns zum Ziel gesetzt, eine breite Palette von Designs zu kreieren, die für jeden etwas bieten, von Musik- und Sport-Themen bis hin zu Natur und Tieren.</a:t>
+            </a:r>
+          </a:p>
+          <a:p>
+            <a:pPr marL="0" indent="0" algn="l">
+              <a:buNone/>
+            </a:pPr>
+            <a:r>
+              <a:rPr lang="de-DE" sz="1400" b="0" i="0" dirty="0">
+                <a:effectLst/>
+                <a:latin typeface="Arial" panose="020B0604020202020204" pitchFamily="34" charset="0"/>
+                <a:cs typeface="Arial" panose="020B0604020202020204" pitchFamily="34" charset="0"/>
+              </a:rPr>
+              <a:t>Wir glauben auch daran, dass Kundenservice der Schlüssel zu unserem Erfolg ist. Unser engagiertes Team steht Ihnen gerne zur Verfügung, um Fragen zu beantworten und Probleme zu lösen. Wir arbeiten hart daran, sicherzustellen, dass Sie mit Ihrem Kauf zufrieden sind und ein großartiges Einkaufserlebnis haben.</a:t>
+            </a:r>
+          </a:p>
+          <a:p>
+            <a:pPr marL="0" indent="0" algn="l">
+              <a:buNone/>
+            </a:pPr>
+            <a:r>
+              <a:rPr lang="de-DE" sz="1400" b="0" i="0" dirty="0">
+                <a:effectLst/>
+                <a:latin typeface="Arial" panose="020B0604020202020204" pitchFamily="34" charset="0"/>
+                <a:cs typeface="Arial" panose="020B0604020202020204" pitchFamily="34" charset="0"/>
+              </a:rPr>
+              <a:t>Vielen Dank, dass Sie uns gewählt haben, um Ihre T-Shirt-Bedürfnisse zu erfüllen. Wir hoffen, dass Sie unser Sortiment lieben und wir freuen uns darauf, Sie als Kunden begrüßen zu dürfen.</a:t>
+            </a:r>
+          </a:p>
+          <a:p>
+            <a:pPr marL="0" indent="0">
+              <a:buNone/>
+            </a:pPr>
+            <a:endParaRPr lang="de-DE" sz="1400" dirty="0">
+              <a:latin typeface="Arial" panose="020B0604020202020204" pitchFamily="34" charset="0"/>
+              <a:cs typeface="Arial" panose="020B0604020202020204" pitchFamily="34" charset="0"/>
+            </a:endParaRPr>
+          </a:p>
+        </p:txBody>
+      </p:sp>
+    </p:spTree>
+    <p:extLst>
+      <p:ext uri="{BB962C8B-B14F-4D97-AF65-F5344CB8AC3E}">
+        <p14:creationId xmlns:p14="http://schemas.microsoft.com/office/powerpoint/2010/main" val="1231324709"/>
+      </p:ext>
+    </p:extLst>
+  </p:cSld>
+  <p:clrMapOvr>
+    <a:masterClrMapping/>
+  </p:clrMapOvr>
+</p:sld>
+</file>
+
+<file path=ppt/slides/slide19.xml><?xml version="1.0" encoding="utf-8"?>
+<p:sld xmlns:a="http://schemas.openxmlformats.org/drawingml/2006/main" xmlns:r="http://schemas.openxmlformats.org/officeDocument/2006/relationships" xmlns:p="http://schemas.openxmlformats.org/presentationml/2006/main">
+  <p:cSld>
+    <p:spTree>
+      <p:nvGrpSpPr>
+        <p:cNvPr id="1" name=""/>
+        <p:cNvGrpSpPr/>
+        <p:nvPr/>
+      </p:nvGrpSpPr>
+      <p:grpSpPr>
+        <a:xfrm>
+          <a:off x="0" y="0"/>
+          <a:ext cx="0" cy="0"/>
+          <a:chOff x="0" y="0"/>
+          <a:chExt cx="0" cy="0"/>
+        </a:xfrm>
+      </p:grpSpPr>
+      <p:sp>
+        <p:nvSpPr>
+          <p:cNvPr id="2" name="Titel 1">
+            <a:extLst>
+              <a:ext uri="{FF2B5EF4-FFF2-40B4-BE49-F238E27FC236}">
+                <a16:creationId xmlns:a16="http://schemas.microsoft.com/office/drawing/2014/main" id="{DEB5CCB0-F863-096A-F423-B652C436A660}"/>
+              </a:ext>
+            </a:extLst>
+          </p:cNvPr>
+          <p:cNvSpPr>
+            <a:spLocks noGrp="1"/>
+          </p:cNvSpPr>
+          <p:nvPr>
+            <p:ph type="title"/>
+          </p:nvPr>
+        </p:nvSpPr>
+        <p:spPr/>
+        <p:txBody>
+          <a:bodyPr/>
+          <a:lstStyle/>
+          <a:p>
+            <a:r>
+              <a:rPr lang="de-DE" dirty="0"/>
+              <a:t>Prototyp(Mobile)</a:t>
+            </a:r>
+          </a:p>
+        </p:txBody>
+      </p:sp>
+      <p:sp>
+        <p:nvSpPr>
+          <p:cNvPr id="3" name="Inhaltsplatzhalter 2">
+            <a:extLst>
+              <a:ext uri="{FF2B5EF4-FFF2-40B4-BE49-F238E27FC236}">
+                <a16:creationId xmlns:a16="http://schemas.microsoft.com/office/drawing/2014/main" id="{20075951-1839-80E1-9865-08E4492AC477}"/>
+              </a:ext>
+            </a:extLst>
+          </p:cNvPr>
+          <p:cNvSpPr>
+            <a:spLocks noGrp="1"/>
+          </p:cNvSpPr>
+          <p:nvPr>
+            <p:ph idx="1"/>
+          </p:nvPr>
+        </p:nvSpPr>
+        <p:spPr/>
+        <p:txBody>
+          <a:bodyPr/>
+          <a:lstStyle/>
+          <a:p>
+            <a:endParaRPr lang="de-DE"/>
+          </a:p>
+        </p:txBody>
+      </p:sp>
+    </p:spTree>
+    <p:extLst>
+      <p:ext uri="{BB962C8B-B14F-4D97-AF65-F5344CB8AC3E}">
+        <p14:creationId xmlns:p14="http://schemas.microsoft.com/office/powerpoint/2010/main" val="567203280"/>
+      </p:ext>
+    </p:extLst>
+  </p:cSld>
+  <p:clrMapOvr>
+    <a:masterClrMapping/>
+  </p:clrMapOvr>
+</p:sld>
+</file>
+
 <file path=ppt/slides/slide2.xml><?xml version="1.0" encoding="utf-8"?>
 <p:sld xmlns:a="http://schemas.openxmlformats.org/drawingml/2006/main" xmlns:r="http://schemas.openxmlformats.org/officeDocument/2006/relationships" xmlns:p="http://schemas.openxmlformats.org/presentationml/2006/main">
   <p:cSld>
@@ -7728,6 +8588,93 @@
     <p:extLst>
       <p:ext uri="{BB962C8B-B14F-4D97-AF65-F5344CB8AC3E}">
         <p14:creationId xmlns:p14="http://schemas.microsoft.com/office/powerpoint/2010/main" val="3394598840"/>
+      </p:ext>
+    </p:extLst>
+  </p:cSld>
+  <p:clrMapOvr>
+    <a:masterClrMapping/>
+  </p:clrMapOvr>
+</p:sld>
+</file>
+
+<file path=ppt/slides/slide20.xml><?xml version="1.0" encoding="utf-8"?>
+<p:sld xmlns:a="http://schemas.openxmlformats.org/drawingml/2006/main" xmlns:r="http://schemas.openxmlformats.org/officeDocument/2006/relationships" xmlns:p="http://schemas.openxmlformats.org/presentationml/2006/main">
+  <p:cSld>
+    <p:spTree>
+      <p:nvGrpSpPr>
+        <p:cNvPr id="1" name=""/>
+        <p:cNvGrpSpPr/>
+        <p:nvPr/>
+      </p:nvGrpSpPr>
+      <p:grpSpPr>
+        <a:xfrm>
+          <a:off x="0" y="0"/>
+          <a:ext cx="0" cy="0"/>
+          <a:chOff x="0" y="0"/>
+          <a:chExt cx="0" cy="0"/>
+        </a:xfrm>
+      </p:grpSpPr>
+      <p:sp>
+        <p:nvSpPr>
+          <p:cNvPr id="2" name="Titel 1">
+            <a:extLst>
+              <a:ext uri="{FF2B5EF4-FFF2-40B4-BE49-F238E27FC236}">
+                <a16:creationId xmlns:a16="http://schemas.microsoft.com/office/drawing/2014/main" id="{2BF6B6AA-7BC4-4AD9-1810-033ADBF68559}"/>
+              </a:ext>
+            </a:extLst>
+          </p:cNvPr>
+          <p:cNvSpPr>
+            <a:spLocks noGrp="1"/>
+          </p:cNvSpPr>
+          <p:nvPr>
+            <p:ph type="title"/>
+          </p:nvPr>
+        </p:nvSpPr>
+        <p:spPr/>
+        <p:txBody>
+          <a:bodyPr/>
+          <a:lstStyle/>
+          <a:p>
+            <a:r>
+              <a:rPr lang="de-DE" dirty="0"/>
+              <a:t>Prototyp</a:t>
+            </a:r>
+            <a:r>
+              <a:rPr lang="de-DE"/>
+              <a:t>(Desktop)</a:t>
+            </a:r>
+          </a:p>
+        </p:txBody>
+      </p:sp>
+      <p:sp>
+        <p:nvSpPr>
+          <p:cNvPr id="3" name="Inhaltsplatzhalter 2">
+            <a:extLst>
+              <a:ext uri="{FF2B5EF4-FFF2-40B4-BE49-F238E27FC236}">
+                <a16:creationId xmlns:a16="http://schemas.microsoft.com/office/drawing/2014/main" id="{D53A6737-E592-448F-A704-11452FF1B4D8}"/>
+              </a:ext>
+            </a:extLst>
+          </p:cNvPr>
+          <p:cNvSpPr>
+            <a:spLocks noGrp="1"/>
+          </p:cNvSpPr>
+          <p:nvPr>
+            <p:ph idx="1"/>
+          </p:nvPr>
+        </p:nvSpPr>
+        <p:spPr/>
+        <p:txBody>
+          <a:bodyPr/>
+          <a:lstStyle/>
+          <a:p>
+            <a:endParaRPr lang="de-DE"/>
+          </a:p>
+        </p:txBody>
+      </p:sp>
+    </p:spTree>
+    <p:extLst>
+      <p:ext uri="{BB962C8B-B14F-4D97-AF65-F5344CB8AC3E}">
+        <p14:creationId xmlns:p14="http://schemas.microsoft.com/office/powerpoint/2010/main" val="642237072"/>
       </p:ext>
     </p:extLst>
   </p:cSld>

--- a/Web-Technologie.pptx
+++ b/Web-Technologie.pptx
@@ -134,7 +134,7 @@
 <file path=ppt/revisionInfo.xml><?xml version="1.0" encoding="utf-8"?>
 <p1510:revInfo xmlns:a="http://schemas.openxmlformats.org/drawingml/2006/main" xmlns:r="http://schemas.openxmlformats.org/officeDocument/2006/relationships" xmlns:p1510="http://schemas.microsoft.com/office/powerpoint/2015/10/main">
   <p1510:revLst>
-    <p1510:client id="{27196A8C-3FC4-41DA-BFF7-A7CB116E1B03}" v="6" dt="2023-04-03T08:46:19.033"/>
+    <p1510:client id="{DABA1AB9-17DE-4C33-A58B-03DDC054E1C9}" v="105" dt="2023-04-05T11:50:46.685"/>
   </p1510:revLst>
 </p1510:revInfo>
 </file>
@@ -144,7 +144,7 @@
   <pc:docChgLst>
     <pc:chgData name="Simon Driescher" userId="fcef99ce1c40fef3" providerId="LiveId" clId="{DABA1AB9-17DE-4C33-A58B-03DDC054E1C9}"/>
     <pc:docChg chg="undo custSel addSld modSld">
-      <pc:chgData name="Simon Driescher" userId="fcef99ce1c40fef3" providerId="LiveId" clId="{DABA1AB9-17DE-4C33-A58B-03DDC054E1C9}" dt="2023-03-26T10:43:51.030" v="350" actId="20577"/>
+      <pc:chgData name="Simon Driescher" userId="fcef99ce1c40fef3" providerId="LiveId" clId="{DABA1AB9-17DE-4C33-A58B-03DDC054E1C9}" dt="2023-04-05T12:29:26.738" v="474" actId="14100"/>
       <pc:docMkLst>
         <pc:docMk/>
       </pc:docMkLst>
@@ -217,6 +217,100 @@
             <ac:graphicFrameMk id="5" creationId="{611B2C5B-4869-F4D0-229D-AF7AB04ACFAD}"/>
           </ac:graphicFrameMkLst>
         </pc:graphicFrameChg>
+      </pc:sldChg>
+      <pc:sldChg chg="addSp delSp modSp mod">
+        <pc:chgData name="Simon Driescher" userId="fcef99ce1c40fef3" providerId="LiveId" clId="{DABA1AB9-17DE-4C33-A58B-03DDC054E1C9}" dt="2023-04-05T12:28:54.605" v="472" actId="21"/>
+        <pc:sldMkLst>
+          <pc:docMk/>
+          <pc:sldMk cId="567203280" sldId="274"/>
+        </pc:sldMkLst>
+        <pc:spChg chg="del">
+          <ac:chgData name="Simon Driescher" userId="fcef99ce1c40fef3" providerId="LiveId" clId="{DABA1AB9-17DE-4C33-A58B-03DDC054E1C9}" dt="2023-04-05T12:25:21.914" v="467" actId="22"/>
+          <ac:spMkLst>
+            <pc:docMk/>
+            <pc:sldMk cId="567203280" sldId="274"/>
+            <ac:spMk id="3" creationId="{20075951-1839-80E1-9865-08E4492AC477}"/>
+          </ac:spMkLst>
+        </pc:spChg>
+        <pc:spChg chg="add del mod">
+          <ac:chgData name="Simon Driescher" userId="fcef99ce1c40fef3" providerId="LiveId" clId="{DABA1AB9-17DE-4C33-A58B-03DDC054E1C9}" dt="2023-04-05T12:28:54.605" v="472" actId="21"/>
+          <ac:spMkLst>
+            <pc:docMk/>
+            <pc:sldMk cId="567203280" sldId="274"/>
+            <ac:spMk id="7" creationId="{3B91EE0F-6B44-821C-F1CD-A59B75413EBD}"/>
+          </ac:spMkLst>
+        </pc:spChg>
+        <pc:picChg chg="add del mod ord">
+          <ac:chgData name="Simon Driescher" userId="fcef99ce1c40fef3" providerId="LiveId" clId="{DABA1AB9-17DE-4C33-A58B-03DDC054E1C9}" dt="2023-04-05T12:28:40.155" v="469" actId="478"/>
+          <ac:picMkLst>
+            <pc:docMk/>
+            <pc:sldMk cId="567203280" sldId="274"/>
+            <ac:picMk id="5" creationId="{DCFF9479-F106-0729-2D7A-164133E38F17}"/>
+          </ac:picMkLst>
+        </pc:picChg>
+        <pc:picChg chg="add mod">
+          <ac:chgData name="Simon Driescher" userId="fcef99ce1c40fef3" providerId="LiveId" clId="{DABA1AB9-17DE-4C33-A58B-03DDC054E1C9}" dt="2023-04-05T12:28:44.135" v="471" actId="1076"/>
+          <ac:picMkLst>
+            <pc:docMk/>
+            <pc:sldMk cId="567203280" sldId="274"/>
+            <ac:picMk id="9" creationId="{1AB2AF06-4CEB-B661-B337-4897E408D975}"/>
+          </ac:picMkLst>
+        </pc:picChg>
+      </pc:sldChg>
+      <pc:sldChg chg="addSp delSp modSp mod setBg">
+        <pc:chgData name="Simon Driescher" userId="fcef99ce1c40fef3" providerId="LiveId" clId="{DABA1AB9-17DE-4C33-A58B-03DDC054E1C9}" dt="2023-04-05T12:29:26.738" v="474" actId="14100"/>
+        <pc:sldMkLst>
+          <pc:docMk/>
+          <pc:sldMk cId="642237072" sldId="275"/>
+        </pc:sldMkLst>
+        <pc:spChg chg="mod">
+          <ac:chgData name="Simon Driescher" userId="fcef99ce1c40fef3" providerId="LiveId" clId="{DABA1AB9-17DE-4C33-A58B-03DDC054E1C9}" dt="2023-04-05T11:50:54.208" v="459" actId="20577"/>
+          <ac:spMkLst>
+            <pc:docMk/>
+            <pc:sldMk cId="642237072" sldId="275"/>
+            <ac:spMk id="2" creationId="{2BF6B6AA-7BC4-4AD9-1810-033ADBF68559}"/>
+          </ac:spMkLst>
+        </pc:spChg>
+        <pc:spChg chg="del">
+          <ac:chgData name="Simon Driescher" userId="fcef99ce1c40fef3" providerId="LiveId" clId="{DABA1AB9-17DE-4C33-A58B-03DDC054E1C9}" dt="2023-04-05T11:50:07.914" v="353" actId="22"/>
+          <ac:spMkLst>
+            <pc:docMk/>
+            <pc:sldMk cId="642237072" sldId="275"/>
+            <ac:spMk id="3" creationId="{D53A6737-E592-448F-A704-11452FF1B4D8}"/>
+          </ac:spMkLst>
+        </pc:spChg>
+        <pc:graphicFrameChg chg="add del mod">
+          <ac:chgData name="Simon Driescher" userId="fcef99ce1c40fef3" providerId="LiveId" clId="{DABA1AB9-17DE-4C33-A58B-03DDC054E1C9}" dt="2023-04-05T11:50:00.856" v="352" actId="478"/>
+          <ac:graphicFrameMkLst>
+            <pc:docMk/>
+            <pc:sldMk cId="642237072" sldId="275"/>
+            <ac:graphicFrameMk id="4" creationId="{CDEFD65A-ABC3-3434-F969-8E94FD655991}"/>
+          </ac:graphicFrameMkLst>
+        </pc:graphicFrameChg>
+        <pc:picChg chg="add mod ord">
+          <ac:chgData name="Simon Driescher" userId="fcef99ce1c40fef3" providerId="LiveId" clId="{DABA1AB9-17DE-4C33-A58B-03DDC054E1C9}" dt="2023-04-05T11:51:07.312" v="464" actId="14100"/>
+          <ac:picMkLst>
+            <pc:docMk/>
+            <pc:sldMk cId="642237072" sldId="275"/>
+            <ac:picMk id="6" creationId="{88926D69-DF47-9DE2-CFD4-041533A6899E}"/>
+          </ac:picMkLst>
+        </pc:picChg>
+        <pc:picChg chg="add mod">
+          <ac:chgData name="Simon Driescher" userId="fcef99ce1c40fef3" providerId="LiveId" clId="{DABA1AB9-17DE-4C33-A58B-03DDC054E1C9}" dt="2023-04-05T11:53:19.478" v="466" actId="14100"/>
+          <ac:picMkLst>
+            <pc:docMk/>
+            <pc:sldMk cId="642237072" sldId="275"/>
+            <ac:picMk id="8" creationId="{70E92C90-C040-345C-814C-33A8198336AD}"/>
+          </ac:picMkLst>
+        </pc:picChg>
+        <pc:picChg chg="add mod">
+          <ac:chgData name="Simon Driescher" userId="fcef99ce1c40fef3" providerId="LiveId" clId="{DABA1AB9-17DE-4C33-A58B-03DDC054E1C9}" dt="2023-04-05T12:29:26.738" v="474" actId="14100"/>
+          <ac:picMkLst>
+            <pc:docMk/>
+            <pc:sldMk cId="642237072" sldId="275"/>
+            <ac:picMk id="10" creationId="{9B3B01A1-B384-4BBD-A0A1-FA1123CC1DB5}"/>
+          </ac:picMkLst>
+        </pc:picChg>
       </pc:sldChg>
     </pc:docChg>
   </pc:docChgLst>
@@ -580,7 +674,7 @@
           <a:p>
             <a:fld id="{1C760FE3-A85F-42BC-8F15-773C19544183}" type="datetimeFigureOut">
               <a:rPr lang="de-DE" smtClean="0"/>
-              <a:t>03.04.2023</a:t>
+              <a:t>05.04.2023</a:t>
             </a:fld>
             <a:endParaRPr lang="de-DE"/>
           </a:p>
@@ -778,7 +872,7 @@
           <a:p>
             <a:fld id="{1C760FE3-A85F-42BC-8F15-773C19544183}" type="datetimeFigureOut">
               <a:rPr lang="de-DE" smtClean="0"/>
-              <a:t>03.04.2023</a:t>
+              <a:t>05.04.2023</a:t>
             </a:fld>
             <a:endParaRPr lang="de-DE"/>
           </a:p>
@@ -986,7 +1080,7 @@
           <a:p>
             <a:fld id="{1C760FE3-A85F-42BC-8F15-773C19544183}" type="datetimeFigureOut">
               <a:rPr lang="de-DE" smtClean="0"/>
-              <a:t>03.04.2023</a:t>
+              <a:t>05.04.2023</a:t>
             </a:fld>
             <a:endParaRPr lang="de-DE"/>
           </a:p>
@@ -1184,7 +1278,7 @@
           <a:p>
             <a:fld id="{1C760FE3-A85F-42BC-8F15-773C19544183}" type="datetimeFigureOut">
               <a:rPr lang="de-DE" smtClean="0"/>
-              <a:t>03.04.2023</a:t>
+              <a:t>05.04.2023</a:t>
             </a:fld>
             <a:endParaRPr lang="de-DE"/>
           </a:p>
@@ -1459,7 +1553,7 @@
           <a:p>
             <a:fld id="{1C760FE3-A85F-42BC-8F15-773C19544183}" type="datetimeFigureOut">
               <a:rPr lang="de-DE" smtClean="0"/>
-              <a:t>03.04.2023</a:t>
+              <a:t>05.04.2023</a:t>
             </a:fld>
             <a:endParaRPr lang="de-DE"/>
           </a:p>
@@ -1724,7 +1818,7 @@
           <a:p>
             <a:fld id="{1C760FE3-A85F-42BC-8F15-773C19544183}" type="datetimeFigureOut">
               <a:rPr lang="de-DE" smtClean="0"/>
-              <a:t>03.04.2023</a:t>
+              <a:t>05.04.2023</a:t>
             </a:fld>
             <a:endParaRPr lang="de-DE"/>
           </a:p>
@@ -2136,7 +2230,7 @@
           <a:p>
             <a:fld id="{1C760FE3-A85F-42BC-8F15-773C19544183}" type="datetimeFigureOut">
               <a:rPr lang="de-DE" smtClean="0"/>
-              <a:t>03.04.2023</a:t>
+              <a:t>05.04.2023</a:t>
             </a:fld>
             <a:endParaRPr lang="de-DE"/>
           </a:p>
@@ -2277,7 +2371,7 @@
           <a:p>
             <a:fld id="{1C760FE3-A85F-42BC-8F15-773C19544183}" type="datetimeFigureOut">
               <a:rPr lang="de-DE" smtClean="0"/>
-              <a:t>03.04.2023</a:t>
+              <a:t>05.04.2023</a:t>
             </a:fld>
             <a:endParaRPr lang="de-DE"/>
           </a:p>
@@ -2390,7 +2484,7 @@
           <a:p>
             <a:fld id="{1C760FE3-A85F-42BC-8F15-773C19544183}" type="datetimeFigureOut">
               <a:rPr lang="de-DE" smtClean="0"/>
-              <a:t>03.04.2023</a:t>
+              <a:t>05.04.2023</a:t>
             </a:fld>
             <a:endParaRPr lang="de-DE"/>
           </a:p>
@@ -2701,7 +2795,7 @@
           <a:p>
             <a:fld id="{1C760FE3-A85F-42BC-8F15-773C19544183}" type="datetimeFigureOut">
               <a:rPr lang="de-DE" smtClean="0"/>
-              <a:t>03.04.2023</a:t>
+              <a:t>05.04.2023</a:t>
             </a:fld>
             <a:endParaRPr lang="de-DE"/>
           </a:p>
@@ -2989,7 +3083,7 @@
           <a:p>
             <a:fld id="{1C760FE3-A85F-42BC-8F15-773C19544183}" type="datetimeFigureOut">
               <a:rPr lang="de-DE" smtClean="0"/>
-              <a:t>03.04.2023</a:t>
+              <a:t>05.04.2023</a:t>
             </a:fld>
             <a:endParaRPr lang="de-DE"/>
           </a:p>
@@ -3230,7 +3324,7 @@
           <a:p>
             <a:fld id="{1C760FE3-A85F-42BC-8F15-773C19544183}" type="datetimeFigureOut">
               <a:rPr lang="de-DE" smtClean="0"/>
-              <a:t>03.04.2023</a:t>
+              <a:t>05.04.2023</a:t>
             </a:fld>
             <a:endParaRPr lang="de-DE"/>
           </a:p>
@@ -8418,31 +8512,36 @@
           </a:p>
         </p:txBody>
       </p:sp>
-      <p:sp>
-        <p:nvSpPr>
-          <p:cNvPr id="3" name="Inhaltsplatzhalter 2">
-            <a:extLst>
-              <a:ext uri="{FF2B5EF4-FFF2-40B4-BE49-F238E27FC236}">
-                <a16:creationId xmlns:a16="http://schemas.microsoft.com/office/drawing/2014/main" id="{20075951-1839-80E1-9865-08E4492AC477}"/>
-              </a:ext>
-            </a:extLst>
-          </p:cNvPr>
-          <p:cNvSpPr>
-            <a:spLocks noGrp="1"/>
-          </p:cNvSpPr>
-          <p:nvPr>
-            <p:ph idx="1"/>
-          </p:nvPr>
-        </p:nvSpPr>
-        <p:spPr/>
-        <p:txBody>
-          <a:bodyPr/>
-          <a:lstStyle/>
-          <a:p>
-            <a:endParaRPr lang="de-DE"/>
-          </a:p>
-        </p:txBody>
-      </p:sp>
+      <p:pic>
+        <p:nvPicPr>
+          <p:cNvPr id="9" name="Grafik 8">
+            <a:extLst>
+              <a:ext uri="{FF2B5EF4-FFF2-40B4-BE49-F238E27FC236}">
+                <a16:creationId xmlns:a16="http://schemas.microsoft.com/office/drawing/2014/main" id="{1AB2AF06-4CEB-B661-B337-4897E408D975}"/>
+              </a:ext>
+            </a:extLst>
+          </p:cNvPr>
+          <p:cNvPicPr>
+            <a:picLocks noChangeAspect="1"/>
+          </p:cNvPicPr>
+          <p:nvPr/>
+        </p:nvPicPr>
+        <p:blipFill>
+          <a:blip r:embed="rId2"/>
+          <a:stretch>
+            <a:fillRect/>
+          </a:stretch>
+        </p:blipFill>
+        <p:spPr>
+          <a:xfrm>
+            <a:off x="6250960" y="0"/>
+            <a:ext cx="4456043" cy="6858000"/>
+          </a:xfrm>
+          <a:prstGeom prst="rect">
+            <a:avLst/>
+          </a:prstGeom>
+        </p:spPr>
+      </p:pic>
     </p:spTree>
     <p:extLst>
       <p:ext uri="{BB962C8B-B14F-4D97-AF65-F5344CB8AC3E}">
@@ -8600,6 +8699,14 @@
 <file path=ppt/slides/slide20.xml><?xml version="1.0" encoding="utf-8"?>
 <p:sld xmlns:a="http://schemas.openxmlformats.org/drawingml/2006/main" xmlns:r="http://schemas.openxmlformats.org/officeDocument/2006/relationships" xmlns:p="http://schemas.openxmlformats.org/presentationml/2006/main">
   <p:cSld>
+    <p:bg>
+      <p:bgPr>
+        <a:solidFill>
+          <a:schemeClr val="bg2"/>
+        </a:solidFill>
+        <a:effectLst/>
+      </p:bgPr>
+    </p:bg>
     <p:spTree>
       <p:nvGrpSpPr>
         <p:cNvPr id="1" name=""/>
@@ -8635,42 +8742,99 @@
           <a:bodyPr/>
           <a:lstStyle/>
           <a:p>
-            <a:r>
-              <a:rPr lang="de-DE" dirty="0"/>
-              <a:t>Prototyp</a:t>
-            </a:r>
-            <a:r>
-              <a:rPr lang="de-DE"/>
-              <a:t>(Desktop)</a:t>
-            </a:r>
-          </a:p>
-        </p:txBody>
-      </p:sp>
-      <p:sp>
-        <p:nvSpPr>
-          <p:cNvPr id="3" name="Inhaltsplatzhalter 2">
-            <a:extLst>
-              <a:ext uri="{FF2B5EF4-FFF2-40B4-BE49-F238E27FC236}">
-                <a16:creationId xmlns:a16="http://schemas.microsoft.com/office/drawing/2014/main" id="{D53A6737-E592-448F-A704-11452FF1B4D8}"/>
-              </a:ext>
-            </a:extLst>
-          </p:cNvPr>
-          <p:cNvSpPr>
-            <a:spLocks noGrp="1"/>
-          </p:cNvSpPr>
+            <a:endParaRPr lang="de-DE" dirty="0"/>
+          </a:p>
+        </p:txBody>
+      </p:sp>
+      <p:pic>
+        <p:nvPicPr>
+          <p:cNvPr id="6" name="Inhaltsplatzhalter 5">
+            <a:extLst>
+              <a:ext uri="{FF2B5EF4-FFF2-40B4-BE49-F238E27FC236}">
+                <a16:creationId xmlns:a16="http://schemas.microsoft.com/office/drawing/2014/main" id="{88926D69-DF47-9DE2-CFD4-041533A6899E}"/>
+              </a:ext>
+            </a:extLst>
+          </p:cNvPr>
+          <p:cNvPicPr>
+            <a:picLocks noGrp="1" noChangeAspect="1"/>
+          </p:cNvPicPr>
           <p:nvPr>
             <p:ph idx="1"/>
           </p:nvPr>
-        </p:nvSpPr>
-        <p:spPr/>
-        <p:txBody>
-          <a:bodyPr/>
-          <a:lstStyle/>
-          <a:p>
-            <a:endParaRPr lang="de-DE"/>
-          </a:p>
-        </p:txBody>
-      </p:sp>
+        </p:nvPicPr>
+        <p:blipFill>
+          <a:blip r:embed="rId2"/>
+          <a:stretch>
+            <a:fillRect/>
+          </a:stretch>
+        </p:blipFill>
+        <p:spPr>
+          <a:xfrm>
+            <a:off x="0" y="9428"/>
+            <a:ext cx="12192000" cy="6871456"/>
+          </a:xfrm>
+        </p:spPr>
+      </p:pic>
+      <p:pic>
+        <p:nvPicPr>
+          <p:cNvPr id="8" name="Grafik 7">
+            <a:extLst>
+              <a:ext uri="{FF2B5EF4-FFF2-40B4-BE49-F238E27FC236}">
+                <a16:creationId xmlns:a16="http://schemas.microsoft.com/office/drawing/2014/main" id="{70E92C90-C040-345C-814C-33A8198336AD}"/>
+              </a:ext>
+            </a:extLst>
+          </p:cNvPr>
+          <p:cNvPicPr>
+            <a:picLocks noChangeAspect="1"/>
+          </p:cNvPicPr>
+          <p:nvPr/>
+        </p:nvPicPr>
+        <p:blipFill>
+          <a:blip r:embed="rId3"/>
+          <a:stretch>
+            <a:fillRect/>
+          </a:stretch>
+        </p:blipFill>
+        <p:spPr>
+          <a:xfrm>
+            <a:off x="9236" y="20059"/>
+            <a:ext cx="12182764" cy="6823053"/>
+          </a:xfrm>
+          <a:prstGeom prst="rect">
+            <a:avLst/>
+          </a:prstGeom>
+        </p:spPr>
+      </p:pic>
+      <p:pic>
+        <p:nvPicPr>
+          <p:cNvPr id="10" name="Grafik 9">
+            <a:extLst>
+              <a:ext uri="{FF2B5EF4-FFF2-40B4-BE49-F238E27FC236}">
+                <a16:creationId xmlns:a16="http://schemas.microsoft.com/office/drawing/2014/main" id="{9B3B01A1-B384-4BBD-A0A1-FA1123CC1DB5}"/>
+              </a:ext>
+            </a:extLst>
+          </p:cNvPr>
+          <p:cNvPicPr>
+            <a:picLocks noChangeAspect="1"/>
+          </p:cNvPicPr>
+          <p:nvPr/>
+        </p:nvPicPr>
+        <p:blipFill>
+          <a:blip r:embed="rId4"/>
+          <a:stretch>
+            <a:fillRect/>
+          </a:stretch>
+        </p:blipFill>
+        <p:spPr>
+          <a:xfrm>
+            <a:off x="1951" y="0"/>
+            <a:ext cx="12188098" cy="6880884"/>
+          </a:xfrm>
+          <a:prstGeom prst="rect">
+            <a:avLst/>
+          </a:prstGeom>
+        </p:spPr>
+      </p:pic>
     </p:spTree>
     <p:extLst>
       <p:ext uri="{BB962C8B-B14F-4D97-AF65-F5344CB8AC3E}">

--- a/Web-Technologie.pptx
+++ b/Web-Technologie.pptx
@@ -134,6 +134,7 @@
 <file path=ppt/revisionInfo.xml><?xml version="1.0" encoding="utf-8"?>
 <p1510:revInfo xmlns:a="http://schemas.openxmlformats.org/drawingml/2006/main" xmlns:r="http://schemas.openxmlformats.org/officeDocument/2006/relationships" xmlns:p1510="http://schemas.microsoft.com/office/powerpoint/2015/10/main">
   <p1510:revLst>
+    <p1510:client id="{70991FE6-9E1E-461A-B791-2F58C5BD706A}" v="2" dt="2023-04-06T10:02:37.176"/>
     <p1510:client id="{DABA1AB9-17DE-4C33-A58B-03DDC054E1C9}" v="105" dt="2023-04-05T11:50:46.685"/>
   </p1510:revLst>
 </p1510:revInfo>
@@ -309,6 +310,99 @@
             <pc:docMk/>
             <pc:sldMk cId="642237072" sldId="275"/>
             <ac:picMk id="10" creationId="{9B3B01A1-B384-4BBD-A0A1-FA1123CC1DB5}"/>
+          </ac:picMkLst>
+        </pc:picChg>
+      </pc:sldChg>
+    </pc:docChg>
+  </pc:docChgLst>
+  <pc:docChgLst>
+    <pc:chgData name="Simon Driescher" userId="fcef99ce1c40fef3" providerId="LiveId" clId="{70991FE6-9E1E-461A-B791-2F58C5BD706A}"/>
+    <pc:docChg chg="custSel modSld">
+      <pc:chgData name="Simon Driescher" userId="fcef99ce1c40fef3" providerId="LiveId" clId="{70991FE6-9E1E-461A-B791-2F58C5BD706A}" dt="2023-04-06T10:43:19.342" v="209" actId="22"/>
+      <pc:docMkLst>
+        <pc:docMk/>
+      </pc:docMkLst>
+      <pc:sldChg chg="addSp modSp mod">
+        <pc:chgData name="Simon Driescher" userId="fcef99ce1c40fef3" providerId="LiveId" clId="{70991FE6-9E1E-461A-B791-2F58C5BD706A}" dt="2023-04-06T10:00:44.920" v="4" actId="962"/>
+        <pc:sldMkLst>
+          <pc:docMk/>
+          <pc:sldMk cId="4207267979" sldId="270"/>
+        </pc:sldMkLst>
+        <pc:picChg chg="add mod">
+          <ac:chgData name="Simon Driescher" userId="fcef99ce1c40fef3" providerId="LiveId" clId="{70991FE6-9E1E-461A-B791-2F58C5BD706A}" dt="2023-04-06T10:00:44.920" v="4" actId="962"/>
+          <ac:picMkLst>
+            <pc:docMk/>
+            <pc:sldMk cId="4207267979" sldId="270"/>
+            <ac:picMk id="4" creationId="{5FC75516-7938-6257-097D-0AD914083A9E}"/>
+          </ac:picMkLst>
+        </pc:picChg>
+      </pc:sldChg>
+      <pc:sldChg chg="addSp delSp modSp mod">
+        <pc:chgData name="Simon Driescher" userId="fcef99ce1c40fef3" providerId="LiveId" clId="{70991FE6-9E1E-461A-B791-2F58C5BD706A}" dt="2023-04-06T10:04:54.172" v="205" actId="20577"/>
+        <pc:sldMkLst>
+          <pc:docMk/>
+          <pc:sldMk cId="3168234825" sldId="271"/>
+        </pc:sldMkLst>
+        <pc:spChg chg="mod">
+          <ac:chgData name="Simon Driescher" userId="fcef99ce1c40fef3" providerId="LiveId" clId="{70991FE6-9E1E-461A-B791-2F58C5BD706A}" dt="2023-04-06T10:02:26.251" v="25" actId="20577"/>
+          <ac:spMkLst>
+            <pc:docMk/>
+            <pc:sldMk cId="3168234825" sldId="271"/>
+            <ac:spMk id="2" creationId="{27640329-9066-F977-5F31-83F8EF7599F2}"/>
+          </ac:spMkLst>
+        </pc:spChg>
+        <pc:spChg chg="add mod">
+          <ac:chgData name="Simon Driescher" userId="fcef99ce1c40fef3" providerId="LiveId" clId="{70991FE6-9E1E-461A-B791-2F58C5BD706A}" dt="2023-04-06T10:04:54.172" v="205" actId="20577"/>
+          <ac:spMkLst>
+            <pc:docMk/>
+            <pc:sldMk cId="3168234825" sldId="271"/>
+            <ac:spMk id="3" creationId="{6D10A5DD-E3FA-A69E-696F-5E60F3333447}"/>
+          </ac:spMkLst>
+        </pc:spChg>
+        <pc:picChg chg="del">
+          <ac:chgData name="Simon Driescher" userId="fcef99ce1c40fef3" providerId="LiveId" clId="{70991FE6-9E1E-461A-B791-2F58C5BD706A}" dt="2023-04-06T10:02:20.087" v="5" actId="478"/>
+          <ac:picMkLst>
+            <pc:docMk/>
+            <pc:sldMk cId="3168234825" sldId="271"/>
+            <ac:picMk id="11" creationId="{AF0516DD-6958-3526-CEB9-8FE2B4153732}"/>
+          </ac:picMkLst>
+        </pc:picChg>
+      </pc:sldChg>
+      <pc:sldChg chg="addSp delSp modSp mod">
+        <pc:chgData name="Simon Driescher" userId="fcef99ce1c40fef3" providerId="LiveId" clId="{70991FE6-9E1E-461A-B791-2F58C5BD706A}" dt="2023-04-06T10:42:56.337" v="208" actId="1076"/>
+        <pc:sldMkLst>
+          <pc:docMk/>
+          <pc:sldMk cId="567203280" sldId="274"/>
+        </pc:sldMkLst>
+        <pc:picChg chg="add mod">
+          <ac:chgData name="Simon Driescher" userId="fcef99ce1c40fef3" providerId="LiveId" clId="{70991FE6-9E1E-461A-B791-2F58C5BD706A}" dt="2023-04-06T10:42:56.337" v="208" actId="1076"/>
+          <ac:picMkLst>
+            <pc:docMk/>
+            <pc:sldMk cId="567203280" sldId="274"/>
+            <ac:picMk id="4" creationId="{85F1854B-D1F7-CE14-BE9C-5A2AC72770E7}"/>
+          </ac:picMkLst>
+        </pc:picChg>
+        <pc:picChg chg="del">
+          <ac:chgData name="Simon Driescher" userId="fcef99ce1c40fef3" providerId="LiveId" clId="{70991FE6-9E1E-461A-B791-2F58C5BD706A}" dt="2023-04-06T10:42:53.833" v="207" actId="478"/>
+          <ac:picMkLst>
+            <pc:docMk/>
+            <pc:sldMk cId="567203280" sldId="274"/>
+            <ac:picMk id="9" creationId="{1AB2AF06-4CEB-B661-B337-4897E408D975}"/>
+          </ac:picMkLst>
+        </pc:picChg>
+      </pc:sldChg>
+      <pc:sldChg chg="addSp mod">
+        <pc:chgData name="Simon Driescher" userId="fcef99ce1c40fef3" providerId="LiveId" clId="{70991FE6-9E1E-461A-B791-2F58C5BD706A}" dt="2023-04-06T10:43:19.342" v="209" actId="22"/>
+        <pc:sldMkLst>
+          <pc:docMk/>
+          <pc:sldMk cId="642237072" sldId="275"/>
+        </pc:sldMkLst>
+        <pc:picChg chg="add">
+          <ac:chgData name="Simon Driescher" userId="fcef99ce1c40fef3" providerId="LiveId" clId="{70991FE6-9E1E-461A-B791-2F58C5BD706A}" dt="2023-04-06T10:43:19.342" v="209" actId="22"/>
+          <ac:picMkLst>
+            <pc:docMk/>
+            <pc:sldMk cId="642237072" sldId="275"/>
+            <ac:picMk id="4" creationId="{01100B9A-4F21-DE69-114B-1C7917F3CCD3}"/>
           </ac:picMkLst>
         </pc:picChg>
       </pc:sldChg>
@@ -674,7 +768,7 @@
           <a:p>
             <a:fld id="{1C760FE3-A85F-42BC-8F15-773C19544183}" type="datetimeFigureOut">
               <a:rPr lang="de-DE" smtClean="0"/>
-              <a:t>05.04.2023</a:t>
+              <a:t>06.04.2023</a:t>
             </a:fld>
             <a:endParaRPr lang="de-DE"/>
           </a:p>
@@ -872,7 +966,7 @@
           <a:p>
             <a:fld id="{1C760FE3-A85F-42BC-8F15-773C19544183}" type="datetimeFigureOut">
               <a:rPr lang="de-DE" smtClean="0"/>
-              <a:t>05.04.2023</a:t>
+              <a:t>06.04.2023</a:t>
             </a:fld>
             <a:endParaRPr lang="de-DE"/>
           </a:p>
@@ -1080,7 +1174,7 @@
           <a:p>
             <a:fld id="{1C760FE3-A85F-42BC-8F15-773C19544183}" type="datetimeFigureOut">
               <a:rPr lang="de-DE" smtClean="0"/>
-              <a:t>05.04.2023</a:t>
+              <a:t>06.04.2023</a:t>
             </a:fld>
             <a:endParaRPr lang="de-DE"/>
           </a:p>
@@ -1278,7 +1372,7 @@
           <a:p>
             <a:fld id="{1C760FE3-A85F-42BC-8F15-773C19544183}" type="datetimeFigureOut">
               <a:rPr lang="de-DE" smtClean="0"/>
-              <a:t>05.04.2023</a:t>
+              <a:t>06.04.2023</a:t>
             </a:fld>
             <a:endParaRPr lang="de-DE"/>
           </a:p>
@@ -1553,7 +1647,7 @@
           <a:p>
             <a:fld id="{1C760FE3-A85F-42BC-8F15-773C19544183}" type="datetimeFigureOut">
               <a:rPr lang="de-DE" smtClean="0"/>
-              <a:t>05.04.2023</a:t>
+              <a:t>06.04.2023</a:t>
             </a:fld>
             <a:endParaRPr lang="de-DE"/>
           </a:p>
@@ -1818,7 +1912,7 @@
           <a:p>
             <a:fld id="{1C760FE3-A85F-42BC-8F15-773C19544183}" type="datetimeFigureOut">
               <a:rPr lang="de-DE" smtClean="0"/>
-              <a:t>05.04.2023</a:t>
+              <a:t>06.04.2023</a:t>
             </a:fld>
             <a:endParaRPr lang="de-DE"/>
           </a:p>
@@ -2230,7 +2324,7 @@
           <a:p>
             <a:fld id="{1C760FE3-A85F-42BC-8F15-773C19544183}" type="datetimeFigureOut">
               <a:rPr lang="de-DE" smtClean="0"/>
-              <a:t>05.04.2023</a:t>
+              <a:t>06.04.2023</a:t>
             </a:fld>
             <a:endParaRPr lang="de-DE"/>
           </a:p>
@@ -2371,7 +2465,7 @@
           <a:p>
             <a:fld id="{1C760FE3-A85F-42BC-8F15-773C19544183}" type="datetimeFigureOut">
               <a:rPr lang="de-DE" smtClean="0"/>
-              <a:t>05.04.2023</a:t>
+              <a:t>06.04.2023</a:t>
             </a:fld>
             <a:endParaRPr lang="de-DE"/>
           </a:p>
@@ -2484,7 +2578,7 @@
           <a:p>
             <a:fld id="{1C760FE3-A85F-42BC-8F15-773C19544183}" type="datetimeFigureOut">
               <a:rPr lang="de-DE" smtClean="0"/>
-              <a:t>05.04.2023</a:t>
+              <a:t>06.04.2023</a:t>
             </a:fld>
             <a:endParaRPr lang="de-DE"/>
           </a:p>
@@ -2795,7 +2889,7 @@
           <a:p>
             <a:fld id="{1C760FE3-A85F-42BC-8F15-773C19544183}" type="datetimeFigureOut">
               <a:rPr lang="de-DE" smtClean="0"/>
-              <a:t>05.04.2023</a:t>
+              <a:t>06.04.2023</a:t>
             </a:fld>
             <a:endParaRPr lang="de-DE"/>
           </a:p>
@@ -3083,7 +3177,7 @@
           <a:p>
             <a:fld id="{1C760FE3-A85F-42BC-8F15-773C19544183}" type="datetimeFigureOut">
               <a:rPr lang="de-DE" smtClean="0"/>
-              <a:t>05.04.2023</a:t>
+              <a:t>06.04.2023</a:t>
             </a:fld>
             <a:endParaRPr lang="de-DE"/>
           </a:p>
@@ -3324,7 +3418,7 @@
           <a:p>
             <a:fld id="{1C760FE3-A85F-42BC-8F15-773C19544183}" type="datetimeFigureOut">
               <a:rPr lang="de-DE" smtClean="0"/>
-              <a:t>05.04.2023</a:t>
+              <a:t>06.04.2023</a:t>
             </a:fld>
             <a:endParaRPr lang="de-DE"/>
           </a:p>
@@ -7821,6 +7915,42 @@
           </a:p>
         </p:txBody>
       </p:sp>
+      <p:pic>
+        <p:nvPicPr>
+          <p:cNvPr id="4" name="Grafik 3" descr="Ein Bild, das Diagramm enthält.">
+            <a:extLst>
+              <a:ext uri="{FF2B5EF4-FFF2-40B4-BE49-F238E27FC236}">
+                <a16:creationId xmlns:a16="http://schemas.microsoft.com/office/drawing/2014/main" id="{5FC75516-7938-6257-097D-0AD914083A9E}"/>
+              </a:ext>
+            </a:extLst>
+          </p:cNvPr>
+          <p:cNvPicPr>
+            <a:picLocks noChangeAspect="1"/>
+          </p:cNvPicPr>
+          <p:nvPr/>
+        </p:nvPicPr>
+        <p:blipFill>
+          <a:blip r:embed="rId3">
+            <a:extLst>
+              <a:ext uri="{28A0092B-C50C-407E-A947-70E740481C1C}">
+                <a14:useLocalDpi xmlns:a14="http://schemas.microsoft.com/office/drawing/2010/main" val="0"/>
+              </a:ext>
+            </a:extLst>
+          </a:blip>
+          <a:stretch>
+            <a:fillRect/>
+          </a:stretch>
+        </p:blipFill>
+        <p:spPr>
+          <a:xfrm>
+            <a:off x="0" y="1886209"/>
+            <a:ext cx="12192000" cy="3085581"/>
+          </a:xfrm>
+          <a:prstGeom prst="rect">
+            <a:avLst/>
+          </a:prstGeom>
+        </p:spPr>
+      </p:pic>
     </p:spTree>
     <p:extLst>
       <p:ext uri="{BB962C8B-B14F-4D97-AF65-F5344CB8AC3E}">
@@ -7875,41 +8005,88 @@
             <a:pPr algn="ctr"/>
             <a:r>
               <a:rPr lang="de-DE" dirty="0"/>
-              <a:t>Struktur</a:t>
-            </a:r>
-          </a:p>
-        </p:txBody>
-      </p:sp>
-      <p:pic>
-        <p:nvPicPr>
-          <p:cNvPr id="11" name="Grafik 10">
-            <a:extLst>
-              <a:ext uri="{FF2B5EF4-FFF2-40B4-BE49-F238E27FC236}">
-                <a16:creationId xmlns:a16="http://schemas.microsoft.com/office/drawing/2014/main" id="{AF0516DD-6958-3526-CEB9-8FE2B4153732}"/>
-              </a:ext>
-            </a:extLst>
-          </p:cNvPr>
-          <p:cNvPicPr>
-            <a:picLocks noChangeAspect="1"/>
-          </p:cNvPicPr>
-          <p:nvPr/>
-        </p:nvPicPr>
-        <p:blipFill>
-          <a:blip r:embed="rId2"/>
-          <a:stretch>
-            <a:fillRect/>
-          </a:stretch>
-        </p:blipFill>
-        <p:spPr>
-          <a:xfrm>
-            <a:off x="1332068" y="1267898"/>
-            <a:ext cx="9527864" cy="5349827"/>
+              <a:t>Page </a:t>
+            </a:r>
+            <a:r>
+              <a:rPr lang="de-DE" dirty="0" err="1"/>
+              <a:t>Structure</a:t>
+            </a:r>
+            <a:r>
+              <a:rPr lang="de-DE" dirty="0"/>
+              <a:t>(Home)</a:t>
+            </a:r>
+          </a:p>
+        </p:txBody>
+      </p:sp>
+      <p:sp>
+        <p:nvSpPr>
+          <p:cNvPr id="3" name="Textfeld 2">
+            <a:extLst>
+              <a:ext uri="{FF2B5EF4-FFF2-40B4-BE49-F238E27FC236}">
+                <a16:creationId xmlns:a16="http://schemas.microsoft.com/office/drawing/2014/main" id="{6D10A5DD-E3FA-A69E-696F-5E60F3333447}"/>
+              </a:ext>
+            </a:extLst>
+          </p:cNvPr>
+          <p:cNvSpPr txBox="1"/>
+          <p:nvPr/>
+        </p:nvSpPr>
+        <p:spPr>
+          <a:xfrm>
+            <a:off x="657726" y="1690688"/>
+            <a:ext cx="10696074" cy="2308324"/>
           </a:xfrm>
           <a:prstGeom prst="rect">
             <a:avLst/>
           </a:prstGeom>
-        </p:spPr>
-      </p:pic>
+          <a:noFill/>
+        </p:spPr>
+        <p:txBody>
+          <a:bodyPr wrap="square" rtlCol="0">
+            <a:spAutoFit/>
+          </a:bodyPr>
+          <a:lstStyle/>
+          <a:p>
+            <a:pPr marL="571500" indent="-571500">
+              <a:buFontTx/>
+              <a:buChar char="-"/>
+            </a:pPr>
+            <a:r>
+              <a:rPr lang="de-DE" sz="3600" dirty="0"/>
+              <a:t>Willkommen</a:t>
+            </a:r>
+          </a:p>
+          <a:p>
+            <a:pPr marL="571500" indent="-571500">
+              <a:buFontTx/>
+              <a:buChar char="-"/>
+            </a:pPr>
+            <a:r>
+              <a:rPr lang="de-DE" sz="3600" dirty="0"/>
+              <a:t>Angebot</a:t>
+            </a:r>
+          </a:p>
+          <a:p>
+            <a:pPr marL="571500" indent="-571500">
+              <a:buFontTx/>
+              <a:buChar char="-"/>
+            </a:pPr>
+            <a:r>
+              <a:rPr lang="de-DE" sz="3600" dirty="0"/>
+              <a:t>Unsere Zeile</a:t>
+            </a:r>
+          </a:p>
+          <a:p>
+            <a:pPr marL="571500" indent="-571500">
+              <a:buFontTx/>
+              <a:buChar char="-"/>
+            </a:pPr>
+            <a:r>
+              <a:rPr lang="de-DE" sz="3600" dirty="0"/>
+              <a:t>Vorstellung Produktkategorien</a:t>
+            </a:r>
+          </a:p>
+        </p:txBody>
+      </p:sp>
     </p:spTree>
     <p:extLst>
       <p:ext uri="{BB962C8B-B14F-4D97-AF65-F5344CB8AC3E}">
@@ -8514,10 +8691,10 @@
       </p:sp>
       <p:pic>
         <p:nvPicPr>
-          <p:cNvPr id="9" name="Grafik 8">
-            <a:extLst>
-              <a:ext uri="{FF2B5EF4-FFF2-40B4-BE49-F238E27FC236}">
-                <a16:creationId xmlns:a16="http://schemas.microsoft.com/office/drawing/2014/main" id="{1AB2AF06-4CEB-B661-B337-4897E408D975}"/>
+          <p:cNvPr id="4" name="Grafik 3">
+            <a:extLst>
+              <a:ext uri="{FF2B5EF4-FFF2-40B4-BE49-F238E27FC236}">
+                <a16:creationId xmlns:a16="http://schemas.microsoft.com/office/drawing/2014/main" id="{85F1854B-D1F7-CE14-BE9C-5A2AC72770E7}"/>
               </a:ext>
             </a:extLst>
           </p:cNvPr>
@@ -8534,8 +8711,8 @@
         </p:blipFill>
         <p:spPr>
           <a:xfrm>
-            <a:off x="6250960" y="0"/>
-            <a:ext cx="4456043" cy="6858000"/>
+            <a:off x="4833689" y="170995"/>
+            <a:ext cx="7144747" cy="6516009"/>
           </a:xfrm>
           <a:prstGeom prst="rect">
             <a:avLst/>
@@ -8829,6 +9006,36 @@
           <a:xfrm>
             <a:off x="1951" y="0"/>
             <a:ext cx="12188098" cy="6880884"/>
+          </a:xfrm>
+          <a:prstGeom prst="rect">
+            <a:avLst/>
+          </a:prstGeom>
+        </p:spPr>
+      </p:pic>
+      <p:pic>
+        <p:nvPicPr>
+          <p:cNvPr id="4" name="Grafik 3">
+            <a:extLst>
+              <a:ext uri="{FF2B5EF4-FFF2-40B4-BE49-F238E27FC236}">
+                <a16:creationId xmlns:a16="http://schemas.microsoft.com/office/drawing/2014/main" id="{01100B9A-4F21-DE69-114B-1C7917F3CCD3}"/>
+              </a:ext>
+            </a:extLst>
+          </p:cNvPr>
+          <p:cNvPicPr>
+            <a:picLocks noChangeAspect="1"/>
+          </p:cNvPicPr>
+          <p:nvPr/>
+        </p:nvPicPr>
+        <p:blipFill>
+          <a:blip r:embed="rId5"/>
+          <a:stretch>
+            <a:fillRect/>
+          </a:stretch>
+        </p:blipFill>
+        <p:spPr>
+          <a:xfrm>
+            <a:off x="0" y="19821"/>
+            <a:ext cx="12192000" cy="6818358"/>
           </a:xfrm>
           <a:prstGeom prst="rect">
             <a:avLst/>
